--- a/computer-basics-soft-skills/day3/Computer Skills and Soft Skills - Lec-3.pptx
+++ b/computer-basics-soft-skills/day3/Computer Skills and Soft Skills - Lec-3.pptx
@@ -17,10 +17,13 @@
     <p:sldId id="355" r:id="rId11"/>
     <p:sldId id="335" r:id="rId12"/>
     <p:sldId id="336" r:id="rId13"/>
-    <p:sldId id="356" r:id="rId14"/>
-    <p:sldId id="357" r:id="rId15"/>
-    <p:sldId id="351" r:id="rId16"/>
-    <p:sldId id="329" r:id="rId17"/>
+    <p:sldId id="366" r:id="rId14"/>
+    <p:sldId id="367" r:id="rId15"/>
+    <p:sldId id="368" r:id="rId16"/>
+    <p:sldId id="369" r:id="rId17"/>
+    <p:sldId id="357" r:id="rId18"/>
+    <p:sldId id="351" r:id="rId19"/>
+    <p:sldId id="329" r:id="rId20"/>
   </p:sldIdLst>
   <p:sldSz cx="12192000" cy="6858000"/>
   <p:notesSz cx="12192000" cy="6858000"/>
@@ -199,7 +202,7 @@
           <a:p>
             <a:fld id="{1D8BD707-D9CF-40AE-B4C6-C98DA3205C09}" type="datetimeFigureOut">
               <a:rPr lang="en-US"/>
-              <a:t>11/2/2025</a:t>
+              <a:t>11/3/2025</a:t>
             </a:fld>
             <a:endParaRPr lang="en-US"/>
           </a:p>
@@ -382,7 +385,7 @@
           <a:p>
             <a:fld id="{1D8BD707-D9CF-40AE-B4C6-C98DA3205C09}" type="datetimeFigureOut">
               <a:rPr lang="en-US"/>
-              <a:t>11/2/2025</a:t>
+              <a:t>11/3/2025</a:t>
             </a:fld>
             <a:endParaRPr lang="en-US"/>
           </a:p>
@@ -609,7 +612,7 @@
           <a:p>
             <a:fld id="{1D8BD707-D9CF-40AE-B4C6-C98DA3205C09}" type="datetimeFigureOut">
               <a:rPr lang="en-US"/>
-              <a:t>11/2/2025</a:t>
+              <a:t>11/3/2025</a:t>
             </a:fld>
             <a:endParaRPr lang="en-US"/>
           </a:p>
@@ -1024,7 +1027,7 @@
           <a:p>
             <a:fld id="{1D8BD707-D9CF-40AE-B4C6-C98DA3205C09}" type="datetimeFigureOut">
               <a:rPr lang="en-US"/>
-              <a:t>11/2/2025</a:t>
+              <a:t>11/3/2025</a:t>
             </a:fld>
             <a:endParaRPr lang="en-US"/>
           </a:p>
@@ -1156,7 +1159,7 @@
           <a:p>
             <a:fld id="{1D8BD707-D9CF-40AE-B4C6-C98DA3205C09}" type="datetimeFigureOut">
               <a:rPr lang="en-US"/>
-              <a:t>11/2/2025</a:t>
+              <a:t>11/3/2025</a:t>
             </a:fld>
             <a:endParaRPr lang="en-US"/>
           </a:p>
@@ -1662,7 +1665,7 @@
           <a:p>
             <a:fld id="{1D8BD707-D9CF-40AE-B4C6-C98DA3205C09}" type="datetimeFigureOut">
               <a:rPr lang="en-US"/>
-              <a:t>11/2/2025</a:t>
+              <a:t>11/3/2025</a:t>
             </a:fld>
             <a:endParaRPr lang="en-US"/>
           </a:p>
@@ -1729,7 +1732,7 @@
           <p:nvPr userDrawn="1">
             <p:extLst>
               <p:ext uri="{1162E1C5-73C7-4A58-AE30-91384D911F3F}">
-                <p184:classification xmlns="" xmlns:p184="http://schemas.microsoft.com/office/powerpoint/2018/4/main" val="ftr"/>
+                <p184:classification xmlns:p184="http://schemas.microsoft.com/office/powerpoint/2018/4/main" xmlns="" val="ftr"/>
               </p:ext>
             </p:extLst>
           </p:nvPr>
@@ -2380,13 +2383,8 @@
           <a:p>
             <a:r>
               <a:rPr lang="en-US" sz="2400" dirty="0"/>
-              <a:t>Module 1: </a:t>
-            </a:r>
-            <a:r>
-              <a:rPr lang="en-US" sz="2400" dirty="0"/>
-              <a:t>Introduction to ERP Systems</a:t>
-            </a:r>
-            <a:endParaRPr lang="en-US" sz="2400" dirty="0"/>
+              <a:t>Module 1: Introduction to ERP Systems</a:t>
+            </a:r>
           </a:p>
         </p:txBody>
       </p:sp>
@@ -2488,7 +2486,6 @@
               <a:rPr lang="en-US" sz="1600" dirty="0" smtClean="0"/>
               <a:t>Why is having a "single source of truth" for data so important for a growing business?</a:t>
             </a:r>
-            <a:endParaRPr lang="en-US" sz="1600" dirty="0" smtClean="0"/>
           </a:p>
           <a:p>
             <a:pPr marL="285750" indent="-285750">
@@ -2506,7 +2503,6 @@
               <a:rPr lang="en-US" sz="1600" dirty="0" smtClean="0"/>
               <a:t>Before ERPs, what kind of problems might a company have if Sales, Finance, and Shipping all used different software?</a:t>
             </a:r>
-            <a:endParaRPr lang="en-US" sz="1600" dirty="0" smtClean="0"/>
           </a:p>
         </p:txBody>
       </p:sp>
@@ -2610,7 +2606,6 @@
               <a:rPr lang="en-US" sz="5400" dirty="0"/>
               <a:t>Problem Solving</a:t>
             </a:r>
-            <a:endParaRPr lang="en-US" sz="5400" dirty="0"/>
           </a:p>
         </p:txBody>
       </p:sp>
@@ -2744,7 +2739,6 @@
               <a:rPr lang="en-US" sz="2800" dirty="0"/>
               <a:t>Problem Solving</a:t>
             </a:r>
-            <a:endParaRPr lang="en-US" sz="2800" dirty="0"/>
           </a:p>
         </p:txBody>
       </p:sp>
@@ -2829,7 +2823,7 @@
         <p:spPr>
           <a:xfrm>
             <a:off x="990600" y="2057400"/>
-            <a:ext cx="5867400" cy="1569660"/>
+            <a:ext cx="5867400" cy="3077766"/>
           </a:xfrm>
           <a:prstGeom prst="rect">
             <a:avLst/>
@@ -2859,8 +2853,57 @@
           <a:p>
             <a:r>
               <a:rPr lang="en-US" sz="1600" dirty="0" smtClean="0"/>
-              <a:t>Here is a simple 4-step approach you can apply to almost any workplace problem.</a:t>
-            </a:r>
+              <a:t>Here is a simple 4-step approach you can apply to almost any workplace problem</a:t>
+            </a:r>
+            <a:r>
+              <a:rPr lang="en-US" sz="1600" dirty="0" smtClean="0"/>
+              <a:t>.</a:t>
+            </a:r>
+          </a:p>
+          <a:p>
+            <a:endParaRPr lang="en-US" sz="1600" dirty="0"/>
+          </a:p>
+          <a:p>
+            <a:r>
+              <a:rPr lang="en-US" sz="1600" dirty="0" smtClean="0"/>
+              <a:t>1. </a:t>
+            </a:r>
+            <a:r>
+              <a:rPr lang="en-US" sz="1600" b="1" dirty="0" smtClean="0"/>
+              <a:t>Define the Real Problem</a:t>
+            </a:r>
+          </a:p>
+          <a:p>
+            <a:r>
+              <a:rPr lang="en-US" sz="1600" dirty="0" smtClean="0"/>
+              <a:t>2. </a:t>
+            </a:r>
+            <a:r>
+              <a:rPr lang="en-US" sz="1600" b="1" dirty="0" smtClean="0"/>
+              <a:t>Brainstorm Potential Solutions</a:t>
+            </a:r>
+          </a:p>
+          <a:p>
+            <a:r>
+              <a:rPr lang="en-US" sz="1600" dirty="0" smtClean="0"/>
+              <a:t>3. </a:t>
+            </a:r>
+            <a:r>
+              <a:rPr lang="en-US" sz="1600" b="1" dirty="0" smtClean="0"/>
+              <a:t>Evaluate and Choose a Solution</a:t>
+            </a:r>
+          </a:p>
+          <a:p>
+            <a:r>
+              <a:rPr lang="en-US" sz="1600" dirty="0" smtClean="0"/>
+              <a:t>4. </a:t>
+            </a:r>
+            <a:r>
+              <a:rPr lang="en-US" sz="1600" b="1" dirty="0" smtClean="0"/>
+              <a:t>Implement and Review</a:t>
+            </a:r>
+          </a:p>
+          <a:p>
             <a:endParaRPr lang="ar-EG" sz="1600" dirty="0"/>
           </a:p>
         </p:txBody>
@@ -2983,7 +3026,7 @@
             </a:r>
             <a:r>
               <a:rPr lang="en-US" sz="2800" dirty="0"/>
-              <a:t>PowerPoint Fundamentals</a:t>
+              <a:t>Problem Solving</a:t>
             </a:r>
           </a:p>
         </p:txBody>
@@ -3031,7 +3074,7 @@
         <p:spPr>
           <a:xfrm>
             <a:off x="990600" y="1447800"/>
-            <a:ext cx="2069797" cy="369332"/>
+            <a:ext cx="2839239" cy="369332"/>
           </a:xfrm>
           <a:prstGeom prst="rect">
             <a:avLst/>
@@ -3050,7 +3093,7 @@
                   <a:srgbClr val="C00000"/>
                 </a:solidFill>
               </a:rPr>
-              <a:t>Inserting Objects</a:t>
+              <a:t>Define the Real Problem</a:t>
             </a:r>
             <a:endParaRPr lang="en-US" b="1" dirty="0">
               <a:solidFill>
@@ -3068,8 +3111,8 @@
         </p:nvSpPr>
         <p:spPr>
           <a:xfrm>
-            <a:off x="1066800" y="2057400"/>
-            <a:ext cx="7162800" cy="2800767"/>
+            <a:off x="990600" y="2057400"/>
+            <a:ext cx="5867400" cy="3046988"/>
           </a:xfrm>
           <a:prstGeom prst="rect">
             <a:avLst/>
@@ -3084,114 +3127,119 @@
           <a:p>
             <a:r>
               <a:rPr lang="en-US" sz="1600" dirty="0" smtClean="0"/>
-              <a:t>Slides are visual. Use objects to break up text.</a:t>
+              <a:t>Don't just fix the symptom; find the root cause.</a:t>
             </a:r>
           </a:p>
           <a:p>
             <a:endParaRPr lang="en-US" sz="1600" dirty="0" smtClean="0"/>
           </a:p>
           <a:p>
-            <a:pPr marL="285750" indent="-285750">
-              <a:buFont typeface="Wingdings" panose="05000000000000000000" pitchFamily="2" charset="2"/>
-              <a:buChar char="q"/>
-            </a:pPr>
             <a:r>
               <a:rPr lang="en-US" sz="1600" b="1" dirty="0" smtClean="0"/>
-              <a:t>Images</a:t>
+              <a:t>Symptom:</a:t>
             </a:r>
             <a:r>
               <a:rPr lang="en-US" sz="1600" dirty="0" smtClean="0"/>
-              <a:t>: Go to Insert &gt; Pictures. Use high-quality images that are relevant to your point. Don't stretch or distort them!</a:t>
-            </a:r>
-            <a:endParaRPr lang="ar-BH" sz="1600" dirty="0" smtClean="0"/>
-          </a:p>
-          <a:p>
-            <a:pPr marL="285750" indent="-285750">
-              <a:buFont typeface="Wingdings" panose="05000000000000000000" pitchFamily="2" charset="2"/>
-              <a:buChar char="q"/>
-            </a:pPr>
+              <a:t> "The client is angry.“</a:t>
+            </a:r>
+          </a:p>
+          <a:p>
             <a:endParaRPr lang="en-US" sz="1600" dirty="0" smtClean="0"/>
           </a:p>
           <a:p>
-            <a:pPr marL="285750" indent="-285750">
-              <a:buFont typeface="Wingdings" panose="05000000000000000000" pitchFamily="2" charset="2"/>
-              <a:buChar char="q"/>
-            </a:pPr>
             <a:r>
               <a:rPr lang="en-US" sz="1600" b="1" dirty="0" smtClean="0"/>
-              <a:t>Charts from Excel</a:t>
+              <a:t>Real Problem:</a:t>
             </a:r>
             <a:r>
               <a:rPr lang="en-US" sz="1600" dirty="0" smtClean="0"/>
-              <a:t>: You can copy a chart in Excel (</a:t>
-            </a:r>
-            <a:r>
-              <a:rPr lang="en-US" sz="1600" dirty="0" err="1" smtClean="0"/>
-              <a:t>Ctrl+C</a:t>
+              <a:t> "The client's shipment was late.“</a:t>
+            </a:r>
+          </a:p>
+          <a:p>
+            <a:endParaRPr lang="en-US" sz="1600" dirty="0" smtClean="0"/>
+          </a:p>
+          <a:p>
+            <a:r>
+              <a:rPr lang="en-US" sz="1600" b="1" dirty="0" smtClean="0"/>
+              <a:t>Root Cause (Keep asking "Why?"):</a:t>
+            </a:r>
+            <a:endParaRPr lang="en-US" sz="1600" dirty="0" smtClean="0"/>
+          </a:p>
+          <a:p>
+            <a:pPr lvl="1"/>
+            <a:r>
+              <a:rPr lang="en-US" sz="1600" i="1" dirty="0" smtClean="0"/>
+              <a:t>Why was it late?</a:t>
             </a:r>
             <a:r>
               <a:rPr lang="en-US" sz="1600" dirty="0" smtClean="0"/>
-              <a:t>) and paste it directly into PowerPoint (</a:t>
-            </a:r>
-            <a:r>
-              <a:rPr lang="en-US" sz="1600" dirty="0" err="1" smtClean="0"/>
-              <a:t>Ctrl+V</a:t>
+              <a:t> "Shipping didn't have the order."</a:t>
+            </a:r>
+          </a:p>
+          <a:p>
+            <a:pPr lvl="1"/>
+            <a:r>
+              <a:rPr lang="en-US" sz="1600" i="1" dirty="0" smtClean="0"/>
+              <a:t>Why?</a:t>
             </a:r>
             <a:r>
               <a:rPr lang="en-US" sz="1600" dirty="0" smtClean="0"/>
-              <a:t>). </a:t>
-            </a:r>
-          </a:p>
-          <a:p>
-            <a:pPr marL="285750" indent="-285750">
-              <a:buFont typeface="Wingdings" panose="05000000000000000000" pitchFamily="2" charset="2"/>
-              <a:buChar char="q"/>
-            </a:pPr>
+              <a:t> "The order was stuck in the sales system."</a:t>
+            </a:r>
+          </a:p>
+          <a:p>
+            <a:pPr lvl="1"/>
+            <a:r>
+              <a:rPr lang="en-US" sz="1600" i="1" dirty="0" smtClean="0"/>
+              <a:t>Why?</a:t>
+            </a:r>
+            <a:r>
+              <a:rPr lang="en-US" sz="1600" dirty="0" smtClean="0"/>
+              <a:t> "The salesperson missed a final confirmation step.“</a:t>
+            </a:r>
+          </a:p>
+          <a:p>
+            <a:pPr lvl="1"/>
+            <a:endParaRPr lang="en-US" sz="1600" dirty="0" smtClean="0"/>
+          </a:p>
+          <a:p>
+            <a:pPr lvl="1"/>
+            <a:r>
+              <a:rPr lang="en-US" sz="1600" b="1" dirty="0" smtClean="0"/>
+              <a:t>Root Cause:</a:t>
+            </a:r>
+            <a:r>
+              <a:rPr lang="en-US" sz="1600" dirty="0" smtClean="0"/>
+              <a:t> "The sales process isn't clear on the final step."</a:t>
+            </a:r>
             <a:endParaRPr lang="en-US" sz="1600" dirty="0"/>
-          </a:p>
-          <a:p>
-            <a:r>
-              <a:rPr lang="en-US" sz="1600" dirty="0" smtClean="0"/>
-              <a:t>It's often best to paste it "</a:t>
-            </a:r>
-            <a:r>
-              <a:rPr lang="en-US" sz="1600" i="1" dirty="0" smtClean="0"/>
-              <a:t>As Picture</a:t>
-            </a:r>
-            <a:r>
-              <a:rPr lang="en-US" sz="1600" dirty="0" smtClean="0"/>
-              <a:t>" to prevent formatting issues, or "</a:t>
-            </a:r>
-            <a:r>
-              <a:rPr lang="en-US" sz="1600" i="1" dirty="0" smtClean="0"/>
-              <a:t>Link Data</a:t>
-            </a:r>
-            <a:r>
-              <a:rPr lang="en-US" sz="1600" dirty="0" smtClean="0"/>
-              <a:t>" if you want the chart in PowerPoint to update when you change the data in Excel.</a:t>
-            </a:r>
-            <a:endParaRPr lang="ar-EG" sz="1600" dirty="0"/>
           </a:p>
         </p:txBody>
       </p:sp>
       <p:pic>
         <p:nvPicPr>
-          <p:cNvPr id="7" name="Picture 6"/>
+          <p:cNvPr id="4" name="Picture 3"/>
           <p:cNvPicPr>
             <a:picLocks noChangeAspect="1"/>
           </p:cNvPicPr>
           <p:nvPr/>
         </p:nvPicPr>
-        <p:blipFill>
-          <a:blip r:embed="rId3"/>
-          <a:stretch>
-            <a:fillRect/>
-          </a:stretch>
+        <p:blipFill rotWithShape="1">
+          <a:blip r:embed="rId3" cstate="print">
+            <a:extLst>
+              <a:ext uri="{28A0092B-C50C-407E-A947-70E740481C1C}">
+                <a14:useLocalDpi xmlns:a14="http://schemas.microsoft.com/office/drawing/2010/main" val="0"/>
+              </a:ext>
+            </a:extLst>
+          </a:blip>
+          <a:srcRect b="7520"/>
+          <a:stretch/>
         </p:blipFill>
         <p:spPr>
           <a:xfrm>
-            <a:off x="8763000" y="2848183"/>
-            <a:ext cx="2552700" cy="1219200"/>
+            <a:off x="7686484" y="1338075"/>
+            <a:ext cx="4205287" cy="4148326"/>
           </a:xfrm>
           <a:prstGeom prst="rect">
             <a:avLst/>
@@ -3201,7 +3249,7 @@
     </p:spTree>
     <p:extLst>
       <p:ext uri="{BB962C8B-B14F-4D97-AF65-F5344CB8AC3E}">
-        <p14:creationId xmlns:p14="http://schemas.microsoft.com/office/powerpoint/2010/main" val="1627151483"/>
+        <p14:creationId xmlns:p14="http://schemas.microsoft.com/office/powerpoint/2010/main" val="2865711855"/>
       </p:ext>
     </p:extLst>
   </p:cSld>
@@ -3249,7 +3297,7 @@
         </p:blipFill>
         <p:spPr>
           <a:xfrm>
-            <a:off x="884176" y="224295"/>
+            <a:off x="758235" y="239637"/>
             <a:ext cx="464730" cy="514995"/>
           </a:xfrm>
           <a:prstGeom prst="rect">
@@ -3269,8 +3317,8 @@
         </p:nvSpPr>
         <p:spPr>
           <a:xfrm>
-            <a:off x="1676400" y="84174"/>
-            <a:ext cx="6563742" cy="677826"/>
+            <a:off x="1447800" y="76806"/>
+            <a:ext cx="6781800" cy="677826"/>
           </a:xfrm>
           <a:prstGeom prst="rect">
             <a:avLst/>
@@ -3292,7 +3340,7 @@
             </a:r>
             <a:r>
               <a:rPr lang="en-US" sz="2800" dirty="0"/>
-              <a:t>PowerPoint Fundamentals</a:t>
+              <a:t>Problem Solving</a:t>
             </a:r>
           </a:p>
         </p:txBody>
@@ -3339,8 +3387,8 @@
         </p:nvSpPr>
         <p:spPr>
           <a:xfrm>
-            <a:off x="762000" y="1905000"/>
-            <a:ext cx="2069797" cy="369332"/>
+            <a:off x="990600" y="1447800"/>
+            <a:ext cx="3570208" cy="369332"/>
           </a:xfrm>
           <a:prstGeom prst="rect">
             <a:avLst/>
@@ -3359,22 +3407,26 @@
                   <a:srgbClr val="C00000"/>
                 </a:solidFill>
               </a:rPr>
-              <a:t>Open Discussion</a:t>
-            </a:r>
-            <a:endParaRPr lang="ar-EG" dirty="0"/>
-          </a:p>
-        </p:txBody>
-      </p:sp>
-      <p:sp>
-        <p:nvSpPr>
-          <p:cNvPr id="7" name="TextBox 6"/>
+              <a:t>Brainstorm Potential Solutions</a:t>
+            </a:r>
+            <a:endParaRPr lang="en-US" b="1" dirty="0">
+              <a:solidFill>
+                <a:srgbClr val="C00000"/>
+              </a:solidFill>
+            </a:endParaRPr>
+          </a:p>
+        </p:txBody>
+      </p:sp>
+      <p:sp>
+        <p:nvSpPr>
+          <p:cNvPr id="9" name="TextBox 8"/>
           <p:cNvSpPr txBox="1"/>
           <p:nvPr/>
         </p:nvSpPr>
         <p:spPr>
           <a:xfrm>
-            <a:off x="884176" y="2590800"/>
-            <a:ext cx="5897624" cy="1323439"/>
+            <a:off x="990600" y="2057400"/>
+            <a:ext cx="5867400" cy="3139321"/>
           </a:xfrm>
           <a:prstGeom prst="rect">
             <a:avLst/>
@@ -3387,60 +3439,119 @@
           </a:bodyPr>
           <a:lstStyle/>
           <a:p>
-            <a:pPr marL="285750" indent="-285750">
+            <a:r>
+              <a:rPr lang="en-US" dirty="0" smtClean="0"/>
+              <a:t>Now that you know the root cause, what are some ways to fix it?</a:t>
+            </a:r>
+          </a:p>
+          <a:p>
+            <a:endParaRPr lang="en-US" dirty="0" smtClean="0"/>
+          </a:p>
+          <a:p>
+            <a:r>
+              <a:rPr lang="en-US" dirty="0" smtClean="0"/>
+              <a:t>Don't judge ideas at this stage. Write everything down.</a:t>
+            </a:r>
+          </a:p>
+          <a:p>
+            <a:endParaRPr lang="en-US" dirty="0" smtClean="0"/>
+          </a:p>
+          <a:p>
+            <a:r>
+              <a:rPr lang="en-US" i="1" dirty="0" smtClean="0"/>
+              <a:t>Example (for the root cause above):</a:t>
+            </a:r>
+          </a:p>
+          <a:p>
+            <a:endParaRPr lang="en-US" dirty="0" smtClean="0"/>
+          </a:p>
+          <a:p>
+            <a:pPr marL="285750" lvl="1" indent="-285750">
               <a:buFont typeface="Wingdings" panose="05000000000000000000" pitchFamily="2" charset="2"/>
-              <a:buChar char="q"/>
-            </a:pPr>
-            <a:r>
-              <a:rPr lang="en-US" sz="1600" dirty="0" smtClean="0"/>
-              <a:t>What's the biggest mistake you've seen in a presentation? (e.g., too much text, bad colors, unreadable font)</a:t>
-            </a:r>
-          </a:p>
-          <a:p>
-            <a:pPr marL="285750" indent="-285750">
+              <a:buChar char="Ø"/>
+            </a:pPr>
+            <a:r>
+              <a:rPr lang="en-US" dirty="0" smtClean="0"/>
+              <a:t>Re-train the salesperson.</a:t>
+            </a:r>
+          </a:p>
+          <a:p>
+            <a:pPr marL="285750" lvl="1" indent="-285750">
               <a:buFont typeface="Wingdings" panose="05000000000000000000" pitchFamily="2" charset="2"/>
-              <a:buChar char="q"/>
-            </a:pPr>
-            <a:endParaRPr lang="en-US" sz="1600" dirty="0" smtClean="0"/>
-          </a:p>
-          <a:p>
-            <a:pPr marL="285750" indent="-285750">
+              <a:buChar char="Ø"/>
+            </a:pPr>
+            <a:r>
+              <a:rPr lang="en-US" dirty="0" smtClean="0"/>
+              <a:t>Create a mandatory checklist in the system.</a:t>
+            </a:r>
+          </a:p>
+          <a:p>
+            <a:pPr marL="285750" lvl="1" indent="-285750">
               <a:buFont typeface="Wingdings" panose="05000000000000000000" pitchFamily="2" charset="2"/>
-              <a:buChar char="q"/>
-            </a:pPr>
-            <a:r>
-              <a:rPr lang="en-US" sz="1600" dirty="0" smtClean="0"/>
-              <a:t>Why is it important to have a consistent look (using a Slide Master) for all slides?</a:t>
-            </a:r>
+              <a:buChar char="Ø"/>
+            </a:pPr>
+            <a:r>
+              <a:rPr lang="en-US" dirty="0" smtClean="0"/>
+              <a:t>Send an automatic alert if a step is missed.</a:t>
+            </a:r>
+          </a:p>
+          <a:p>
+            <a:pPr marL="285750" lvl="1" indent="-285750">
+              <a:buFont typeface="Wingdings" panose="05000000000000000000" pitchFamily="2" charset="2"/>
+              <a:buChar char="Ø"/>
+            </a:pPr>
+            <a:r>
+              <a:rPr lang="en-US" dirty="0" smtClean="0"/>
+              <a:t>Have a manager review every order.</a:t>
+            </a:r>
+            <a:endParaRPr lang="en-US" dirty="0"/>
           </a:p>
         </p:txBody>
       </p:sp>
       <p:pic>
         <p:nvPicPr>
-          <p:cNvPr id="11" name="object 4"/>
-          <p:cNvPicPr/>
+          <p:cNvPr id="4" name="Picture 3"/>
+          <p:cNvPicPr>
+            <a:picLocks noChangeAspect="1"/>
+          </p:cNvPicPr>
           <p:nvPr/>
         </p:nvPicPr>
         <p:blipFill>
-          <a:blip r:embed="rId3" cstate="print"/>
+          <a:blip r:embed="rId3" cstate="print">
+            <a:extLst>
+              <a:ext uri="{28A0092B-C50C-407E-A947-70E740481C1C}">
+                <a14:useLocalDpi xmlns:a14="http://schemas.microsoft.com/office/drawing/2010/main" val="0"/>
+              </a:ext>
+            </a:extLst>
+          </a:blip>
           <a:stretch>
             <a:fillRect/>
           </a:stretch>
         </p:blipFill>
         <p:spPr>
           <a:xfrm>
-            <a:off x="7315200" y="1899138"/>
-            <a:ext cx="3814572" cy="3733800"/>
-          </a:xfrm>
-          <a:prstGeom prst="rect">
-            <a:avLst/>
-          </a:prstGeom>
+            <a:off x="7391400" y="1482969"/>
+            <a:ext cx="3825241" cy="3825241"/>
+          </a:xfrm>
+          <a:prstGeom prst="rect">
+            <a:avLst/>
+          </a:prstGeom>
+          <a:ln>
+            <a:noFill/>
+          </a:ln>
+          <a:effectLst>
+            <a:outerShdw blurRad="190500" algn="tl" rotWithShape="0">
+              <a:srgbClr val="000000">
+                <a:alpha val="70000"/>
+              </a:srgbClr>
+            </a:outerShdw>
+          </a:effectLst>
         </p:spPr>
       </p:pic>
     </p:spTree>
     <p:extLst>
       <p:ext uri="{BB962C8B-B14F-4D97-AF65-F5344CB8AC3E}">
-        <p14:creationId xmlns:p14="http://schemas.microsoft.com/office/powerpoint/2010/main" val="3808001898"/>
+        <p14:creationId xmlns:p14="http://schemas.microsoft.com/office/powerpoint/2010/main" val="3050885143"/>
       </p:ext>
     </p:extLst>
   </p:cSld>
@@ -3474,6 +3585,858 @@
           <a:chExt cx="0" cy="0"/>
         </a:xfrm>
       </p:grpSpPr>
+      <p:pic>
+        <p:nvPicPr>
+          <p:cNvPr id="2" name="object 2"/>
+          <p:cNvPicPr/>
+          <p:nvPr/>
+        </p:nvPicPr>
+        <p:blipFill>
+          <a:blip r:embed="rId2" cstate="print"/>
+          <a:stretch>
+            <a:fillRect/>
+          </a:stretch>
+        </p:blipFill>
+        <p:spPr>
+          <a:xfrm>
+            <a:off x="758235" y="239637"/>
+            <a:ext cx="464730" cy="514995"/>
+          </a:xfrm>
+          <a:prstGeom prst="rect">
+            <a:avLst/>
+          </a:prstGeom>
+        </p:spPr>
+      </p:pic>
+      <p:sp>
+        <p:nvSpPr>
+          <p:cNvPr id="3" name="object 3"/>
+          <p:cNvSpPr txBox="1">
+            <a:spLocks noGrp="1"/>
+          </p:cNvSpPr>
+          <p:nvPr>
+            <p:ph type="title"/>
+          </p:nvPr>
+        </p:nvSpPr>
+        <p:spPr>
+          <a:xfrm>
+            <a:off x="1447800" y="76806"/>
+            <a:ext cx="6781800" cy="677826"/>
+          </a:xfrm>
+          <a:prstGeom prst="rect">
+            <a:avLst/>
+          </a:prstGeom>
+        </p:spPr>
+        <p:txBody>
+          <a:bodyPr vert="horz" wrap="square" lIns="0" tIns="244551" rIns="0" bIns="0" rtlCol="0">
+            <a:spAutoFit/>
+          </a:bodyPr>
+          <a:lstStyle/>
+          <a:p>
+            <a:r>
+              <a:rPr lang="en-US" sz="2800" dirty="0"/>
+              <a:t>Module </a:t>
+            </a:r>
+            <a:r>
+              <a:rPr lang="en-US" sz="2800" dirty="0" smtClean="0"/>
+              <a:t>2: </a:t>
+            </a:r>
+            <a:r>
+              <a:rPr lang="en-US" sz="2800" dirty="0"/>
+              <a:t>Problem Solving</a:t>
+            </a:r>
+          </a:p>
+        </p:txBody>
+      </p:sp>
+      <p:sp>
+        <p:nvSpPr>
+          <p:cNvPr id="5" name="object 5"/>
+          <p:cNvSpPr txBox="1">
+            <a:spLocks noGrp="1"/>
+          </p:cNvSpPr>
+          <p:nvPr>
+            <p:ph type="sldNum" sz="quarter" idx="7"/>
+          </p:nvPr>
+        </p:nvSpPr>
+        <p:spPr>
+          <a:prstGeom prst="rect">
+            <a:avLst/>
+          </a:prstGeom>
+        </p:spPr>
+        <p:txBody>
+          <a:bodyPr vert="horz" wrap="square" lIns="0" tIns="0" rIns="0" bIns="0" rtlCol="0">
+            <a:spAutoFit/>
+          </a:bodyPr>
+          <a:lstStyle/>
+          <a:p>
+            <a:pPr marL="38100">
+              <a:lnSpc>
+                <a:spcPts val="1310"/>
+              </a:lnSpc>
+            </a:pPr>
+            <a:fld id="{81D60167-4931-47E6-BA6A-407CBD079E47}" type="slidenum">
+              <a:rPr spc="-25" dirty="0"/>
+              <a:t>15</a:t>
+            </a:fld>
+            <a:endParaRPr spc="-25" dirty="0"/>
+          </a:p>
+        </p:txBody>
+      </p:sp>
+      <p:sp>
+        <p:nvSpPr>
+          <p:cNvPr id="6" name="TextBox 5"/>
+          <p:cNvSpPr txBox="1"/>
+          <p:nvPr/>
+        </p:nvSpPr>
+        <p:spPr>
+          <a:xfrm>
+            <a:off x="990600" y="1447800"/>
+            <a:ext cx="3698448" cy="369332"/>
+          </a:xfrm>
+          <a:prstGeom prst="rect">
+            <a:avLst/>
+          </a:prstGeom>
+          <a:noFill/>
+        </p:spPr>
+        <p:txBody>
+          <a:bodyPr wrap="none" rtlCol="1">
+            <a:spAutoFit/>
+          </a:bodyPr>
+          <a:lstStyle/>
+          <a:p>
+            <a:r>
+              <a:rPr lang="en-US" b="1" dirty="0" smtClean="0">
+                <a:solidFill>
+                  <a:srgbClr val="C00000"/>
+                </a:solidFill>
+              </a:rPr>
+              <a:t>Evaluate and Choose a Solution</a:t>
+            </a:r>
+            <a:endParaRPr lang="en-US" b="1" dirty="0">
+              <a:solidFill>
+                <a:srgbClr val="C00000"/>
+              </a:solidFill>
+            </a:endParaRPr>
+          </a:p>
+        </p:txBody>
+      </p:sp>
+      <p:sp>
+        <p:nvSpPr>
+          <p:cNvPr id="9" name="TextBox 8"/>
+          <p:cNvSpPr txBox="1"/>
+          <p:nvPr/>
+        </p:nvSpPr>
+        <p:spPr>
+          <a:xfrm>
+            <a:off x="990600" y="2057400"/>
+            <a:ext cx="5867400" cy="3693319"/>
+          </a:xfrm>
+          <a:prstGeom prst="rect">
+            <a:avLst/>
+          </a:prstGeom>
+          <a:noFill/>
+        </p:spPr>
+        <p:txBody>
+          <a:bodyPr wrap="square" rtlCol="1">
+            <a:spAutoFit/>
+          </a:bodyPr>
+          <a:lstStyle/>
+          <a:p>
+            <a:r>
+              <a:rPr lang="en-US" dirty="0" smtClean="0"/>
+              <a:t>Look at your list of solutions and pick the best one.</a:t>
+            </a:r>
+          </a:p>
+          <a:p>
+            <a:endParaRPr lang="en-US" dirty="0" smtClean="0"/>
+          </a:p>
+          <a:p>
+            <a:r>
+              <a:rPr lang="en-US" b="1" dirty="0" smtClean="0"/>
+              <a:t>Feasibility:</a:t>
+            </a:r>
+            <a:r>
+              <a:rPr lang="en-US" dirty="0" smtClean="0"/>
+              <a:t> Can we actually </a:t>
+            </a:r>
+            <a:r>
+              <a:rPr lang="en-US" i="1" dirty="0" smtClean="0"/>
+              <a:t>do</a:t>
+            </a:r>
+            <a:r>
+              <a:rPr lang="en-US" dirty="0" smtClean="0"/>
+              <a:t> this? Is it cheap or expensive? Fast or slow?</a:t>
+            </a:r>
+          </a:p>
+          <a:p>
+            <a:endParaRPr lang="en-US" dirty="0" smtClean="0"/>
+          </a:p>
+          <a:p>
+            <a:r>
+              <a:rPr lang="en-US" b="1" dirty="0" smtClean="0"/>
+              <a:t>Effectiveness:</a:t>
+            </a:r>
+            <a:r>
+              <a:rPr lang="en-US" dirty="0" smtClean="0"/>
+              <a:t> Will this </a:t>
+            </a:r>
+            <a:r>
+              <a:rPr lang="en-US" i="1" dirty="0" smtClean="0"/>
+              <a:t>actually solve</a:t>
+            </a:r>
+            <a:r>
+              <a:rPr lang="en-US" dirty="0" smtClean="0"/>
+              <a:t> the root cause?</a:t>
+            </a:r>
+          </a:p>
+          <a:p>
+            <a:endParaRPr lang="en-US" dirty="0" smtClean="0"/>
+          </a:p>
+          <a:p>
+            <a:r>
+              <a:rPr lang="en-US" i="1" dirty="0" smtClean="0"/>
+              <a:t>Example:</a:t>
+            </a:r>
+          </a:p>
+          <a:p>
+            <a:endParaRPr lang="en-US" dirty="0" smtClean="0"/>
+          </a:p>
+          <a:p>
+            <a:pPr marL="285750" lvl="1" indent="-285750">
+              <a:buFont typeface="Wingdings" panose="05000000000000000000" pitchFamily="2" charset="2"/>
+              <a:buChar char="Ø"/>
+            </a:pPr>
+            <a:r>
+              <a:rPr lang="en-US" dirty="0" smtClean="0"/>
+              <a:t>"Re-train" is fast but might not stick.</a:t>
+            </a:r>
+          </a:p>
+          <a:p>
+            <a:pPr marL="285750" lvl="1" indent="-285750">
+              <a:buFont typeface="Wingdings" panose="05000000000000000000" pitchFamily="2" charset="2"/>
+              <a:buChar char="Ø"/>
+            </a:pPr>
+            <a:r>
+              <a:rPr lang="en-US" dirty="0" smtClean="0"/>
+              <a:t>"Manager review" is effective but slow and expensive.</a:t>
+            </a:r>
+          </a:p>
+          <a:p>
+            <a:pPr marL="285750" lvl="1" indent="-285750">
+              <a:buFont typeface="Wingdings" panose="05000000000000000000" pitchFamily="2" charset="2"/>
+              <a:buChar char="Ø"/>
+            </a:pPr>
+            <a:r>
+              <a:rPr lang="en-US" b="1" dirty="0" smtClean="0"/>
+              <a:t>"Automatic alert"</a:t>
+            </a:r>
+            <a:r>
+              <a:rPr lang="en-US" dirty="0" smtClean="0"/>
+              <a:t> seems both feasible and effective.</a:t>
+            </a:r>
+            <a:endParaRPr lang="en-US" dirty="0"/>
+          </a:p>
+        </p:txBody>
+      </p:sp>
+      <p:pic>
+        <p:nvPicPr>
+          <p:cNvPr id="7" name="Picture 6"/>
+          <p:cNvPicPr>
+            <a:picLocks noChangeAspect="1"/>
+          </p:cNvPicPr>
+          <p:nvPr/>
+        </p:nvPicPr>
+        <p:blipFill>
+          <a:blip r:embed="rId3"/>
+          <a:stretch>
+            <a:fillRect/>
+          </a:stretch>
+        </p:blipFill>
+        <p:spPr>
+          <a:xfrm>
+            <a:off x="7010400" y="1905000"/>
+            <a:ext cx="4496636" cy="3200399"/>
+          </a:xfrm>
+          <a:prstGeom prst="rect">
+            <a:avLst/>
+          </a:prstGeom>
+          <a:solidFill>
+            <a:srgbClr val="FFFFFF">
+              <a:shade val="85000"/>
+            </a:srgbClr>
+          </a:solidFill>
+          <a:ln w="190500" cap="sq">
+            <a:solidFill>
+              <a:srgbClr val="FFFFFF"/>
+            </a:solidFill>
+            <a:miter lim="800000"/>
+          </a:ln>
+          <a:effectLst>
+            <a:outerShdw blurRad="65000" dist="50800" dir="12900000" kx="195000" ky="145000" algn="tl" rotWithShape="0">
+              <a:srgbClr val="000000">
+                <a:alpha val="30000"/>
+              </a:srgbClr>
+            </a:outerShdw>
+          </a:effectLst>
+          <a:scene3d>
+            <a:camera prst="orthographicFront">
+              <a:rot lat="0" lon="0" rev="360000"/>
+            </a:camera>
+            <a:lightRig rig="twoPt" dir="t">
+              <a:rot lat="0" lon="0" rev="7200000"/>
+            </a:lightRig>
+          </a:scene3d>
+          <a:sp3d contourW="12700">
+            <a:bevelT w="25400" h="19050"/>
+            <a:contourClr>
+              <a:srgbClr val="969696"/>
+            </a:contourClr>
+          </a:sp3d>
+        </p:spPr>
+      </p:pic>
+    </p:spTree>
+    <p:extLst>
+      <p:ext uri="{BB962C8B-B14F-4D97-AF65-F5344CB8AC3E}">
+        <p14:creationId xmlns:p14="http://schemas.microsoft.com/office/powerpoint/2010/main" val="2643633754"/>
+      </p:ext>
+    </p:extLst>
+  </p:cSld>
+  <p:clrMapOvr>
+    <a:masterClrMapping/>
+  </p:clrMapOvr>
+  <p:timing>
+    <p:tnLst>
+      <p:par>
+        <p:cTn id="1" dur="indefinite" restart="never" nodeType="tmRoot"/>
+      </p:par>
+    </p:tnLst>
+  </p:timing>
+</p:sld>
+</file>
+
+<file path=ppt/slides/slide16.xml><?xml version="1.0" encoding="utf-8"?>
+<p:sld xmlns:a="http://schemas.openxmlformats.org/drawingml/2006/main" xmlns:r="http://schemas.openxmlformats.org/officeDocument/2006/relationships" xmlns:p="http://schemas.openxmlformats.org/presentationml/2006/main">
+  <p:cSld>
+    <p:spTree>
+      <p:nvGrpSpPr>
+        <p:cNvPr id="1" name=""/>
+        <p:cNvGrpSpPr/>
+        <p:nvPr/>
+      </p:nvGrpSpPr>
+      <p:grpSpPr>
+        <a:xfrm>
+          <a:off x="0" y="0"/>
+          <a:ext cx="0" cy="0"/>
+          <a:chOff x="0" y="0"/>
+          <a:chExt cx="0" cy="0"/>
+        </a:xfrm>
+      </p:grpSpPr>
+      <p:pic>
+        <p:nvPicPr>
+          <p:cNvPr id="2" name="object 2"/>
+          <p:cNvPicPr/>
+          <p:nvPr/>
+        </p:nvPicPr>
+        <p:blipFill>
+          <a:blip r:embed="rId2" cstate="print"/>
+          <a:stretch>
+            <a:fillRect/>
+          </a:stretch>
+        </p:blipFill>
+        <p:spPr>
+          <a:xfrm>
+            <a:off x="758235" y="239637"/>
+            <a:ext cx="464730" cy="514995"/>
+          </a:xfrm>
+          <a:prstGeom prst="rect">
+            <a:avLst/>
+          </a:prstGeom>
+        </p:spPr>
+      </p:pic>
+      <p:sp>
+        <p:nvSpPr>
+          <p:cNvPr id="3" name="object 3"/>
+          <p:cNvSpPr txBox="1">
+            <a:spLocks noGrp="1"/>
+          </p:cNvSpPr>
+          <p:nvPr>
+            <p:ph type="title"/>
+          </p:nvPr>
+        </p:nvSpPr>
+        <p:spPr>
+          <a:xfrm>
+            <a:off x="1447800" y="76806"/>
+            <a:ext cx="6781800" cy="677826"/>
+          </a:xfrm>
+          <a:prstGeom prst="rect">
+            <a:avLst/>
+          </a:prstGeom>
+        </p:spPr>
+        <p:txBody>
+          <a:bodyPr vert="horz" wrap="square" lIns="0" tIns="244551" rIns="0" bIns="0" rtlCol="0">
+            <a:spAutoFit/>
+          </a:bodyPr>
+          <a:lstStyle/>
+          <a:p>
+            <a:r>
+              <a:rPr lang="en-US" sz="2800" dirty="0"/>
+              <a:t>Module </a:t>
+            </a:r>
+            <a:r>
+              <a:rPr lang="en-US" sz="2800" dirty="0" smtClean="0"/>
+              <a:t>2: </a:t>
+            </a:r>
+            <a:r>
+              <a:rPr lang="en-US" sz="2800" dirty="0"/>
+              <a:t>Problem Solving</a:t>
+            </a:r>
+          </a:p>
+        </p:txBody>
+      </p:sp>
+      <p:sp>
+        <p:nvSpPr>
+          <p:cNvPr id="5" name="object 5"/>
+          <p:cNvSpPr txBox="1">
+            <a:spLocks noGrp="1"/>
+          </p:cNvSpPr>
+          <p:nvPr>
+            <p:ph type="sldNum" sz="quarter" idx="7"/>
+          </p:nvPr>
+        </p:nvSpPr>
+        <p:spPr>
+          <a:prstGeom prst="rect">
+            <a:avLst/>
+          </a:prstGeom>
+        </p:spPr>
+        <p:txBody>
+          <a:bodyPr vert="horz" wrap="square" lIns="0" tIns="0" rIns="0" bIns="0" rtlCol="0">
+            <a:spAutoFit/>
+          </a:bodyPr>
+          <a:lstStyle/>
+          <a:p>
+            <a:pPr marL="38100">
+              <a:lnSpc>
+                <a:spcPts val="1310"/>
+              </a:lnSpc>
+            </a:pPr>
+            <a:fld id="{81D60167-4931-47E6-BA6A-407CBD079E47}" type="slidenum">
+              <a:rPr spc="-25" dirty="0"/>
+              <a:t>16</a:t>
+            </a:fld>
+            <a:endParaRPr spc="-25" dirty="0"/>
+          </a:p>
+        </p:txBody>
+      </p:sp>
+      <p:sp>
+        <p:nvSpPr>
+          <p:cNvPr id="6" name="TextBox 5"/>
+          <p:cNvSpPr txBox="1"/>
+          <p:nvPr/>
+        </p:nvSpPr>
+        <p:spPr>
+          <a:xfrm>
+            <a:off x="990600" y="1447800"/>
+            <a:ext cx="2672526" cy="369332"/>
+          </a:xfrm>
+          <a:prstGeom prst="rect">
+            <a:avLst/>
+          </a:prstGeom>
+          <a:noFill/>
+        </p:spPr>
+        <p:txBody>
+          <a:bodyPr wrap="none" rtlCol="1">
+            <a:spAutoFit/>
+          </a:bodyPr>
+          <a:lstStyle/>
+          <a:p>
+            <a:r>
+              <a:rPr lang="en-US" b="1" dirty="0" smtClean="0">
+                <a:solidFill>
+                  <a:srgbClr val="C00000"/>
+                </a:solidFill>
+              </a:rPr>
+              <a:t>Implement and Review</a:t>
+            </a:r>
+            <a:endParaRPr lang="en-US" b="1" dirty="0">
+              <a:solidFill>
+                <a:srgbClr val="C00000"/>
+              </a:solidFill>
+            </a:endParaRPr>
+          </a:p>
+        </p:txBody>
+      </p:sp>
+      <p:sp>
+        <p:nvSpPr>
+          <p:cNvPr id="9" name="TextBox 8"/>
+          <p:cNvSpPr txBox="1"/>
+          <p:nvPr/>
+        </p:nvSpPr>
+        <p:spPr>
+          <a:xfrm>
+            <a:off x="990600" y="2057400"/>
+            <a:ext cx="5867400" cy="3139321"/>
+          </a:xfrm>
+          <a:prstGeom prst="rect">
+            <a:avLst/>
+          </a:prstGeom>
+          <a:noFill/>
+        </p:spPr>
+        <p:txBody>
+          <a:bodyPr wrap="square" rtlCol="1">
+            <a:spAutoFit/>
+          </a:bodyPr>
+          <a:lstStyle/>
+          <a:p>
+            <a:r>
+              <a:rPr lang="en-US" dirty="0" smtClean="0"/>
+              <a:t>Put your chosen solution into action. But you're not done yet.</a:t>
+            </a:r>
+          </a:p>
+          <a:p>
+            <a:endParaRPr lang="en-US" dirty="0" smtClean="0"/>
+          </a:p>
+          <a:p>
+            <a:r>
+              <a:rPr lang="en-US" b="1" dirty="0" smtClean="0"/>
+              <a:t>Implement:</a:t>
+            </a:r>
+            <a:r>
+              <a:rPr lang="en-US" dirty="0" smtClean="0"/>
+              <a:t> Build the automatic alert.</a:t>
+            </a:r>
+          </a:p>
+          <a:p>
+            <a:endParaRPr lang="en-US" dirty="0" smtClean="0"/>
+          </a:p>
+          <a:p>
+            <a:r>
+              <a:rPr lang="en-US" b="1" dirty="0" smtClean="0"/>
+              <a:t>Review:</a:t>
+            </a:r>
+            <a:r>
+              <a:rPr lang="en-US" dirty="0" smtClean="0"/>
+              <a:t> Check back in a week. Did it work? Are shipments going out on time? If not, what did you learn? Maybe you need to try another solution.</a:t>
+            </a:r>
+          </a:p>
+          <a:p>
+            <a:endParaRPr lang="en-US" dirty="0" smtClean="0"/>
+          </a:p>
+          <a:p>
+            <a:r>
+              <a:rPr lang="en-US" dirty="0" smtClean="0"/>
+              <a:t>This structured process helps you avoid panic and find a solution that lasts.</a:t>
+            </a:r>
+            <a:endParaRPr lang="en-US" dirty="0"/>
+          </a:p>
+        </p:txBody>
+      </p:sp>
+      <p:pic>
+        <p:nvPicPr>
+          <p:cNvPr id="4" name="Picture 3"/>
+          <p:cNvPicPr>
+            <a:picLocks noChangeAspect="1"/>
+          </p:cNvPicPr>
+          <p:nvPr/>
+        </p:nvPicPr>
+        <p:blipFill>
+          <a:blip r:embed="rId3">
+            <a:extLst>
+              <a:ext uri="{28A0092B-C50C-407E-A947-70E740481C1C}">
+                <a14:useLocalDpi xmlns:a14="http://schemas.microsoft.com/office/drawing/2010/main" val="0"/>
+              </a:ext>
+            </a:extLst>
+          </a:blip>
+          <a:stretch>
+            <a:fillRect/>
+          </a:stretch>
+        </p:blipFill>
+        <p:spPr>
+          <a:xfrm>
+            <a:off x="7155125" y="2187499"/>
+            <a:ext cx="4845988" cy="3026807"/>
+          </a:xfrm>
+          <a:prstGeom prst="rect">
+            <a:avLst/>
+          </a:prstGeom>
+        </p:spPr>
+      </p:pic>
+    </p:spTree>
+    <p:extLst>
+      <p:ext uri="{BB962C8B-B14F-4D97-AF65-F5344CB8AC3E}">
+        <p14:creationId xmlns:p14="http://schemas.microsoft.com/office/powerpoint/2010/main" val="504107817"/>
+      </p:ext>
+    </p:extLst>
+  </p:cSld>
+  <p:clrMapOvr>
+    <a:masterClrMapping/>
+  </p:clrMapOvr>
+  <p:timing>
+    <p:tnLst>
+      <p:par>
+        <p:cTn id="1" dur="indefinite" restart="never" nodeType="tmRoot"/>
+      </p:par>
+    </p:tnLst>
+  </p:timing>
+</p:sld>
+</file>
+
+<file path=ppt/slides/slide17.xml><?xml version="1.0" encoding="utf-8"?>
+<p:sld xmlns:a="http://schemas.openxmlformats.org/drawingml/2006/main" xmlns:r="http://schemas.openxmlformats.org/officeDocument/2006/relationships" xmlns:p="http://schemas.openxmlformats.org/presentationml/2006/main">
+  <p:cSld>
+    <p:spTree>
+      <p:nvGrpSpPr>
+        <p:cNvPr id="1" name=""/>
+        <p:cNvGrpSpPr/>
+        <p:nvPr/>
+      </p:nvGrpSpPr>
+      <p:grpSpPr>
+        <a:xfrm>
+          <a:off x="0" y="0"/>
+          <a:ext cx="0" cy="0"/>
+          <a:chOff x="0" y="0"/>
+          <a:chExt cx="0" cy="0"/>
+        </a:xfrm>
+      </p:grpSpPr>
+      <p:pic>
+        <p:nvPicPr>
+          <p:cNvPr id="2" name="object 2"/>
+          <p:cNvPicPr/>
+          <p:nvPr/>
+        </p:nvPicPr>
+        <p:blipFill>
+          <a:blip r:embed="rId2" cstate="print"/>
+          <a:stretch>
+            <a:fillRect/>
+          </a:stretch>
+        </p:blipFill>
+        <p:spPr>
+          <a:xfrm>
+            <a:off x="884176" y="224295"/>
+            <a:ext cx="464730" cy="514995"/>
+          </a:xfrm>
+          <a:prstGeom prst="rect">
+            <a:avLst/>
+          </a:prstGeom>
+        </p:spPr>
+      </p:pic>
+      <p:sp>
+        <p:nvSpPr>
+          <p:cNvPr id="3" name="object 3"/>
+          <p:cNvSpPr txBox="1">
+            <a:spLocks noGrp="1"/>
+          </p:cNvSpPr>
+          <p:nvPr>
+            <p:ph type="title"/>
+          </p:nvPr>
+        </p:nvSpPr>
+        <p:spPr>
+          <a:xfrm>
+            <a:off x="1676400" y="84174"/>
+            <a:ext cx="6563742" cy="677826"/>
+          </a:xfrm>
+          <a:prstGeom prst="rect">
+            <a:avLst/>
+          </a:prstGeom>
+        </p:spPr>
+        <p:txBody>
+          <a:bodyPr vert="horz" wrap="square" lIns="0" tIns="244551" rIns="0" bIns="0" rtlCol="0">
+            <a:spAutoFit/>
+          </a:bodyPr>
+          <a:lstStyle/>
+          <a:p>
+            <a:r>
+              <a:rPr lang="en-US" sz="2800" dirty="0"/>
+              <a:t>Module </a:t>
+            </a:r>
+            <a:r>
+              <a:rPr lang="en-US" sz="2800" dirty="0" smtClean="0"/>
+              <a:t>2: </a:t>
+            </a:r>
+            <a:r>
+              <a:rPr lang="en-US" sz="2800" dirty="0"/>
+              <a:t>Problem Solving</a:t>
+            </a:r>
+            <a:endParaRPr lang="en-US" sz="2800" dirty="0"/>
+          </a:p>
+        </p:txBody>
+      </p:sp>
+      <p:sp>
+        <p:nvSpPr>
+          <p:cNvPr id="5" name="object 5"/>
+          <p:cNvSpPr txBox="1">
+            <a:spLocks noGrp="1"/>
+          </p:cNvSpPr>
+          <p:nvPr>
+            <p:ph type="sldNum" sz="quarter" idx="7"/>
+          </p:nvPr>
+        </p:nvSpPr>
+        <p:spPr>
+          <a:prstGeom prst="rect">
+            <a:avLst/>
+          </a:prstGeom>
+        </p:spPr>
+        <p:txBody>
+          <a:bodyPr vert="horz" wrap="square" lIns="0" tIns="0" rIns="0" bIns="0" rtlCol="0">
+            <a:spAutoFit/>
+          </a:bodyPr>
+          <a:lstStyle/>
+          <a:p>
+            <a:pPr marL="38100">
+              <a:lnSpc>
+                <a:spcPts val="1310"/>
+              </a:lnSpc>
+            </a:pPr>
+            <a:fld id="{81D60167-4931-47E6-BA6A-407CBD079E47}" type="slidenum">
+              <a:rPr spc="-25" dirty="0"/>
+              <a:t>17</a:t>
+            </a:fld>
+            <a:endParaRPr spc="-25" dirty="0"/>
+          </a:p>
+        </p:txBody>
+      </p:sp>
+      <p:sp>
+        <p:nvSpPr>
+          <p:cNvPr id="6" name="TextBox 5"/>
+          <p:cNvSpPr txBox="1"/>
+          <p:nvPr/>
+        </p:nvSpPr>
+        <p:spPr>
+          <a:xfrm>
+            <a:off x="762000" y="1905000"/>
+            <a:ext cx="2069797" cy="369332"/>
+          </a:xfrm>
+          <a:prstGeom prst="rect">
+            <a:avLst/>
+          </a:prstGeom>
+          <a:noFill/>
+        </p:spPr>
+        <p:txBody>
+          <a:bodyPr wrap="none" rtlCol="1">
+            <a:spAutoFit/>
+          </a:bodyPr>
+          <a:lstStyle/>
+          <a:p>
+            <a:r>
+              <a:rPr lang="en-US" b="1" dirty="0" smtClean="0">
+                <a:solidFill>
+                  <a:srgbClr val="C00000"/>
+                </a:solidFill>
+              </a:rPr>
+              <a:t>Open Discussion</a:t>
+            </a:r>
+            <a:endParaRPr lang="ar-EG" dirty="0"/>
+          </a:p>
+        </p:txBody>
+      </p:sp>
+      <p:sp>
+        <p:nvSpPr>
+          <p:cNvPr id="7" name="TextBox 6"/>
+          <p:cNvSpPr txBox="1"/>
+          <p:nvPr/>
+        </p:nvSpPr>
+        <p:spPr>
+          <a:xfrm>
+            <a:off x="884176" y="2590800"/>
+            <a:ext cx="5897624" cy="1569660"/>
+          </a:xfrm>
+          <a:prstGeom prst="rect">
+            <a:avLst/>
+          </a:prstGeom>
+          <a:noFill/>
+        </p:spPr>
+        <p:txBody>
+          <a:bodyPr wrap="square" rtlCol="1">
+            <a:spAutoFit/>
+          </a:bodyPr>
+          <a:lstStyle/>
+          <a:p>
+            <a:pPr marL="285750" indent="-285750">
+              <a:buFont typeface="Wingdings" panose="05000000000000000000" pitchFamily="2" charset="2"/>
+              <a:buChar char="q"/>
+            </a:pPr>
+            <a:r>
+              <a:rPr lang="en-US" sz="1600" dirty="0" smtClean="0"/>
+              <a:t>Why is it so important to correctly define the problem (Step 1) before trying to brainstorm solutions (Step 2)?</a:t>
+            </a:r>
+          </a:p>
+          <a:p>
+            <a:pPr marL="285750" indent="-285750">
+              <a:buFont typeface="Wingdings" panose="05000000000000000000" pitchFamily="2" charset="2"/>
+              <a:buChar char="q"/>
+            </a:pPr>
+            <a:endParaRPr lang="en-US" sz="1600" dirty="0" smtClean="0"/>
+          </a:p>
+          <a:p>
+            <a:pPr marL="285750" indent="-285750">
+              <a:buFont typeface="Wingdings" panose="05000000000000000000" pitchFamily="2" charset="2"/>
+              <a:buChar char="q"/>
+            </a:pPr>
+            <a:r>
+              <a:rPr lang="en-US" sz="1600" dirty="0" smtClean="0"/>
+              <a:t>Think of a simple, common problem (e.g., "We keep running out of printer paper in the breakroom"). How would you apply these 4 steps?</a:t>
+            </a:r>
+            <a:endParaRPr lang="en-US" sz="1600" dirty="0" smtClean="0"/>
+          </a:p>
+        </p:txBody>
+      </p:sp>
+      <p:pic>
+        <p:nvPicPr>
+          <p:cNvPr id="11" name="object 4"/>
+          <p:cNvPicPr/>
+          <p:nvPr/>
+        </p:nvPicPr>
+        <p:blipFill>
+          <a:blip r:embed="rId3" cstate="print"/>
+          <a:stretch>
+            <a:fillRect/>
+          </a:stretch>
+        </p:blipFill>
+        <p:spPr>
+          <a:xfrm>
+            <a:off x="7315200" y="1899138"/>
+            <a:ext cx="3814572" cy="3733800"/>
+          </a:xfrm>
+          <a:prstGeom prst="rect">
+            <a:avLst/>
+          </a:prstGeom>
+        </p:spPr>
+      </p:pic>
+    </p:spTree>
+    <p:extLst>
+      <p:ext uri="{BB962C8B-B14F-4D97-AF65-F5344CB8AC3E}">
+        <p14:creationId xmlns:p14="http://schemas.microsoft.com/office/powerpoint/2010/main" val="3808001898"/>
+      </p:ext>
+    </p:extLst>
+  </p:cSld>
+  <p:clrMapOvr>
+    <a:masterClrMapping/>
+  </p:clrMapOvr>
+  <p:timing>
+    <p:tnLst>
+      <p:par>
+        <p:cTn id="1" dur="indefinite" restart="never" nodeType="tmRoot"/>
+      </p:par>
+    </p:tnLst>
+  </p:timing>
+</p:sld>
+</file>
+
+<file path=ppt/slides/slide18.xml><?xml version="1.0" encoding="utf-8"?>
+<p:sld xmlns:a="http://schemas.openxmlformats.org/drawingml/2006/main" xmlns:r="http://schemas.openxmlformats.org/officeDocument/2006/relationships" xmlns:p="http://schemas.openxmlformats.org/presentationml/2006/main">
+  <p:cSld>
+    <p:spTree>
+      <p:nvGrpSpPr>
+        <p:cNvPr id="1" name=""/>
+        <p:cNvGrpSpPr/>
+        <p:nvPr/>
+      </p:nvGrpSpPr>
+      <p:grpSpPr>
+        <a:xfrm>
+          <a:off x="0" y="0"/>
+          <a:ext cx="0" cy="0"/>
+          <a:chOff x="0" y="0"/>
+          <a:chExt cx="0" cy="0"/>
+        </a:xfrm>
+      </p:grpSpPr>
       <p:sp>
         <p:nvSpPr>
           <p:cNvPr id="2" name="object 2"/>
@@ -3615,23 +4578,7 @@
                 <a:cs typeface="Arial MT"/>
                 <a:hlinkClick r:id="rId2"/>
               </a:rPr>
-              <a:t>https://</a:t>
-            </a:r>
-            <a:r>
-              <a:rPr lang="en-US" sz="2000" u="sng" spc="-10" dirty="0" smtClean="0">
-                <a:solidFill>
-                  <a:srgbClr val="0462C1"/>
-                </a:solidFill>
-                <a:uFill>
-                  <a:solidFill>
-                    <a:srgbClr val="0462C1"/>
-                  </a:solidFill>
-                </a:uFill>
-                <a:latin typeface="Arial MT"/>
-                <a:cs typeface="Arial MT"/>
-                <a:hlinkClick r:id="rId2"/>
-              </a:rPr>
-              <a:t>afathelbab.github.io/cnpc/computer-basics-soft-skills/day3/quiz.html</a:t>
+              <a:t>https://afathelbab.github.io/cnpc/computer-basics-soft-skills/day3/quiz.html</a:t>
             </a:r>
             <a:endParaRPr sz="2000" dirty="0">
               <a:latin typeface="Arial MT"/>
@@ -3668,7 +4615,7 @@
             </a:pPr>
             <a:fld id="{81D60167-4931-47E6-BA6A-407CBD079E47}" type="slidenum">
               <a:rPr spc="-25" dirty="0"/>
-              <a:t>15</a:t>
+              <a:t>18</a:t>
             </a:fld>
             <a:endParaRPr spc="-25" dirty="0"/>
           </a:p>
@@ -3783,7 +4730,7 @@
 </p:sld>
 </file>
 
-<file path=ppt/slides/slide16.xml><?xml version="1.0" encoding="utf-8"?>
+<file path=ppt/slides/slide19.xml><?xml version="1.0" encoding="utf-8"?>
 <p:sld xmlns:a="http://schemas.openxmlformats.org/drawingml/2006/main" xmlns:r="http://schemas.openxmlformats.org/officeDocument/2006/relationships" xmlns:p="http://schemas.openxmlformats.org/presentationml/2006/main">
   <p:cSld>
     <p:spTree>
@@ -5305,17 +6252,7 @@
                 <a:latin typeface="Arial MT"/>
                 <a:cs typeface="Arial MT"/>
               </a:rPr>
-              <a:t>Lecture </a:t>
-            </a:r>
-            <a:r>
-              <a:rPr sz="2000" dirty="0">
-                <a:solidFill>
-                  <a:srgbClr val="C00000"/>
-                </a:solidFill>
-                <a:latin typeface="Arial MT"/>
-                <a:cs typeface="Arial MT"/>
-              </a:rPr>
-              <a:t>3 : </a:t>
+              <a:t>Lecture 3 : </a:t>
             </a:r>
             <a:r>
               <a:rPr lang="en-US" sz="2000" dirty="0">
@@ -5888,7 +6825,7 @@
             <a:r>
               <a:rPr lang="en-US" sz="2000" b="1" dirty="0">
                 <a:solidFill>
-                  <a:srgbClr val="585858"/>
+                  <a:srgbClr val="2D5395"/>
                 </a:solidFill>
                 <a:latin typeface="Calibri"/>
                 <a:cs typeface="Calibri"/>
@@ -5898,7 +6835,7 @@
             <a:r>
               <a:rPr lang="en-US" sz="2000" dirty="0">
                 <a:solidFill>
-                  <a:srgbClr val="585858"/>
+                  <a:srgbClr val="2D5395"/>
                 </a:solidFill>
                 <a:latin typeface="Calibri"/>
                 <a:cs typeface="Calibri"/>
@@ -6063,7 +7000,7 @@
             <a:r>
               <a:rPr lang="en-US" sz="2000" b="1" dirty="0">
                 <a:solidFill>
-                  <a:srgbClr val="585858"/>
+                  <a:srgbClr val="2D5395"/>
                 </a:solidFill>
                 <a:latin typeface="Calibri"/>
                 <a:cs typeface="Calibri"/>
@@ -6073,7 +7010,7 @@
             <a:r>
               <a:rPr lang="en-US" sz="2000" dirty="0">
                 <a:solidFill>
-                  <a:srgbClr val="585858"/>
+                  <a:srgbClr val="2D5395"/>
                 </a:solidFill>
                 <a:latin typeface="Calibri"/>
                 <a:cs typeface="Calibri"/>
@@ -6082,7 +7019,7 @@
             </a:r>
             <a:endParaRPr sz="2000" dirty="0">
               <a:solidFill>
-                <a:srgbClr val="585858"/>
+                <a:srgbClr val="2D5395"/>
               </a:solidFill>
               <a:latin typeface="Calibri"/>
               <a:cs typeface="Calibri"/>
@@ -6319,23 +7256,7 @@
                 <a:cs typeface="Arial MT"/>
                 <a:hlinkClick r:id="rId2"/>
               </a:rPr>
-              <a:t>https://</a:t>
-            </a:r>
-            <a:r>
-              <a:rPr lang="en-US" sz="2000" u="sng" spc="-10" dirty="0" smtClean="0">
-                <a:solidFill>
-                  <a:srgbClr val="0462C1"/>
-                </a:solidFill>
-                <a:uFill>
-                  <a:solidFill>
-                    <a:srgbClr val="0462C1"/>
-                  </a:solidFill>
-                </a:uFill>
-                <a:latin typeface="Arial MT"/>
-                <a:cs typeface="Arial MT"/>
-                <a:hlinkClick r:id="rId2"/>
-              </a:rPr>
-              <a:t>afathelbab.github.io/cnpc/computer-basics-soft-skills/day3/quiz.html</a:t>
+              <a:t>https://afathelbab.github.io/cnpc/computer-basics-soft-skills/day3/quiz.html</a:t>
             </a:r>
             <a:endParaRPr sz="2000" dirty="0">
               <a:latin typeface="Arial MT"/>
@@ -6817,7 +7738,6 @@
               <a:rPr lang="en-US" sz="5400" dirty="0"/>
               <a:t>Introduction to ERP Systems</a:t>
             </a:r>
-            <a:endParaRPr lang="en-US" sz="5400" dirty="0"/>
           </a:p>
         </p:txBody>
       </p:sp>
@@ -6941,13 +7861,8 @@
           <a:p>
             <a:r>
               <a:rPr lang="en-US" sz="2400" dirty="0"/>
-              <a:t>Module 1: </a:t>
-            </a:r>
-            <a:r>
-              <a:rPr lang="en-US" sz="2400" dirty="0"/>
-              <a:t>Introduction to ERP Systems</a:t>
-            </a:r>
-            <a:endParaRPr lang="en-US" sz="2400" dirty="0"/>
+              <a:t>Module 1: Introduction to ERP Systems</a:t>
+            </a:r>
           </a:p>
         </p:txBody>
       </p:sp>
@@ -7274,13 +8189,8 @@
           <a:p>
             <a:r>
               <a:rPr lang="en-US" sz="2400" dirty="0"/>
-              <a:t>Module 1: </a:t>
-            </a:r>
-            <a:r>
-              <a:rPr lang="en-US" sz="2400" dirty="0"/>
-              <a:t>Introduction to ERP Systems</a:t>
-            </a:r>
-            <a:endParaRPr lang="en-US" sz="2400" dirty="0"/>
+              <a:t>Module 1: Introduction to ERP Systems</a:t>
+            </a:r>
           </a:p>
         </p:txBody>
       </p:sp>
@@ -7439,7 +8349,6 @@
               <a:rPr lang="en-US" sz="1600" dirty="0" smtClean="0"/>
               <a:t>Everyone is working from the same, up-to-date information.</a:t>
             </a:r>
-            <a:endParaRPr lang="en-US" sz="1600" dirty="0" smtClean="0"/>
           </a:p>
         </p:txBody>
       </p:sp>
@@ -7614,13 +8523,8 @@
           <a:p>
             <a:r>
               <a:rPr lang="en-US" sz="2400" dirty="0"/>
-              <a:t>Module 1: </a:t>
-            </a:r>
-            <a:r>
-              <a:rPr lang="en-US" sz="2400" dirty="0"/>
-              <a:t>Introduction to ERP Systems</a:t>
-            </a:r>
-            <a:endParaRPr lang="en-US" sz="2400" dirty="0"/>
+              <a:t>Module 1: Introduction to ERP Systems</a:t>
+            </a:r>
           </a:p>
         </p:txBody>
       </p:sp>

--- a/computer-basics-soft-skills/day3/Computer Skills and Soft Skills - Lec-3.pptx
+++ b/computer-basics-soft-skills/day3/Computer Skills and Soft Skills - Lec-3.pptx
@@ -23,7 +23,9 @@
     <p:sldId id="369" r:id="rId17"/>
     <p:sldId id="357" r:id="rId18"/>
     <p:sldId id="351" r:id="rId19"/>
-    <p:sldId id="329" r:id="rId20"/>
+    <p:sldId id="370" r:id="rId20"/>
+    <p:sldId id="371" r:id="rId21"/>
+    <p:sldId id="329" r:id="rId22"/>
   </p:sldIdLst>
   <p:sldSz cx="12192000" cy="6858000"/>
   <p:notesSz cx="12192000" cy="6858000"/>
@@ -4747,6 +4749,673 @@
           <a:chExt cx="0" cy="0"/>
         </a:xfrm>
       </p:grpSpPr>
+      <p:sp>
+        <p:nvSpPr>
+          <p:cNvPr id="2" name="object 2"/>
+          <p:cNvSpPr txBox="1">
+            <a:spLocks noGrp="1"/>
+          </p:cNvSpPr>
+          <p:nvPr>
+            <p:ph type="title"/>
+          </p:nvPr>
+        </p:nvSpPr>
+        <p:spPr>
+          <a:xfrm>
+            <a:off x="2133600" y="2549098"/>
+            <a:ext cx="7467600" cy="1908933"/>
+          </a:xfrm>
+          <a:prstGeom prst="rect">
+            <a:avLst/>
+          </a:prstGeom>
+        </p:spPr>
+        <p:txBody>
+          <a:bodyPr vert="horz" wrap="square" lIns="0" tIns="244551" rIns="0" bIns="0" rtlCol="0" anchor="ctr">
+            <a:spAutoFit/>
+          </a:bodyPr>
+          <a:lstStyle/>
+          <a:p>
+            <a:pPr algn="ctr"/>
+            <a:r>
+              <a:rPr lang="en-US" sz="5400" dirty="0" smtClean="0"/>
+              <a:t>Workshop</a:t>
+            </a:r>
+            <a:r>
+              <a:rPr lang="en-US" sz="5400" dirty="0"/>
+              <a:t/>
+            </a:r>
+            <a:br>
+              <a:rPr lang="en-US" sz="5400" dirty="0"/>
+            </a:br>
+            <a:endParaRPr lang="en-US" sz="5400" dirty="0"/>
+          </a:p>
+        </p:txBody>
+      </p:sp>
+      <p:sp>
+        <p:nvSpPr>
+          <p:cNvPr id="5" name="object 5"/>
+          <p:cNvSpPr txBox="1">
+            <a:spLocks noGrp="1"/>
+          </p:cNvSpPr>
+          <p:nvPr>
+            <p:ph type="sldNum" sz="quarter" idx="7"/>
+          </p:nvPr>
+        </p:nvSpPr>
+        <p:spPr>
+          <a:prstGeom prst="rect">
+            <a:avLst/>
+          </a:prstGeom>
+        </p:spPr>
+        <p:txBody>
+          <a:bodyPr vert="horz" wrap="square" lIns="0" tIns="0" rIns="0" bIns="0" rtlCol="0">
+            <a:spAutoFit/>
+          </a:bodyPr>
+          <a:lstStyle/>
+          <a:p>
+            <a:pPr marL="38100">
+              <a:lnSpc>
+                <a:spcPts val="1310"/>
+              </a:lnSpc>
+            </a:pPr>
+            <a:fld id="{81D60167-4931-47E6-BA6A-407CBD079E47}" type="slidenum">
+              <a:rPr spc="-25" dirty="0"/>
+              <a:t>19</a:t>
+            </a:fld>
+            <a:endParaRPr spc="-25" dirty="0"/>
+          </a:p>
+        </p:txBody>
+      </p:sp>
+    </p:spTree>
+    <p:extLst>
+      <p:ext uri="{BB962C8B-B14F-4D97-AF65-F5344CB8AC3E}">
+        <p14:creationId xmlns:p14="http://schemas.microsoft.com/office/powerpoint/2010/main" val="2341851210"/>
+      </p:ext>
+    </p:extLst>
+  </p:cSld>
+  <p:clrMapOvr>
+    <a:masterClrMapping/>
+  </p:clrMapOvr>
+  <p:timing>
+    <p:tnLst>
+      <p:par>
+        <p:cTn id="1" dur="indefinite" restart="never" nodeType="tmRoot"/>
+      </p:par>
+    </p:tnLst>
+  </p:timing>
+</p:sld>
+</file>
+
+<file path=ppt/slides/slide2.xml><?xml version="1.0" encoding="utf-8"?>
+<p:sld xmlns:a="http://schemas.openxmlformats.org/drawingml/2006/main" xmlns:r="http://schemas.openxmlformats.org/officeDocument/2006/relationships" xmlns:p="http://schemas.openxmlformats.org/presentationml/2006/main">
+  <p:cSld>
+    <p:spTree>
+      <p:nvGrpSpPr>
+        <p:cNvPr id="1" name=""/>
+        <p:cNvGrpSpPr/>
+        <p:nvPr/>
+      </p:nvGrpSpPr>
+      <p:grpSpPr>
+        <a:xfrm>
+          <a:off x="0" y="0"/>
+          <a:ext cx="0" cy="0"/>
+          <a:chOff x="0" y="0"/>
+          <a:chExt cx="0" cy="0"/>
+        </a:xfrm>
+      </p:grpSpPr>
+      <p:sp>
+        <p:nvSpPr>
+          <p:cNvPr id="2" name="object 2"/>
+          <p:cNvSpPr txBox="1">
+            <a:spLocks noGrp="1"/>
+          </p:cNvSpPr>
+          <p:nvPr>
+            <p:ph type="title"/>
+          </p:nvPr>
+        </p:nvSpPr>
+        <p:spPr>
+          <a:prstGeom prst="rect">
+            <a:avLst/>
+          </a:prstGeom>
+        </p:spPr>
+        <p:txBody>
+          <a:bodyPr vert="horz" wrap="square" lIns="0" tIns="132156" rIns="0" bIns="0" rtlCol="0">
+            <a:spAutoFit/>
+          </a:bodyPr>
+          <a:lstStyle/>
+          <a:p>
+            <a:pPr marL="2454275">
+              <a:lnSpc>
+                <a:spcPct val="100000"/>
+              </a:lnSpc>
+              <a:spcBef>
+                <a:spcPts val="95"/>
+              </a:spcBef>
+            </a:pPr>
+            <a:r>
+              <a:rPr sz="2800" spc="-30" dirty="0"/>
+              <a:t>Training</a:t>
+            </a:r>
+            <a:r>
+              <a:rPr sz="2800" spc="-135" dirty="0"/>
+              <a:t> </a:t>
+            </a:r>
+            <a:r>
+              <a:rPr sz="2800" spc="-10" dirty="0"/>
+              <a:t>Agenda</a:t>
+            </a:r>
+            <a:endParaRPr sz="2800"/>
+          </a:p>
+        </p:txBody>
+      </p:sp>
+      <p:sp>
+        <p:nvSpPr>
+          <p:cNvPr id="3" name="object 3"/>
+          <p:cNvSpPr txBox="1"/>
+          <p:nvPr/>
+        </p:nvSpPr>
+        <p:spPr>
+          <a:xfrm>
+            <a:off x="925474" y="1886559"/>
+            <a:ext cx="6846926" cy="1286891"/>
+          </a:xfrm>
+          <a:prstGeom prst="rect">
+            <a:avLst/>
+          </a:prstGeom>
+        </p:spPr>
+        <p:txBody>
+          <a:bodyPr vert="horz" wrap="square" lIns="0" tIns="131445" rIns="0" bIns="0" rtlCol="0">
+            <a:spAutoFit/>
+          </a:bodyPr>
+          <a:lstStyle/>
+          <a:p>
+            <a:pPr marL="355600" indent="-342900">
+              <a:lnSpc>
+                <a:spcPct val="100000"/>
+              </a:lnSpc>
+              <a:spcBef>
+                <a:spcPts val="935"/>
+              </a:spcBef>
+              <a:buClr>
+                <a:srgbClr val="44536A"/>
+              </a:buClr>
+              <a:buChar char="-"/>
+              <a:tabLst>
+                <a:tab pos="355600" algn="l"/>
+              </a:tabLst>
+            </a:pPr>
+            <a:r>
+              <a:rPr sz="2000" dirty="0" smtClean="0">
+                <a:solidFill>
+                  <a:srgbClr val="00B050"/>
+                </a:solidFill>
+                <a:latin typeface="Arial MT"/>
+                <a:cs typeface="Arial MT"/>
+              </a:rPr>
+              <a:t>Lecture</a:t>
+            </a:r>
+            <a:r>
+              <a:rPr sz="2000" spc="-60" dirty="0" smtClean="0">
+                <a:solidFill>
+                  <a:srgbClr val="00B050"/>
+                </a:solidFill>
+                <a:latin typeface="Arial MT"/>
+                <a:cs typeface="Arial MT"/>
+              </a:rPr>
+              <a:t> </a:t>
+            </a:r>
+            <a:r>
+              <a:rPr sz="2000" dirty="0">
+                <a:solidFill>
+                  <a:srgbClr val="00B050"/>
+                </a:solidFill>
+                <a:latin typeface="Arial MT"/>
+                <a:cs typeface="Arial MT"/>
+              </a:rPr>
+              <a:t>1</a:t>
+            </a:r>
+            <a:r>
+              <a:rPr sz="2000" spc="-20" dirty="0">
+                <a:solidFill>
+                  <a:srgbClr val="00B050"/>
+                </a:solidFill>
+                <a:latin typeface="Arial MT"/>
+                <a:cs typeface="Arial MT"/>
+              </a:rPr>
+              <a:t> </a:t>
+            </a:r>
+            <a:r>
+              <a:rPr sz="2000" dirty="0">
+                <a:solidFill>
+                  <a:srgbClr val="00B050"/>
+                </a:solidFill>
+                <a:latin typeface="Arial MT"/>
+                <a:cs typeface="Arial MT"/>
+              </a:rPr>
+              <a:t>:</a:t>
+            </a:r>
+            <a:r>
+              <a:rPr lang="en-US" sz="2000" dirty="0">
+                <a:solidFill>
+                  <a:srgbClr val="00B050"/>
+                </a:solidFill>
+                <a:latin typeface="Arial MT"/>
+                <a:cs typeface="Arial MT"/>
+              </a:rPr>
+              <a:t> </a:t>
+            </a:r>
+            <a:r>
+              <a:rPr lang="en-US" sz="2000" dirty="0" smtClean="0">
+                <a:solidFill>
+                  <a:srgbClr val="00B050"/>
+                </a:solidFill>
+                <a:latin typeface="Arial MT"/>
+                <a:cs typeface="Arial MT"/>
+              </a:rPr>
+              <a:t>Foundations &amp; Professional Communication</a:t>
+            </a:r>
+            <a:endParaRPr lang="ar-EG" sz="2000" dirty="0" smtClean="0">
+              <a:solidFill>
+                <a:srgbClr val="00B050"/>
+              </a:solidFill>
+              <a:latin typeface="Arial MT"/>
+              <a:cs typeface="Arial MT"/>
+            </a:endParaRPr>
+          </a:p>
+          <a:p>
+            <a:pPr marL="355600" indent="-342900">
+              <a:lnSpc>
+                <a:spcPct val="100000"/>
+              </a:lnSpc>
+              <a:spcBef>
+                <a:spcPts val="935"/>
+              </a:spcBef>
+              <a:buClr>
+                <a:srgbClr val="44536A"/>
+              </a:buClr>
+              <a:buChar char="-"/>
+              <a:tabLst>
+                <a:tab pos="355600" algn="l"/>
+              </a:tabLst>
+            </a:pPr>
+            <a:r>
+              <a:rPr sz="2000" dirty="0">
+                <a:solidFill>
+                  <a:srgbClr val="00B050"/>
+                </a:solidFill>
+                <a:latin typeface="Arial MT"/>
+                <a:cs typeface="Arial MT"/>
+              </a:rPr>
+              <a:t>Lecture 2 : </a:t>
+            </a:r>
+            <a:r>
+              <a:rPr lang="en-US" sz="2000" dirty="0">
+                <a:solidFill>
+                  <a:srgbClr val="00B050"/>
+                </a:solidFill>
+                <a:latin typeface="Arial MT"/>
+                <a:cs typeface="Arial MT"/>
+              </a:rPr>
+              <a:t>Data, Presentation &amp; Productivity</a:t>
+            </a:r>
+            <a:endParaRPr sz="2000" dirty="0">
+              <a:solidFill>
+                <a:srgbClr val="00B050"/>
+              </a:solidFill>
+              <a:latin typeface="Arial MT"/>
+              <a:cs typeface="Arial MT"/>
+            </a:endParaRPr>
+          </a:p>
+          <a:p>
+            <a:pPr marL="355600" indent="-342900">
+              <a:lnSpc>
+                <a:spcPct val="100000"/>
+              </a:lnSpc>
+              <a:spcBef>
+                <a:spcPts val="935"/>
+              </a:spcBef>
+              <a:buClr>
+                <a:srgbClr val="44536A"/>
+              </a:buClr>
+              <a:buChar char="-"/>
+              <a:tabLst>
+                <a:tab pos="355600" algn="l"/>
+              </a:tabLst>
+            </a:pPr>
+            <a:r>
+              <a:rPr sz="2000" dirty="0">
+                <a:solidFill>
+                  <a:srgbClr val="C00000"/>
+                </a:solidFill>
+                <a:latin typeface="Arial MT"/>
+                <a:cs typeface="Arial MT"/>
+              </a:rPr>
+              <a:t>Lecture 3 : </a:t>
+            </a:r>
+            <a:r>
+              <a:rPr lang="en-US" sz="2000" dirty="0">
+                <a:solidFill>
+                  <a:srgbClr val="C00000"/>
+                </a:solidFill>
+                <a:latin typeface="Arial MT"/>
+                <a:cs typeface="Arial MT"/>
+              </a:rPr>
+              <a:t>Business Systems &amp; Problem Solving</a:t>
+            </a:r>
+            <a:endParaRPr sz="2000" dirty="0">
+              <a:solidFill>
+                <a:srgbClr val="C00000"/>
+              </a:solidFill>
+              <a:latin typeface="Arial MT"/>
+              <a:cs typeface="Arial MT"/>
+            </a:endParaRPr>
+          </a:p>
+        </p:txBody>
+      </p:sp>
+      <p:pic>
+        <p:nvPicPr>
+          <p:cNvPr id="4" name="object 4"/>
+          <p:cNvPicPr/>
+          <p:nvPr/>
+        </p:nvPicPr>
+        <p:blipFill>
+          <a:blip r:embed="rId2" cstate="print"/>
+          <a:stretch>
+            <a:fillRect/>
+          </a:stretch>
+        </p:blipFill>
+        <p:spPr>
+          <a:xfrm>
+            <a:off x="8868156" y="1973579"/>
+            <a:ext cx="2581655" cy="3098292"/>
+          </a:xfrm>
+          <a:prstGeom prst="rect">
+            <a:avLst/>
+          </a:prstGeom>
+        </p:spPr>
+      </p:pic>
+      <p:sp>
+        <p:nvSpPr>
+          <p:cNvPr id="5" name="object 5"/>
+          <p:cNvSpPr txBox="1">
+            <a:spLocks noGrp="1"/>
+          </p:cNvSpPr>
+          <p:nvPr>
+            <p:ph type="sldNum" sz="quarter" idx="7"/>
+          </p:nvPr>
+        </p:nvSpPr>
+        <p:spPr>
+          <a:prstGeom prst="rect">
+            <a:avLst/>
+          </a:prstGeom>
+        </p:spPr>
+        <p:txBody>
+          <a:bodyPr vert="horz" wrap="square" lIns="0" tIns="0" rIns="0" bIns="0" rtlCol="0">
+            <a:spAutoFit/>
+          </a:bodyPr>
+          <a:lstStyle/>
+          <a:p>
+            <a:pPr marL="38100">
+              <a:lnSpc>
+                <a:spcPts val="1310"/>
+              </a:lnSpc>
+            </a:pPr>
+            <a:fld id="{81D60167-4931-47E6-BA6A-407CBD079E47}" type="slidenum">
+              <a:rPr spc="-25" dirty="0"/>
+              <a:t>2</a:t>
+            </a:fld>
+            <a:endParaRPr spc="-25" dirty="0"/>
+          </a:p>
+        </p:txBody>
+      </p:sp>
+    </p:spTree>
+  </p:cSld>
+  <p:clrMapOvr>
+    <a:masterClrMapping/>
+  </p:clrMapOvr>
+  <p:timing>
+    <p:tnLst>
+      <p:par>
+        <p:cTn id="1" dur="indefinite" restart="never" nodeType="tmRoot"/>
+      </p:par>
+    </p:tnLst>
+  </p:timing>
+</p:sld>
+</file>
+
+<file path=ppt/slides/slide20.xml><?xml version="1.0" encoding="utf-8"?>
+<p:sld xmlns:a="http://schemas.openxmlformats.org/drawingml/2006/main" xmlns:r="http://schemas.openxmlformats.org/officeDocument/2006/relationships" xmlns:p="http://schemas.openxmlformats.org/presentationml/2006/main">
+  <p:cSld>
+    <p:spTree>
+      <p:nvGrpSpPr>
+        <p:cNvPr id="1" name=""/>
+        <p:cNvGrpSpPr/>
+        <p:nvPr/>
+      </p:nvGrpSpPr>
+      <p:grpSpPr>
+        <a:xfrm>
+          <a:off x="0" y="0"/>
+          <a:ext cx="0" cy="0"/>
+          <a:chOff x="0" y="0"/>
+          <a:chExt cx="0" cy="0"/>
+        </a:xfrm>
+      </p:grpSpPr>
+      <p:pic>
+        <p:nvPicPr>
+          <p:cNvPr id="2" name="object 2"/>
+          <p:cNvPicPr/>
+          <p:nvPr/>
+        </p:nvPicPr>
+        <p:blipFill>
+          <a:blip r:embed="rId2" cstate="print"/>
+          <a:stretch>
+            <a:fillRect/>
+          </a:stretch>
+        </p:blipFill>
+        <p:spPr>
+          <a:xfrm>
+            <a:off x="758235" y="239637"/>
+            <a:ext cx="464730" cy="514995"/>
+          </a:xfrm>
+          <a:prstGeom prst="rect">
+            <a:avLst/>
+          </a:prstGeom>
+        </p:spPr>
+      </p:pic>
+      <p:sp>
+        <p:nvSpPr>
+          <p:cNvPr id="3" name="object 3"/>
+          <p:cNvSpPr txBox="1">
+            <a:spLocks noGrp="1"/>
+          </p:cNvSpPr>
+          <p:nvPr>
+            <p:ph type="title"/>
+          </p:nvPr>
+        </p:nvSpPr>
+        <p:spPr>
+          <a:xfrm>
+            <a:off x="1447800" y="76806"/>
+            <a:ext cx="6781800" cy="677826"/>
+          </a:xfrm>
+          <a:prstGeom prst="rect">
+            <a:avLst/>
+          </a:prstGeom>
+        </p:spPr>
+        <p:txBody>
+          <a:bodyPr vert="horz" wrap="square" lIns="0" tIns="244551" rIns="0" bIns="0" rtlCol="0">
+            <a:spAutoFit/>
+          </a:bodyPr>
+          <a:lstStyle/>
+          <a:p>
+            <a:r>
+              <a:rPr lang="en-US" sz="2800" dirty="0" smtClean="0"/>
+              <a:t>Workshop</a:t>
+            </a:r>
+            <a:endParaRPr lang="en-US" sz="2800" dirty="0"/>
+          </a:p>
+        </p:txBody>
+      </p:sp>
+      <p:sp>
+        <p:nvSpPr>
+          <p:cNvPr id="5" name="object 5"/>
+          <p:cNvSpPr txBox="1">
+            <a:spLocks noGrp="1"/>
+          </p:cNvSpPr>
+          <p:nvPr>
+            <p:ph type="sldNum" sz="quarter" idx="7"/>
+          </p:nvPr>
+        </p:nvSpPr>
+        <p:spPr>
+          <a:prstGeom prst="rect">
+            <a:avLst/>
+          </a:prstGeom>
+        </p:spPr>
+        <p:txBody>
+          <a:bodyPr vert="horz" wrap="square" lIns="0" tIns="0" rIns="0" bIns="0" rtlCol="0">
+            <a:spAutoFit/>
+          </a:bodyPr>
+          <a:lstStyle/>
+          <a:p>
+            <a:pPr marL="38100">
+              <a:lnSpc>
+                <a:spcPts val="1310"/>
+              </a:lnSpc>
+            </a:pPr>
+            <a:fld id="{81D60167-4931-47E6-BA6A-407CBD079E47}" type="slidenum">
+              <a:rPr spc="-25" dirty="0"/>
+              <a:t>20</a:t>
+            </a:fld>
+            <a:endParaRPr spc="-25" dirty="0"/>
+          </a:p>
+        </p:txBody>
+      </p:sp>
+      <p:pic>
+        <p:nvPicPr>
+          <p:cNvPr id="7" name="Picture 6"/>
+          <p:cNvPicPr>
+            <a:picLocks noChangeAspect="1"/>
+          </p:cNvPicPr>
+          <p:nvPr/>
+        </p:nvPicPr>
+        <p:blipFill>
+          <a:blip r:embed="rId3">
+            <a:extLst>
+              <a:ext uri="{28A0092B-C50C-407E-A947-70E740481C1C}">
+                <a14:useLocalDpi xmlns:a14="http://schemas.microsoft.com/office/drawing/2010/main" val="0"/>
+              </a:ext>
+            </a:extLst>
+          </a:blip>
+          <a:stretch>
+            <a:fillRect/>
+          </a:stretch>
+        </p:blipFill>
+        <p:spPr>
+          <a:xfrm>
+            <a:off x="609600" y="1447800"/>
+            <a:ext cx="6477000" cy="4655344"/>
+          </a:xfrm>
+          <a:prstGeom prst="rect">
+            <a:avLst/>
+          </a:prstGeom>
+        </p:spPr>
+      </p:pic>
+      <p:pic>
+        <p:nvPicPr>
+          <p:cNvPr id="10" name="Picture 9"/>
+          <p:cNvPicPr>
+            <a:picLocks noChangeAspect="1"/>
+          </p:cNvPicPr>
+          <p:nvPr/>
+        </p:nvPicPr>
+        <p:blipFill>
+          <a:blip r:embed="rId4">
+            <a:extLst>
+              <a:ext uri="{28A0092B-C50C-407E-A947-70E740481C1C}">
+                <a14:useLocalDpi xmlns:a14="http://schemas.microsoft.com/office/drawing/2010/main" val="0"/>
+              </a:ext>
+            </a:extLst>
+          </a:blip>
+          <a:stretch>
+            <a:fillRect/>
+          </a:stretch>
+        </p:blipFill>
+        <p:spPr>
+          <a:xfrm>
+            <a:off x="7086600" y="1219200"/>
+            <a:ext cx="4648200" cy="4648200"/>
+          </a:xfrm>
+          <a:prstGeom prst="rect">
+            <a:avLst/>
+          </a:prstGeom>
+        </p:spPr>
+      </p:pic>
+      <p:sp>
+        <p:nvSpPr>
+          <p:cNvPr id="11" name="TextBox 10"/>
+          <p:cNvSpPr txBox="1"/>
+          <p:nvPr/>
+        </p:nvSpPr>
+        <p:spPr>
+          <a:xfrm>
+            <a:off x="7696200" y="5867400"/>
+            <a:ext cx="3886200" cy="646331"/>
+          </a:xfrm>
+          <a:prstGeom prst="rect">
+            <a:avLst/>
+          </a:prstGeom>
+          <a:noFill/>
+        </p:spPr>
+        <p:txBody>
+          <a:bodyPr wrap="square" rtlCol="1">
+            <a:spAutoFit/>
+          </a:bodyPr>
+          <a:lstStyle/>
+          <a:p>
+            <a:r>
+              <a:rPr lang="en-US" dirty="0" smtClean="0">
+                <a:hlinkClick r:id="rId5"/>
+              </a:rPr>
+              <a:t>https://afathelbab.github.io/cnpc/computer-basics-soft-skills/workshops/</a:t>
+            </a:r>
+            <a:endParaRPr lang="ar-EG" dirty="0"/>
+          </a:p>
+        </p:txBody>
+      </p:sp>
+    </p:spTree>
+    <p:extLst>
+      <p:ext uri="{BB962C8B-B14F-4D97-AF65-F5344CB8AC3E}">
+        <p14:creationId xmlns:p14="http://schemas.microsoft.com/office/powerpoint/2010/main" val="2876721441"/>
+      </p:ext>
+    </p:extLst>
+  </p:cSld>
+  <p:clrMapOvr>
+    <a:masterClrMapping/>
+  </p:clrMapOvr>
+  <p:timing>
+    <p:tnLst>
+      <p:par>
+        <p:cTn id="1" dur="indefinite" restart="never" nodeType="tmRoot"/>
+      </p:par>
+    </p:tnLst>
+  </p:timing>
+</p:sld>
+</file>
+
+<file path=ppt/slides/slide21.xml><?xml version="1.0" encoding="utf-8"?>
+<p:sld xmlns:a="http://schemas.openxmlformats.org/drawingml/2006/main" xmlns:r="http://schemas.openxmlformats.org/officeDocument/2006/relationships" xmlns:p="http://schemas.openxmlformats.org/presentationml/2006/main">
+  <p:cSld>
+    <p:spTree>
+      <p:nvGrpSpPr>
+        <p:cNvPr id="1" name=""/>
+        <p:cNvGrpSpPr/>
+        <p:nvPr/>
+      </p:nvGrpSpPr>
+      <p:grpSpPr>
+        <a:xfrm>
+          <a:off x="0" y="0"/>
+          <a:ext cx="0" cy="0"/>
+          <a:chOff x="0" y="0"/>
+          <a:chExt cx="0" cy="0"/>
+        </a:xfrm>
+      </p:grpSpPr>
       <p:grpSp>
         <p:nvGrpSpPr>
           <p:cNvPr id="2" name="object 2"/>
@@ -5990,343 +6659,6 @@
               <a:latin typeface="Tahoma"/>
               <a:cs typeface="Tahoma"/>
             </a:endParaRPr>
-          </a:p>
-        </p:txBody>
-      </p:sp>
-    </p:spTree>
-  </p:cSld>
-  <p:clrMapOvr>
-    <a:masterClrMapping/>
-  </p:clrMapOvr>
-  <p:timing>
-    <p:tnLst>
-      <p:par>
-        <p:cTn id="1" dur="indefinite" restart="never" nodeType="tmRoot"/>
-      </p:par>
-    </p:tnLst>
-  </p:timing>
-</p:sld>
-</file>
-
-<file path=ppt/slides/slide2.xml><?xml version="1.0" encoding="utf-8"?>
-<p:sld xmlns:a="http://schemas.openxmlformats.org/drawingml/2006/main" xmlns:r="http://schemas.openxmlformats.org/officeDocument/2006/relationships" xmlns:p="http://schemas.openxmlformats.org/presentationml/2006/main">
-  <p:cSld>
-    <p:spTree>
-      <p:nvGrpSpPr>
-        <p:cNvPr id="1" name=""/>
-        <p:cNvGrpSpPr/>
-        <p:nvPr/>
-      </p:nvGrpSpPr>
-      <p:grpSpPr>
-        <a:xfrm>
-          <a:off x="0" y="0"/>
-          <a:ext cx="0" cy="0"/>
-          <a:chOff x="0" y="0"/>
-          <a:chExt cx="0" cy="0"/>
-        </a:xfrm>
-      </p:grpSpPr>
-      <p:sp>
-        <p:nvSpPr>
-          <p:cNvPr id="2" name="object 2"/>
-          <p:cNvSpPr txBox="1">
-            <a:spLocks noGrp="1"/>
-          </p:cNvSpPr>
-          <p:nvPr>
-            <p:ph type="title"/>
-          </p:nvPr>
-        </p:nvSpPr>
-        <p:spPr>
-          <a:prstGeom prst="rect">
-            <a:avLst/>
-          </a:prstGeom>
-        </p:spPr>
-        <p:txBody>
-          <a:bodyPr vert="horz" wrap="square" lIns="0" tIns="132156" rIns="0" bIns="0" rtlCol="0">
-            <a:spAutoFit/>
-          </a:bodyPr>
-          <a:lstStyle/>
-          <a:p>
-            <a:pPr marL="2454275">
-              <a:lnSpc>
-                <a:spcPct val="100000"/>
-              </a:lnSpc>
-              <a:spcBef>
-                <a:spcPts val="95"/>
-              </a:spcBef>
-            </a:pPr>
-            <a:r>
-              <a:rPr sz="2800" spc="-30" dirty="0"/>
-              <a:t>Training</a:t>
-            </a:r>
-            <a:r>
-              <a:rPr sz="2800" spc="-135" dirty="0"/>
-              <a:t> </a:t>
-            </a:r>
-            <a:r>
-              <a:rPr sz="2800" spc="-10" dirty="0"/>
-              <a:t>Agenda</a:t>
-            </a:r>
-            <a:endParaRPr sz="2800"/>
-          </a:p>
-        </p:txBody>
-      </p:sp>
-      <p:sp>
-        <p:nvSpPr>
-          <p:cNvPr id="3" name="object 3"/>
-          <p:cNvSpPr txBox="1"/>
-          <p:nvPr/>
-        </p:nvSpPr>
-        <p:spPr>
-          <a:xfrm>
-            <a:off x="925474" y="1886559"/>
-            <a:ext cx="6846926" cy="1286891"/>
-          </a:xfrm>
-          <a:prstGeom prst="rect">
-            <a:avLst/>
-          </a:prstGeom>
-        </p:spPr>
-        <p:txBody>
-          <a:bodyPr vert="horz" wrap="square" lIns="0" tIns="131445" rIns="0" bIns="0" rtlCol="0">
-            <a:spAutoFit/>
-          </a:bodyPr>
-          <a:lstStyle/>
-          <a:p>
-            <a:pPr marL="355600" indent="-342900">
-              <a:lnSpc>
-                <a:spcPct val="100000"/>
-              </a:lnSpc>
-              <a:spcBef>
-                <a:spcPts val="935"/>
-              </a:spcBef>
-              <a:buClr>
-                <a:srgbClr val="44536A"/>
-              </a:buClr>
-              <a:buChar char="-"/>
-              <a:tabLst>
-                <a:tab pos="355600" algn="l"/>
-              </a:tabLst>
-            </a:pPr>
-            <a:r>
-              <a:rPr sz="2000" dirty="0" smtClean="0">
-                <a:solidFill>
-                  <a:srgbClr val="00B050"/>
-                </a:solidFill>
-                <a:latin typeface="Arial MT"/>
-                <a:cs typeface="Arial MT"/>
-              </a:rPr>
-              <a:t>Lecture</a:t>
-            </a:r>
-            <a:r>
-              <a:rPr sz="2000" spc="-60" dirty="0" smtClean="0">
-                <a:solidFill>
-                  <a:srgbClr val="00B050"/>
-                </a:solidFill>
-                <a:latin typeface="Arial MT"/>
-                <a:cs typeface="Arial MT"/>
-              </a:rPr>
-              <a:t> </a:t>
-            </a:r>
-            <a:r>
-              <a:rPr sz="2000" dirty="0">
-                <a:solidFill>
-                  <a:srgbClr val="00B050"/>
-                </a:solidFill>
-                <a:latin typeface="Arial MT"/>
-                <a:cs typeface="Arial MT"/>
-              </a:rPr>
-              <a:t>1</a:t>
-            </a:r>
-            <a:r>
-              <a:rPr sz="2000" spc="-20" dirty="0">
-                <a:solidFill>
-                  <a:srgbClr val="00B050"/>
-                </a:solidFill>
-                <a:latin typeface="Arial MT"/>
-                <a:cs typeface="Arial MT"/>
-              </a:rPr>
-              <a:t> </a:t>
-            </a:r>
-            <a:r>
-              <a:rPr sz="2000" dirty="0">
-                <a:solidFill>
-                  <a:srgbClr val="00B050"/>
-                </a:solidFill>
-                <a:latin typeface="Arial MT"/>
-                <a:cs typeface="Arial MT"/>
-              </a:rPr>
-              <a:t>:</a:t>
-            </a:r>
-            <a:r>
-              <a:rPr lang="en-US" sz="2000" dirty="0">
-                <a:solidFill>
-                  <a:srgbClr val="00B050"/>
-                </a:solidFill>
-                <a:latin typeface="Arial MT"/>
-                <a:cs typeface="Arial MT"/>
-              </a:rPr>
-              <a:t> </a:t>
-            </a:r>
-            <a:r>
-              <a:rPr lang="en-US" sz="2000" dirty="0" smtClean="0">
-                <a:solidFill>
-                  <a:srgbClr val="00B050"/>
-                </a:solidFill>
-                <a:latin typeface="Arial MT"/>
-                <a:cs typeface="Arial MT"/>
-              </a:rPr>
-              <a:t>Foundations &amp; Professional Communication</a:t>
-            </a:r>
-            <a:endParaRPr lang="ar-EG" sz="2000" dirty="0" smtClean="0">
-              <a:solidFill>
-                <a:srgbClr val="00B050"/>
-              </a:solidFill>
-              <a:latin typeface="Arial MT"/>
-              <a:cs typeface="Arial MT"/>
-            </a:endParaRPr>
-          </a:p>
-          <a:p>
-            <a:pPr marL="355600" indent="-342900">
-              <a:lnSpc>
-                <a:spcPct val="100000"/>
-              </a:lnSpc>
-              <a:spcBef>
-                <a:spcPts val="935"/>
-              </a:spcBef>
-              <a:buClr>
-                <a:srgbClr val="44536A"/>
-              </a:buClr>
-              <a:buChar char="-"/>
-              <a:tabLst>
-                <a:tab pos="355600" algn="l"/>
-              </a:tabLst>
-            </a:pPr>
-            <a:r>
-              <a:rPr sz="2000" dirty="0">
-                <a:solidFill>
-                  <a:srgbClr val="00B050"/>
-                </a:solidFill>
-                <a:latin typeface="Arial MT"/>
-                <a:cs typeface="Arial MT"/>
-              </a:rPr>
-              <a:t>Lecture 2 : </a:t>
-            </a:r>
-            <a:r>
-              <a:rPr lang="en-US" sz="2000" dirty="0">
-                <a:solidFill>
-                  <a:srgbClr val="00B050"/>
-                </a:solidFill>
-                <a:latin typeface="Arial MT"/>
-                <a:cs typeface="Arial MT"/>
-              </a:rPr>
-              <a:t>Data, Presentation &amp; Productivity</a:t>
-            </a:r>
-            <a:endParaRPr sz="2000" dirty="0">
-              <a:solidFill>
-                <a:srgbClr val="00B050"/>
-              </a:solidFill>
-              <a:latin typeface="Arial MT"/>
-              <a:cs typeface="Arial MT"/>
-            </a:endParaRPr>
-          </a:p>
-          <a:p>
-            <a:pPr marL="355600" indent="-342900">
-              <a:lnSpc>
-                <a:spcPct val="100000"/>
-              </a:lnSpc>
-              <a:spcBef>
-                <a:spcPts val="935"/>
-              </a:spcBef>
-              <a:buClr>
-                <a:srgbClr val="44536A"/>
-              </a:buClr>
-              <a:buChar char="-"/>
-              <a:tabLst>
-                <a:tab pos="355600" algn="l"/>
-              </a:tabLst>
-            </a:pPr>
-            <a:r>
-              <a:rPr sz="2000" dirty="0">
-                <a:solidFill>
-                  <a:srgbClr val="C00000"/>
-                </a:solidFill>
-                <a:latin typeface="Arial MT"/>
-                <a:cs typeface="Arial MT"/>
-              </a:rPr>
-              <a:t>Lecture 3 : </a:t>
-            </a:r>
-            <a:r>
-              <a:rPr lang="en-US" sz="2000" dirty="0">
-                <a:solidFill>
-                  <a:srgbClr val="C00000"/>
-                </a:solidFill>
-                <a:latin typeface="Arial MT"/>
-                <a:cs typeface="Arial MT"/>
-              </a:rPr>
-              <a:t>Business Systems &amp; Problem Solving</a:t>
-            </a:r>
-            <a:endParaRPr sz="2000" dirty="0">
-              <a:solidFill>
-                <a:srgbClr val="C00000"/>
-              </a:solidFill>
-              <a:latin typeface="Arial MT"/>
-              <a:cs typeface="Arial MT"/>
-            </a:endParaRPr>
-          </a:p>
-        </p:txBody>
-      </p:sp>
-      <p:pic>
-        <p:nvPicPr>
-          <p:cNvPr id="4" name="object 4"/>
-          <p:cNvPicPr/>
-          <p:nvPr/>
-        </p:nvPicPr>
-        <p:blipFill>
-          <a:blip r:embed="rId2" cstate="print"/>
-          <a:stretch>
-            <a:fillRect/>
-          </a:stretch>
-        </p:blipFill>
-        <p:spPr>
-          <a:xfrm>
-            <a:off x="8868156" y="1973579"/>
-            <a:ext cx="2581655" cy="3098292"/>
-          </a:xfrm>
-          <a:prstGeom prst="rect">
-            <a:avLst/>
-          </a:prstGeom>
-        </p:spPr>
-      </p:pic>
-      <p:sp>
-        <p:nvSpPr>
-          <p:cNvPr id="5" name="object 5"/>
-          <p:cNvSpPr txBox="1">
-            <a:spLocks noGrp="1"/>
-          </p:cNvSpPr>
-          <p:nvPr>
-            <p:ph type="sldNum" sz="quarter" idx="7"/>
-          </p:nvPr>
-        </p:nvSpPr>
-        <p:spPr>
-          <a:prstGeom prst="rect">
-            <a:avLst/>
-          </a:prstGeom>
-        </p:spPr>
-        <p:txBody>
-          <a:bodyPr vert="horz" wrap="square" lIns="0" tIns="0" rIns="0" bIns="0" rtlCol="0">
-            <a:spAutoFit/>
-          </a:bodyPr>
-          <a:lstStyle/>
-          <a:p>
-            <a:pPr marL="38100">
-              <a:lnSpc>
-                <a:spcPts val="1310"/>
-              </a:lnSpc>
-            </a:pPr>
-            <a:fld id="{81D60167-4931-47E6-BA6A-407CBD079E47}" type="slidenum">
-              <a:rPr spc="-25" dirty="0"/>
-              <a:t>2</a:t>
-            </a:fld>
-            <a:endParaRPr spc="-25" dirty="0"/>
           </a:p>
         </p:txBody>
       </p:sp>

--- a/computer-basics-soft-skills/day3/Computer Skills and Soft Skills - Lec-3.pptx
+++ b/computer-basics-soft-skills/day3/Computer Skills and Soft Skills - Lec-3.pptx
@@ -12,20 +12,32 @@
     <p:sldId id="262" r:id="rId6"/>
     <p:sldId id="334" r:id="rId7"/>
     <p:sldId id="263" r:id="rId8"/>
-    <p:sldId id="352" r:id="rId9"/>
-    <p:sldId id="365" r:id="rId10"/>
-    <p:sldId id="355" r:id="rId11"/>
-    <p:sldId id="335" r:id="rId12"/>
-    <p:sldId id="336" r:id="rId13"/>
-    <p:sldId id="366" r:id="rId14"/>
-    <p:sldId id="367" r:id="rId15"/>
-    <p:sldId id="368" r:id="rId16"/>
-    <p:sldId id="369" r:id="rId17"/>
-    <p:sldId id="357" r:id="rId18"/>
-    <p:sldId id="351" r:id="rId19"/>
-    <p:sldId id="370" r:id="rId20"/>
-    <p:sldId id="371" r:id="rId21"/>
-    <p:sldId id="329" r:id="rId22"/>
+    <p:sldId id="372" r:id="rId9"/>
+    <p:sldId id="352" r:id="rId10"/>
+    <p:sldId id="373" r:id="rId11"/>
+    <p:sldId id="374" r:id="rId12"/>
+    <p:sldId id="375" r:id="rId13"/>
+    <p:sldId id="377" r:id="rId14"/>
+    <p:sldId id="376" r:id="rId15"/>
+    <p:sldId id="378" r:id="rId16"/>
+    <p:sldId id="379" r:id="rId17"/>
+    <p:sldId id="365" r:id="rId18"/>
+    <p:sldId id="380" r:id="rId19"/>
+    <p:sldId id="355" r:id="rId20"/>
+    <p:sldId id="335" r:id="rId21"/>
+    <p:sldId id="336" r:id="rId22"/>
+    <p:sldId id="366" r:id="rId23"/>
+    <p:sldId id="381" r:id="rId24"/>
+    <p:sldId id="367" r:id="rId25"/>
+    <p:sldId id="368" r:id="rId26"/>
+    <p:sldId id="382" r:id="rId27"/>
+    <p:sldId id="383" r:id="rId28"/>
+    <p:sldId id="369" r:id="rId29"/>
+    <p:sldId id="357" r:id="rId30"/>
+    <p:sldId id="351" r:id="rId31"/>
+    <p:sldId id="370" r:id="rId32"/>
+    <p:sldId id="371" r:id="rId33"/>
+    <p:sldId id="329" r:id="rId34"/>
   </p:sldIdLst>
   <p:sldSz cx="12192000" cy="6858000"/>
   <p:notesSz cx="12192000" cy="6858000"/>
@@ -2432,8 +2444,8 @@
         </p:nvSpPr>
         <p:spPr>
           <a:xfrm>
-            <a:off x="762000" y="1905000"/>
-            <a:ext cx="2069797" cy="369332"/>
+            <a:off x="457200" y="1720334"/>
+            <a:ext cx="5583580" cy="369332"/>
           </a:xfrm>
           <a:prstGeom prst="rect">
             <a:avLst/>
@@ -2452,7 +2464,7 @@
                   <a:srgbClr val="C00000"/>
                 </a:solidFill>
               </a:rPr>
-              <a:t>Open Discussion</a:t>
+              <a:t>The Purpose of an ERP: A Single Source of Truth</a:t>
             </a:r>
             <a:endParaRPr lang="ar-EG" dirty="0"/>
           </a:p>
@@ -2466,8 +2478,8 @@
         </p:nvSpPr>
         <p:spPr>
           <a:xfrm>
-            <a:off x="884176" y="2590800"/>
-            <a:ext cx="5897624" cy="1323439"/>
+            <a:off x="650549" y="2537310"/>
+            <a:ext cx="5597852" cy="1323439"/>
           </a:xfrm>
           <a:prstGeom prst="rect">
             <a:avLst/>
@@ -2480,60 +2492,123 @@
           </a:bodyPr>
           <a:lstStyle/>
           <a:p>
-            <a:pPr marL="285750" indent="-285750">
-              <a:buFont typeface="Wingdings" panose="05000000000000000000" pitchFamily="2" charset="2"/>
-              <a:buChar char="q"/>
-            </a:pPr>
             <a:r>
               <a:rPr lang="en-US" sz="1600" dirty="0" smtClean="0"/>
-              <a:t>Why is having a "single source of truth" for data so important for a growing business?</a:t>
-            </a:r>
-          </a:p>
-          <a:p>
-            <a:pPr marL="285750" indent="-285750">
-              <a:buFont typeface="Wingdings" panose="05000000000000000000" pitchFamily="2" charset="2"/>
-              <a:buChar char="q"/>
-            </a:pPr>
+              <a:t>Let's trace a single maintenance task to see how the ERP connects everyone from the field to the warehouse.</a:t>
+            </a:r>
+          </a:p>
+          <a:p>
+            <a:endParaRPr lang="en-US" sz="1600" dirty="0"/>
+          </a:p>
+          <a:p>
             <a:endParaRPr lang="en-US" sz="1600" dirty="0" smtClean="0"/>
           </a:p>
           <a:p>
-            <a:pPr marL="285750" indent="-285750">
-              <a:buFont typeface="Wingdings" panose="05000000000000000000" pitchFamily="2" charset="2"/>
-              <a:buChar char="q"/>
-            </a:pPr>
             <a:r>
               <a:rPr lang="en-US" sz="1600" dirty="0" smtClean="0"/>
-              <a:t>Before ERPs, what kind of problems might a company have if Sales, Finance, and Shipping all used different software?</a:t>
-            </a:r>
-          </a:p>
-        </p:txBody>
-      </p:sp>
-      <p:pic>
-        <p:nvPicPr>
-          <p:cNvPr id="11" name="object 4"/>
-          <p:cNvPicPr/>
+              <a:t>We'll use a </a:t>
+            </a:r>
+            <a:r>
+              <a:rPr lang="en-US" sz="1600" b="1" dirty="0" smtClean="0"/>
+              <a:t>"Procure-to-Pay"</a:t>
+            </a:r>
+            <a:r>
+              <a:rPr lang="en-US" sz="1600" dirty="0" smtClean="0"/>
+              <a:t> example.</a:t>
+            </a:r>
+            <a:endParaRPr lang="en-US" sz="1600" dirty="0"/>
+          </a:p>
+        </p:txBody>
+      </p:sp>
+      <p:grpSp>
+        <p:nvGrpSpPr>
+          <p:cNvPr id="12" name="Group 11"/>
+          <p:cNvGrpSpPr/>
           <p:nvPr/>
-        </p:nvPicPr>
-        <p:blipFill>
-          <a:blip r:embed="rId3" cstate="print"/>
-          <a:stretch>
-            <a:fillRect/>
-          </a:stretch>
-        </p:blipFill>
-        <p:spPr>
-          <a:xfrm>
-            <a:off x="7315200" y="1899138"/>
-            <a:ext cx="3814572" cy="3733800"/>
-          </a:xfrm>
-          <a:prstGeom prst="rect">
-            <a:avLst/>
-          </a:prstGeom>
-        </p:spPr>
-      </p:pic>
+        </p:nvGrpSpPr>
+        <p:grpSpPr>
+          <a:xfrm>
+            <a:off x="6858000" y="1905000"/>
+            <a:ext cx="5158314" cy="4191000"/>
+            <a:chOff x="6858000" y="1905000"/>
+            <a:chExt cx="5158314" cy="4191000"/>
+          </a:xfrm>
+        </p:grpSpPr>
+        <p:pic>
+          <p:nvPicPr>
+            <p:cNvPr id="10" name="Picture 9"/>
+            <p:cNvPicPr>
+              <a:picLocks noChangeAspect="1"/>
+            </p:cNvPicPr>
+            <p:nvPr/>
+          </p:nvPicPr>
+          <p:blipFill rotWithShape="1">
+            <a:blip r:embed="rId3">
+              <a:extLst>
+                <a:ext uri="{28A0092B-C50C-407E-A947-70E740481C1C}">
+                  <a14:useLocalDpi xmlns:a14="http://schemas.microsoft.com/office/drawing/2010/main" val="0"/>
+                </a:ext>
+              </a:extLst>
+            </a:blip>
+            <a:srcRect l="15001" r="13749"/>
+            <a:stretch/>
+          </p:blipFill>
+          <p:spPr>
+            <a:xfrm>
+              <a:off x="6934199" y="2083804"/>
+              <a:ext cx="5082115" cy="4012196"/>
+            </a:xfrm>
+            <a:prstGeom prst="rect">
+              <a:avLst/>
+            </a:prstGeom>
+          </p:spPr>
+        </p:pic>
+        <p:sp>
+          <p:nvSpPr>
+            <p:cNvPr id="11" name="Rectangle 10"/>
+            <p:cNvSpPr/>
+            <p:nvPr/>
+          </p:nvSpPr>
+          <p:spPr>
+            <a:xfrm>
+              <a:off x="6858000" y="1905000"/>
+              <a:ext cx="914400" cy="838200"/>
+            </a:xfrm>
+            <a:prstGeom prst="rect">
+              <a:avLst/>
+            </a:prstGeom>
+            <a:ln>
+              <a:noFill/>
+            </a:ln>
+          </p:spPr>
+          <p:style>
+            <a:lnRef idx="2">
+              <a:schemeClr val="dk1"/>
+            </a:lnRef>
+            <a:fillRef idx="1">
+              <a:schemeClr val="lt1"/>
+            </a:fillRef>
+            <a:effectRef idx="0">
+              <a:schemeClr val="dk1"/>
+            </a:effectRef>
+            <a:fontRef idx="minor">
+              <a:schemeClr val="dk1"/>
+            </a:fontRef>
+          </p:style>
+          <p:txBody>
+            <a:bodyPr rtlCol="1" anchor="ctr"/>
+            <a:lstStyle/>
+            <a:p>
+              <a:pPr algn="ctr"/>
+              <a:endParaRPr lang="ar-EG"/>
+            </a:p>
+          </p:txBody>
+        </p:sp>
+      </p:grpSp>
     </p:spTree>
     <p:extLst>
       <p:ext uri="{BB962C8B-B14F-4D97-AF65-F5344CB8AC3E}">
-        <p14:creationId xmlns:p14="http://schemas.microsoft.com/office/powerpoint/2010/main" val="469214445"/>
+        <p14:creationId xmlns:p14="http://schemas.microsoft.com/office/powerpoint/2010/main" val="2362810473"/>
       </p:ext>
     </p:extLst>
   </p:cSld>
@@ -2567,9 +2642,31 @@
           <a:chExt cx="0" cy="0"/>
         </a:xfrm>
       </p:grpSpPr>
-      <p:sp>
-        <p:nvSpPr>
+      <p:pic>
+        <p:nvPicPr>
           <p:cNvPr id="2" name="object 2"/>
+          <p:cNvPicPr/>
+          <p:nvPr/>
+        </p:nvPicPr>
+        <p:blipFill>
+          <a:blip r:embed="rId2" cstate="print"/>
+          <a:stretch>
+            <a:fillRect/>
+          </a:stretch>
+        </p:blipFill>
+        <p:spPr>
+          <a:xfrm>
+            <a:off x="884176" y="224295"/>
+            <a:ext cx="464730" cy="514995"/>
+          </a:xfrm>
+          <a:prstGeom prst="rect">
+            <a:avLst/>
+          </a:prstGeom>
+        </p:spPr>
+      </p:pic>
+      <p:sp>
+        <p:nvSpPr>
+          <p:cNvPr id="3" name="object 3"/>
           <p:cNvSpPr txBox="1">
             <a:spLocks noGrp="1"/>
           </p:cNvSpPr>
@@ -2579,34 +2676,22 @@
         </p:nvSpPr>
         <p:spPr>
           <a:xfrm>
-            <a:off x="2133600" y="2549098"/>
-            <a:ext cx="7467600" cy="1908933"/>
-          </a:xfrm>
-          <a:prstGeom prst="rect">
-            <a:avLst/>
-          </a:prstGeom>
-        </p:spPr>
-        <p:txBody>
-          <a:bodyPr vert="horz" wrap="square" lIns="0" tIns="244551" rIns="0" bIns="0" rtlCol="0" anchor="ctr">
+            <a:off x="1676400" y="84174"/>
+            <a:ext cx="6563742" cy="616271"/>
+          </a:xfrm>
+          <a:prstGeom prst="rect">
+            <a:avLst/>
+          </a:prstGeom>
+        </p:spPr>
+        <p:txBody>
+          <a:bodyPr vert="horz" wrap="square" lIns="0" tIns="244551" rIns="0" bIns="0" rtlCol="0">
             <a:spAutoFit/>
           </a:bodyPr>
           <a:lstStyle/>
           <a:p>
-            <a:pPr algn="ctr"/>
-            <a:r>
-              <a:rPr lang="en-US" sz="5400" dirty="0"/>
-              <a:t>Module </a:t>
-            </a:r>
-            <a:r>
-              <a:rPr lang="en-US" sz="5400" dirty="0" smtClean="0"/>
-              <a:t>2: </a:t>
-            </a:r>
-            <a:br>
-              <a:rPr lang="en-US" sz="5400" dirty="0" smtClean="0"/>
-            </a:br>
-            <a:r>
-              <a:rPr lang="en-US" sz="5400" dirty="0"/>
-              <a:t>Problem Solving</a:t>
+            <a:r>
+              <a:rPr lang="en-US" sz="2400" dirty="0"/>
+              <a:t>Module 1: Introduction to ERP Systems</a:t>
             </a:r>
           </a:p>
         </p:txBody>
@@ -2645,10 +2730,179 @@
           </a:p>
         </p:txBody>
       </p:sp>
+      <p:sp>
+        <p:nvSpPr>
+          <p:cNvPr id="6" name="TextBox 5"/>
+          <p:cNvSpPr txBox="1"/>
+          <p:nvPr/>
+        </p:nvSpPr>
+        <p:spPr>
+          <a:xfrm>
+            <a:off x="457200" y="1720334"/>
+            <a:ext cx="4262705" cy="369332"/>
+          </a:xfrm>
+          <a:prstGeom prst="rect">
+            <a:avLst/>
+          </a:prstGeom>
+          <a:noFill/>
+        </p:spPr>
+        <p:txBody>
+          <a:bodyPr wrap="none" rtlCol="1">
+            <a:spAutoFit/>
+          </a:bodyPr>
+          <a:lstStyle/>
+          <a:p>
+            <a:r>
+              <a:rPr lang="en-US" b="1" dirty="0" smtClean="0">
+                <a:solidFill>
+                  <a:srgbClr val="C00000"/>
+                </a:solidFill>
+              </a:rPr>
+              <a:t>How an ERP Works: (Procure-to-Pay)</a:t>
+            </a:r>
+            <a:endParaRPr lang="ar-EG" dirty="0"/>
+          </a:p>
+        </p:txBody>
+      </p:sp>
+      <p:sp>
+        <p:nvSpPr>
+          <p:cNvPr id="7" name="TextBox 6"/>
+          <p:cNvSpPr txBox="1"/>
+          <p:nvPr/>
+        </p:nvSpPr>
+        <p:spPr>
+          <a:xfrm>
+            <a:off x="650549" y="2537310"/>
+            <a:ext cx="5597852" cy="1323439"/>
+          </a:xfrm>
+          <a:prstGeom prst="rect">
+            <a:avLst/>
+          </a:prstGeom>
+          <a:noFill/>
+        </p:spPr>
+        <p:txBody>
+          <a:bodyPr wrap="square" rtlCol="1">
+            <a:spAutoFit/>
+          </a:bodyPr>
+          <a:lstStyle/>
+          <a:p>
+            <a:r>
+              <a:rPr lang="en-US" sz="1600" dirty="0" smtClean="0"/>
+              <a:t>Let's trace a single maintenance task to see how the ERP connects everyone from the field to the warehouse.</a:t>
+            </a:r>
+          </a:p>
+          <a:p>
+            <a:endParaRPr lang="en-US" sz="1600" dirty="0"/>
+          </a:p>
+          <a:p>
+            <a:endParaRPr lang="en-US" sz="1600" dirty="0" smtClean="0"/>
+          </a:p>
+          <a:p>
+            <a:r>
+              <a:rPr lang="en-US" sz="1600" dirty="0" smtClean="0"/>
+              <a:t>We'll use a </a:t>
+            </a:r>
+            <a:r>
+              <a:rPr lang="en-US" sz="1600" b="1" dirty="0" smtClean="0"/>
+              <a:t>"Procure-to-Pay"</a:t>
+            </a:r>
+            <a:r>
+              <a:rPr lang="en-US" sz="1600" dirty="0" smtClean="0"/>
+              <a:t> example.</a:t>
+            </a:r>
+            <a:endParaRPr lang="en-US" sz="1600" dirty="0"/>
+          </a:p>
+        </p:txBody>
+      </p:sp>
+      <p:grpSp>
+        <p:nvGrpSpPr>
+          <p:cNvPr id="12" name="Group 11"/>
+          <p:cNvGrpSpPr/>
+          <p:nvPr/>
+        </p:nvGrpSpPr>
+        <p:grpSpPr>
+          <a:xfrm>
+            <a:off x="6858000" y="1905000"/>
+            <a:ext cx="5158314" cy="4191000"/>
+            <a:chOff x="6858000" y="1905000"/>
+            <a:chExt cx="5158314" cy="4191000"/>
+          </a:xfrm>
+        </p:grpSpPr>
+        <p:pic>
+          <p:nvPicPr>
+            <p:cNvPr id="10" name="Picture 9"/>
+            <p:cNvPicPr>
+              <a:picLocks noChangeAspect="1"/>
+            </p:cNvPicPr>
+            <p:nvPr/>
+          </p:nvPicPr>
+          <p:blipFill rotWithShape="1">
+            <a:blip r:embed="rId3">
+              <a:extLst>
+                <a:ext uri="{28A0092B-C50C-407E-A947-70E740481C1C}">
+                  <a14:useLocalDpi xmlns:a14="http://schemas.microsoft.com/office/drawing/2010/main" val="0"/>
+                </a:ext>
+              </a:extLst>
+            </a:blip>
+            <a:srcRect l="15001" r="13749"/>
+            <a:stretch/>
+          </p:blipFill>
+          <p:spPr>
+            <a:xfrm>
+              <a:off x="6934199" y="2083804"/>
+              <a:ext cx="5082115" cy="4012196"/>
+            </a:xfrm>
+            <a:prstGeom prst="rect">
+              <a:avLst/>
+            </a:prstGeom>
+          </p:spPr>
+        </p:pic>
+        <p:sp>
+          <p:nvSpPr>
+            <p:cNvPr id="11" name="Rectangle 10"/>
+            <p:cNvSpPr/>
+            <p:nvPr/>
+          </p:nvSpPr>
+          <p:spPr>
+            <a:xfrm>
+              <a:off x="6858000" y="1905000"/>
+              <a:ext cx="914400" cy="838200"/>
+            </a:xfrm>
+            <a:prstGeom prst="rect">
+              <a:avLst/>
+            </a:prstGeom>
+            <a:ln>
+              <a:noFill/>
+            </a:ln>
+          </p:spPr>
+          <p:style>
+            <a:lnRef idx="2">
+              <a:schemeClr val="dk1"/>
+            </a:lnRef>
+            <a:fillRef idx="1">
+              <a:schemeClr val="lt1"/>
+            </a:fillRef>
+            <a:effectRef idx="0">
+              <a:schemeClr val="dk1"/>
+            </a:effectRef>
+            <a:fontRef idx="minor">
+              <a:schemeClr val="dk1"/>
+            </a:fontRef>
+          </p:style>
+          <p:txBody>
+            <a:bodyPr rtlCol="1" anchor="ctr"/>
+            <a:lstStyle/>
+            <a:p>
+              <a:pPr algn="ctr"/>
+              <a:endParaRPr lang="ar-EG"/>
+            </a:p>
+          </p:txBody>
+        </p:sp>
+      </p:grpSp>
     </p:spTree>
     <p:extLst>
       <p:ext uri="{BB962C8B-B14F-4D97-AF65-F5344CB8AC3E}">
-        <p14:creationId xmlns:p14="http://schemas.microsoft.com/office/powerpoint/2010/main" val="1205114929"/>
+        <p14:creationId xmlns:p14="http://schemas.microsoft.com/office/powerpoint/2010/main" val="1550556545"/>
       </p:ext>
     </p:extLst>
   </p:cSld>
@@ -2696,7 +2950,7 @@
         </p:blipFill>
         <p:spPr>
           <a:xfrm>
-            <a:off x="758235" y="239637"/>
+            <a:off x="884176" y="224295"/>
             <a:ext cx="464730" cy="514995"/>
           </a:xfrm>
           <a:prstGeom prst="rect">
@@ -2716,8 +2970,8 @@
         </p:nvSpPr>
         <p:spPr>
           <a:xfrm>
-            <a:off x="1447800" y="76806"/>
-            <a:ext cx="6781800" cy="677826"/>
+            <a:off x="1676400" y="84174"/>
+            <a:ext cx="6563742" cy="616271"/>
           </a:xfrm>
           <a:prstGeom prst="rect">
             <a:avLst/>
@@ -2730,16 +2984,8 @@
           <a:lstStyle/>
           <a:p>
             <a:r>
-              <a:rPr lang="en-US" sz="2800" dirty="0"/>
-              <a:t>Module </a:t>
-            </a:r>
-            <a:r>
-              <a:rPr lang="en-US" sz="2800" dirty="0" smtClean="0"/>
-              <a:t>2: </a:t>
-            </a:r>
-            <a:r>
-              <a:rPr lang="en-US" sz="2800" dirty="0"/>
-              <a:t>Problem Solving</a:t>
+              <a:rPr lang="en-US" sz="2400" dirty="0"/>
+              <a:t>Module 1: Introduction to ERP Systems</a:t>
             </a:r>
           </a:p>
         </p:txBody>
@@ -2786,8 +3032,8 @@
         </p:nvSpPr>
         <p:spPr>
           <a:xfrm>
-            <a:off x="990600" y="1447800"/>
-            <a:ext cx="4891083" cy="369332"/>
+            <a:off x="457200" y="1720334"/>
+            <a:ext cx="4262705" cy="369332"/>
           </a:xfrm>
           <a:prstGeom prst="rect">
             <a:avLst/>
@@ -2806,26 +3052,22 @@
                   <a:srgbClr val="C00000"/>
                 </a:solidFill>
               </a:rPr>
-              <a:t>A Structured Approach to Problem Solving</a:t>
-            </a:r>
-            <a:endParaRPr lang="en-US" b="1" dirty="0">
-              <a:solidFill>
-                <a:srgbClr val="C00000"/>
-              </a:solidFill>
-            </a:endParaRPr>
-          </a:p>
-        </p:txBody>
-      </p:sp>
-      <p:sp>
-        <p:nvSpPr>
-          <p:cNvPr id="9" name="TextBox 8"/>
+              <a:t>How an ERP Works: (Procure-to-Pay)</a:t>
+            </a:r>
+            <a:endParaRPr lang="ar-EG" dirty="0"/>
+          </a:p>
+        </p:txBody>
+      </p:sp>
+      <p:sp>
+        <p:nvSpPr>
+          <p:cNvPr id="7" name="TextBox 6"/>
           <p:cNvSpPr txBox="1"/>
           <p:nvPr/>
         </p:nvSpPr>
         <p:spPr>
           <a:xfrm>
-            <a:off x="990600" y="2057400"/>
-            <a:ext cx="5867400" cy="3077766"/>
+            <a:off x="685800" y="3428182"/>
+            <a:ext cx="5943600" cy="1569660"/>
           </a:xfrm>
           <a:prstGeom prst="rect">
             <a:avLst/>
@@ -2839,105 +3081,125 @@
           <a:lstStyle/>
           <a:p>
             <a:r>
+              <a:rPr lang="en-US" sz="1600" b="1" dirty="0" smtClean="0"/>
+              <a:t>Maintenance:</a:t>
+            </a:r>
+            <a:r>
               <a:rPr lang="en-US" sz="1600" dirty="0" smtClean="0"/>
-              <a:t>Problems will come up. It's a normal part of work. </a:t>
+              <a:t> </a:t>
             </a:r>
           </a:p>
           <a:p>
             <a:r>
               <a:rPr lang="en-US" sz="1600" dirty="0" smtClean="0"/>
-              <a:t>The key isn't to avoid problems, but to have a clear method for solving them effectively.</a:t>
-            </a:r>
-          </a:p>
-          <a:p>
-            <a:endParaRPr lang="en-US" sz="1600" dirty="0"/>
-          </a:p>
-          <a:p>
+              <a:t>A supervisor inspects a pump (P-101) and sees it needs a new strainer. They create a </a:t>
+            </a:r>
+            <a:r>
+              <a:rPr lang="en-US" sz="1600" b="1" dirty="0" smtClean="0"/>
+              <a:t>purchase requisition</a:t>
+            </a:r>
             <a:r>
               <a:rPr lang="en-US" sz="1600" dirty="0" smtClean="0"/>
-              <a:t>Here is a simple 4-step approach you can apply to almost any workplace problem</a:t>
-            </a:r>
-            <a:r>
-              <a:rPr lang="en-US" sz="1600" dirty="0" smtClean="0"/>
-              <a:t>.</a:t>
-            </a:r>
-          </a:p>
-          <a:p>
-            <a:endParaRPr lang="en-US" sz="1600" dirty="0"/>
-          </a:p>
-          <a:p>
-            <a:r>
-              <a:rPr lang="en-US" sz="1600" dirty="0" smtClean="0"/>
-              <a:t>1. </a:t>
-            </a:r>
-            <a:r>
-              <a:rPr lang="en-US" sz="1600" b="1" dirty="0" smtClean="0"/>
-              <a:t>Define the Real Problem</a:t>
-            </a:r>
-          </a:p>
-          <a:p>
-            <a:r>
-              <a:rPr lang="en-US" sz="1600" dirty="0" smtClean="0"/>
-              <a:t>2. </a:t>
-            </a:r>
-            <a:r>
-              <a:rPr lang="en-US" sz="1600" b="1" dirty="0" smtClean="0"/>
-              <a:t>Brainstorm Potential Solutions</a:t>
-            </a:r>
-          </a:p>
-          <a:p>
-            <a:r>
-              <a:rPr lang="en-US" sz="1600" dirty="0" smtClean="0"/>
-              <a:t>3. </a:t>
-            </a:r>
-            <a:r>
-              <a:rPr lang="en-US" sz="1600" b="1" dirty="0" smtClean="0"/>
-              <a:t>Evaluate and Choose a Solution</a:t>
-            </a:r>
-          </a:p>
-          <a:p>
-            <a:r>
-              <a:rPr lang="en-US" sz="1600" dirty="0" smtClean="0"/>
-              <a:t>4. </a:t>
-            </a:r>
-            <a:r>
-              <a:rPr lang="en-US" sz="1600" b="1" dirty="0" smtClean="0"/>
-              <a:t>Implement and Review</a:t>
-            </a:r>
-          </a:p>
-          <a:p>
-            <a:endParaRPr lang="ar-EG" sz="1600" dirty="0"/>
-          </a:p>
-        </p:txBody>
-      </p:sp>
-      <p:pic>
-        <p:nvPicPr>
-          <p:cNvPr id="7" name="Picture 6"/>
-          <p:cNvPicPr>
-            <a:picLocks noChangeAspect="1"/>
-          </p:cNvPicPr>
+              <a:t> in the ERP for that specific part number.</a:t>
+            </a:r>
+          </a:p>
+          <a:p>
+            <a:endParaRPr lang="en-US" sz="1600" dirty="0" smtClean="0"/>
+          </a:p>
+          <a:p>
+            <a:endParaRPr lang="en-US" sz="1600" dirty="0" smtClean="0"/>
+          </a:p>
+        </p:txBody>
+      </p:sp>
+      <p:grpSp>
+        <p:nvGrpSpPr>
+          <p:cNvPr id="12" name="Group 11"/>
+          <p:cNvGrpSpPr/>
           <p:nvPr/>
-        </p:nvPicPr>
-        <p:blipFill>
-          <a:blip r:embed="rId3"/>
-          <a:stretch>
-            <a:fillRect/>
-          </a:stretch>
-        </p:blipFill>
-        <p:spPr>
-          <a:xfrm>
-            <a:off x="6705600" y="2743200"/>
-            <a:ext cx="5372100" cy="3552977"/>
-          </a:xfrm>
-          <a:prstGeom prst="rect">
-            <a:avLst/>
-          </a:prstGeom>
-        </p:spPr>
-      </p:pic>
+        </p:nvGrpSpPr>
+        <p:grpSpPr>
+          <a:xfrm>
+            <a:off x="6858000" y="1905000"/>
+            <a:ext cx="5158314" cy="4191000"/>
+            <a:chOff x="6858000" y="1905000"/>
+            <a:chExt cx="5158314" cy="4191000"/>
+          </a:xfrm>
+        </p:grpSpPr>
+        <p:pic>
+          <p:nvPicPr>
+            <p:cNvPr id="10" name="Picture 9"/>
+            <p:cNvPicPr>
+              <a:picLocks noChangeAspect="1"/>
+            </p:cNvPicPr>
+            <p:nvPr/>
+          </p:nvPicPr>
+          <p:blipFill rotWithShape="1">
+            <a:blip r:embed="rId3">
+              <a:extLst>
+                <a:ext uri="{28A0092B-C50C-407E-A947-70E740481C1C}">
+                  <a14:useLocalDpi xmlns:a14="http://schemas.microsoft.com/office/drawing/2010/main" val="0"/>
+                </a:ext>
+              </a:extLst>
+            </a:blip>
+            <a:srcRect l="15001" r="13749"/>
+            <a:stretch/>
+          </p:blipFill>
+          <p:spPr>
+            <a:xfrm>
+              <a:off x="6934199" y="2083804"/>
+              <a:ext cx="5082115" cy="4012196"/>
+            </a:xfrm>
+            <a:prstGeom prst="rect">
+              <a:avLst/>
+            </a:prstGeom>
+          </p:spPr>
+        </p:pic>
+        <p:sp>
+          <p:nvSpPr>
+            <p:cNvPr id="11" name="Rectangle 10"/>
+            <p:cNvSpPr/>
+            <p:nvPr/>
+          </p:nvSpPr>
+          <p:spPr>
+            <a:xfrm>
+              <a:off x="6858000" y="1905000"/>
+              <a:ext cx="914400" cy="838200"/>
+            </a:xfrm>
+            <a:prstGeom prst="rect">
+              <a:avLst/>
+            </a:prstGeom>
+            <a:ln>
+              <a:noFill/>
+            </a:ln>
+          </p:spPr>
+          <p:style>
+            <a:lnRef idx="2">
+              <a:schemeClr val="dk1"/>
+            </a:lnRef>
+            <a:fillRef idx="1">
+              <a:schemeClr val="lt1"/>
+            </a:fillRef>
+            <a:effectRef idx="0">
+              <a:schemeClr val="dk1"/>
+            </a:effectRef>
+            <a:fontRef idx="minor">
+              <a:schemeClr val="dk1"/>
+            </a:fontRef>
+          </p:style>
+          <p:txBody>
+            <a:bodyPr rtlCol="1" anchor="ctr"/>
+            <a:lstStyle/>
+            <a:p>
+              <a:pPr algn="ctr"/>
+              <a:endParaRPr lang="ar-EG"/>
+            </a:p>
+          </p:txBody>
+        </p:sp>
+      </p:grpSp>
     </p:spTree>
     <p:extLst>
       <p:ext uri="{BB962C8B-B14F-4D97-AF65-F5344CB8AC3E}">
-        <p14:creationId xmlns:p14="http://schemas.microsoft.com/office/powerpoint/2010/main" val="185368725"/>
+        <p14:creationId xmlns:p14="http://schemas.microsoft.com/office/powerpoint/2010/main" val="1027400352"/>
       </p:ext>
     </p:extLst>
   </p:cSld>
@@ -2985,7 +3247,7 @@
         </p:blipFill>
         <p:spPr>
           <a:xfrm>
-            <a:off x="758235" y="239637"/>
+            <a:off x="884176" y="224295"/>
             <a:ext cx="464730" cy="514995"/>
           </a:xfrm>
           <a:prstGeom prst="rect">
@@ -3005,8 +3267,8 @@
         </p:nvSpPr>
         <p:spPr>
           <a:xfrm>
-            <a:off x="1447800" y="76806"/>
-            <a:ext cx="6781800" cy="677826"/>
+            <a:off x="1676400" y="84174"/>
+            <a:ext cx="6563742" cy="616271"/>
           </a:xfrm>
           <a:prstGeom prst="rect">
             <a:avLst/>
@@ -3019,16 +3281,8 @@
           <a:lstStyle/>
           <a:p>
             <a:r>
-              <a:rPr lang="en-US" sz="2800" dirty="0"/>
-              <a:t>Module </a:t>
-            </a:r>
-            <a:r>
-              <a:rPr lang="en-US" sz="2800" dirty="0" smtClean="0"/>
-              <a:t>2: </a:t>
-            </a:r>
-            <a:r>
-              <a:rPr lang="en-US" sz="2800" dirty="0"/>
-              <a:t>Problem Solving</a:t>
+              <a:rPr lang="en-US" sz="2400" dirty="0"/>
+              <a:t>Module 1: Introduction to ERP Systems</a:t>
             </a:r>
           </a:p>
         </p:txBody>
@@ -3075,8 +3329,8 @@
         </p:nvSpPr>
         <p:spPr>
           <a:xfrm>
-            <a:off x="990600" y="1447800"/>
-            <a:ext cx="2839239" cy="369332"/>
+            <a:off x="457200" y="1720334"/>
+            <a:ext cx="4262705" cy="369332"/>
           </a:xfrm>
           <a:prstGeom prst="rect">
             <a:avLst/>
@@ -3095,26 +3349,22 @@
                   <a:srgbClr val="C00000"/>
                 </a:solidFill>
               </a:rPr>
-              <a:t>Define the Real Problem</a:t>
-            </a:r>
-            <a:endParaRPr lang="en-US" b="1" dirty="0">
-              <a:solidFill>
-                <a:srgbClr val="C00000"/>
-              </a:solidFill>
-            </a:endParaRPr>
-          </a:p>
-        </p:txBody>
-      </p:sp>
-      <p:sp>
-        <p:nvSpPr>
-          <p:cNvPr id="9" name="TextBox 8"/>
+              <a:t>How an ERP Works: (Procure-to-Pay)</a:t>
+            </a:r>
+            <a:endParaRPr lang="ar-EG" dirty="0"/>
+          </a:p>
+        </p:txBody>
+      </p:sp>
+      <p:sp>
+        <p:nvSpPr>
+          <p:cNvPr id="7" name="TextBox 6"/>
           <p:cNvSpPr txBox="1"/>
           <p:nvPr/>
         </p:nvSpPr>
         <p:spPr>
           <a:xfrm>
-            <a:off x="990600" y="2057400"/>
-            <a:ext cx="5867400" cy="3046988"/>
+            <a:off x="533400" y="3305072"/>
+            <a:ext cx="5943600" cy="1815882"/>
           </a:xfrm>
           <a:prstGeom prst="rect">
             <a:avLst/>
@@ -3127,131 +3377,134 @@
           </a:bodyPr>
           <a:lstStyle/>
           <a:p>
+            <a:endParaRPr lang="en-US" sz="1600" dirty="0" smtClean="0"/>
+          </a:p>
+          <a:p>
+            <a:r>
+              <a:rPr lang="en-US" sz="1600" b="1" dirty="0" smtClean="0"/>
+              <a:t>Procurement (Supply Chain):</a:t>
+            </a:r>
             <a:r>
               <a:rPr lang="en-US" sz="1600" dirty="0" smtClean="0"/>
-              <a:t>Don't just fix the symptom; find the root cause.</a:t>
+              <a:t> </a:t>
+            </a:r>
+          </a:p>
+          <a:p>
+            <a:r>
+              <a:rPr lang="en-US" sz="1600" dirty="0" smtClean="0"/>
+              <a:t>The requisition is automatically routed to the procurement team. They see the request, check the system, and confirm the part is </a:t>
+            </a:r>
+            <a:r>
+              <a:rPr lang="en-US" sz="1600" i="1" dirty="0" smtClean="0"/>
+              <a:t>not</a:t>
+            </a:r>
+            <a:r>
+              <a:rPr lang="en-US" sz="1600" dirty="0" smtClean="0"/>
+              <a:t> in the warehouse. They issue a </a:t>
+            </a:r>
+            <a:r>
+              <a:rPr lang="en-US" sz="1600" b="1" dirty="0" smtClean="0"/>
+              <a:t>Purchase Order (PO)</a:t>
+            </a:r>
+            <a:r>
+              <a:rPr lang="en-US" sz="1600" dirty="0" smtClean="0"/>
+              <a:t> to an approved vendor.</a:t>
             </a:r>
           </a:p>
           <a:p>
             <a:endParaRPr lang="en-US" sz="1600" dirty="0" smtClean="0"/>
           </a:p>
-          <a:p>
-            <a:r>
-              <a:rPr lang="en-US" sz="1600" b="1" dirty="0" smtClean="0"/>
-              <a:t>Symptom:</a:t>
-            </a:r>
-            <a:r>
-              <a:rPr lang="en-US" sz="1600" dirty="0" smtClean="0"/>
-              <a:t> "The client is angry.“</a:t>
-            </a:r>
-          </a:p>
-          <a:p>
-            <a:endParaRPr lang="en-US" sz="1600" dirty="0" smtClean="0"/>
-          </a:p>
-          <a:p>
-            <a:r>
-              <a:rPr lang="en-US" sz="1600" b="1" dirty="0" smtClean="0"/>
-              <a:t>Real Problem:</a:t>
-            </a:r>
-            <a:r>
-              <a:rPr lang="en-US" sz="1600" dirty="0" smtClean="0"/>
-              <a:t> "The client's shipment was late.“</a:t>
-            </a:r>
-          </a:p>
-          <a:p>
-            <a:endParaRPr lang="en-US" sz="1600" dirty="0" smtClean="0"/>
-          </a:p>
-          <a:p>
-            <a:r>
-              <a:rPr lang="en-US" sz="1600" b="1" dirty="0" smtClean="0"/>
-              <a:t>Root Cause (Keep asking "Why?"):</a:t>
-            </a:r>
-            <a:endParaRPr lang="en-US" sz="1600" dirty="0" smtClean="0"/>
-          </a:p>
-          <a:p>
-            <a:pPr lvl="1"/>
-            <a:r>
-              <a:rPr lang="en-US" sz="1600" i="1" dirty="0" smtClean="0"/>
-              <a:t>Why was it late?</a:t>
-            </a:r>
-            <a:r>
-              <a:rPr lang="en-US" sz="1600" dirty="0" smtClean="0"/>
-              <a:t> "Shipping didn't have the order."</a:t>
-            </a:r>
-          </a:p>
-          <a:p>
-            <a:pPr lvl="1"/>
-            <a:r>
-              <a:rPr lang="en-US" sz="1600" i="1" dirty="0" smtClean="0"/>
-              <a:t>Why?</a:t>
-            </a:r>
-            <a:r>
-              <a:rPr lang="en-US" sz="1600" dirty="0" smtClean="0"/>
-              <a:t> "The order was stuck in the sales system."</a:t>
-            </a:r>
-          </a:p>
-          <a:p>
-            <a:pPr lvl="1"/>
-            <a:r>
-              <a:rPr lang="en-US" sz="1600" i="1" dirty="0" smtClean="0"/>
-              <a:t>Why?</a:t>
-            </a:r>
-            <a:r>
-              <a:rPr lang="en-US" sz="1600" dirty="0" smtClean="0"/>
-              <a:t> "The salesperson missed a final confirmation step.“</a:t>
-            </a:r>
-          </a:p>
-          <a:p>
-            <a:pPr lvl="1"/>
-            <a:endParaRPr lang="en-US" sz="1600" dirty="0" smtClean="0"/>
-          </a:p>
-          <a:p>
-            <a:pPr lvl="1"/>
-            <a:r>
-              <a:rPr lang="en-US" sz="1600" b="1" dirty="0" smtClean="0"/>
-              <a:t>Root Cause:</a:t>
-            </a:r>
-            <a:r>
-              <a:rPr lang="en-US" sz="1600" dirty="0" smtClean="0"/>
-              <a:t> "The sales process isn't clear on the final step."</a:t>
-            </a:r>
-            <a:endParaRPr lang="en-US" sz="1600" dirty="0"/>
-          </a:p>
-        </p:txBody>
-      </p:sp>
-      <p:pic>
-        <p:nvPicPr>
-          <p:cNvPr id="4" name="Picture 3"/>
-          <p:cNvPicPr>
-            <a:picLocks noChangeAspect="1"/>
-          </p:cNvPicPr>
+        </p:txBody>
+      </p:sp>
+      <p:grpSp>
+        <p:nvGrpSpPr>
+          <p:cNvPr id="12" name="Group 11"/>
+          <p:cNvGrpSpPr/>
           <p:nvPr/>
-        </p:nvPicPr>
-        <p:blipFill rotWithShape="1">
-          <a:blip r:embed="rId3" cstate="print">
-            <a:extLst>
-              <a:ext uri="{28A0092B-C50C-407E-A947-70E740481C1C}">
-                <a14:useLocalDpi xmlns:a14="http://schemas.microsoft.com/office/drawing/2010/main" val="0"/>
-              </a:ext>
-            </a:extLst>
-          </a:blip>
-          <a:srcRect b="7520"/>
-          <a:stretch/>
-        </p:blipFill>
-        <p:spPr>
-          <a:xfrm>
-            <a:off x="7686484" y="1338075"/>
-            <a:ext cx="4205287" cy="4148326"/>
-          </a:xfrm>
-          <a:prstGeom prst="rect">
-            <a:avLst/>
-          </a:prstGeom>
-        </p:spPr>
-      </p:pic>
+        </p:nvGrpSpPr>
+        <p:grpSpPr>
+          <a:xfrm>
+            <a:off x="6858000" y="1905000"/>
+            <a:ext cx="5158314" cy="4191000"/>
+            <a:chOff x="6858000" y="1905000"/>
+            <a:chExt cx="5158314" cy="4191000"/>
+          </a:xfrm>
+        </p:grpSpPr>
+        <p:pic>
+          <p:nvPicPr>
+            <p:cNvPr id="10" name="Picture 9"/>
+            <p:cNvPicPr>
+              <a:picLocks noChangeAspect="1"/>
+            </p:cNvPicPr>
+            <p:nvPr/>
+          </p:nvPicPr>
+          <p:blipFill rotWithShape="1">
+            <a:blip r:embed="rId3">
+              <a:extLst>
+                <a:ext uri="{28A0092B-C50C-407E-A947-70E740481C1C}">
+                  <a14:useLocalDpi xmlns:a14="http://schemas.microsoft.com/office/drawing/2010/main" val="0"/>
+                </a:ext>
+              </a:extLst>
+            </a:blip>
+            <a:srcRect l="15001" r="13749"/>
+            <a:stretch/>
+          </p:blipFill>
+          <p:spPr>
+            <a:xfrm>
+              <a:off x="6934199" y="2083804"/>
+              <a:ext cx="5082115" cy="4012196"/>
+            </a:xfrm>
+            <a:prstGeom prst="rect">
+              <a:avLst/>
+            </a:prstGeom>
+          </p:spPr>
+        </p:pic>
+        <p:sp>
+          <p:nvSpPr>
+            <p:cNvPr id="11" name="Rectangle 10"/>
+            <p:cNvSpPr/>
+            <p:nvPr/>
+          </p:nvSpPr>
+          <p:spPr>
+            <a:xfrm>
+              <a:off x="6858000" y="1905000"/>
+              <a:ext cx="914400" cy="838200"/>
+            </a:xfrm>
+            <a:prstGeom prst="rect">
+              <a:avLst/>
+            </a:prstGeom>
+            <a:ln>
+              <a:noFill/>
+            </a:ln>
+          </p:spPr>
+          <p:style>
+            <a:lnRef idx="2">
+              <a:schemeClr val="dk1"/>
+            </a:lnRef>
+            <a:fillRef idx="1">
+              <a:schemeClr val="lt1"/>
+            </a:fillRef>
+            <a:effectRef idx="0">
+              <a:schemeClr val="dk1"/>
+            </a:effectRef>
+            <a:fontRef idx="minor">
+              <a:schemeClr val="dk1"/>
+            </a:fontRef>
+          </p:style>
+          <p:txBody>
+            <a:bodyPr rtlCol="1" anchor="ctr"/>
+            <a:lstStyle/>
+            <a:p>
+              <a:pPr algn="ctr"/>
+              <a:endParaRPr lang="ar-EG"/>
+            </a:p>
+          </p:txBody>
+        </p:sp>
+      </p:grpSp>
     </p:spTree>
     <p:extLst>
       <p:ext uri="{BB962C8B-B14F-4D97-AF65-F5344CB8AC3E}">
-        <p14:creationId xmlns:p14="http://schemas.microsoft.com/office/powerpoint/2010/main" val="2865711855"/>
+        <p14:creationId xmlns:p14="http://schemas.microsoft.com/office/powerpoint/2010/main" val="4172777518"/>
       </p:ext>
     </p:extLst>
   </p:cSld>
@@ -3299,7 +3552,7 @@
         </p:blipFill>
         <p:spPr>
           <a:xfrm>
-            <a:off x="758235" y="239637"/>
+            <a:off x="884176" y="224295"/>
             <a:ext cx="464730" cy="514995"/>
           </a:xfrm>
           <a:prstGeom prst="rect">
@@ -3319,8 +3572,8 @@
         </p:nvSpPr>
         <p:spPr>
           <a:xfrm>
-            <a:off x="1447800" y="76806"/>
-            <a:ext cx="6781800" cy="677826"/>
+            <a:off x="1676400" y="84174"/>
+            <a:ext cx="6563742" cy="616271"/>
           </a:xfrm>
           <a:prstGeom prst="rect">
             <a:avLst/>
@@ -3333,16 +3586,8 @@
           <a:lstStyle/>
           <a:p>
             <a:r>
-              <a:rPr lang="en-US" sz="2800" dirty="0"/>
-              <a:t>Module </a:t>
-            </a:r>
-            <a:r>
-              <a:rPr lang="en-US" sz="2800" dirty="0" smtClean="0"/>
-              <a:t>2: </a:t>
-            </a:r>
-            <a:r>
-              <a:rPr lang="en-US" sz="2800" dirty="0"/>
-              <a:t>Problem Solving</a:t>
+              <a:rPr lang="en-US" sz="2400" dirty="0"/>
+              <a:t>Module 1: Introduction to ERP Systems</a:t>
             </a:r>
           </a:p>
         </p:txBody>
@@ -3389,8 +3634,8 @@
         </p:nvSpPr>
         <p:spPr>
           <a:xfrm>
-            <a:off x="990600" y="1447800"/>
-            <a:ext cx="3570208" cy="369332"/>
+            <a:off x="457200" y="1720334"/>
+            <a:ext cx="4262705" cy="369332"/>
           </a:xfrm>
           <a:prstGeom prst="rect">
             <a:avLst/>
@@ -3409,26 +3654,22 @@
                   <a:srgbClr val="C00000"/>
                 </a:solidFill>
               </a:rPr>
-              <a:t>Brainstorm Potential Solutions</a:t>
-            </a:r>
-            <a:endParaRPr lang="en-US" b="1" dirty="0">
-              <a:solidFill>
-                <a:srgbClr val="C00000"/>
-              </a:solidFill>
-            </a:endParaRPr>
-          </a:p>
-        </p:txBody>
-      </p:sp>
-      <p:sp>
-        <p:nvSpPr>
-          <p:cNvPr id="9" name="TextBox 8"/>
+              <a:t>How an ERP Works: (Procure-to-Pay)</a:t>
+            </a:r>
+            <a:endParaRPr lang="ar-EG" dirty="0"/>
+          </a:p>
+        </p:txBody>
+      </p:sp>
+      <p:sp>
+        <p:nvSpPr>
+          <p:cNvPr id="7" name="TextBox 6"/>
           <p:cNvSpPr txBox="1"/>
           <p:nvPr/>
         </p:nvSpPr>
         <p:spPr>
           <a:xfrm>
-            <a:off x="990600" y="2057400"/>
-            <a:ext cx="5867400" cy="3139321"/>
+            <a:off x="685800" y="3516575"/>
+            <a:ext cx="6553200" cy="1569660"/>
           </a:xfrm>
           <a:prstGeom prst="rect">
             <a:avLst/>
@@ -3442,118 +3683,133 @@
           <a:lstStyle/>
           <a:p>
             <a:r>
-              <a:rPr lang="en-US" dirty="0" smtClean="0"/>
-              <a:t>Now that you know the root cause, what are some ways to fix it?</a:t>
-            </a:r>
-          </a:p>
-          <a:p>
-            <a:endParaRPr lang="en-US" dirty="0" smtClean="0"/>
-          </a:p>
-          <a:p>
-            <a:r>
-              <a:rPr lang="en-US" dirty="0" smtClean="0"/>
-              <a:t>Don't judge ideas at this stage. Write everything down.</a:t>
-            </a:r>
-          </a:p>
-          <a:p>
-            <a:endParaRPr lang="en-US" dirty="0" smtClean="0"/>
-          </a:p>
-          <a:p>
-            <a:r>
-              <a:rPr lang="en-US" i="1" dirty="0" smtClean="0"/>
-              <a:t>Example (for the root cause above):</a:t>
-            </a:r>
-          </a:p>
-          <a:p>
-            <a:endParaRPr lang="en-US" dirty="0" smtClean="0"/>
-          </a:p>
-          <a:p>
-            <a:pPr marL="285750" lvl="1" indent="-285750">
-              <a:buFont typeface="Wingdings" panose="05000000000000000000" pitchFamily="2" charset="2"/>
-              <a:buChar char="Ø"/>
-            </a:pPr>
-            <a:r>
-              <a:rPr lang="en-US" dirty="0" smtClean="0"/>
-              <a:t>Re-train the salesperson.</a:t>
-            </a:r>
-          </a:p>
-          <a:p>
-            <a:pPr marL="285750" lvl="1" indent="-285750">
-              <a:buFont typeface="Wingdings" panose="05000000000000000000" pitchFamily="2" charset="2"/>
-              <a:buChar char="Ø"/>
-            </a:pPr>
-            <a:r>
-              <a:rPr lang="en-US" dirty="0" smtClean="0"/>
-              <a:t>Create a mandatory checklist in the system.</a:t>
-            </a:r>
-          </a:p>
-          <a:p>
-            <a:pPr marL="285750" lvl="1" indent="-285750">
-              <a:buFont typeface="Wingdings" panose="05000000000000000000" pitchFamily="2" charset="2"/>
-              <a:buChar char="Ø"/>
-            </a:pPr>
-            <a:r>
-              <a:rPr lang="en-US" dirty="0" smtClean="0"/>
-              <a:t>Send an automatic alert if a step is missed.</a:t>
-            </a:r>
-          </a:p>
-          <a:p>
-            <a:pPr marL="285750" lvl="1" indent="-285750">
-              <a:buFont typeface="Wingdings" panose="05000000000000000000" pitchFamily="2" charset="2"/>
-              <a:buChar char="Ø"/>
-            </a:pPr>
-            <a:r>
-              <a:rPr lang="en-US" dirty="0" smtClean="0"/>
-              <a:t>Have a manager review every order.</a:t>
-            </a:r>
-            <a:endParaRPr lang="en-US" dirty="0"/>
-          </a:p>
-        </p:txBody>
-      </p:sp>
-      <p:pic>
-        <p:nvPicPr>
-          <p:cNvPr id="4" name="Picture 3"/>
-          <p:cNvPicPr>
-            <a:picLocks noChangeAspect="1"/>
-          </p:cNvPicPr>
+              <a:rPr lang="en-US" sz="1600" b="1" dirty="0" smtClean="0"/>
+              <a:t>Warehouse (Supply Chain):</a:t>
+            </a:r>
+            <a:r>
+              <a:rPr lang="en-US" sz="1600" dirty="0" smtClean="0"/>
+              <a:t> </a:t>
+            </a:r>
+          </a:p>
+          <a:p>
+            <a:r>
+              <a:rPr lang="en-US" sz="1600" dirty="0" smtClean="0"/>
+              <a:t>The vendor delivers the part. The warehouse team receives it, scans it, and marks it as </a:t>
+            </a:r>
+            <a:r>
+              <a:rPr lang="en-US" sz="1600" b="1" dirty="0" smtClean="0"/>
+              <a:t>"Goods Received"</a:t>
+            </a:r>
+            <a:r>
+              <a:rPr lang="en-US" sz="1600" dirty="0" smtClean="0"/>
+              <a:t> in the ERP. The system inventory is </a:t>
+            </a:r>
+            <a:r>
+              <a:rPr lang="en-US" sz="1600" i="1" dirty="0" smtClean="0"/>
+              <a:t>immediately</a:t>
+            </a:r>
+            <a:r>
+              <a:rPr lang="en-US" sz="1600" dirty="0" smtClean="0"/>
+              <a:t> updated.</a:t>
+            </a:r>
+          </a:p>
+          <a:p>
+            <a:endParaRPr lang="en-US" sz="1600" dirty="0" smtClean="0"/>
+          </a:p>
+          <a:p>
+            <a:endParaRPr lang="en-US" sz="1600" dirty="0" smtClean="0"/>
+          </a:p>
+        </p:txBody>
+      </p:sp>
+      <p:grpSp>
+        <p:nvGrpSpPr>
+          <p:cNvPr id="12" name="Group 11"/>
+          <p:cNvGrpSpPr/>
           <p:nvPr/>
-        </p:nvPicPr>
-        <p:blipFill>
-          <a:blip r:embed="rId3" cstate="print">
-            <a:extLst>
-              <a:ext uri="{28A0092B-C50C-407E-A947-70E740481C1C}">
-                <a14:useLocalDpi xmlns:a14="http://schemas.microsoft.com/office/drawing/2010/main" val="0"/>
-              </a:ext>
-            </a:extLst>
-          </a:blip>
-          <a:stretch>
-            <a:fillRect/>
-          </a:stretch>
-        </p:blipFill>
-        <p:spPr>
-          <a:xfrm>
-            <a:off x="7391400" y="1482969"/>
-            <a:ext cx="3825241" cy="3825241"/>
-          </a:xfrm>
-          <a:prstGeom prst="rect">
-            <a:avLst/>
-          </a:prstGeom>
-          <a:ln>
-            <a:noFill/>
-          </a:ln>
-          <a:effectLst>
-            <a:outerShdw blurRad="190500" algn="tl" rotWithShape="0">
-              <a:srgbClr val="000000">
-                <a:alpha val="70000"/>
-              </a:srgbClr>
-            </a:outerShdw>
-          </a:effectLst>
-        </p:spPr>
-      </p:pic>
+        </p:nvGrpSpPr>
+        <p:grpSpPr>
+          <a:xfrm>
+            <a:off x="7239000" y="2089666"/>
+            <a:ext cx="4777314" cy="4006334"/>
+            <a:chOff x="6858000" y="1905000"/>
+            <a:chExt cx="5158314" cy="4191000"/>
+          </a:xfrm>
+        </p:grpSpPr>
+        <p:pic>
+          <p:nvPicPr>
+            <p:cNvPr id="10" name="Picture 9"/>
+            <p:cNvPicPr>
+              <a:picLocks noChangeAspect="1"/>
+            </p:cNvPicPr>
+            <p:nvPr/>
+          </p:nvPicPr>
+          <p:blipFill rotWithShape="1">
+            <a:blip r:embed="rId3">
+              <a:extLst>
+                <a:ext uri="{28A0092B-C50C-407E-A947-70E740481C1C}">
+                  <a14:useLocalDpi xmlns:a14="http://schemas.microsoft.com/office/drawing/2010/main" val="0"/>
+                </a:ext>
+              </a:extLst>
+            </a:blip>
+            <a:srcRect l="15001" r="13749"/>
+            <a:stretch/>
+          </p:blipFill>
+          <p:spPr>
+            <a:xfrm>
+              <a:off x="6934199" y="2083804"/>
+              <a:ext cx="5082115" cy="4012196"/>
+            </a:xfrm>
+            <a:prstGeom prst="rect">
+              <a:avLst/>
+            </a:prstGeom>
+          </p:spPr>
+        </p:pic>
+        <p:sp>
+          <p:nvSpPr>
+            <p:cNvPr id="11" name="Rectangle 10"/>
+            <p:cNvSpPr/>
+            <p:nvPr/>
+          </p:nvSpPr>
+          <p:spPr>
+            <a:xfrm>
+              <a:off x="6858000" y="1905000"/>
+              <a:ext cx="914400" cy="838200"/>
+            </a:xfrm>
+            <a:prstGeom prst="rect">
+              <a:avLst/>
+            </a:prstGeom>
+            <a:ln>
+              <a:noFill/>
+            </a:ln>
+          </p:spPr>
+          <p:style>
+            <a:lnRef idx="2">
+              <a:schemeClr val="dk1"/>
+            </a:lnRef>
+            <a:fillRef idx="1">
+              <a:schemeClr val="lt1"/>
+            </a:fillRef>
+            <a:effectRef idx="0">
+              <a:schemeClr val="dk1"/>
+            </a:effectRef>
+            <a:fontRef idx="minor">
+              <a:schemeClr val="dk1"/>
+            </a:fontRef>
+          </p:style>
+          <p:txBody>
+            <a:bodyPr rtlCol="1" anchor="ctr"/>
+            <a:lstStyle/>
+            <a:p>
+              <a:pPr algn="ctr"/>
+              <a:endParaRPr lang="ar-EG"/>
+            </a:p>
+          </p:txBody>
+        </p:sp>
+      </p:grpSp>
     </p:spTree>
     <p:extLst>
       <p:ext uri="{BB962C8B-B14F-4D97-AF65-F5344CB8AC3E}">
-        <p14:creationId xmlns:p14="http://schemas.microsoft.com/office/powerpoint/2010/main" val="3050885143"/>
+        <p14:creationId xmlns:p14="http://schemas.microsoft.com/office/powerpoint/2010/main" val="3423259204"/>
       </p:ext>
     </p:extLst>
   </p:cSld>
@@ -3601,7 +3857,7 @@
         </p:blipFill>
         <p:spPr>
           <a:xfrm>
-            <a:off x="758235" y="239637"/>
+            <a:off x="884176" y="224295"/>
             <a:ext cx="464730" cy="514995"/>
           </a:xfrm>
           <a:prstGeom prst="rect">
@@ -3621,8 +3877,8 @@
         </p:nvSpPr>
         <p:spPr>
           <a:xfrm>
-            <a:off x="1447800" y="76806"/>
-            <a:ext cx="6781800" cy="677826"/>
+            <a:off x="1676400" y="84174"/>
+            <a:ext cx="6563742" cy="616271"/>
           </a:xfrm>
           <a:prstGeom prst="rect">
             <a:avLst/>
@@ -3635,16 +3891,8 @@
           <a:lstStyle/>
           <a:p>
             <a:r>
-              <a:rPr lang="en-US" sz="2800" dirty="0"/>
-              <a:t>Module </a:t>
-            </a:r>
-            <a:r>
-              <a:rPr lang="en-US" sz="2800" dirty="0" smtClean="0"/>
-              <a:t>2: </a:t>
-            </a:r>
-            <a:r>
-              <a:rPr lang="en-US" sz="2800" dirty="0"/>
-              <a:t>Problem Solving</a:t>
+              <a:rPr lang="en-US" sz="2400" dirty="0"/>
+              <a:t>Module 1: Introduction to ERP Systems</a:t>
             </a:r>
           </a:p>
         </p:txBody>
@@ -3691,8 +3939,8 @@
         </p:nvSpPr>
         <p:spPr>
           <a:xfrm>
-            <a:off x="990600" y="1447800"/>
-            <a:ext cx="3698448" cy="369332"/>
+            <a:off x="457200" y="1720334"/>
+            <a:ext cx="4262705" cy="369332"/>
           </a:xfrm>
           <a:prstGeom prst="rect">
             <a:avLst/>
@@ -3711,26 +3959,22 @@
                   <a:srgbClr val="C00000"/>
                 </a:solidFill>
               </a:rPr>
-              <a:t>Evaluate and Choose a Solution</a:t>
-            </a:r>
-            <a:endParaRPr lang="en-US" b="1" dirty="0">
-              <a:solidFill>
-                <a:srgbClr val="C00000"/>
-              </a:solidFill>
-            </a:endParaRPr>
-          </a:p>
-        </p:txBody>
-      </p:sp>
-      <p:sp>
-        <p:nvSpPr>
-          <p:cNvPr id="9" name="TextBox 8"/>
+              <a:t>How an ERP Works: (Procure-to-Pay)</a:t>
+            </a:r>
+            <a:endParaRPr lang="ar-EG" dirty="0"/>
+          </a:p>
+        </p:txBody>
+      </p:sp>
+      <p:sp>
+        <p:nvSpPr>
+          <p:cNvPr id="7" name="TextBox 6"/>
           <p:cNvSpPr txBox="1"/>
           <p:nvPr/>
         </p:nvSpPr>
         <p:spPr>
           <a:xfrm>
-            <a:off x="990600" y="2057400"/>
-            <a:ext cx="5867400" cy="3693319"/>
+            <a:off x="609600" y="3270354"/>
+            <a:ext cx="6553200" cy="1815882"/>
           </a:xfrm>
           <a:prstGeom prst="rect">
             <a:avLst/>
@@ -3743,162 +3987,129 @@
           </a:bodyPr>
           <a:lstStyle/>
           <a:p>
-            <a:r>
-              <a:rPr lang="en-US" dirty="0" smtClean="0"/>
-              <a:t>Look at your list of solutions and pick the best one.</a:t>
-            </a:r>
-          </a:p>
-          <a:p>
-            <a:endParaRPr lang="en-US" dirty="0" smtClean="0"/>
-          </a:p>
-          <a:p>
-            <a:r>
-              <a:rPr lang="en-US" b="1" dirty="0" smtClean="0"/>
-              <a:t>Feasibility:</a:t>
-            </a:r>
-            <a:r>
-              <a:rPr lang="en-US" dirty="0" smtClean="0"/>
-              <a:t> Can we actually </a:t>
-            </a:r>
-            <a:r>
-              <a:rPr lang="en-US" i="1" dirty="0" smtClean="0"/>
-              <a:t>do</a:t>
-            </a:r>
-            <a:r>
-              <a:rPr lang="en-US" dirty="0" smtClean="0"/>
-              <a:t> this? Is it cheap or expensive? Fast or slow?</a:t>
-            </a:r>
-          </a:p>
-          <a:p>
-            <a:endParaRPr lang="en-US" dirty="0" smtClean="0"/>
-          </a:p>
-          <a:p>
-            <a:r>
-              <a:rPr lang="en-US" b="1" dirty="0" smtClean="0"/>
-              <a:t>Effectiveness:</a:t>
-            </a:r>
-            <a:r>
-              <a:rPr lang="en-US" dirty="0" smtClean="0"/>
-              <a:t> Will this </a:t>
-            </a:r>
-            <a:r>
-              <a:rPr lang="en-US" i="1" dirty="0" smtClean="0"/>
-              <a:t>actually solve</a:t>
-            </a:r>
-            <a:r>
-              <a:rPr lang="en-US" dirty="0" smtClean="0"/>
-              <a:t> the root cause?</a:t>
-            </a:r>
-          </a:p>
-          <a:p>
-            <a:endParaRPr lang="en-US" dirty="0" smtClean="0"/>
-          </a:p>
-          <a:p>
-            <a:r>
-              <a:rPr lang="en-US" i="1" dirty="0" smtClean="0"/>
-              <a:t>Example:</a:t>
-            </a:r>
-          </a:p>
-          <a:p>
-            <a:endParaRPr lang="en-US" dirty="0" smtClean="0"/>
-          </a:p>
-          <a:p>
-            <a:pPr marL="285750" lvl="1" indent="-285750">
-              <a:buFont typeface="Wingdings" panose="05000000000000000000" pitchFamily="2" charset="2"/>
-              <a:buChar char="Ø"/>
-            </a:pPr>
-            <a:r>
-              <a:rPr lang="en-US" dirty="0" smtClean="0"/>
-              <a:t>"Re-train" is fast but might not stick.</a:t>
-            </a:r>
-          </a:p>
-          <a:p>
-            <a:pPr marL="285750" lvl="1" indent="-285750">
-              <a:buFont typeface="Wingdings" panose="05000000000000000000" pitchFamily="2" charset="2"/>
-              <a:buChar char="Ø"/>
-            </a:pPr>
-            <a:r>
-              <a:rPr lang="en-US" dirty="0" smtClean="0"/>
-              <a:t>"Manager review" is effective but slow and expensive.</a:t>
-            </a:r>
-          </a:p>
-          <a:p>
-            <a:pPr marL="285750" lvl="1" indent="-285750">
-              <a:buFont typeface="Wingdings" panose="05000000000000000000" pitchFamily="2" charset="2"/>
-              <a:buChar char="Ø"/>
-            </a:pPr>
-            <a:r>
-              <a:rPr lang="en-US" b="1" dirty="0" smtClean="0"/>
-              <a:t>"Automatic alert"</a:t>
-            </a:r>
-            <a:r>
-              <a:rPr lang="en-US" dirty="0" smtClean="0"/>
-              <a:t> seems both feasible and effective.</a:t>
-            </a:r>
-            <a:endParaRPr lang="en-US" dirty="0"/>
-          </a:p>
-        </p:txBody>
-      </p:sp>
-      <p:pic>
-        <p:nvPicPr>
-          <p:cNvPr id="7" name="Picture 6"/>
-          <p:cNvPicPr>
-            <a:picLocks noChangeAspect="1"/>
-          </p:cNvPicPr>
+            <a:endParaRPr lang="en-US" sz="1600" dirty="0" smtClean="0"/>
+          </a:p>
+          <a:p>
+            <a:r>
+              <a:rPr lang="en-US" sz="1600" b="1" dirty="0" smtClean="0"/>
+              <a:t>Finance:</a:t>
+            </a:r>
+            <a:r>
+              <a:rPr lang="en-US" sz="1600" dirty="0" smtClean="0"/>
+              <a:t> </a:t>
+            </a:r>
+          </a:p>
+          <a:p>
+            <a:r>
+              <a:rPr lang="en-US" sz="1600" dirty="0" smtClean="0"/>
+              <a:t>The "Goods Received" status, matched with the vendor's invoice, automatically triggers the ERP to approve the payment. Finance doesn't have to ask maintenance if the part arrived—they </a:t>
+            </a:r>
+            <a:r>
+              <a:rPr lang="en-US" sz="1600" i="1" dirty="0" smtClean="0"/>
+              <a:t>know</a:t>
+            </a:r>
+            <a:r>
+              <a:rPr lang="en-US" sz="1600" dirty="0" smtClean="0"/>
+              <a:t>.</a:t>
+            </a:r>
+          </a:p>
+          <a:p>
+            <a:endParaRPr lang="en-US" sz="1600" dirty="0" smtClean="0"/>
+          </a:p>
+          <a:p>
+            <a:endParaRPr lang="en-US" sz="1600" dirty="0" smtClean="0"/>
+          </a:p>
+        </p:txBody>
+      </p:sp>
+      <p:grpSp>
+        <p:nvGrpSpPr>
+          <p:cNvPr id="12" name="Group 11"/>
+          <p:cNvGrpSpPr/>
           <p:nvPr/>
-        </p:nvPicPr>
-        <p:blipFill>
-          <a:blip r:embed="rId3"/>
-          <a:stretch>
-            <a:fillRect/>
-          </a:stretch>
-        </p:blipFill>
-        <p:spPr>
-          <a:xfrm>
-            <a:off x="7010400" y="1905000"/>
-            <a:ext cx="4496636" cy="3200399"/>
-          </a:xfrm>
-          <a:prstGeom prst="rect">
-            <a:avLst/>
-          </a:prstGeom>
-          <a:solidFill>
-            <a:srgbClr val="FFFFFF">
-              <a:shade val="85000"/>
-            </a:srgbClr>
-          </a:solidFill>
-          <a:ln w="190500" cap="sq">
-            <a:solidFill>
-              <a:srgbClr val="FFFFFF"/>
-            </a:solidFill>
-            <a:miter lim="800000"/>
-          </a:ln>
-          <a:effectLst>
-            <a:outerShdw blurRad="65000" dist="50800" dir="12900000" kx="195000" ky="145000" algn="tl" rotWithShape="0">
-              <a:srgbClr val="000000">
-                <a:alpha val="30000"/>
-              </a:srgbClr>
-            </a:outerShdw>
-          </a:effectLst>
-          <a:scene3d>
-            <a:camera prst="orthographicFront">
-              <a:rot lat="0" lon="0" rev="360000"/>
-            </a:camera>
-            <a:lightRig rig="twoPt" dir="t">
-              <a:rot lat="0" lon="0" rev="7200000"/>
-            </a:lightRig>
-          </a:scene3d>
-          <a:sp3d contourW="12700">
-            <a:bevelT w="25400" h="19050"/>
-            <a:contourClr>
-              <a:srgbClr val="969696"/>
-            </a:contourClr>
-          </a:sp3d>
-        </p:spPr>
-      </p:pic>
+        </p:nvGrpSpPr>
+        <p:grpSpPr>
+          <a:xfrm>
+            <a:off x="7239000" y="2089666"/>
+            <a:ext cx="4777314" cy="4006334"/>
+            <a:chOff x="6858000" y="1905000"/>
+            <a:chExt cx="5158314" cy="4191000"/>
+          </a:xfrm>
+        </p:grpSpPr>
+        <p:pic>
+          <p:nvPicPr>
+            <p:cNvPr id="10" name="Picture 9"/>
+            <p:cNvPicPr>
+              <a:picLocks noChangeAspect="1"/>
+            </p:cNvPicPr>
+            <p:nvPr/>
+          </p:nvPicPr>
+          <p:blipFill rotWithShape="1">
+            <a:blip r:embed="rId3">
+              <a:extLst>
+                <a:ext uri="{28A0092B-C50C-407E-A947-70E740481C1C}">
+                  <a14:useLocalDpi xmlns:a14="http://schemas.microsoft.com/office/drawing/2010/main" val="0"/>
+                </a:ext>
+              </a:extLst>
+            </a:blip>
+            <a:srcRect l="15001" r="13749"/>
+            <a:stretch/>
+          </p:blipFill>
+          <p:spPr>
+            <a:xfrm>
+              <a:off x="6934199" y="2083804"/>
+              <a:ext cx="5082115" cy="4012196"/>
+            </a:xfrm>
+            <a:prstGeom prst="rect">
+              <a:avLst/>
+            </a:prstGeom>
+          </p:spPr>
+        </p:pic>
+        <p:sp>
+          <p:nvSpPr>
+            <p:cNvPr id="11" name="Rectangle 10"/>
+            <p:cNvSpPr/>
+            <p:nvPr/>
+          </p:nvSpPr>
+          <p:spPr>
+            <a:xfrm>
+              <a:off x="6858000" y="1905000"/>
+              <a:ext cx="914400" cy="838200"/>
+            </a:xfrm>
+            <a:prstGeom prst="rect">
+              <a:avLst/>
+            </a:prstGeom>
+            <a:ln>
+              <a:noFill/>
+            </a:ln>
+          </p:spPr>
+          <p:style>
+            <a:lnRef idx="2">
+              <a:schemeClr val="dk1"/>
+            </a:lnRef>
+            <a:fillRef idx="1">
+              <a:schemeClr val="lt1"/>
+            </a:fillRef>
+            <a:effectRef idx="0">
+              <a:schemeClr val="dk1"/>
+            </a:effectRef>
+            <a:fontRef idx="minor">
+              <a:schemeClr val="dk1"/>
+            </a:fontRef>
+          </p:style>
+          <p:txBody>
+            <a:bodyPr rtlCol="1" anchor="ctr"/>
+            <a:lstStyle/>
+            <a:p>
+              <a:pPr algn="ctr"/>
+              <a:endParaRPr lang="ar-EG"/>
+            </a:p>
+          </p:txBody>
+        </p:sp>
+      </p:grpSp>
     </p:spTree>
     <p:extLst>
       <p:ext uri="{BB962C8B-B14F-4D97-AF65-F5344CB8AC3E}">
-        <p14:creationId xmlns:p14="http://schemas.microsoft.com/office/powerpoint/2010/main" val="2643633754"/>
+        <p14:creationId xmlns:p14="http://schemas.microsoft.com/office/powerpoint/2010/main" val="214279412"/>
       </p:ext>
     </p:extLst>
   </p:cSld>
@@ -3946,7 +4157,7 @@
         </p:blipFill>
         <p:spPr>
           <a:xfrm>
-            <a:off x="758235" y="239637"/>
+            <a:off x="884176" y="224295"/>
             <a:ext cx="464730" cy="514995"/>
           </a:xfrm>
           <a:prstGeom prst="rect">
@@ -3966,8 +4177,8 @@
         </p:nvSpPr>
         <p:spPr>
           <a:xfrm>
-            <a:off x="1447800" y="76806"/>
-            <a:ext cx="6781800" cy="677826"/>
+            <a:off x="1676400" y="84174"/>
+            <a:ext cx="6563742" cy="616271"/>
           </a:xfrm>
           <a:prstGeom prst="rect">
             <a:avLst/>
@@ -3980,16 +4191,8 @@
           <a:lstStyle/>
           <a:p>
             <a:r>
-              <a:rPr lang="en-US" sz="2800" dirty="0"/>
-              <a:t>Module </a:t>
-            </a:r>
-            <a:r>
-              <a:rPr lang="en-US" sz="2800" dirty="0" smtClean="0"/>
-              <a:t>2: </a:t>
-            </a:r>
-            <a:r>
-              <a:rPr lang="en-US" sz="2800" dirty="0"/>
-              <a:t>Problem Solving</a:t>
+              <a:rPr lang="en-US" sz="2400" dirty="0"/>
+              <a:t>Module 1: Introduction to ERP Systems</a:t>
             </a:r>
           </a:p>
         </p:txBody>
@@ -4036,8 +4239,8 @@
         </p:nvSpPr>
         <p:spPr>
           <a:xfrm>
-            <a:off x="990600" y="1447800"/>
-            <a:ext cx="2672526" cy="369332"/>
+            <a:off x="457200" y="1720334"/>
+            <a:ext cx="4262705" cy="369332"/>
           </a:xfrm>
           <a:prstGeom prst="rect">
             <a:avLst/>
@@ -4056,26 +4259,22 @@
                   <a:srgbClr val="C00000"/>
                 </a:solidFill>
               </a:rPr>
-              <a:t>Implement and Review</a:t>
-            </a:r>
-            <a:endParaRPr lang="en-US" b="1" dirty="0">
-              <a:solidFill>
-                <a:srgbClr val="C00000"/>
-              </a:solidFill>
-            </a:endParaRPr>
-          </a:p>
-        </p:txBody>
-      </p:sp>
-      <p:sp>
-        <p:nvSpPr>
-          <p:cNvPr id="9" name="TextBox 8"/>
+              <a:t>How an ERP Works: (Procure-to-Pay)</a:t>
+            </a:r>
+            <a:endParaRPr lang="ar-EG" dirty="0"/>
+          </a:p>
+        </p:txBody>
+      </p:sp>
+      <p:sp>
+        <p:nvSpPr>
+          <p:cNvPr id="7" name="TextBox 6"/>
           <p:cNvSpPr txBox="1"/>
           <p:nvPr/>
         </p:nvSpPr>
         <p:spPr>
           <a:xfrm>
-            <a:off x="990600" y="2057400"/>
-            <a:ext cx="5867400" cy="3139321"/>
+            <a:off x="609600" y="3147243"/>
+            <a:ext cx="6553200" cy="2062103"/>
           </a:xfrm>
           <a:prstGeom prst="rect">
             <a:avLst/>
@@ -4088,83 +4287,138 @@
           </a:bodyPr>
           <a:lstStyle/>
           <a:p>
-            <a:r>
-              <a:rPr lang="en-US" dirty="0" smtClean="0"/>
-              <a:t>Put your chosen solution into action. But you're not done yet.</a:t>
-            </a:r>
-          </a:p>
-          <a:p>
-            <a:endParaRPr lang="en-US" dirty="0" smtClean="0"/>
-          </a:p>
-          <a:p>
-            <a:r>
-              <a:rPr lang="en-US" b="1" dirty="0" smtClean="0"/>
-              <a:t>Implement:</a:t>
-            </a:r>
-            <a:r>
-              <a:rPr lang="en-US" dirty="0" smtClean="0"/>
-              <a:t> Build the automatic alert.</a:t>
-            </a:r>
-          </a:p>
-          <a:p>
-            <a:endParaRPr lang="en-US" dirty="0" smtClean="0"/>
-          </a:p>
-          <a:p>
-            <a:r>
-              <a:rPr lang="en-US" b="1" dirty="0" smtClean="0"/>
-              <a:t>Review:</a:t>
-            </a:r>
-            <a:r>
-              <a:rPr lang="en-US" dirty="0" smtClean="0"/>
-              <a:t> Check back in a week. Did it work? Are shipments going out on time? If not, what did you learn? Maybe you need to try another solution.</a:t>
-            </a:r>
-          </a:p>
-          <a:p>
-            <a:endParaRPr lang="en-US" dirty="0" smtClean="0"/>
-          </a:p>
-          <a:p>
-            <a:r>
-              <a:rPr lang="en-US" dirty="0" smtClean="0"/>
-              <a:t>This structured process helps you avoid panic and find a solution that lasts.</a:t>
-            </a:r>
-            <a:endParaRPr lang="en-US" dirty="0"/>
-          </a:p>
-        </p:txBody>
-      </p:sp>
-      <p:pic>
-        <p:nvPicPr>
-          <p:cNvPr id="4" name="Picture 3"/>
-          <p:cNvPicPr>
-            <a:picLocks noChangeAspect="1"/>
-          </p:cNvPicPr>
+            <a:endParaRPr lang="en-US" sz="1600" dirty="0" smtClean="0"/>
+          </a:p>
+          <a:p>
+            <a:endParaRPr lang="en-US" sz="1600" dirty="0" smtClean="0"/>
+          </a:p>
+          <a:p>
+            <a:r>
+              <a:rPr lang="en-US" sz="1600" b="1" dirty="0" smtClean="0"/>
+              <a:t>Maintenance (Again):</a:t>
+            </a:r>
+            <a:r>
+              <a:rPr lang="en-US" sz="1600" dirty="0" smtClean="0"/>
+              <a:t> </a:t>
+            </a:r>
+          </a:p>
+          <a:p>
+            <a:r>
+              <a:rPr lang="en-US" sz="1600" dirty="0" smtClean="0"/>
+              <a:t>The supervisor who made the request now sees the part is "In Stock" and can create a </a:t>
+            </a:r>
+            <a:r>
+              <a:rPr lang="en-US" sz="1600" b="1" dirty="0" smtClean="0"/>
+              <a:t>Work Order</a:t>
+            </a:r>
+            <a:r>
+              <a:rPr lang="en-US" sz="1600" dirty="0" smtClean="0"/>
+              <a:t> to have it installed.</a:t>
+            </a:r>
+          </a:p>
+          <a:p>
+            <a:endParaRPr lang="en-US" sz="1600" dirty="0" smtClean="0"/>
+          </a:p>
+          <a:p>
+            <a:r>
+              <a:rPr lang="en-US" sz="1600" dirty="0" smtClean="0"/>
+              <a:t>Everyone is working from the same, up-to-date information.</a:t>
+            </a:r>
+          </a:p>
+          <a:p>
+            <a:endParaRPr lang="en-US" sz="1600" dirty="0" smtClean="0"/>
+          </a:p>
+        </p:txBody>
+      </p:sp>
+      <p:grpSp>
+        <p:nvGrpSpPr>
+          <p:cNvPr id="12" name="Group 11"/>
+          <p:cNvGrpSpPr/>
           <p:nvPr/>
-        </p:nvPicPr>
-        <p:blipFill>
-          <a:blip r:embed="rId3">
-            <a:extLst>
-              <a:ext uri="{28A0092B-C50C-407E-A947-70E740481C1C}">
-                <a14:useLocalDpi xmlns:a14="http://schemas.microsoft.com/office/drawing/2010/main" val="0"/>
-              </a:ext>
-            </a:extLst>
-          </a:blip>
-          <a:stretch>
-            <a:fillRect/>
-          </a:stretch>
-        </p:blipFill>
-        <p:spPr>
-          <a:xfrm>
-            <a:off x="7155125" y="2187499"/>
-            <a:ext cx="4845988" cy="3026807"/>
-          </a:xfrm>
-          <a:prstGeom prst="rect">
-            <a:avLst/>
-          </a:prstGeom>
-        </p:spPr>
-      </p:pic>
+        </p:nvGrpSpPr>
+        <p:grpSpPr>
+          <a:xfrm>
+            <a:off x="7239000" y="2089666"/>
+            <a:ext cx="4777314" cy="4006334"/>
+            <a:chOff x="6858000" y="1905000"/>
+            <a:chExt cx="5158314" cy="4191000"/>
+          </a:xfrm>
+        </p:grpSpPr>
+        <p:pic>
+          <p:nvPicPr>
+            <p:cNvPr id="10" name="Picture 9"/>
+            <p:cNvPicPr>
+              <a:picLocks noChangeAspect="1"/>
+            </p:cNvPicPr>
+            <p:nvPr/>
+          </p:nvPicPr>
+          <p:blipFill rotWithShape="1">
+            <a:blip r:embed="rId3">
+              <a:extLst>
+                <a:ext uri="{28A0092B-C50C-407E-A947-70E740481C1C}">
+                  <a14:useLocalDpi xmlns:a14="http://schemas.microsoft.com/office/drawing/2010/main" val="0"/>
+                </a:ext>
+              </a:extLst>
+            </a:blip>
+            <a:srcRect l="15001" r="13749"/>
+            <a:stretch/>
+          </p:blipFill>
+          <p:spPr>
+            <a:xfrm>
+              <a:off x="6934199" y="2083804"/>
+              <a:ext cx="5082115" cy="4012196"/>
+            </a:xfrm>
+            <a:prstGeom prst="rect">
+              <a:avLst/>
+            </a:prstGeom>
+          </p:spPr>
+        </p:pic>
+        <p:sp>
+          <p:nvSpPr>
+            <p:cNvPr id="11" name="Rectangle 10"/>
+            <p:cNvSpPr/>
+            <p:nvPr/>
+          </p:nvSpPr>
+          <p:spPr>
+            <a:xfrm>
+              <a:off x="6858000" y="1905000"/>
+              <a:ext cx="914400" cy="838200"/>
+            </a:xfrm>
+            <a:prstGeom prst="rect">
+              <a:avLst/>
+            </a:prstGeom>
+            <a:ln>
+              <a:noFill/>
+            </a:ln>
+          </p:spPr>
+          <p:style>
+            <a:lnRef idx="2">
+              <a:schemeClr val="dk1"/>
+            </a:lnRef>
+            <a:fillRef idx="1">
+              <a:schemeClr val="lt1"/>
+            </a:fillRef>
+            <a:effectRef idx="0">
+              <a:schemeClr val="dk1"/>
+            </a:effectRef>
+            <a:fontRef idx="minor">
+              <a:schemeClr val="dk1"/>
+            </a:fontRef>
+          </p:style>
+          <p:txBody>
+            <a:bodyPr rtlCol="1" anchor="ctr"/>
+            <a:lstStyle/>
+            <a:p>
+              <a:pPr algn="ctr"/>
+              <a:endParaRPr lang="ar-EG"/>
+            </a:p>
+          </p:txBody>
+        </p:sp>
+      </p:grpSp>
     </p:spTree>
     <p:extLst>
       <p:ext uri="{BB962C8B-B14F-4D97-AF65-F5344CB8AC3E}">
-        <p14:creationId xmlns:p14="http://schemas.microsoft.com/office/powerpoint/2010/main" val="504107817"/>
+        <p14:creationId xmlns:p14="http://schemas.microsoft.com/office/powerpoint/2010/main" val="2515958492"/>
       </p:ext>
     </p:extLst>
   </p:cSld>
@@ -4233,7 +4487,7 @@
         <p:spPr>
           <a:xfrm>
             <a:off x="1676400" y="84174"/>
-            <a:ext cx="6563742" cy="677826"/>
+            <a:ext cx="6563742" cy="616271"/>
           </a:xfrm>
           <a:prstGeom prst="rect">
             <a:avLst/>
@@ -4246,18 +4500,9 @@
           <a:lstStyle/>
           <a:p>
             <a:r>
-              <a:rPr lang="en-US" sz="2800" dirty="0"/>
-              <a:t>Module </a:t>
-            </a:r>
-            <a:r>
-              <a:rPr lang="en-US" sz="2800" dirty="0" smtClean="0"/>
-              <a:t>2: </a:t>
-            </a:r>
-            <a:r>
-              <a:rPr lang="en-US" sz="2800" dirty="0"/>
-              <a:t>Problem Solving</a:t>
-            </a:r>
-            <a:endParaRPr lang="en-US" sz="2800" dirty="0"/>
+              <a:rPr lang="en-US" sz="2400" dirty="0"/>
+              <a:t>Module 1: Introduction to ERP Systems</a:t>
+            </a:r>
           </a:p>
         </p:txBody>
       </p:sp>
@@ -4303,8 +4548,8 @@
         </p:nvSpPr>
         <p:spPr>
           <a:xfrm>
-            <a:off x="762000" y="1905000"/>
-            <a:ext cx="2069797" cy="369332"/>
+            <a:off x="457200" y="1720334"/>
+            <a:ext cx="2249334" cy="369332"/>
           </a:xfrm>
           <a:prstGeom prst="rect">
             <a:avLst/>
@@ -4323,7 +4568,7 @@
                   <a:srgbClr val="C00000"/>
                 </a:solidFill>
               </a:rPr>
-              <a:t>Open Discussion</a:t>
+              <a:t>Benefits of an ERP</a:t>
             </a:r>
             <a:endParaRPr lang="ar-EG" dirty="0"/>
           </a:p>
@@ -4337,8 +4582,8 @@
         </p:nvSpPr>
         <p:spPr>
           <a:xfrm>
-            <a:off x="884176" y="2590800"/>
-            <a:ext cx="5897624" cy="1569660"/>
+            <a:off x="650549" y="2537310"/>
+            <a:ext cx="6055052" cy="2554545"/>
           </a:xfrm>
           <a:prstGeom prst="rect">
             <a:avLst/>
@@ -4356,8 +4601,12 @@
               <a:buChar char="q"/>
             </a:pPr>
             <a:r>
+              <a:rPr lang="en-US" sz="1600" b="1" dirty="0" smtClean="0"/>
+              <a:t>Efficiency:</a:t>
+            </a:r>
+            <a:r>
               <a:rPr lang="en-US" sz="1600" dirty="0" smtClean="0"/>
-              <a:t>Why is it so important to correctly define the problem (Step 1) before trying to brainstorm solutions (Step 2)?</a:t>
+              <a:t> No more re-typing data from one system into another.</a:t>
             </a:r>
           </a:p>
           <a:p>
@@ -4373,39 +4622,148 @@
               <a:buChar char="q"/>
             </a:pPr>
             <a:r>
+              <a:rPr lang="en-US" sz="1600" b="1" dirty="0" smtClean="0"/>
+              <a:t>Accuracy:</a:t>
+            </a:r>
+            <a:r>
               <a:rPr lang="en-US" sz="1600" dirty="0" smtClean="0"/>
-              <a:t>Think of a simple, common problem (e.g., "We keep running out of printer paper in the breakroom"). How would you apply these 4 steps?</a:t>
-            </a:r>
+              <a:t> Reduces errors by having one source for all data.</a:t>
+            </a:r>
+          </a:p>
+          <a:p>
+            <a:pPr marL="285750" indent="-285750">
+              <a:buFont typeface="Wingdings" panose="05000000000000000000" pitchFamily="2" charset="2"/>
+              <a:buChar char="q"/>
+            </a:pPr>
             <a:endParaRPr lang="en-US" sz="1600" dirty="0" smtClean="0"/>
           </a:p>
-        </p:txBody>
-      </p:sp>
-      <p:pic>
-        <p:nvPicPr>
-          <p:cNvPr id="11" name="object 4"/>
-          <p:cNvPicPr/>
+          <a:p>
+            <a:pPr marL="285750" indent="-285750">
+              <a:buFont typeface="Wingdings" panose="05000000000000000000" pitchFamily="2" charset="2"/>
+              <a:buChar char="q"/>
+            </a:pPr>
+            <a:r>
+              <a:rPr lang="en-US" sz="1600" b="1" dirty="0" smtClean="0"/>
+              <a:t>Better Reporting:</a:t>
+            </a:r>
+            <a:r>
+              <a:rPr lang="en-US" sz="1600" dirty="0" smtClean="0"/>
+              <a:t> Managers can see a complete picture of the business in one place.</a:t>
+            </a:r>
+          </a:p>
+          <a:p>
+            <a:pPr marL="285750" indent="-285750">
+              <a:buFont typeface="Wingdings" panose="05000000000000000000" pitchFamily="2" charset="2"/>
+              <a:buChar char="q"/>
+            </a:pPr>
+            <a:endParaRPr lang="en-US" sz="1600" dirty="0" smtClean="0"/>
+          </a:p>
+          <a:p>
+            <a:pPr marL="285750" indent="-285750">
+              <a:buFont typeface="Wingdings" panose="05000000000000000000" pitchFamily="2" charset="2"/>
+              <a:buChar char="q"/>
+            </a:pPr>
+            <a:r>
+              <a:rPr lang="en-US" sz="1600" b="1" dirty="0" smtClean="0"/>
+              <a:t>Consistency:</a:t>
+            </a:r>
+            <a:r>
+              <a:rPr lang="en-US" sz="1600" dirty="0" smtClean="0"/>
+              <a:t> A customer gets the same information no matter which department they talk to.</a:t>
+            </a:r>
+            <a:endParaRPr lang="en-US" sz="1600" dirty="0"/>
+          </a:p>
+        </p:txBody>
+      </p:sp>
+      <p:grpSp>
+        <p:nvGrpSpPr>
+          <p:cNvPr id="12" name="Group 11"/>
+          <p:cNvGrpSpPr/>
           <p:nvPr/>
-        </p:nvPicPr>
-        <p:blipFill>
-          <a:blip r:embed="rId3" cstate="print"/>
-          <a:stretch>
-            <a:fillRect/>
-          </a:stretch>
-        </p:blipFill>
-        <p:spPr>
-          <a:xfrm>
-            <a:off x="7315200" y="1899138"/>
-            <a:ext cx="3814572" cy="3733800"/>
-          </a:xfrm>
-          <a:prstGeom prst="rect">
-            <a:avLst/>
-          </a:prstGeom>
-        </p:spPr>
-      </p:pic>
+        </p:nvGrpSpPr>
+        <p:grpSpPr>
+          <a:xfrm>
+            <a:off x="6858000" y="1905000"/>
+            <a:ext cx="5158314" cy="4191000"/>
+            <a:chOff x="6858000" y="1905000"/>
+            <a:chExt cx="5158314" cy="4191000"/>
+          </a:xfrm>
+        </p:grpSpPr>
+        <p:pic>
+          <p:nvPicPr>
+            <p:cNvPr id="10" name="Picture 9"/>
+            <p:cNvPicPr>
+              <a:picLocks noChangeAspect="1"/>
+            </p:cNvPicPr>
+            <p:nvPr/>
+          </p:nvPicPr>
+          <p:blipFill rotWithShape="1">
+            <a:blip r:embed="rId3">
+              <a:extLst>
+                <a:ext uri="{28A0092B-C50C-407E-A947-70E740481C1C}">
+                  <a14:useLocalDpi xmlns:a14="http://schemas.microsoft.com/office/drawing/2010/main" val="0"/>
+                </a:ext>
+              </a:extLst>
+            </a:blip>
+            <a:srcRect l="15001" r="13749"/>
+            <a:stretch/>
+          </p:blipFill>
+          <p:spPr>
+            <a:xfrm>
+              <a:off x="6934199" y="2083804"/>
+              <a:ext cx="5082115" cy="4012196"/>
+            </a:xfrm>
+            <a:prstGeom prst="rect">
+              <a:avLst/>
+            </a:prstGeom>
+          </p:spPr>
+        </p:pic>
+        <p:sp>
+          <p:nvSpPr>
+            <p:cNvPr id="11" name="Rectangle 10"/>
+            <p:cNvSpPr/>
+            <p:nvPr/>
+          </p:nvSpPr>
+          <p:spPr>
+            <a:xfrm>
+              <a:off x="6858000" y="1905000"/>
+              <a:ext cx="914400" cy="838200"/>
+            </a:xfrm>
+            <a:prstGeom prst="rect">
+              <a:avLst/>
+            </a:prstGeom>
+            <a:ln>
+              <a:noFill/>
+            </a:ln>
+          </p:spPr>
+          <p:style>
+            <a:lnRef idx="2">
+              <a:schemeClr val="dk1"/>
+            </a:lnRef>
+            <a:fillRef idx="1">
+              <a:schemeClr val="lt1"/>
+            </a:fillRef>
+            <a:effectRef idx="0">
+              <a:schemeClr val="dk1"/>
+            </a:effectRef>
+            <a:fontRef idx="minor">
+              <a:schemeClr val="dk1"/>
+            </a:fontRef>
+          </p:style>
+          <p:txBody>
+            <a:bodyPr rtlCol="1" anchor="ctr"/>
+            <a:lstStyle/>
+            <a:p>
+              <a:pPr algn="ctr"/>
+              <a:endParaRPr lang="ar-EG"/>
+            </a:p>
+          </p:txBody>
+        </p:sp>
+      </p:grpSp>
     </p:spTree>
     <p:extLst>
       <p:ext uri="{BB962C8B-B14F-4D97-AF65-F5344CB8AC3E}">
-        <p14:creationId xmlns:p14="http://schemas.microsoft.com/office/powerpoint/2010/main" val="3808001898"/>
+        <p14:creationId xmlns:p14="http://schemas.microsoft.com/office/powerpoint/2010/main" val="1319013298"/>
       </p:ext>
     </p:extLst>
   </p:cSld>
@@ -4439,9 +4797,31 @@
           <a:chExt cx="0" cy="0"/>
         </a:xfrm>
       </p:grpSpPr>
-      <p:sp>
-        <p:nvSpPr>
+      <p:pic>
+        <p:nvPicPr>
           <p:cNvPr id="2" name="object 2"/>
+          <p:cNvPicPr/>
+          <p:nvPr/>
+        </p:nvPicPr>
+        <p:blipFill>
+          <a:blip r:embed="rId2" cstate="print"/>
+          <a:stretch>
+            <a:fillRect/>
+          </a:stretch>
+        </p:blipFill>
+        <p:spPr>
+          <a:xfrm>
+            <a:off x="884176" y="224295"/>
+            <a:ext cx="464730" cy="514995"/>
+          </a:xfrm>
+          <a:prstGeom prst="rect">
+            <a:avLst/>
+          </a:prstGeom>
+        </p:spPr>
+      </p:pic>
+      <p:sp>
+        <p:nvSpPr>
+          <p:cNvPr id="3" name="object 3"/>
           <p:cNvSpPr txBox="1">
             <a:spLocks noGrp="1"/>
           </p:cNvSpPr>
@@ -4451,141 +4831,23 @@
         </p:nvSpPr>
         <p:spPr>
           <a:xfrm>
-            <a:off x="152400" y="8792"/>
-            <a:ext cx="6781800" cy="677826"/>
-          </a:xfrm>
-          <a:prstGeom prst="rect">
-            <a:avLst/>
-          </a:prstGeom>
-        </p:spPr>
-        <p:txBody>
-          <a:bodyPr vert="horz" wrap="square" lIns="0" tIns="244551" rIns="0" bIns="0" rtlCol="0" anchor="ctr">
+            <a:off x="1676400" y="84174"/>
+            <a:ext cx="6563742" cy="616271"/>
+          </a:xfrm>
+          <a:prstGeom prst="rect">
+            <a:avLst/>
+          </a:prstGeom>
+        </p:spPr>
+        <p:txBody>
+          <a:bodyPr vert="horz" wrap="square" lIns="0" tIns="244551" rIns="0" bIns="0" rtlCol="0">
             <a:spAutoFit/>
           </a:bodyPr>
           <a:lstStyle/>
           <a:p>
-            <a:pPr marL="2667000" algn="l">
-              <a:lnSpc>
-                <a:spcPct val="100000"/>
-              </a:lnSpc>
-              <a:spcBef>
-                <a:spcPts val="95"/>
-              </a:spcBef>
-            </a:pPr>
-            <a:r>
-              <a:rPr lang="en-US" sz="2800" dirty="0" smtClean="0"/>
-              <a:t>Test your Knowledge</a:t>
-            </a:r>
-            <a:endParaRPr sz="2800" dirty="0"/>
-          </a:p>
-        </p:txBody>
-      </p:sp>
-      <p:sp>
-        <p:nvSpPr>
-          <p:cNvPr id="3" name="object 3"/>
-          <p:cNvSpPr txBox="1"/>
-          <p:nvPr/>
-        </p:nvSpPr>
-        <p:spPr>
-          <a:xfrm>
-            <a:off x="824890" y="2358593"/>
-            <a:ext cx="5905500" cy="1911421"/>
-          </a:xfrm>
-          <a:prstGeom prst="rect">
-            <a:avLst/>
-          </a:prstGeom>
-        </p:spPr>
-        <p:txBody>
-          <a:bodyPr vert="horz" wrap="square" lIns="0" tIns="13335" rIns="0" bIns="0" rtlCol="0">
-            <a:spAutoFit/>
-          </a:bodyPr>
-          <a:lstStyle/>
-          <a:p>
-            <a:pPr marL="24765">
-              <a:lnSpc>
-                <a:spcPct val="100000"/>
-              </a:lnSpc>
-              <a:spcBef>
-                <a:spcPts val="105"/>
-              </a:spcBef>
-            </a:pPr>
-            <a:r>
-              <a:rPr sz="2000" dirty="0">
-                <a:latin typeface="Arial MT"/>
-                <a:cs typeface="Arial MT"/>
-              </a:rPr>
-              <a:t>Please</a:t>
-            </a:r>
-            <a:r>
-              <a:rPr sz="2000" spc="-45" dirty="0">
-                <a:latin typeface="Arial MT"/>
-                <a:cs typeface="Arial MT"/>
-              </a:rPr>
-              <a:t> </a:t>
-            </a:r>
-            <a:r>
-              <a:rPr lang="en-US" sz="2000" dirty="0" smtClean="0">
-                <a:latin typeface="Arial MT"/>
-                <a:cs typeface="Arial MT"/>
-              </a:rPr>
-              <a:t>scan the QR code here or go to the below website:</a:t>
-            </a:r>
-            <a:endParaRPr sz="2000" dirty="0">
-              <a:latin typeface="Arial MT"/>
-              <a:cs typeface="Arial MT"/>
-            </a:endParaRPr>
-          </a:p>
-          <a:p>
-            <a:pPr>
-              <a:lnSpc>
-                <a:spcPct val="100000"/>
-              </a:lnSpc>
-            </a:pPr>
-            <a:endParaRPr sz="2000" dirty="0">
-              <a:latin typeface="Arial MT"/>
-              <a:cs typeface="Arial MT"/>
-            </a:endParaRPr>
-          </a:p>
-          <a:p>
-            <a:pPr>
-              <a:lnSpc>
-                <a:spcPct val="100000"/>
-              </a:lnSpc>
-              <a:spcBef>
-                <a:spcPts val="405"/>
-              </a:spcBef>
-            </a:pPr>
-            <a:endParaRPr sz="2000" dirty="0">
-              <a:latin typeface="Arial MT"/>
-              <a:cs typeface="Arial MT"/>
-            </a:endParaRPr>
-          </a:p>
-          <a:p>
-            <a:pPr marL="12700">
-              <a:lnSpc>
-                <a:spcPct val="100000"/>
-              </a:lnSpc>
-            </a:pPr>
-            <a:r>
-              <a:rPr lang="en-US" sz="2000" u="sng" spc="-10" dirty="0" smtClean="0">
-                <a:solidFill>
-                  <a:srgbClr val="0462C1"/>
-                </a:solidFill>
-                <a:uFill>
-                  <a:solidFill>
-                    <a:srgbClr val="0462C1"/>
-                  </a:solidFill>
-                </a:uFill>
-                <a:latin typeface="Arial MT"/>
-                <a:cs typeface="Arial MT"/>
-                <a:hlinkClick r:id="rId2"/>
-              </a:rPr>
-              <a:t>https://afathelbab.github.io/cnpc/computer-basics-soft-skills/day3/quiz.html</a:t>
-            </a:r>
-            <a:endParaRPr sz="2000" dirty="0">
-              <a:latin typeface="Arial MT"/>
-              <a:cs typeface="Arial MT"/>
-            </a:endParaRPr>
+            <a:r>
+              <a:rPr lang="en-US" sz="2400" dirty="0"/>
+              <a:t>Module 1: Introduction to ERP Systems</a:t>
+            </a:r>
           </a:p>
         </p:txBody>
       </p:sp>
@@ -4625,97 +4887,171 @@
       </p:sp>
       <p:sp>
         <p:nvSpPr>
-          <p:cNvPr id="7" name="object 2"/>
-          <p:cNvSpPr txBox="1">
-            <a:spLocks/>
-          </p:cNvSpPr>
+          <p:cNvPr id="6" name="TextBox 5"/>
+          <p:cNvSpPr txBox="1"/>
           <p:nvPr/>
         </p:nvSpPr>
         <p:spPr>
-          <a:xfrm rot="19344576">
-            <a:off x="3994338" y="810154"/>
-            <a:ext cx="3886200" cy="677826"/>
-          </a:xfrm>
-          <a:prstGeom prst="rect">
-            <a:avLst/>
-          </a:prstGeom>
-        </p:spPr>
-        <p:txBody>
-          <a:bodyPr vert="horz" wrap="square" lIns="0" tIns="244551" rIns="0" bIns="0" rtlCol="0" anchor="ctr">
+          <a:xfrm>
+            <a:off x="457200" y="1720334"/>
+            <a:ext cx="1967205" cy="369332"/>
+          </a:xfrm>
+          <a:prstGeom prst="rect">
+            <a:avLst/>
+          </a:prstGeom>
+          <a:noFill/>
+        </p:spPr>
+        <p:txBody>
+          <a:bodyPr wrap="none" rtlCol="1">
             <a:spAutoFit/>
           </a:bodyPr>
-          <a:lstStyle>
-            <a:lvl1pPr>
-              <a:defRPr sz="2000" b="1" i="0">
-                <a:solidFill>
-                  <a:srgbClr val="CE2C2C"/>
-                </a:solidFill>
-                <a:latin typeface="Arial"/>
-                <a:ea typeface="+mj-ea"/>
-                <a:cs typeface="Arial"/>
-              </a:defRPr>
-            </a:lvl1pPr>
-          </a:lstStyle>
-          <a:p>
-            <a:pPr marL="2667000" algn="l">
-              <a:spcBef>
-                <a:spcPts val="95"/>
-              </a:spcBef>
-            </a:pPr>
-            <a:r>
-              <a:rPr lang="en-US" sz="2800" dirty="0" smtClean="0">
-                <a:solidFill>
-                  <a:schemeClr val="accent1">
-                    <a:lumMod val="75000"/>
-                  </a:schemeClr>
-                </a:solidFill>
-              </a:rPr>
-              <a:t>Again!</a:t>
-            </a:r>
-            <a:endParaRPr lang="en-US" sz="2800" dirty="0">
-              <a:solidFill>
-                <a:schemeClr val="accent1">
-                  <a:lumMod val="75000"/>
-                </a:schemeClr>
-              </a:solidFill>
-            </a:endParaRPr>
+          <a:lstStyle/>
+          <a:p>
+            <a:r>
+              <a:rPr lang="en-US" b="1" dirty="0" smtClean="0">
+                <a:solidFill>
+                  <a:srgbClr val="C00000"/>
+                </a:solidFill>
+              </a:rPr>
+              <a:t>The GIGO Effect</a:t>
+            </a:r>
+            <a:endParaRPr lang="ar-EG" dirty="0"/>
+          </a:p>
+        </p:txBody>
+      </p:sp>
+      <p:sp>
+        <p:nvSpPr>
+          <p:cNvPr id="7" name="TextBox 6"/>
+          <p:cNvSpPr txBox="1"/>
+          <p:nvPr/>
+        </p:nvSpPr>
+        <p:spPr>
+          <a:xfrm>
+            <a:off x="650549" y="2537310"/>
+            <a:ext cx="5597851" cy="2800767"/>
+          </a:xfrm>
+          <a:prstGeom prst="rect">
+            <a:avLst/>
+          </a:prstGeom>
+          <a:noFill/>
+        </p:spPr>
+        <p:txBody>
+          <a:bodyPr wrap="square" rtlCol="1">
+            <a:spAutoFit/>
+          </a:bodyPr>
+          <a:lstStyle/>
+          <a:p>
+            <a:r>
+              <a:rPr lang="en-US" sz="1600" dirty="0" smtClean="0"/>
+              <a:t>The ERP is only as good as the data put into it.</a:t>
+            </a:r>
+          </a:p>
+          <a:p>
+            <a:r>
+              <a:rPr lang="en-US" sz="1600" dirty="0" smtClean="0"/>
+              <a:t>A single typo in a </a:t>
+            </a:r>
+            <a:r>
+              <a:rPr lang="en-US" sz="1600" b="1" dirty="0" smtClean="0"/>
+              <a:t>part number</a:t>
+            </a:r>
+            <a:r>
+              <a:rPr lang="en-US" sz="1600" dirty="0" smtClean="0"/>
+              <a:t>, a </a:t>
+            </a:r>
+            <a:r>
+              <a:rPr lang="en-US" sz="1600" b="1" dirty="0" smtClean="0"/>
+              <a:t>Well ID</a:t>
+            </a:r>
+            <a:r>
+              <a:rPr lang="en-US" sz="1600" dirty="0" smtClean="0"/>
+              <a:t>, or a </a:t>
+            </a:r>
+            <a:r>
+              <a:rPr lang="en-US" sz="1600" b="1" dirty="0" smtClean="0"/>
+              <a:t>dollar amount</a:t>
+            </a:r>
+            <a:r>
+              <a:rPr lang="en-US" sz="1600" dirty="0" smtClean="0"/>
+              <a:t> can cause major problems for many other departments (e.g., ordering the wrong part, billing to the wrong project).</a:t>
+            </a:r>
+          </a:p>
+          <a:p>
+            <a:endParaRPr lang="en-US" sz="1600" dirty="0"/>
+          </a:p>
+          <a:p>
+            <a:endParaRPr lang="en-US" sz="1600" dirty="0" smtClean="0"/>
+          </a:p>
+          <a:p>
+            <a:r>
+              <a:rPr lang="en-US" sz="1600" dirty="0" smtClean="0"/>
+              <a:t>Your responsibility, any time you use the ERP, is to be </a:t>
+            </a:r>
+            <a:r>
+              <a:rPr lang="en-US" sz="1600" b="1" dirty="0" smtClean="0"/>
+              <a:t>accurate and timely</a:t>
+            </a:r>
+            <a:r>
+              <a:rPr lang="en-US" sz="1600" dirty="0" smtClean="0"/>
+              <a:t>. Double-check your entries. </a:t>
+            </a:r>
+          </a:p>
+          <a:p>
+            <a:endParaRPr lang="en-US" sz="1600" dirty="0"/>
+          </a:p>
+          <a:p>
+            <a:r>
+              <a:rPr lang="en-US" sz="1600" dirty="0" smtClean="0"/>
+              <a:t>The "single source of truth" depends on every single user.</a:t>
+            </a:r>
+            <a:endParaRPr lang="en-US" sz="1600" dirty="0"/>
           </a:p>
         </p:txBody>
       </p:sp>
       <p:pic>
         <p:nvPicPr>
-          <p:cNvPr id="9" name="Picture 8"/>
+          <p:cNvPr id="4" name="Picture 3"/>
           <p:cNvPicPr>
             <a:picLocks noChangeAspect="1"/>
           </p:cNvPicPr>
           <p:nvPr/>
         </p:nvPicPr>
         <p:blipFill>
-          <a:blip r:embed="rId3" cstate="print">
-            <a:extLst>
-              <a:ext uri="{28A0092B-C50C-407E-A947-70E740481C1C}">
-                <a14:useLocalDpi xmlns:a14="http://schemas.microsoft.com/office/drawing/2010/main" val="0"/>
-              </a:ext>
-            </a:extLst>
-          </a:blip>
+          <a:blip r:embed="rId3"/>
           <a:stretch>
             <a:fillRect/>
           </a:stretch>
         </p:blipFill>
         <p:spPr>
           <a:xfrm>
-            <a:off x="7517476" y="1447800"/>
-            <a:ext cx="4343400" cy="4343400"/>
-          </a:xfrm>
-          <a:prstGeom prst="rect">
-            <a:avLst/>
-          </a:prstGeom>
+            <a:off x="6781800" y="2277575"/>
+            <a:ext cx="5009284" cy="3074013"/>
+          </a:xfrm>
+          <a:prstGeom prst="round2DiagRect">
+            <a:avLst>
+              <a:gd name="adj1" fmla="val 16667"/>
+              <a:gd name="adj2" fmla="val 0"/>
+            </a:avLst>
+          </a:prstGeom>
+          <a:ln w="88900" cap="sq">
+            <a:solidFill>
+              <a:srgbClr val="FFFFFF"/>
+            </a:solidFill>
+            <a:miter lim="800000"/>
+          </a:ln>
+          <a:effectLst>
+            <a:outerShdw blurRad="254000" algn="tl" rotWithShape="0">
+              <a:srgbClr val="000000">
+                <a:alpha val="43000"/>
+              </a:srgbClr>
+            </a:outerShdw>
+          </a:effectLst>
         </p:spPr>
       </p:pic>
     </p:spTree>
     <p:extLst>
       <p:ext uri="{BB962C8B-B14F-4D97-AF65-F5344CB8AC3E}">
-        <p14:creationId xmlns:p14="http://schemas.microsoft.com/office/powerpoint/2010/main" val="2696134294"/>
+        <p14:creationId xmlns:p14="http://schemas.microsoft.com/office/powerpoint/2010/main" val="1710263059"/>
       </p:ext>
     </p:extLst>
   </p:cSld>
@@ -4749,9 +5085,31 @@
           <a:chExt cx="0" cy="0"/>
         </a:xfrm>
       </p:grpSpPr>
-      <p:sp>
-        <p:nvSpPr>
+      <p:pic>
+        <p:nvPicPr>
           <p:cNvPr id="2" name="object 2"/>
+          <p:cNvPicPr/>
+          <p:nvPr/>
+        </p:nvPicPr>
+        <p:blipFill>
+          <a:blip r:embed="rId2" cstate="print"/>
+          <a:stretch>
+            <a:fillRect/>
+          </a:stretch>
+        </p:blipFill>
+        <p:spPr>
+          <a:xfrm>
+            <a:off x="884176" y="224295"/>
+            <a:ext cx="464730" cy="514995"/>
+          </a:xfrm>
+          <a:prstGeom prst="rect">
+            <a:avLst/>
+          </a:prstGeom>
+        </p:spPr>
+      </p:pic>
+      <p:sp>
+        <p:nvSpPr>
+          <p:cNvPr id="3" name="object 3"/>
           <p:cNvSpPr txBox="1">
             <a:spLocks noGrp="1"/>
           </p:cNvSpPr>
@@ -4761,32 +5119,23 @@
         </p:nvSpPr>
         <p:spPr>
           <a:xfrm>
-            <a:off x="2133600" y="2549098"/>
-            <a:ext cx="7467600" cy="1908933"/>
-          </a:xfrm>
-          <a:prstGeom prst="rect">
-            <a:avLst/>
-          </a:prstGeom>
-        </p:spPr>
-        <p:txBody>
-          <a:bodyPr vert="horz" wrap="square" lIns="0" tIns="244551" rIns="0" bIns="0" rtlCol="0" anchor="ctr">
+            <a:off x="1676400" y="84174"/>
+            <a:ext cx="6563742" cy="616271"/>
+          </a:xfrm>
+          <a:prstGeom prst="rect">
+            <a:avLst/>
+          </a:prstGeom>
+        </p:spPr>
+        <p:txBody>
+          <a:bodyPr vert="horz" wrap="square" lIns="0" tIns="244551" rIns="0" bIns="0" rtlCol="0">
             <a:spAutoFit/>
           </a:bodyPr>
           <a:lstStyle/>
           <a:p>
-            <a:pPr algn="ctr"/>
-            <a:r>
-              <a:rPr lang="en-US" sz="5400" dirty="0" smtClean="0"/>
-              <a:t>Workshop</a:t>
-            </a:r>
-            <a:r>
-              <a:rPr lang="en-US" sz="5400" dirty="0"/>
-              <a:t/>
-            </a:r>
-            <a:br>
-              <a:rPr lang="en-US" sz="5400" dirty="0"/>
-            </a:br>
-            <a:endParaRPr lang="en-US" sz="5400" dirty="0"/>
+            <a:r>
+              <a:rPr lang="en-US" sz="2400" dirty="0"/>
+              <a:t>Module 1: Introduction to ERP Systems</a:t>
+            </a:r>
           </a:p>
         </p:txBody>
       </p:sp>
@@ -4824,10 +5173,116 @@
           </a:p>
         </p:txBody>
       </p:sp>
+      <p:sp>
+        <p:nvSpPr>
+          <p:cNvPr id="6" name="TextBox 5"/>
+          <p:cNvSpPr txBox="1"/>
+          <p:nvPr/>
+        </p:nvSpPr>
+        <p:spPr>
+          <a:xfrm>
+            <a:off x="762000" y="1905000"/>
+            <a:ext cx="2069797" cy="369332"/>
+          </a:xfrm>
+          <a:prstGeom prst="rect">
+            <a:avLst/>
+          </a:prstGeom>
+          <a:noFill/>
+        </p:spPr>
+        <p:txBody>
+          <a:bodyPr wrap="none" rtlCol="1">
+            <a:spAutoFit/>
+          </a:bodyPr>
+          <a:lstStyle/>
+          <a:p>
+            <a:r>
+              <a:rPr lang="en-US" b="1" dirty="0" smtClean="0">
+                <a:solidFill>
+                  <a:srgbClr val="C00000"/>
+                </a:solidFill>
+              </a:rPr>
+              <a:t>Open Discussion</a:t>
+            </a:r>
+            <a:endParaRPr lang="ar-EG" dirty="0"/>
+          </a:p>
+        </p:txBody>
+      </p:sp>
+      <p:sp>
+        <p:nvSpPr>
+          <p:cNvPr id="7" name="TextBox 6"/>
+          <p:cNvSpPr txBox="1"/>
+          <p:nvPr/>
+        </p:nvSpPr>
+        <p:spPr>
+          <a:xfrm>
+            <a:off x="884176" y="2590800"/>
+            <a:ext cx="5897624" cy="1323439"/>
+          </a:xfrm>
+          <a:prstGeom prst="rect">
+            <a:avLst/>
+          </a:prstGeom>
+          <a:noFill/>
+        </p:spPr>
+        <p:txBody>
+          <a:bodyPr wrap="square" rtlCol="1">
+            <a:spAutoFit/>
+          </a:bodyPr>
+          <a:lstStyle/>
+          <a:p>
+            <a:pPr marL="285750" indent="-285750">
+              <a:buFont typeface="Wingdings" panose="05000000000000000000" pitchFamily="2" charset="2"/>
+              <a:buChar char="q"/>
+            </a:pPr>
+            <a:r>
+              <a:rPr lang="en-US" sz="1600" dirty="0" smtClean="0"/>
+              <a:t>Why is having a "single source of truth" for data so important for a growing business?</a:t>
+            </a:r>
+          </a:p>
+          <a:p>
+            <a:pPr marL="285750" indent="-285750">
+              <a:buFont typeface="Wingdings" panose="05000000000000000000" pitchFamily="2" charset="2"/>
+              <a:buChar char="q"/>
+            </a:pPr>
+            <a:endParaRPr lang="en-US" sz="1600" dirty="0" smtClean="0"/>
+          </a:p>
+          <a:p>
+            <a:pPr marL="285750" indent="-285750">
+              <a:buFont typeface="Wingdings" panose="05000000000000000000" pitchFamily="2" charset="2"/>
+              <a:buChar char="q"/>
+            </a:pPr>
+            <a:r>
+              <a:rPr lang="en-US" sz="1600" dirty="0" smtClean="0"/>
+              <a:t>Before ERPs, what kind of problems might a company have if Sales, Finance, and Shipping all used different software?</a:t>
+            </a:r>
+          </a:p>
+        </p:txBody>
+      </p:sp>
+      <p:pic>
+        <p:nvPicPr>
+          <p:cNvPr id="11" name="object 4"/>
+          <p:cNvPicPr/>
+          <p:nvPr/>
+        </p:nvPicPr>
+        <p:blipFill>
+          <a:blip r:embed="rId3" cstate="print"/>
+          <a:stretch>
+            <a:fillRect/>
+          </a:stretch>
+        </p:blipFill>
+        <p:spPr>
+          <a:xfrm>
+            <a:off x="7315200" y="1899138"/>
+            <a:ext cx="3814572" cy="3733800"/>
+          </a:xfrm>
+          <a:prstGeom prst="rect">
+            <a:avLst/>
+          </a:prstGeom>
+        </p:spPr>
+      </p:pic>
     </p:spTree>
     <p:extLst>
       <p:ext uri="{BB962C8B-B14F-4D97-AF65-F5344CB8AC3E}">
-        <p14:creationId xmlns:p14="http://schemas.microsoft.com/office/powerpoint/2010/main" val="2341851210"/>
+        <p14:creationId xmlns:p14="http://schemas.microsoft.com/office/powerpoint/2010/main" val="469214445"/>
       </p:ext>
     </p:extLst>
   </p:cSld>
@@ -5198,6 +5653,121 @@
           <a:chExt cx="0" cy="0"/>
         </a:xfrm>
       </p:grpSpPr>
+      <p:sp>
+        <p:nvSpPr>
+          <p:cNvPr id="2" name="object 2"/>
+          <p:cNvSpPr txBox="1">
+            <a:spLocks noGrp="1"/>
+          </p:cNvSpPr>
+          <p:nvPr>
+            <p:ph type="title"/>
+          </p:nvPr>
+        </p:nvSpPr>
+        <p:spPr>
+          <a:xfrm>
+            <a:off x="2133600" y="2549098"/>
+            <a:ext cx="7467600" cy="1908933"/>
+          </a:xfrm>
+          <a:prstGeom prst="rect">
+            <a:avLst/>
+          </a:prstGeom>
+        </p:spPr>
+        <p:txBody>
+          <a:bodyPr vert="horz" wrap="square" lIns="0" tIns="244551" rIns="0" bIns="0" rtlCol="0" anchor="ctr">
+            <a:spAutoFit/>
+          </a:bodyPr>
+          <a:lstStyle/>
+          <a:p>
+            <a:pPr algn="ctr"/>
+            <a:r>
+              <a:rPr lang="en-US" sz="5400" dirty="0"/>
+              <a:t>Module </a:t>
+            </a:r>
+            <a:r>
+              <a:rPr lang="en-US" sz="5400" dirty="0" smtClean="0"/>
+              <a:t>2: </a:t>
+            </a:r>
+            <a:br>
+              <a:rPr lang="en-US" sz="5400" dirty="0" smtClean="0"/>
+            </a:br>
+            <a:r>
+              <a:rPr lang="en-US" sz="5400" dirty="0"/>
+              <a:t>Problem Solving</a:t>
+            </a:r>
+          </a:p>
+        </p:txBody>
+      </p:sp>
+      <p:sp>
+        <p:nvSpPr>
+          <p:cNvPr id="5" name="object 5"/>
+          <p:cNvSpPr txBox="1">
+            <a:spLocks noGrp="1"/>
+          </p:cNvSpPr>
+          <p:nvPr>
+            <p:ph type="sldNum" sz="quarter" idx="7"/>
+          </p:nvPr>
+        </p:nvSpPr>
+        <p:spPr>
+          <a:prstGeom prst="rect">
+            <a:avLst/>
+          </a:prstGeom>
+        </p:spPr>
+        <p:txBody>
+          <a:bodyPr vert="horz" wrap="square" lIns="0" tIns="0" rIns="0" bIns="0" rtlCol="0">
+            <a:spAutoFit/>
+          </a:bodyPr>
+          <a:lstStyle/>
+          <a:p>
+            <a:pPr marL="38100">
+              <a:lnSpc>
+                <a:spcPts val="1310"/>
+              </a:lnSpc>
+            </a:pPr>
+            <a:fld id="{81D60167-4931-47E6-BA6A-407CBD079E47}" type="slidenum">
+              <a:rPr spc="-25" dirty="0"/>
+              <a:t>20</a:t>
+            </a:fld>
+            <a:endParaRPr spc="-25" dirty="0"/>
+          </a:p>
+        </p:txBody>
+      </p:sp>
+    </p:spTree>
+    <p:extLst>
+      <p:ext uri="{BB962C8B-B14F-4D97-AF65-F5344CB8AC3E}">
+        <p14:creationId xmlns:p14="http://schemas.microsoft.com/office/powerpoint/2010/main" val="1205114929"/>
+      </p:ext>
+    </p:extLst>
+  </p:cSld>
+  <p:clrMapOvr>
+    <a:masterClrMapping/>
+  </p:clrMapOvr>
+  <p:timing>
+    <p:tnLst>
+      <p:par>
+        <p:cTn id="1" dur="indefinite" restart="never" nodeType="tmRoot"/>
+      </p:par>
+    </p:tnLst>
+  </p:timing>
+</p:sld>
+</file>
+
+<file path=ppt/slides/slide21.xml><?xml version="1.0" encoding="utf-8"?>
+<p:sld xmlns:a="http://schemas.openxmlformats.org/drawingml/2006/main" xmlns:r="http://schemas.openxmlformats.org/officeDocument/2006/relationships" xmlns:p="http://schemas.openxmlformats.org/presentationml/2006/main">
+  <p:cSld>
+    <p:spTree>
+      <p:nvGrpSpPr>
+        <p:cNvPr id="1" name=""/>
+        <p:cNvGrpSpPr/>
+        <p:nvPr/>
+      </p:nvGrpSpPr>
+      <p:grpSpPr>
+        <a:xfrm>
+          <a:off x="0" y="0"/>
+          <a:ext cx="0" cy="0"/>
+          <a:chOff x="0" y="0"/>
+          <a:chExt cx="0" cy="0"/>
+        </a:xfrm>
+      </p:grpSpPr>
       <p:pic>
         <p:nvPicPr>
           <p:cNvPr id="2" name="object 2"/>
@@ -5246,10 +5816,17 @@
           <a:lstStyle/>
           <a:p>
             <a:r>
+              <a:rPr lang="en-US" sz="2800" dirty="0"/>
+              <a:t>Module </a:t>
+            </a:r>
+            <a:r>
               <a:rPr lang="en-US" sz="2800" dirty="0" smtClean="0"/>
-              <a:t>Workshop</a:t>
-            </a:r>
-            <a:endParaRPr lang="en-US" sz="2800" dirty="0"/>
+              <a:t>2: </a:t>
+            </a:r>
+            <a:r>
+              <a:rPr lang="en-US" sz="2800" dirty="0"/>
+              <a:t>Problem Solving</a:t>
+            </a:r>
           </a:p>
         </p:txBody>
       </p:sp>
@@ -5281,7 +5858,4086 @@
             </a:pPr>
             <a:fld id="{81D60167-4931-47E6-BA6A-407CBD079E47}" type="slidenum">
               <a:rPr spc="-25" dirty="0"/>
-              <a:t>20</a:t>
+              <a:t>21</a:t>
+            </a:fld>
+            <a:endParaRPr spc="-25" dirty="0"/>
+          </a:p>
+        </p:txBody>
+      </p:sp>
+      <p:sp>
+        <p:nvSpPr>
+          <p:cNvPr id="6" name="TextBox 5"/>
+          <p:cNvSpPr txBox="1"/>
+          <p:nvPr/>
+        </p:nvSpPr>
+        <p:spPr>
+          <a:xfrm>
+            <a:off x="990600" y="1447800"/>
+            <a:ext cx="4891083" cy="369332"/>
+          </a:xfrm>
+          <a:prstGeom prst="rect">
+            <a:avLst/>
+          </a:prstGeom>
+          <a:noFill/>
+        </p:spPr>
+        <p:txBody>
+          <a:bodyPr wrap="none" rtlCol="1">
+            <a:spAutoFit/>
+          </a:bodyPr>
+          <a:lstStyle/>
+          <a:p>
+            <a:r>
+              <a:rPr lang="en-US" b="1" dirty="0" smtClean="0">
+                <a:solidFill>
+                  <a:srgbClr val="C00000"/>
+                </a:solidFill>
+              </a:rPr>
+              <a:t>A Structured Approach to Problem Solving</a:t>
+            </a:r>
+            <a:endParaRPr lang="en-US" b="1" dirty="0">
+              <a:solidFill>
+                <a:srgbClr val="C00000"/>
+              </a:solidFill>
+            </a:endParaRPr>
+          </a:p>
+        </p:txBody>
+      </p:sp>
+      <p:sp>
+        <p:nvSpPr>
+          <p:cNvPr id="9" name="TextBox 8"/>
+          <p:cNvSpPr txBox="1"/>
+          <p:nvPr/>
+        </p:nvSpPr>
+        <p:spPr>
+          <a:xfrm>
+            <a:off x="990600" y="2057400"/>
+            <a:ext cx="5867400" cy="3077766"/>
+          </a:xfrm>
+          <a:prstGeom prst="rect">
+            <a:avLst/>
+          </a:prstGeom>
+          <a:noFill/>
+        </p:spPr>
+        <p:txBody>
+          <a:bodyPr wrap="square" rtlCol="1">
+            <a:spAutoFit/>
+          </a:bodyPr>
+          <a:lstStyle/>
+          <a:p>
+            <a:r>
+              <a:rPr lang="en-US" sz="1600" dirty="0" smtClean="0"/>
+              <a:t>Problems will come up. It's a normal part of work. </a:t>
+            </a:r>
+          </a:p>
+          <a:p>
+            <a:r>
+              <a:rPr lang="en-US" sz="1600" dirty="0" smtClean="0"/>
+              <a:t>The key isn't to avoid problems, but to have a clear method for solving them effectively.</a:t>
+            </a:r>
+          </a:p>
+          <a:p>
+            <a:endParaRPr lang="en-US" sz="1600" dirty="0"/>
+          </a:p>
+          <a:p>
+            <a:r>
+              <a:rPr lang="en-US" sz="1600" dirty="0" smtClean="0"/>
+              <a:t>Here is a simple 4-step approach you can apply to almost any workplace problem</a:t>
+            </a:r>
+            <a:r>
+              <a:rPr lang="en-US" sz="1600" dirty="0" smtClean="0"/>
+              <a:t>.</a:t>
+            </a:r>
+          </a:p>
+          <a:p>
+            <a:endParaRPr lang="en-US" sz="1600" dirty="0"/>
+          </a:p>
+          <a:p>
+            <a:r>
+              <a:rPr lang="en-US" sz="1600" dirty="0" smtClean="0"/>
+              <a:t>1. </a:t>
+            </a:r>
+            <a:r>
+              <a:rPr lang="en-US" sz="1600" b="1" dirty="0" smtClean="0"/>
+              <a:t>Define the Real Problem</a:t>
+            </a:r>
+          </a:p>
+          <a:p>
+            <a:r>
+              <a:rPr lang="en-US" sz="1600" dirty="0" smtClean="0"/>
+              <a:t>2. </a:t>
+            </a:r>
+            <a:r>
+              <a:rPr lang="en-US" sz="1600" b="1" dirty="0" smtClean="0"/>
+              <a:t>Brainstorm Potential Solutions</a:t>
+            </a:r>
+          </a:p>
+          <a:p>
+            <a:r>
+              <a:rPr lang="en-US" sz="1600" dirty="0" smtClean="0"/>
+              <a:t>3. </a:t>
+            </a:r>
+            <a:r>
+              <a:rPr lang="en-US" sz="1600" b="1" dirty="0" smtClean="0"/>
+              <a:t>Evaluate and Choose a Solution</a:t>
+            </a:r>
+          </a:p>
+          <a:p>
+            <a:r>
+              <a:rPr lang="en-US" sz="1600" dirty="0" smtClean="0"/>
+              <a:t>4. </a:t>
+            </a:r>
+            <a:r>
+              <a:rPr lang="en-US" sz="1600" b="1" dirty="0" smtClean="0"/>
+              <a:t>Implement and Review</a:t>
+            </a:r>
+          </a:p>
+          <a:p>
+            <a:endParaRPr lang="ar-EG" sz="1600" dirty="0"/>
+          </a:p>
+        </p:txBody>
+      </p:sp>
+      <p:pic>
+        <p:nvPicPr>
+          <p:cNvPr id="7" name="Picture 6"/>
+          <p:cNvPicPr>
+            <a:picLocks noChangeAspect="1"/>
+          </p:cNvPicPr>
+          <p:nvPr/>
+        </p:nvPicPr>
+        <p:blipFill>
+          <a:blip r:embed="rId3"/>
+          <a:stretch>
+            <a:fillRect/>
+          </a:stretch>
+        </p:blipFill>
+        <p:spPr>
+          <a:xfrm>
+            <a:off x="6705600" y="2743200"/>
+            <a:ext cx="5372100" cy="3552977"/>
+          </a:xfrm>
+          <a:prstGeom prst="rect">
+            <a:avLst/>
+          </a:prstGeom>
+        </p:spPr>
+      </p:pic>
+    </p:spTree>
+    <p:extLst>
+      <p:ext uri="{BB962C8B-B14F-4D97-AF65-F5344CB8AC3E}">
+        <p14:creationId xmlns:p14="http://schemas.microsoft.com/office/powerpoint/2010/main" val="185368725"/>
+      </p:ext>
+    </p:extLst>
+  </p:cSld>
+  <p:clrMapOvr>
+    <a:masterClrMapping/>
+  </p:clrMapOvr>
+  <p:timing>
+    <p:tnLst>
+      <p:par>
+        <p:cTn id="1" dur="indefinite" restart="never" nodeType="tmRoot"/>
+      </p:par>
+    </p:tnLst>
+  </p:timing>
+</p:sld>
+</file>
+
+<file path=ppt/slides/slide22.xml><?xml version="1.0" encoding="utf-8"?>
+<p:sld xmlns:a="http://schemas.openxmlformats.org/drawingml/2006/main" xmlns:r="http://schemas.openxmlformats.org/officeDocument/2006/relationships" xmlns:p="http://schemas.openxmlformats.org/presentationml/2006/main">
+  <p:cSld>
+    <p:spTree>
+      <p:nvGrpSpPr>
+        <p:cNvPr id="1" name=""/>
+        <p:cNvGrpSpPr/>
+        <p:nvPr/>
+      </p:nvGrpSpPr>
+      <p:grpSpPr>
+        <a:xfrm>
+          <a:off x="0" y="0"/>
+          <a:ext cx="0" cy="0"/>
+          <a:chOff x="0" y="0"/>
+          <a:chExt cx="0" cy="0"/>
+        </a:xfrm>
+      </p:grpSpPr>
+      <p:pic>
+        <p:nvPicPr>
+          <p:cNvPr id="2" name="object 2"/>
+          <p:cNvPicPr/>
+          <p:nvPr/>
+        </p:nvPicPr>
+        <p:blipFill>
+          <a:blip r:embed="rId2" cstate="print"/>
+          <a:stretch>
+            <a:fillRect/>
+          </a:stretch>
+        </p:blipFill>
+        <p:spPr>
+          <a:xfrm>
+            <a:off x="758235" y="239637"/>
+            <a:ext cx="464730" cy="514995"/>
+          </a:xfrm>
+          <a:prstGeom prst="rect">
+            <a:avLst/>
+          </a:prstGeom>
+        </p:spPr>
+      </p:pic>
+      <p:sp>
+        <p:nvSpPr>
+          <p:cNvPr id="3" name="object 3"/>
+          <p:cNvSpPr txBox="1">
+            <a:spLocks noGrp="1"/>
+          </p:cNvSpPr>
+          <p:nvPr>
+            <p:ph type="title"/>
+          </p:nvPr>
+        </p:nvSpPr>
+        <p:spPr>
+          <a:xfrm>
+            <a:off x="1447800" y="76806"/>
+            <a:ext cx="6781800" cy="677826"/>
+          </a:xfrm>
+          <a:prstGeom prst="rect">
+            <a:avLst/>
+          </a:prstGeom>
+        </p:spPr>
+        <p:txBody>
+          <a:bodyPr vert="horz" wrap="square" lIns="0" tIns="244551" rIns="0" bIns="0" rtlCol="0">
+            <a:spAutoFit/>
+          </a:bodyPr>
+          <a:lstStyle/>
+          <a:p>
+            <a:r>
+              <a:rPr lang="en-US" sz="2800" dirty="0"/>
+              <a:t>Module </a:t>
+            </a:r>
+            <a:r>
+              <a:rPr lang="en-US" sz="2800" dirty="0" smtClean="0"/>
+              <a:t>2: </a:t>
+            </a:r>
+            <a:r>
+              <a:rPr lang="en-US" sz="2800" dirty="0"/>
+              <a:t>Problem Solving</a:t>
+            </a:r>
+          </a:p>
+        </p:txBody>
+      </p:sp>
+      <p:sp>
+        <p:nvSpPr>
+          <p:cNvPr id="5" name="object 5"/>
+          <p:cNvSpPr txBox="1">
+            <a:spLocks noGrp="1"/>
+          </p:cNvSpPr>
+          <p:nvPr>
+            <p:ph type="sldNum" sz="quarter" idx="7"/>
+          </p:nvPr>
+        </p:nvSpPr>
+        <p:spPr>
+          <a:prstGeom prst="rect">
+            <a:avLst/>
+          </a:prstGeom>
+        </p:spPr>
+        <p:txBody>
+          <a:bodyPr vert="horz" wrap="square" lIns="0" tIns="0" rIns="0" bIns="0" rtlCol="0">
+            <a:spAutoFit/>
+          </a:bodyPr>
+          <a:lstStyle/>
+          <a:p>
+            <a:pPr marL="38100">
+              <a:lnSpc>
+                <a:spcPts val="1310"/>
+              </a:lnSpc>
+            </a:pPr>
+            <a:fld id="{81D60167-4931-47E6-BA6A-407CBD079E47}" type="slidenum">
+              <a:rPr spc="-25" dirty="0"/>
+              <a:t>22</a:t>
+            </a:fld>
+            <a:endParaRPr spc="-25" dirty="0"/>
+          </a:p>
+        </p:txBody>
+      </p:sp>
+      <p:sp>
+        <p:nvSpPr>
+          <p:cNvPr id="6" name="TextBox 5"/>
+          <p:cNvSpPr txBox="1"/>
+          <p:nvPr/>
+        </p:nvSpPr>
+        <p:spPr>
+          <a:xfrm>
+            <a:off x="758235" y="1447800"/>
+            <a:ext cx="2839239" cy="369332"/>
+          </a:xfrm>
+          <a:prstGeom prst="rect">
+            <a:avLst/>
+          </a:prstGeom>
+          <a:noFill/>
+        </p:spPr>
+        <p:txBody>
+          <a:bodyPr wrap="none" rtlCol="1">
+            <a:spAutoFit/>
+          </a:bodyPr>
+          <a:lstStyle/>
+          <a:p>
+            <a:r>
+              <a:rPr lang="en-US" b="1" dirty="0" smtClean="0">
+                <a:solidFill>
+                  <a:srgbClr val="C00000"/>
+                </a:solidFill>
+              </a:rPr>
+              <a:t>Define the Real Problem</a:t>
+            </a:r>
+            <a:endParaRPr lang="en-US" b="1" dirty="0">
+              <a:solidFill>
+                <a:srgbClr val="C00000"/>
+              </a:solidFill>
+            </a:endParaRPr>
+          </a:p>
+        </p:txBody>
+      </p:sp>
+      <p:sp>
+        <p:nvSpPr>
+          <p:cNvPr id="9" name="TextBox 8"/>
+          <p:cNvSpPr txBox="1"/>
+          <p:nvPr/>
+        </p:nvSpPr>
+        <p:spPr>
+          <a:xfrm>
+            <a:off x="801492" y="2813355"/>
+            <a:ext cx="6285108" cy="1815882"/>
+          </a:xfrm>
+          <a:prstGeom prst="rect">
+            <a:avLst/>
+          </a:prstGeom>
+          <a:noFill/>
+        </p:spPr>
+        <p:txBody>
+          <a:bodyPr wrap="square" rtlCol="1">
+            <a:spAutoFit/>
+          </a:bodyPr>
+          <a:lstStyle/>
+          <a:p>
+            <a:r>
+              <a:rPr lang="en-US" sz="1600" dirty="0" smtClean="0"/>
+              <a:t>Don't just fix the symptom; find the root cause.</a:t>
+            </a:r>
+          </a:p>
+          <a:p>
+            <a:endParaRPr lang="en-US" sz="1600" dirty="0" smtClean="0"/>
+          </a:p>
+          <a:p>
+            <a:r>
+              <a:rPr lang="en-US" sz="1600" b="1" dirty="0" smtClean="0"/>
+              <a:t>Symptom:</a:t>
+            </a:r>
+            <a:r>
+              <a:rPr lang="en-US" sz="1600" dirty="0" smtClean="0"/>
+              <a:t> "A critical pump (P-101) is down, stopping production.“</a:t>
+            </a:r>
+          </a:p>
+          <a:p>
+            <a:endParaRPr lang="en-US" sz="1600" dirty="0" smtClean="0"/>
+          </a:p>
+          <a:p>
+            <a:r>
+              <a:rPr lang="en-US" sz="1600" b="1" dirty="0" smtClean="0"/>
+              <a:t>Real Problem:</a:t>
+            </a:r>
+            <a:r>
+              <a:rPr lang="en-US" sz="1600" dirty="0" smtClean="0"/>
+              <a:t> "The scheduled preventive maintenance (PM) wasn't done.“</a:t>
+            </a:r>
+          </a:p>
+          <a:p>
+            <a:endParaRPr lang="en-US" sz="1600" dirty="0" smtClean="0"/>
+          </a:p>
+        </p:txBody>
+      </p:sp>
+      <p:pic>
+        <p:nvPicPr>
+          <p:cNvPr id="4" name="Picture 3"/>
+          <p:cNvPicPr>
+            <a:picLocks noChangeAspect="1"/>
+          </p:cNvPicPr>
+          <p:nvPr/>
+        </p:nvPicPr>
+        <p:blipFill rotWithShape="1">
+          <a:blip r:embed="rId3" cstate="print">
+            <a:extLst>
+              <a:ext uri="{28A0092B-C50C-407E-A947-70E740481C1C}">
+                <a14:useLocalDpi xmlns:a14="http://schemas.microsoft.com/office/drawing/2010/main" val="0"/>
+              </a:ext>
+            </a:extLst>
+          </a:blip>
+          <a:srcRect b="7520"/>
+          <a:stretch/>
+        </p:blipFill>
+        <p:spPr>
+          <a:xfrm>
+            <a:off x="7330083" y="1652519"/>
+            <a:ext cx="4581741" cy="4519681"/>
+          </a:xfrm>
+          <a:prstGeom prst="rect">
+            <a:avLst/>
+          </a:prstGeom>
+        </p:spPr>
+      </p:pic>
+    </p:spTree>
+    <p:extLst>
+      <p:ext uri="{BB962C8B-B14F-4D97-AF65-F5344CB8AC3E}">
+        <p14:creationId xmlns:p14="http://schemas.microsoft.com/office/powerpoint/2010/main" val="2865711855"/>
+      </p:ext>
+    </p:extLst>
+  </p:cSld>
+  <p:clrMapOvr>
+    <a:masterClrMapping/>
+  </p:clrMapOvr>
+  <p:timing>
+    <p:tnLst>
+      <p:par>
+        <p:cTn id="1" dur="indefinite" restart="never" nodeType="tmRoot"/>
+      </p:par>
+    </p:tnLst>
+  </p:timing>
+</p:sld>
+</file>
+
+<file path=ppt/slides/slide23.xml><?xml version="1.0" encoding="utf-8"?>
+<p:sld xmlns:a="http://schemas.openxmlformats.org/drawingml/2006/main" xmlns:r="http://schemas.openxmlformats.org/officeDocument/2006/relationships" xmlns:p="http://schemas.openxmlformats.org/presentationml/2006/main">
+  <p:cSld>
+    <p:spTree>
+      <p:nvGrpSpPr>
+        <p:cNvPr id="1" name=""/>
+        <p:cNvGrpSpPr/>
+        <p:nvPr/>
+      </p:nvGrpSpPr>
+      <p:grpSpPr>
+        <a:xfrm>
+          <a:off x="0" y="0"/>
+          <a:ext cx="0" cy="0"/>
+          <a:chOff x="0" y="0"/>
+          <a:chExt cx="0" cy="0"/>
+        </a:xfrm>
+      </p:grpSpPr>
+      <p:pic>
+        <p:nvPicPr>
+          <p:cNvPr id="2" name="object 2"/>
+          <p:cNvPicPr/>
+          <p:nvPr/>
+        </p:nvPicPr>
+        <p:blipFill>
+          <a:blip r:embed="rId2" cstate="print"/>
+          <a:stretch>
+            <a:fillRect/>
+          </a:stretch>
+        </p:blipFill>
+        <p:spPr>
+          <a:xfrm>
+            <a:off x="758235" y="239637"/>
+            <a:ext cx="464730" cy="514995"/>
+          </a:xfrm>
+          <a:prstGeom prst="rect">
+            <a:avLst/>
+          </a:prstGeom>
+        </p:spPr>
+      </p:pic>
+      <p:sp>
+        <p:nvSpPr>
+          <p:cNvPr id="3" name="object 3"/>
+          <p:cNvSpPr txBox="1">
+            <a:spLocks noGrp="1"/>
+          </p:cNvSpPr>
+          <p:nvPr>
+            <p:ph type="title"/>
+          </p:nvPr>
+        </p:nvSpPr>
+        <p:spPr>
+          <a:xfrm>
+            <a:off x="1447800" y="76806"/>
+            <a:ext cx="6781800" cy="677826"/>
+          </a:xfrm>
+          <a:prstGeom prst="rect">
+            <a:avLst/>
+          </a:prstGeom>
+        </p:spPr>
+        <p:txBody>
+          <a:bodyPr vert="horz" wrap="square" lIns="0" tIns="244551" rIns="0" bIns="0" rtlCol="0">
+            <a:spAutoFit/>
+          </a:bodyPr>
+          <a:lstStyle/>
+          <a:p>
+            <a:r>
+              <a:rPr lang="en-US" sz="2800" dirty="0"/>
+              <a:t>Module </a:t>
+            </a:r>
+            <a:r>
+              <a:rPr lang="en-US" sz="2800" dirty="0" smtClean="0"/>
+              <a:t>2: </a:t>
+            </a:r>
+            <a:r>
+              <a:rPr lang="en-US" sz="2800" dirty="0"/>
+              <a:t>Problem Solving</a:t>
+            </a:r>
+          </a:p>
+        </p:txBody>
+      </p:sp>
+      <p:sp>
+        <p:nvSpPr>
+          <p:cNvPr id="5" name="object 5"/>
+          <p:cNvSpPr txBox="1">
+            <a:spLocks noGrp="1"/>
+          </p:cNvSpPr>
+          <p:nvPr>
+            <p:ph type="sldNum" sz="quarter" idx="7"/>
+          </p:nvPr>
+        </p:nvSpPr>
+        <p:spPr>
+          <a:prstGeom prst="rect">
+            <a:avLst/>
+          </a:prstGeom>
+        </p:spPr>
+        <p:txBody>
+          <a:bodyPr vert="horz" wrap="square" lIns="0" tIns="0" rIns="0" bIns="0" rtlCol="0">
+            <a:spAutoFit/>
+          </a:bodyPr>
+          <a:lstStyle/>
+          <a:p>
+            <a:pPr marL="38100">
+              <a:lnSpc>
+                <a:spcPts val="1310"/>
+              </a:lnSpc>
+            </a:pPr>
+            <a:fld id="{81D60167-4931-47E6-BA6A-407CBD079E47}" type="slidenum">
+              <a:rPr spc="-25" dirty="0"/>
+              <a:t>23</a:t>
+            </a:fld>
+            <a:endParaRPr spc="-25" dirty="0"/>
+          </a:p>
+        </p:txBody>
+      </p:sp>
+      <p:sp>
+        <p:nvSpPr>
+          <p:cNvPr id="6" name="TextBox 5"/>
+          <p:cNvSpPr txBox="1"/>
+          <p:nvPr/>
+        </p:nvSpPr>
+        <p:spPr>
+          <a:xfrm>
+            <a:off x="758235" y="1447800"/>
+            <a:ext cx="2839239" cy="369332"/>
+          </a:xfrm>
+          <a:prstGeom prst="rect">
+            <a:avLst/>
+          </a:prstGeom>
+          <a:noFill/>
+        </p:spPr>
+        <p:txBody>
+          <a:bodyPr wrap="none" rtlCol="1">
+            <a:spAutoFit/>
+          </a:bodyPr>
+          <a:lstStyle/>
+          <a:p>
+            <a:r>
+              <a:rPr lang="en-US" b="1" dirty="0" smtClean="0">
+                <a:solidFill>
+                  <a:srgbClr val="C00000"/>
+                </a:solidFill>
+              </a:rPr>
+              <a:t>Define the Real Problem</a:t>
+            </a:r>
+            <a:endParaRPr lang="en-US" b="1" dirty="0">
+              <a:solidFill>
+                <a:srgbClr val="C00000"/>
+              </a:solidFill>
+            </a:endParaRPr>
+          </a:p>
+        </p:txBody>
+      </p:sp>
+      <p:sp>
+        <p:nvSpPr>
+          <p:cNvPr id="9" name="TextBox 8"/>
+          <p:cNvSpPr txBox="1"/>
+          <p:nvPr/>
+        </p:nvSpPr>
+        <p:spPr>
+          <a:xfrm>
+            <a:off x="813524" y="1934289"/>
+            <a:ext cx="6720872" cy="4278094"/>
+          </a:xfrm>
+          <a:prstGeom prst="rect">
+            <a:avLst/>
+          </a:prstGeom>
+          <a:noFill/>
+        </p:spPr>
+        <p:txBody>
+          <a:bodyPr wrap="square" rtlCol="1">
+            <a:spAutoFit/>
+          </a:bodyPr>
+          <a:lstStyle/>
+          <a:p>
+            <a:r>
+              <a:rPr lang="en-US" sz="1600" b="1" dirty="0" smtClean="0"/>
+              <a:t>Root Cause (Keep asking "Why?"):</a:t>
+            </a:r>
+          </a:p>
+          <a:p>
+            <a:endParaRPr lang="en-US" sz="1600" dirty="0" smtClean="0"/>
+          </a:p>
+          <a:p>
+            <a:r>
+              <a:rPr lang="en-US" sz="1600" b="1" i="1" dirty="0" smtClean="0">
+                <a:solidFill>
+                  <a:srgbClr val="2D5395"/>
+                </a:solidFill>
+              </a:rPr>
+              <a:t>1. Why was the PM not done?</a:t>
+            </a:r>
+            <a:r>
+              <a:rPr lang="en-US" sz="1600" dirty="0" smtClean="0"/>
+              <a:t> </a:t>
+            </a:r>
+            <a:br>
+              <a:rPr lang="en-US" sz="1600" dirty="0" smtClean="0"/>
+            </a:br>
+            <a:r>
+              <a:rPr lang="en-US" sz="1600" dirty="0" smtClean="0"/>
+              <a:t>"The maintenance team didn't have the filter replacement part."</a:t>
+            </a:r>
+          </a:p>
+          <a:p>
+            <a:r>
+              <a:rPr lang="en-US" sz="1600" b="1" i="1" dirty="0" smtClean="0">
+                <a:solidFill>
+                  <a:srgbClr val="2D5395"/>
+                </a:solidFill>
+              </a:rPr>
+              <a:t>2. Why?</a:t>
+            </a:r>
+            <a:r>
+              <a:rPr lang="en-US" sz="1600" b="1" dirty="0" smtClean="0">
+                <a:solidFill>
+                  <a:srgbClr val="2D5395"/>
+                </a:solidFill>
+              </a:rPr>
+              <a:t> </a:t>
+            </a:r>
+            <a:r>
+              <a:rPr lang="en-US" sz="1600" dirty="0" smtClean="0"/>
+              <a:t/>
+            </a:r>
+            <a:br>
+              <a:rPr lang="en-US" sz="1600" dirty="0" smtClean="0"/>
+            </a:br>
+            <a:r>
+              <a:rPr lang="en-US" sz="1600" dirty="0" smtClean="0"/>
+              <a:t>"The part wasn't ordered."</a:t>
+            </a:r>
+          </a:p>
+          <a:p>
+            <a:r>
+              <a:rPr lang="en-US" sz="1600" b="1" i="1" dirty="0" smtClean="0">
+                <a:solidFill>
+                  <a:srgbClr val="2D5395"/>
+                </a:solidFill>
+              </a:rPr>
+              <a:t>3. Why?</a:t>
+            </a:r>
+            <a:br>
+              <a:rPr lang="en-US" sz="1600" b="1" i="1" dirty="0" smtClean="0">
+                <a:solidFill>
+                  <a:srgbClr val="2D5395"/>
+                </a:solidFill>
+              </a:rPr>
+            </a:br>
+            <a:r>
+              <a:rPr lang="en-US" sz="1600" dirty="0" smtClean="0"/>
+              <a:t> "The inventory system </a:t>
+            </a:r>
+            <a:r>
+              <a:rPr lang="en-US" sz="1600" i="1" dirty="0" smtClean="0"/>
+              <a:t>said</a:t>
+            </a:r>
+            <a:r>
+              <a:rPr lang="en-US" sz="1600" dirty="0" smtClean="0"/>
+              <a:t> we had 2 in stock, but the shelf was empty."</a:t>
+            </a:r>
+          </a:p>
+          <a:p>
+            <a:r>
+              <a:rPr lang="en-US" sz="1600" b="1" i="1" dirty="0" smtClean="0">
+                <a:solidFill>
+                  <a:srgbClr val="2D5395"/>
+                </a:solidFill>
+              </a:rPr>
+              <a:t>4. Why?</a:t>
+            </a:r>
+            <a:r>
+              <a:rPr lang="en-US" sz="1600" b="1" dirty="0" smtClean="0">
+                <a:solidFill>
+                  <a:srgbClr val="2D5395"/>
+                </a:solidFill>
+              </a:rPr>
+              <a:t> </a:t>
+            </a:r>
+            <a:r>
+              <a:rPr lang="en-US" sz="1600" dirty="0" smtClean="0"/>
+              <a:t/>
+            </a:r>
+            <a:br>
+              <a:rPr lang="en-US" sz="1600" dirty="0" smtClean="0"/>
+            </a:br>
+            <a:r>
+              <a:rPr lang="en-US" sz="1600" dirty="0" smtClean="0"/>
+              <a:t>"The last part was used for an emergency repair on P-102, and the inventory wasn't updated."</a:t>
+            </a:r>
+          </a:p>
+          <a:p>
+            <a:r>
+              <a:rPr lang="en-US" sz="1600" b="1" i="1" dirty="0" smtClean="0">
+                <a:solidFill>
+                  <a:srgbClr val="2D5395"/>
+                </a:solidFill>
+              </a:rPr>
+              <a:t>5. Why?</a:t>
+            </a:r>
+            <a:r>
+              <a:rPr lang="en-US" sz="1600" b="1" dirty="0" smtClean="0">
+                <a:solidFill>
+                  <a:srgbClr val="2D5395"/>
+                </a:solidFill>
+              </a:rPr>
+              <a:t> </a:t>
+            </a:r>
+            <a:br>
+              <a:rPr lang="en-US" sz="1600" b="1" dirty="0" smtClean="0">
+                <a:solidFill>
+                  <a:srgbClr val="2D5395"/>
+                </a:solidFill>
+              </a:rPr>
+            </a:br>
+            <a:r>
+              <a:rPr lang="en-US" sz="1600" dirty="0" smtClean="0"/>
+              <a:t>"The technician who took the part was covering a night shift and forgot to log the removal in the system."</a:t>
+            </a:r>
+          </a:p>
+          <a:p>
+            <a:pPr lvl="1"/>
+            <a:endParaRPr lang="en-US" sz="1600" dirty="0" smtClean="0"/>
+          </a:p>
+          <a:p>
+            <a:pPr lvl="1"/>
+            <a:r>
+              <a:rPr lang="en-US" sz="1600" b="1" dirty="0" smtClean="0"/>
+              <a:t>Root Cause:</a:t>
+            </a:r>
+            <a:r>
+              <a:rPr lang="en-US" sz="1600" dirty="0" smtClean="0"/>
+              <a:t> "Our process for removing inventory on off-hours is not being followed."</a:t>
+            </a:r>
+            <a:endParaRPr lang="en-US" sz="1600" dirty="0"/>
+          </a:p>
+        </p:txBody>
+      </p:sp>
+      <p:pic>
+        <p:nvPicPr>
+          <p:cNvPr id="4" name="Picture 3"/>
+          <p:cNvPicPr>
+            <a:picLocks noChangeAspect="1"/>
+          </p:cNvPicPr>
+          <p:nvPr/>
+        </p:nvPicPr>
+        <p:blipFill rotWithShape="1">
+          <a:blip r:embed="rId3" cstate="print">
+            <a:extLst>
+              <a:ext uri="{28A0092B-C50C-407E-A947-70E740481C1C}">
+                <a14:useLocalDpi xmlns:a14="http://schemas.microsoft.com/office/drawing/2010/main" val="0"/>
+              </a:ext>
+            </a:extLst>
+          </a:blip>
+          <a:srcRect b="7520"/>
+          <a:stretch/>
+        </p:blipFill>
+        <p:spPr>
+          <a:xfrm>
+            <a:off x="7534396" y="1447801"/>
+            <a:ext cx="4673646" cy="4610342"/>
+          </a:xfrm>
+          <a:prstGeom prst="rect">
+            <a:avLst/>
+          </a:prstGeom>
+        </p:spPr>
+      </p:pic>
+    </p:spTree>
+    <p:extLst>
+      <p:ext uri="{BB962C8B-B14F-4D97-AF65-F5344CB8AC3E}">
+        <p14:creationId xmlns:p14="http://schemas.microsoft.com/office/powerpoint/2010/main" val="2413355782"/>
+      </p:ext>
+    </p:extLst>
+  </p:cSld>
+  <p:clrMapOvr>
+    <a:masterClrMapping/>
+  </p:clrMapOvr>
+  <p:timing>
+    <p:tnLst>
+      <p:par>
+        <p:cTn id="1" dur="indefinite" restart="never" nodeType="tmRoot"/>
+      </p:par>
+    </p:tnLst>
+  </p:timing>
+</p:sld>
+</file>
+
+<file path=ppt/slides/slide24.xml><?xml version="1.0" encoding="utf-8"?>
+<p:sld xmlns:a="http://schemas.openxmlformats.org/drawingml/2006/main" xmlns:r="http://schemas.openxmlformats.org/officeDocument/2006/relationships" xmlns:p="http://schemas.openxmlformats.org/presentationml/2006/main">
+  <p:cSld>
+    <p:spTree>
+      <p:nvGrpSpPr>
+        <p:cNvPr id="1" name=""/>
+        <p:cNvGrpSpPr/>
+        <p:nvPr/>
+      </p:nvGrpSpPr>
+      <p:grpSpPr>
+        <a:xfrm>
+          <a:off x="0" y="0"/>
+          <a:ext cx="0" cy="0"/>
+          <a:chOff x="0" y="0"/>
+          <a:chExt cx="0" cy="0"/>
+        </a:xfrm>
+      </p:grpSpPr>
+      <p:pic>
+        <p:nvPicPr>
+          <p:cNvPr id="2" name="object 2"/>
+          <p:cNvPicPr/>
+          <p:nvPr/>
+        </p:nvPicPr>
+        <p:blipFill>
+          <a:blip r:embed="rId2" cstate="print"/>
+          <a:stretch>
+            <a:fillRect/>
+          </a:stretch>
+        </p:blipFill>
+        <p:spPr>
+          <a:xfrm>
+            <a:off x="758235" y="239637"/>
+            <a:ext cx="464730" cy="514995"/>
+          </a:xfrm>
+          <a:prstGeom prst="rect">
+            <a:avLst/>
+          </a:prstGeom>
+        </p:spPr>
+      </p:pic>
+      <p:sp>
+        <p:nvSpPr>
+          <p:cNvPr id="3" name="object 3"/>
+          <p:cNvSpPr txBox="1">
+            <a:spLocks noGrp="1"/>
+          </p:cNvSpPr>
+          <p:nvPr>
+            <p:ph type="title"/>
+          </p:nvPr>
+        </p:nvSpPr>
+        <p:spPr>
+          <a:xfrm>
+            <a:off x="1447800" y="76806"/>
+            <a:ext cx="6781800" cy="677826"/>
+          </a:xfrm>
+          <a:prstGeom prst="rect">
+            <a:avLst/>
+          </a:prstGeom>
+        </p:spPr>
+        <p:txBody>
+          <a:bodyPr vert="horz" wrap="square" lIns="0" tIns="244551" rIns="0" bIns="0" rtlCol="0">
+            <a:spAutoFit/>
+          </a:bodyPr>
+          <a:lstStyle/>
+          <a:p>
+            <a:r>
+              <a:rPr lang="en-US" sz="2800" dirty="0"/>
+              <a:t>Module </a:t>
+            </a:r>
+            <a:r>
+              <a:rPr lang="en-US" sz="2800" dirty="0" smtClean="0"/>
+              <a:t>2: </a:t>
+            </a:r>
+            <a:r>
+              <a:rPr lang="en-US" sz="2800" dirty="0"/>
+              <a:t>Problem Solving</a:t>
+            </a:r>
+          </a:p>
+        </p:txBody>
+      </p:sp>
+      <p:sp>
+        <p:nvSpPr>
+          <p:cNvPr id="5" name="object 5"/>
+          <p:cNvSpPr txBox="1">
+            <a:spLocks noGrp="1"/>
+          </p:cNvSpPr>
+          <p:nvPr>
+            <p:ph type="sldNum" sz="quarter" idx="7"/>
+          </p:nvPr>
+        </p:nvSpPr>
+        <p:spPr>
+          <a:prstGeom prst="rect">
+            <a:avLst/>
+          </a:prstGeom>
+        </p:spPr>
+        <p:txBody>
+          <a:bodyPr vert="horz" wrap="square" lIns="0" tIns="0" rIns="0" bIns="0" rtlCol="0">
+            <a:spAutoFit/>
+          </a:bodyPr>
+          <a:lstStyle/>
+          <a:p>
+            <a:pPr marL="38100">
+              <a:lnSpc>
+                <a:spcPts val="1310"/>
+              </a:lnSpc>
+            </a:pPr>
+            <a:fld id="{81D60167-4931-47E6-BA6A-407CBD079E47}" type="slidenum">
+              <a:rPr spc="-25" dirty="0"/>
+              <a:t>24</a:t>
+            </a:fld>
+            <a:endParaRPr spc="-25" dirty="0"/>
+          </a:p>
+        </p:txBody>
+      </p:sp>
+      <p:sp>
+        <p:nvSpPr>
+          <p:cNvPr id="6" name="TextBox 5"/>
+          <p:cNvSpPr txBox="1"/>
+          <p:nvPr/>
+        </p:nvSpPr>
+        <p:spPr>
+          <a:xfrm>
+            <a:off x="990600" y="1447800"/>
+            <a:ext cx="3570208" cy="369332"/>
+          </a:xfrm>
+          <a:prstGeom prst="rect">
+            <a:avLst/>
+          </a:prstGeom>
+          <a:noFill/>
+        </p:spPr>
+        <p:txBody>
+          <a:bodyPr wrap="none" rtlCol="1">
+            <a:spAutoFit/>
+          </a:bodyPr>
+          <a:lstStyle/>
+          <a:p>
+            <a:r>
+              <a:rPr lang="en-US" b="1" dirty="0" smtClean="0">
+                <a:solidFill>
+                  <a:srgbClr val="C00000"/>
+                </a:solidFill>
+              </a:rPr>
+              <a:t>Brainstorm Potential Solutions</a:t>
+            </a:r>
+            <a:endParaRPr lang="en-US" b="1" dirty="0">
+              <a:solidFill>
+                <a:srgbClr val="C00000"/>
+              </a:solidFill>
+            </a:endParaRPr>
+          </a:p>
+        </p:txBody>
+      </p:sp>
+      <p:sp>
+        <p:nvSpPr>
+          <p:cNvPr id="9" name="TextBox 8"/>
+          <p:cNvSpPr txBox="1"/>
+          <p:nvPr/>
+        </p:nvSpPr>
+        <p:spPr>
+          <a:xfrm>
+            <a:off x="990600" y="2057400"/>
+            <a:ext cx="6172200" cy="3970318"/>
+          </a:xfrm>
+          <a:prstGeom prst="rect">
+            <a:avLst/>
+          </a:prstGeom>
+          <a:noFill/>
+        </p:spPr>
+        <p:txBody>
+          <a:bodyPr wrap="square" rtlCol="1">
+            <a:spAutoFit/>
+          </a:bodyPr>
+          <a:lstStyle/>
+          <a:p>
+            <a:r>
+              <a:rPr lang="en-US" dirty="0" smtClean="0"/>
+              <a:t>Now that you know the root cause, what are some ways to fix it?</a:t>
+            </a:r>
+          </a:p>
+          <a:p>
+            <a:endParaRPr lang="en-US" dirty="0" smtClean="0"/>
+          </a:p>
+          <a:p>
+            <a:r>
+              <a:rPr lang="en-US" dirty="0" smtClean="0"/>
+              <a:t>Don't judge ideas at this stage. Write everything down.</a:t>
+            </a:r>
+          </a:p>
+          <a:p>
+            <a:endParaRPr lang="en-US" dirty="0" smtClean="0"/>
+          </a:p>
+          <a:p>
+            <a:r>
+              <a:rPr lang="en-US" i="1" dirty="0" smtClean="0"/>
+              <a:t>Example (for the root cause above):</a:t>
+            </a:r>
+          </a:p>
+          <a:p>
+            <a:endParaRPr lang="en-US" dirty="0" smtClean="0"/>
+          </a:p>
+          <a:p>
+            <a:pPr marL="285750" lvl="1" indent="-285750">
+              <a:buFont typeface="Wingdings" panose="05000000000000000000" pitchFamily="2" charset="2"/>
+              <a:buChar char="Ø"/>
+            </a:pPr>
+            <a:r>
+              <a:rPr lang="en-US" dirty="0" smtClean="0"/>
+              <a:t>Implement a barcode scanner at the warehouse door (Must scan part and badge).</a:t>
+            </a:r>
+          </a:p>
+          <a:p>
+            <a:pPr marL="285750" lvl="1" indent="-285750">
+              <a:buFont typeface="Wingdings" panose="05000000000000000000" pitchFamily="2" charset="2"/>
+              <a:buChar char="Ø"/>
+            </a:pPr>
+            <a:r>
+              <a:rPr lang="en-US" dirty="0" smtClean="0"/>
+              <a:t>Do a full re-training session on the inventory procedure.</a:t>
+            </a:r>
+          </a:p>
+          <a:p>
+            <a:pPr marL="285750" lvl="1" indent="-285750">
+              <a:buFont typeface="Wingdings" panose="05000000000000000000" pitchFamily="2" charset="2"/>
+              <a:buChar char="Ø"/>
+            </a:pPr>
+            <a:r>
+              <a:rPr lang="en-US" dirty="0" smtClean="0"/>
+              <a:t>Put a physical, mandatory sign-out sheet on the warehouse shelf for "after-hours" use.</a:t>
+            </a:r>
+          </a:p>
+          <a:p>
+            <a:pPr marL="285750" lvl="1" indent="-285750">
+              <a:buFont typeface="Wingdings" panose="05000000000000000000" pitchFamily="2" charset="2"/>
+              <a:buChar char="Ø"/>
+            </a:pPr>
+            <a:r>
+              <a:rPr lang="en-US" dirty="0" smtClean="0"/>
+              <a:t>Lock the parts warehouse after 5 PM; all parts must be requested from a supervisor. </a:t>
+            </a:r>
+            <a:endParaRPr lang="en-US" dirty="0"/>
+          </a:p>
+        </p:txBody>
+      </p:sp>
+      <p:pic>
+        <p:nvPicPr>
+          <p:cNvPr id="4" name="Picture 3"/>
+          <p:cNvPicPr>
+            <a:picLocks noChangeAspect="1"/>
+          </p:cNvPicPr>
+          <p:nvPr/>
+        </p:nvPicPr>
+        <p:blipFill>
+          <a:blip r:embed="rId3" cstate="print">
+            <a:extLst>
+              <a:ext uri="{28A0092B-C50C-407E-A947-70E740481C1C}">
+                <a14:useLocalDpi xmlns:a14="http://schemas.microsoft.com/office/drawing/2010/main" val="0"/>
+              </a:ext>
+            </a:extLst>
+          </a:blip>
+          <a:stretch>
+            <a:fillRect/>
+          </a:stretch>
+        </p:blipFill>
+        <p:spPr>
+          <a:xfrm>
+            <a:off x="7391400" y="1482969"/>
+            <a:ext cx="3825241" cy="3825241"/>
+          </a:xfrm>
+          <a:prstGeom prst="rect">
+            <a:avLst/>
+          </a:prstGeom>
+          <a:ln>
+            <a:noFill/>
+          </a:ln>
+          <a:effectLst>
+            <a:outerShdw blurRad="190500" algn="tl" rotWithShape="0">
+              <a:srgbClr val="000000">
+                <a:alpha val="70000"/>
+              </a:srgbClr>
+            </a:outerShdw>
+          </a:effectLst>
+        </p:spPr>
+      </p:pic>
+    </p:spTree>
+    <p:extLst>
+      <p:ext uri="{BB962C8B-B14F-4D97-AF65-F5344CB8AC3E}">
+        <p14:creationId xmlns:p14="http://schemas.microsoft.com/office/powerpoint/2010/main" val="3050885143"/>
+      </p:ext>
+    </p:extLst>
+  </p:cSld>
+  <p:clrMapOvr>
+    <a:masterClrMapping/>
+  </p:clrMapOvr>
+  <p:timing>
+    <p:tnLst>
+      <p:par>
+        <p:cTn id="1" dur="indefinite" restart="never" nodeType="tmRoot"/>
+      </p:par>
+    </p:tnLst>
+  </p:timing>
+</p:sld>
+</file>
+
+<file path=ppt/slides/slide25.xml><?xml version="1.0" encoding="utf-8"?>
+<p:sld xmlns:a="http://schemas.openxmlformats.org/drawingml/2006/main" xmlns:r="http://schemas.openxmlformats.org/officeDocument/2006/relationships" xmlns:p="http://schemas.openxmlformats.org/presentationml/2006/main">
+  <p:cSld>
+    <p:spTree>
+      <p:nvGrpSpPr>
+        <p:cNvPr id="1" name=""/>
+        <p:cNvGrpSpPr/>
+        <p:nvPr/>
+      </p:nvGrpSpPr>
+      <p:grpSpPr>
+        <a:xfrm>
+          <a:off x="0" y="0"/>
+          <a:ext cx="0" cy="0"/>
+          <a:chOff x="0" y="0"/>
+          <a:chExt cx="0" cy="0"/>
+        </a:xfrm>
+      </p:grpSpPr>
+      <p:pic>
+        <p:nvPicPr>
+          <p:cNvPr id="2" name="object 2"/>
+          <p:cNvPicPr/>
+          <p:nvPr/>
+        </p:nvPicPr>
+        <p:blipFill>
+          <a:blip r:embed="rId2" cstate="print"/>
+          <a:stretch>
+            <a:fillRect/>
+          </a:stretch>
+        </p:blipFill>
+        <p:spPr>
+          <a:xfrm>
+            <a:off x="758235" y="239637"/>
+            <a:ext cx="464730" cy="514995"/>
+          </a:xfrm>
+          <a:prstGeom prst="rect">
+            <a:avLst/>
+          </a:prstGeom>
+        </p:spPr>
+      </p:pic>
+      <p:sp>
+        <p:nvSpPr>
+          <p:cNvPr id="3" name="object 3"/>
+          <p:cNvSpPr txBox="1">
+            <a:spLocks noGrp="1"/>
+          </p:cNvSpPr>
+          <p:nvPr>
+            <p:ph type="title"/>
+          </p:nvPr>
+        </p:nvSpPr>
+        <p:spPr>
+          <a:xfrm>
+            <a:off x="1447800" y="76806"/>
+            <a:ext cx="6781800" cy="677826"/>
+          </a:xfrm>
+          <a:prstGeom prst="rect">
+            <a:avLst/>
+          </a:prstGeom>
+        </p:spPr>
+        <p:txBody>
+          <a:bodyPr vert="horz" wrap="square" lIns="0" tIns="244551" rIns="0" bIns="0" rtlCol="0">
+            <a:spAutoFit/>
+          </a:bodyPr>
+          <a:lstStyle/>
+          <a:p>
+            <a:r>
+              <a:rPr lang="en-US" sz="2800" dirty="0"/>
+              <a:t>Module </a:t>
+            </a:r>
+            <a:r>
+              <a:rPr lang="en-US" sz="2800" dirty="0" smtClean="0"/>
+              <a:t>2: </a:t>
+            </a:r>
+            <a:r>
+              <a:rPr lang="en-US" sz="2800" dirty="0"/>
+              <a:t>Problem Solving</a:t>
+            </a:r>
+          </a:p>
+        </p:txBody>
+      </p:sp>
+      <p:sp>
+        <p:nvSpPr>
+          <p:cNvPr id="5" name="object 5"/>
+          <p:cNvSpPr txBox="1">
+            <a:spLocks noGrp="1"/>
+          </p:cNvSpPr>
+          <p:nvPr>
+            <p:ph type="sldNum" sz="quarter" idx="7"/>
+          </p:nvPr>
+        </p:nvSpPr>
+        <p:spPr>
+          <a:prstGeom prst="rect">
+            <a:avLst/>
+          </a:prstGeom>
+        </p:spPr>
+        <p:txBody>
+          <a:bodyPr vert="horz" wrap="square" lIns="0" tIns="0" rIns="0" bIns="0" rtlCol="0">
+            <a:spAutoFit/>
+          </a:bodyPr>
+          <a:lstStyle/>
+          <a:p>
+            <a:pPr marL="38100">
+              <a:lnSpc>
+                <a:spcPts val="1310"/>
+              </a:lnSpc>
+            </a:pPr>
+            <a:fld id="{81D60167-4931-47E6-BA6A-407CBD079E47}" type="slidenum">
+              <a:rPr spc="-25" dirty="0"/>
+              <a:t>25</a:t>
+            </a:fld>
+            <a:endParaRPr spc="-25" dirty="0"/>
+          </a:p>
+        </p:txBody>
+      </p:sp>
+      <p:sp>
+        <p:nvSpPr>
+          <p:cNvPr id="6" name="TextBox 5"/>
+          <p:cNvSpPr txBox="1"/>
+          <p:nvPr/>
+        </p:nvSpPr>
+        <p:spPr>
+          <a:xfrm>
+            <a:off x="758235" y="1447800"/>
+            <a:ext cx="3698448" cy="369332"/>
+          </a:xfrm>
+          <a:prstGeom prst="rect">
+            <a:avLst/>
+          </a:prstGeom>
+          <a:noFill/>
+        </p:spPr>
+        <p:txBody>
+          <a:bodyPr wrap="none" rtlCol="1">
+            <a:spAutoFit/>
+          </a:bodyPr>
+          <a:lstStyle/>
+          <a:p>
+            <a:r>
+              <a:rPr lang="en-US" b="1" dirty="0" smtClean="0">
+                <a:solidFill>
+                  <a:srgbClr val="C00000"/>
+                </a:solidFill>
+              </a:rPr>
+              <a:t>Evaluate and Choose a Solution</a:t>
+            </a:r>
+            <a:endParaRPr lang="en-US" b="1" dirty="0">
+              <a:solidFill>
+                <a:srgbClr val="C00000"/>
+              </a:solidFill>
+            </a:endParaRPr>
+          </a:p>
+        </p:txBody>
+      </p:sp>
+      <p:sp>
+        <p:nvSpPr>
+          <p:cNvPr id="9" name="TextBox 8"/>
+          <p:cNvSpPr txBox="1"/>
+          <p:nvPr/>
+        </p:nvSpPr>
+        <p:spPr>
+          <a:xfrm>
+            <a:off x="990600" y="2057400"/>
+            <a:ext cx="3276600" cy="1477328"/>
+          </a:xfrm>
+          <a:prstGeom prst="rect">
+            <a:avLst/>
+          </a:prstGeom>
+          <a:noFill/>
+        </p:spPr>
+        <p:txBody>
+          <a:bodyPr wrap="square" rtlCol="1">
+            <a:spAutoFit/>
+          </a:bodyPr>
+          <a:lstStyle/>
+          <a:p>
+            <a:r>
+              <a:rPr lang="en-US" dirty="0" smtClean="0"/>
+              <a:t>Look at your list of solutions and pick the best one(s). </a:t>
+            </a:r>
+          </a:p>
+          <a:p>
+            <a:endParaRPr lang="en-US" dirty="0"/>
+          </a:p>
+          <a:p>
+            <a:r>
+              <a:rPr lang="en-US" dirty="0" smtClean="0"/>
+              <a:t>A simple "Effort vs. Impact" matrix is a great tool</a:t>
+            </a:r>
+            <a:endParaRPr lang="en-US" dirty="0"/>
+          </a:p>
+        </p:txBody>
+      </p:sp>
+      <p:pic>
+        <p:nvPicPr>
+          <p:cNvPr id="8" name="Picture 7"/>
+          <p:cNvPicPr>
+            <a:picLocks noChangeAspect="1"/>
+          </p:cNvPicPr>
+          <p:nvPr/>
+        </p:nvPicPr>
+        <p:blipFill>
+          <a:blip r:embed="rId3">
+            <a:extLst>
+              <a:ext uri="{28A0092B-C50C-407E-A947-70E740481C1C}">
+                <a14:useLocalDpi xmlns:a14="http://schemas.microsoft.com/office/drawing/2010/main" val="0"/>
+              </a:ext>
+            </a:extLst>
+          </a:blip>
+          <a:stretch>
+            <a:fillRect/>
+          </a:stretch>
+        </p:blipFill>
+        <p:spPr>
+          <a:xfrm>
+            <a:off x="4997393" y="1632466"/>
+            <a:ext cx="6024371" cy="3388709"/>
+          </a:xfrm>
+          <a:prstGeom prst="rect">
+            <a:avLst/>
+          </a:prstGeom>
+        </p:spPr>
+      </p:pic>
+      <p:graphicFrame>
+        <p:nvGraphicFramePr>
+          <p:cNvPr id="10" name="Table 9"/>
+          <p:cNvGraphicFramePr>
+            <a:graphicFrameLocks noGrp="1"/>
+          </p:cNvGraphicFramePr>
+          <p:nvPr>
+            <p:extLst>
+              <p:ext uri="{D42A27DB-BD31-4B8C-83A1-F6EECF244321}">
+                <p14:modId xmlns:p14="http://schemas.microsoft.com/office/powerpoint/2010/main" val="3250014370"/>
+              </p:ext>
+            </p:extLst>
+          </p:nvPr>
+        </p:nvGraphicFramePr>
+        <p:xfrm>
+          <a:off x="1471863" y="5119600"/>
+          <a:ext cx="9533859" cy="1373530"/>
+        </p:xfrm>
+        <a:graphic>
+          <a:graphicData uri="http://schemas.openxmlformats.org/drawingml/2006/table">
+            <a:tbl>
+              <a:tblPr firstRow="1" firstCol="1">
+                <a:tableStyleId>{74C1A8A3-306A-4EB7-A6B1-4F7E0EB9C5D6}</a:tableStyleId>
+              </a:tblPr>
+              <a:tblGrid>
+                <a:gridCol w="3177953">
+                  <a:extLst>
+                    <a:ext uri="{9D8B030D-6E8A-4147-A177-3AD203B41FA5}">
+                      <a16:colId xmlns:a16="http://schemas.microsoft.com/office/drawing/2014/main" val="2539781089"/>
+                    </a:ext>
+                  </a:extLst>
+                </a:gridCol>
+                <a:gridCol w="3177953">
+                  <a:extLst>
+                    <a:ext uri="{9D8B030D-6E8A-4147-A177-3AD203B41FA5}">
+                      <a16:colId xmlns:a16="http://schemas.microsoft.com/office/drawing/2014/main" val="2472403786"/>
+                    </a:ext>
+                  </a:extLst>
+                </a:gridCol>
+                <a:gridCol w="3177953">
+                  <a:extLst>
+                    <a:ext uri="{9D8B030D-6E8A-4147-A177-3AD203B41FA5}">
+                      <a16:colId xmlns:a16="http://schemas.microsoft.com/office/drawing/2014/main" val="1620686823"/>
+                    </a:ext>
+                  </a:extLst>
+                </a:gridCol>
+              </a:tblGrid>
+              <a:tr h="287934">
+                <a:tc>
+                  <a:txBody>
+                    <a:bodyPr/>
+                    <a:lstStyle/>
+                    <a:p>
+                      <a:endParaRPr lang="ar-EG" sz="1800" dirty="0"/>
+                    </a:p>
+                  </a:txBody>
+                  <a:tcPr anchor="ctr"/>
+                </a:tc>
+                <a:tc>
+                  <a:txBody>
+                    <a:bodyPr/>
+                    <a:lstStyle/>
+                    <a:p>
+                      <a:r>
+                        <a:rPr lang="en-US" sz="1800" dirty="0"/>
+                        <a:t>Low </a:t>
+                      </a:r>
+                      <a:r>
+                        <a:rPr lang="en-US" sz="1800" dirty="0" smtClean="0"/>
+                        <a:t>Impact</a:t>
+                      </a:r>
+                      <a:endParaRPr lang="en-US" sz="1800" dirty="0"/>
+                    </a:p>
+                  </a:txBody>
+                  <a:tcPr anchor="ctr"/>
+                </a:tc>
+                <a:tc>
+                  <a:txBody>
+                    <a:bodyPr/>
+                    <a:lstStyle/>
+                    <a:p>
+                      <a:r>
+                        <a:rPr lang="en-US" sz="1800" dirty="0"/>
+                        <a:t>High </a:t>
+                      </a:r>
+                      <a:r>
+                        <a:rPr lang="en-US" sz="1800" dirty="0" smtClean="0"/>
+                        <a:t>Impact</a:t>
+                      </a:r>
+                      <a:endParaRPr lang="en-US" sz="1800" dirty="0"/>
+                    </a:p>
+                  </a:txBody>
+                  <a:tcPr anchor="ctr"/>
+                </a:tc>
+                <a:extLst>
+                  <a:ext uri="{0D108BD9-81ED-4DB2-BD59-A6C34878D82A}">
+                    <a16:rowId xmlns:a16="http://schemas.microsoft.com/office/drawing/2014/main" val="2947353787"/>
+                  </a:ext>
+                </a:extLst>
+              </a:tr>
+              <a:tr h="503885">
+                <a:tc>
+                  <a:txBody>
+                    <a:bodyPr/>
+                    <a:lstStyle/>
+                    <a:p>
+                      <a:r>
+                        <a:rPr lang="en-US" sz="1800" dirty="0"/>
+                        <a:t>High </a:t>
+                      </a:r>
+                      <a:r>
+                        <a:rPr lang="en-US" sz="1800" dirty="0" smtClean="0"/>
+                        <a:t>Effort</a:t>
+                      </a:r>
+                      <a:endParaRPr lang="en-US" sz="1800" dirty="0"/>
+                    </a:p>
+                  </a:txBody>
+                  <a:tcPr anchor="ctr"/>
+                </a:tc>
+                <a:tc>
+                  <a:txBody>
+                    <a:bodyPr/>
+                    <a:lstStyle/>
+                    <a:p>
+                      <a:pPr marL="0" marR="0" lvl="0" indent="0" defTabSz="914400" eaLnBrk="1" fontAlgn="auto" latinLnBrk="0" hangingPunct="1">
+                        <a:lnSpc>
+                          <a:spcPct val="100000"/>
+                        </a:lnSpc>
+                        <a:spcBef>
+                          <a:spcPts val="0"/>
+                        </a:spcBef>
+                        <a:spcAft>
+                          <a:spcPts val="0"/>
+                        </a:spcAft>
+                        <a:buClrTx/>
+                        <a:buSzTx/>
+                        <a:buFontTx/>
+                        <a:buNone/>
+                        <a:tabLst/>
+                        <a:defRPr/>
+                      </a:pPr>
+                      <a:r>
+                        <a:rPr lang="en-US" sz="1800" dirty="0" smtClean="0"/>
+                        <a:t>Thankless Tasks (Avoid these)</a:t>
+                      </a:r>
+                    </a:p>
+                  </a:txBody>
+                  <a:tcPr anchor="ctr"/>
+                </a:tc>
+                <a:tc>
+                  <a:txBody>
+                    <a:bodyPr/>
+                    <a:lstStyle/>
+                    <a:p>
+                      <a:r>
+                        <a:rPr lang="en-US" sz="1800" dirty="0" smtClean="0"/>
+                        <a:t>Fill-ins (Do if you have time)</a:t>
+                      </a:r>
+                      <a:endParaRPr lang="en-US" sz="1800" dirty="0"/>
+                    </a:p>
+                  </a:txBody>
+                  <a:tcPr anchor="ctr"/>
+                </a:tc>
+                <a:extLst>
+                  <a:ext uri="{0D108BD9-81ED-4DB2-BD59-A6C34878D82A}">
+                    <a16:rowId xmlns:a16="http://schemas.microsoft.com/office/drawing/2014/main" val="1404702503"/>
+                  </a:ext>
+                </a:extLst>
+              </a:tr>
+              <a:tr h="503885">
+                <a:tc>
+                  <a:txBody>
+                    <a:bodyPr/>
+                    <a:lstStyle/>
+                    <a:p>
+                      <a:r>
+                        <a:rPr lang="en-US" sz="1800" dirty="0"/>
+                        <a:t>Low </a:t>
+                      </a:r>
+                      <a:r>
+                        <a:rPr lang="en-US" sz="1800" dirty="0" smtClean="0"/>
+                        <a:t>Effort</a:t>
+                      </a:r>
+                      <a:endParaRPr lang="en-US" sz="1800" dirty="0"/>
+                    </a:p>
+                  </a:txBody>
+                  <a:tcPr anchor="ctr"/>
+                </a:tc>
+                <a:tc>
+                  <a:txBody>
+                    <a:bodyPr/>
+                    <a:lstStyle/>
+                    <a:p>
+                      <a:r>
+                        <a:rPr lang="en-US" sz="1800" dirty="0" smtClean="0"/>
+                        <a:t>Major Projects (Plan these)</a:t>
+                      </a:r>
+                      <a:endParaRPr lang="en-US" sz="1800" dirty="0"/>
+                    </a:p>
+                  </a:txBody>
+                  <a:tcPr anchor="ctr"/>
+                </a:tc>
+                <a:tc>
+                  <a:txBody>
+                    <a:bodyPr/>
+                    <a:lstStyle/>
+                    <a:p>
+                      <a:pPr marL="0" marR="0" lvl="0" indent="0" defTabSz="914400" eaLnBrk="1" fontAlgn="auto" latinLnBrk="0" hangingPunct="1">
+                        <a:lnSpc>
+                          <a:spcPct val="100000"/>
+                        </a:lnSpc>
+                        <a:spcBef>
+                          <a:spcPts val="0"/>
+                        </a:spcBef>
+                        <a:spcAft>
+                          <a:spcPts val="0"/>
+                        </a:spcAft>
+                        <a:buClrTx/>
+                        <a:buSzTx/>
+                        <a:buFontTx/>
+                        <a:buNone/>
+                        <a:tabLst/>
+                        <a:defRPr/>
+                      </a:pPr>
+                      <a:r>
+                        <a:rPr lang="en-US" sz="1800" dirty="0" smtClean="0"/>
+                        <a:t>Quick Wins! (Do these first)</a:t>
+                      </a:r>
+                    </a:p>
+                  </a:txBody>
+                  <a:tcPr anchor="ctr"/>
+                </a:tc>
+                <a:extLst>
+                  <a:ext uri="{0D108BD9-81ED-4DB2-BD59-A6C34878D82A}">
+                    <a16:rowId xmlns:a16="http://schemas.microsoft.com/office/drawing/2014/main" val="2116458449"/>
+                  </a:ext>
+                </a:extLst>
+              </a:tr>
+            </a:tbl>
+          </a:graphicData>
+        </a:graphic>
+      </p:graphicFrame>
+    </p:spTree>
+    <p:extLst>
+      <p:ext uri="{BB962C8B-B14F-4D97-AF65-F5344CB8AC3E}">
+        <p14:creationId xmlns:p14="http://schemas.microsoft.com/office/powerpoint/2010/main" val="2643633754"/>
+      </p:ext>
+    </p:extLst>
+  </p:cSld>
+  <p:clrMapOvr>
+    <a:masterClrMapping/>
+  </p:clrMapOvr>
+  <p:timing>
+    <p:tnLst>
+      <p:par>
+        <p:cTn id="1" dur="indefinite" restart="never" nodeType="tmRoot"/>
+      </p:par>
+    </p:tnLst>
+  </p:timing>
+</p:sld>
+</file>
+
+<file path=ppt/slides/slide26.xml><?xml version="1.0" encoding="utf-8"?>
+<p:sld xmlns:a="http://schemas.openxmlformats.org/drawingml/2006/main" xmlns:r="http://schemas.openxmlformats.org/officeDocument/2006/relationships" xmlns:p="http://schemas.openxmlformats.org/presentationml/2006/main">
+  <p:cSld>
+    <p:spTree>
+      <p:nvGrpSpPr>
+        <p:cNvPr id="1" name=""/>
+        <p:cNvGrpSpPr/>
+        <p:nvPr/>
+      </p:nvGrpSpPr>
+      <p:grpSpPr>
+        <a:xfrm>
+          <a:off x="0" y="0"/>
+          <a:ext cx="0" cy="0"/>
+          <a:chOff x="0" y="0"/>
+          <a:chExt cx="0" cy="0"/>
+        </a:xfrm>
+      </p:grpSpPr>
+      <p:pic>
+        <p:nvPicPr>
+          <p:cNvPr id="2" name="object 2"/>
+          <p:cNvPicPr/>
+          <p:nvPr/>
+        </p:nvPicPr>
+        <p:blipFill>
+          <a:blip r:embed="rId2" cstate="print"/>
+          <a:stretch>
+            <a:fillRect/>
+          </a:stretch>
+        </p:blipFill>
+        <p:spPr>
+          <a:xfrm>
+            <a:off x="758235" y="239637"/>
+            <a:ext cx="464730" cy="514995"/>
+          </a:xfrm>
+          <a:prstGeom prst="rect">
+            <a:avLst/>
+          </a:prstGeom>
+        </p:spPr>
+      </p:pic>
+      <p:sp>
+        <p:nvSpPr>
+          <p:cNvPr id="3" name="object 3"/>
+          <p:cNvSpPr txBox="1">
+            <a:spLocks noGrp="1"/>
+          </p:cNvSpPr>
+          <p:nvPr>
+            <p:ph type="title"/>
+          </p:nvPr>
+        </p:nvSpPr>
+        <p:spPr>
+          <a:xfrm>
+            <a:off x="1447800" y="76806"/>
+            <a:ext cx="6781800" cy="677826"/>
+          </a:xfrm>
+          <a:prstGeom prst="rect">
+            <a:avLst/>
+          </a:prstGeom>
+        </p:spPr>
+        <p:txBody>
+          <a:bodyPr vert="horz" wrap="square" lIns="0" tIns="244551" rIns="0" bIns="0" rtlCol="0">
+            <a:spAutoFit/>
+          </a:bodyPr>
+          <a:lstStyle/>
+          <a:p>
+            <a:r>
+              <a:rPr lang="en-US" sz="2800" dirty="0"/>
+              <a:t>Module </a:t>
+            </a:r>
+            <a:r>
+              <a:rPr lang="en-US" sz="2800" dirty="0" smtClean="0"/>
+              <a:t>2: </a:t>
+            </a:r>
+            <a:r>
+              <a:rPr lang="en-US" sz="2800" dirty="0"/>
+              <a:t>Problem Solving</a:t>
+            </a:r>
+          </a:p>
+        </p:txBody>
+      </p:sp>
+      <p:sp>
+        <p:nvSpPr>
+          <p:cNvPr id="5" name="object 5"/>
+          <p:cNvSpPr txBox="1">
+            <a:spLocks noGrp="1"/>
+          </p:cNvSpPr>
+          <p:nvPr>
+            <p:ph type="sldNum" sz="quarter" idx="7"/>
+          </p:nvPr>
+        </p:nvSpPr>
+        <p:spPr>
+          <a:prstGeom prst="rect">
+            <a:avLst/>
+          </a:prstGeom>
+        </p:spPr>
+        <p:txBody>
+          <a:bodyPr vert="horz" wrap="square" lIns="0" tIns="0" rIns="0" bIns="0" rtlCol="0">
+            <a:spAutoFit/>
+          </a:bodyPr>
+          <a:lstStyle/>
+          <a:p>
+            <a:pPr marL="38100">
+              <a:lnSpc>
+                <a:spcPts val="1310"/>
+              </a:lnSpc>
+            </a:pPr>
+            <a:fld id="{81D60167-4931-47E6-BA6A-407CBD079E47}" type="slidenum">
+              <a:rPr spc="-25" dirty="0"/>
+              <a:t>26</a:t>
+            </a:fld>
+            <a:endParaRPr spc="-25" dirty="0"/>
+          </a:p>
+        </p:txBody>
+      </p:sp>
+      <p:sp>
+        <p:nvSpPr>
+          <p:cNvPr id="6" name="TextBox 5"/>
+          <p:cNvSpPr txBox="1"/>
+          <p:nvPr/>
+        </p:nvSpPr>
+        <p:spPr>
+          <a:xfrm>
+            <a:off x="990600" y="1447800"/>
+            <a:ext cx="3698448" cy="369332"/>
+          </a:xfrm>
+          <a:prstGeom prst="rect">
+            <a:avLst/>
+          </a:prstGeom>
+          <a:noFill/>
+        </p:spPr>
+        <p:txBody>
+          <a:bodyPr wrap="none" rtlCol="1">
+            <a:spAutoFit/>
+          </a:bodyPr>
+          <a:lstStyle/>
+          <a:p>
+            <a:r>
+              <a:rPr lang="en-US" b="1" dirty="0" smtClean="0">
+                <a:solidFill>
+                  <a:srgbClr val="C00000"/>
+                </a:solidFill>
+              </a:rPr>
+              <a:t>Evaluate and Choose a Solution</a:t>
+            </a:r>
+            <a:endParaRPr lang="en-US" b="1" dirty="0">
+              <a:solidFill>
+                <a:srgbClr val="C00000"/>
+              </a:solidFill>
+            </a:endParaRPr>
+          </a:p>
+        </p:txBody>
+      </p:sp>
+      <p:sp>
+        <p:nvSpPr>
+          <p:cNvPr id="9" name="TextBox 8"/>
+          <p:cNvSpPr txBox="1"/>
+          <p:nvPr/>
+        </p:nvSpPr>
+        <p:spPr>
+          <a:xfrm>
+            <a:off x="990600" y="2057400"/>
+            <a:ext cx="5867400" cy="3970318"/>
+          </a:xfrm>
+          <a:prstGeom prst="rect">
+            <a:avLst/>
+          </a:prstGeom>
+          <a:noFill/>
+        </p:spPr>
+        <p:txBody>
+          <a:bodyPr wrap="square" rtlCol="1">
+            <a:spAutoFit/>
+          </a:bodyPr>
+          <a:lstStyle/>
+          <a:p>
+            <a:r>
+              <a:rPr lang="en-US" b="1" dirty="0" smtClean="0">
+                <a:solidFill>
+                  <a:srgbClr val="2D5395"/>
+                </a:solidFill>
+              </a:rPr>
+              <a:t>Analysis</a:t>
+            </a:r>
+            <a:r>
+              <a:rPr lang="en-US" dirty="0" smtClean="0"/>
+              <a:t>:</a:t>
+            </a:r>
+          </a:p>
+          <a:p>
+            <a:endParaRPr lang="en-US" dirty="0" smtClean="0"/>
+          </a:p>
+          <a:p>
+            <a:pPr marL="285750" indent="-285750">
+              <a:buFont typeface="Wingdings" panose="05000000000000000000" pitchFamily="2" charset="2"/>
+              <a:buChar char="q"/>
+            </a:pPr>
+            <a:r>
+              <a:rPr lang="en-US" b="1" dirty="0" smtClean="0"/>
+              <a:t>Barcode scanner</a:t>
+            </a:r>
+            <a:r>
+              <a:rPr lang="en-US" dirty="0" smtClean="0"/>
+              <a:t>: </a:t>
+            </a:r>
+            <a:br>
+              <a:rPr lang="en-US" dirty="0" smtClean="0"/>
+            </a:br>
+            <a:r>
+              <a:rPr lang="en-US" dirty="0" smtClean="0"/>
+              <a:t>(High Effort, High Impact) -&gt; Major Project.</a:t>
+            </a:r>
+          </a:p>
+          <a:p>
+            <a:pPr marL="285750" indent="-285750">
+              <a:buFont typeface="Wingdings" panose="05000000000000000000" pitchFamily="2" charset="2"/>
+              <a:buChar char="q"/>
+            </a:pPr>
+            <a:endParaRPr lang="en-US" dirty="0" smtClean="0"/>
+          </a:p>
+          <a:p>
+            <a:pPr marL="285750" indent="-285750">
+              <a:buFont typeface="Wingdings" panose="05000000000000000000" pitchFamily="2" charset="2"/>
+              <a:buChar char="q"/>
+            </a:pPr>
+            <a:r>
+              <a:rPr lang="en-US" b="1" dirty="0" smtClean="0"/>
+              <a:t>Re-training</a:t>
+            </a:r>
+            <a:r>
+              <a:rPr lang="en-US" dirty="0" smtClean="0"/>
+              <a:t>: </a:t>
+            </a:r>
+            <a:br>
+              <a:rPr lang="en-US" dirty="0" smtClean="0"/>
+            </a:br>
+            <a:r>
+              <a:rPr lang="en-US" dirty="0" smtClean="0"/>
+              <a:t>(Medium Effort, Medium Impact)</a:t>
+            </a:r>
+          </a:p>
+          <a:p>
+            <a:pPr marL="285750" indent="-285750">
+              <a:buFont typeface="Wingdings" panose="05000000000000000000" pitchFamily="2" charset="2"/>
+              <a:buChar char="q"/>
+            </a:pPr>
+            <a:endParaRPr lang="en-US" dirty="0" smtClean="0"/>
+          </a:p>
+          <a:p>
+            <a:pPr marL="285750" indent="-285750">
+              <a:buFont typeface="Wingdings" panose="05000000000000000000" pitchFamily="2" charset="2"/>
+              <a:buChar char="q"/>
+            </a:pPr>
+            <a:r>
+              <a:rPr lang="en-US" b="1" dirty="0" smtClean="0"/>
+              <a:t>Physical sign-out sheet</a:t>
+            </a:r>
+            <a:r>
+              <a:rPr lang="en-US" dirty="0" smtClean="0"/>
+              <a:t>: </a:t>
+            </a:r>
+            <a:br>
+              <a:rPr lang="en-US" dirty="0" smtClean="0"/>
+            </a:br>
+            <a:r>
+              <a:rPr lang="en-US" dirty="0" smtClean="0"/>
+              <a:t>(Low Effort, High Impact) -&gt; Quick Win!</a:t>
+            </a:r>
+          </a:p>
+          <a:p>
+            <a:pPr marL="285750" indent="-285750">
+              <a:buFont typeface="Wingdings" panose="05000000000000000000" pitchFamily="2" charset="2"/>
+              <a:buChar char="q"/>
+            </a:pPr>
+            <a:endParaRPr lang="en-US" dirty="0" smtClean="0"/>
+          </a:p>
+          <a:p>
+            <a:pPr marL="285750" indent="-285750">
+              <a:buFont typeface="Wingdings" panose="05000000000000000000" pitchFamily="2" charset="2"/>
+              <a:buChar char="q"/>
+            </a:pPr>
+            <a:r>
+              <a:rPr lang="en-US" b="1" dirty="0" smtClean="0"/>
+              <a:t>Lock warehouse</a:t>
+            </a:r>
+            <a:r>
+              <a:rPr lang="en-US" dirty="0" smtClean="0"/>
+              <a:t>: </a:t>
+            </a:r>
+            <a:br>
+              <a:rPr lang="en-US" dirty="0" smtClean="0"/>
+            </a:br>
+            <a:r>
+              <a:rPr lang="en-US" dirty="0" smtClean="0"/>
+              <a:t>(High Effort, Low Impact) -&gt; Thankless Task (causes other problems).</a:t>
+            </a:r>
+            <a:endParaRPr lang="en-US" dirty="0"/>
+          </a:p>
+        </p:txBody>
+      </p:sp>
+      <p:pic>
+        <p:nvPicPr>
+          <p:cNvPr id="7" name="Picture 6"/>
+          <p:cNvPicPr>
+            <a:picLocks noChangeAspect="1"/>
+          </p:cNvPicPr>
+          <p:nvPr/>
+        </p:nvPicPr>
+        <p:blipFill>
+          <a:blip r:embed="rId3"/>
+          <a:stretch>
+            <a:fillRect/>
+          </a:stretch>
+        </p:blipFill>
+        <p:spPr>
+          <a:xfrm>
+            <a:off x="7010400" y="1905000"/>
+            <a:ext cx="4496636" cy="3200399"/>
+          </a:xfrm>
+          <a:prstGeom prst="rect">
+            <a:avLst/>
+          </a:prstGeom>
+          <a:solidFill>
+            <a:srgbClr val="FFFFFF">
+              <a:shade val="85000"/>
+            </a:srgbClr>
+          </a:solidFill>
+          <a:ln w="190500" cap="sq">
+            <a:solidFill>
+              <a:srgbClr val="FFFFFF"/>
+            </a:solidFill>
+            <a:miter lim="800000"/>
+          </a:ln>
+          <a:effectLst>
+            <a:outerShdw blurRad="65000" dist="50800" dir="12900000" kx="195000" ky="145000" algn="tl" rotWithShape="0">
+              <a:srgbClr val="000000">
+                <a:alpha val="30000"/>
+              </a:srgbClr>
+            </a:outerShdw>
+          </a:effectLst>
+          <a:scene3d>
+            <a:camera prst="orthographicFront">
+              <a:rot lat="0" lon="0" rev="360000"/>
+            </a:camera>
+            <a:lightRig rig="twoPt" dir="t">
+              <a:rot lat="0" lon="0" rev="7200000"/>
+            </a:lightRig>
+          </a:scene3d>
+          <a:sp3d contourW="12700">
+            <a:bevelT w="25400" h="19050"/>
+            <a:contourClr>
+              <a:srgbClr val="969696"/>
+            </a:contourClr>
+          </a:sp3d>
+        </p:spPr>
+      </p:pic>
+    </p:spTree>
+    <p:extLst>
+      <p:ext uri="{BB962C8B-B14F-4D97-AF65-F5344CB8AC3E}">
+        <p14:creationId xmlns:p14="http://schemas.microsoft.com/office/powerpoint/2010/main" val="2531729367"/>
+      </p:ext>
+    </p:extLst>
+  </p:cSld>
+  <p:clrMapOvr>
+    <a:masterClrMapping/>
+  </p:clrMapOvr>
+  <p:timing>
+    <p:tnLst>
+      <p:par>
+        <p:cTn id="1" dur="indefinite" restart="never" nodeType="tmRoot"/>
+      </p:par>
+    </p:tnLst>
+  </p:timing>
+</p:sld>
+</file>
+
+<file path=ppt/slides/slide27.xml><?xml version="1.0" encoding="utf-8"?>
+<p:sld xmlns:a="http://schemas.openxmlformats.org/drawingml/2006/main" xmlns:r="http://schemas.openxmlformats.org/officeDocument/2006/relationships" xmlns:p="http://schemas.openxmlformats.org/presentationml/2006/main">
+  <p:cSld>
+    <p:spTree>
+      <p:nvGrpSpPr>
+        <p:cNvPr id="1" name=""/>
+        <p:cNvGrpSpPr/>
+        <p:nvPr/>
+      </p:nvGrpSpPr>
+      <p:grpSpPr>
+        <a:xfrm>
+          <a:off x="0" y="0"/>
+          <a:ext cx="0" cy="0"/>
+          <a:chOff x="0" y="0"/>
+          <a:chExt cx="0" cy="0"/>
+        </a:xfrm>
+      </p:grpSpPr>
+      <p:pic>
+        <p:nvPicPr>
+          <p:cNvPr id="2" name="object 2"/>
+          <p:cNvPicPr/>
+          <p:nvPr/>
+        </p:nvPicPr>
+        <p:blipFill>
+          <a:blip r:embed="rId2" cstate="print"/>
+          <a:stretch>
+            <a:fillRect/>
+          </a:stretch>
+        </p:blipFill>
+        <p:spPr>
+          <a:xfrm>
+            <a:off x="758235" y="239637"/>
+            <a:ext cx="464730" cy="514995"/>
+          </a:xfrm>
+          <a:prstGeom prst="rect">
+            <a:avLst/>
+          </a:prstGeom>
+        </p:spPr>
+      </p:pic>
+      <p:sp>
+        <p:nvSpPr>
+          <p:cNvPr id="3" name="object 3"/>
+          <p:cNvSpPr txBox="1">
+            <a:spLocks noGrp="1"/>
+          </p:cNvSpPr>
+          <p:nvPr>
+            <p:ph type="title"/>
+          </p:nvPr>
+        </p:nvSpPr>
+        <p:spPr>
+          <a:xfrm>
+            <a:off x="1447800" y="76806"/>
+            <a:ext cx="6781800" cy="677826"/>
+          </a:xfrm>
+          <a:prstGeom prst="rect">
+            <a:avLst/>
+          </a:prstGeom>
+        </p:spPr>
+        <p:txBody>
+          <a:bodyPr vert="horz" wrap="square" lIns="0" tIns="244551" rIns="0" bIns="0" rtlCol="0">
+            <a:spAutoFit/>
+          </a:bodyPr>
+          <a:lstStyle/>
+          <a:p>
+            <a:r>
+              <a:rPr lang="en-US" sz="2800" dirty="0"/>
+              <a:t>Module </a:t>
+            </a:r>
+            <a:r>
+              <a:rPr lang="en-US" sz="2800" dirty="0" smtClean="0"/>
+              <a:t>2: </a:t>
+            </a:r>
+            <a:r>
+              <a:rPr lang="en-US" sz="2800" dirty="0"/>
+              <a:t>Problem Solving</a:t>
+            </a:r>
+          </a:p>
+        </p:txBody>
+      </p:sp>
+      <p:sp>
+        <p:nvSpPr>
+          <p:cNvPr id="5" name="object 5"/>
+          <p:cNvSpPr txBox="1">
+            <a:spLocks noGrp="1"/>
+          </p:cNvSpPr>
+          <p:nvPr>
+            <p:ph type="sldNum" sz="quarter" idx="7"/>
+          </p:nvPr>
+        </p:nvSpPr>
+        <p:spPr>
+          <a:prstGeom prst="rect">
+            <a:avLst/>
+          </a:prstGeom>
+        </p:spPr>
+        <p:txBody>
+          <a:bodyPr vert="horz" wrap="square" lIns="0" tIns="0" rIns="0" bIns="0" rtlCol="0">
+            <a:spAutoFit/>
+          </a:bodyPr>
+          <a:lstStyle/>
+          <a:p>
+            <a:pPr marL="38100">
+              <a:lnSpc>
+                <a:spcPts val="1310"/>
+              </a:lnSpc>
+            </a:pPr>
+            <a:fld id="{81D60167-4931-47E6-BA6A-407CBD079E47}" type="slidenum">
+              <a:rPr spc="-25" dirty="0"/>
+              <a:t>27</a:t>
+            </a:fld>
+            <a:endParaRPr spc="-25" dirty="0"/>
+          </a:p>
+        </p:txBody>
+      </p:sp>
+      <p:sp>
+        <p:nvSpPr>
+          <p:cNvPr id="6" name="TextBox 5"/>
+          <p:cNvSpPr txBox="1"/>
+          <p:nvPr/>
+        </p:nvSpPr>
+        <p:spPr>
+          <a:xfrm>
+            <a:off x="990600" y="1447800"/>
+            <a:ext cx="3698448" cy="369332"/>
+          </a:xfrm>
+          <a:prstGeom prst="rect">
+            <a:avLst/>
+          </a:prstGeom>
+          <a:noFill/>
+        </p:spPr>
+        <p:txBody>
+          <a:bodyPr wrap="none" rtlCol="1">
+            <a:spAutoFit/>
+          </a:bodyPr>
+          <a:lstStyle/>
+          <a:p>
+            <a:r>
+              <a:rPr lang="en-US" b="1" dirty="0" smtClean="0">
+                <a:solidFill>
+                  <a:srgbClr val="C00000"/>
+                </a:solidFill>
+              </a:rPr>
+              <a:t>Evaluate and Choose a Solution</a:t>
+            </a:r>
+            <a:endParaRPr lang="en-US" b="1" dirty="0">
+              <a:solidFill>
+                <a:srgbClr val="C00000"/>
+              </a:solidFill>
+            </a:endParaRPr>
+          </a:p>
+        </p:txBody>
+      </p:sp>
+      <p:sp>
+        <p:nvSpPr>
+          <p:cNvPr id="9" name="TextBox 8"/>
+          <p:cNvSpPr txBox="1"/>
+          <p:nvPr/>
+        </p:nvSpPr>
+        <p:spPr>
+          <a:xfrm>
+            <a:off x="990600" y="2057400"/>
+            <a:ext cx="5867400" cy="3139321"/>
+          </a:xfrm>
+          <a:prstGeom prst="rect">
+            <a:avLst/>
+          </a:prstGeom>
+          <a:noFill/>
+        </p:spPr>
+        <p:txBody>
+          <a:bodyPr wrap="square" rtlCol="1">
+            <a:spAutoFit/>
+          </a:bodyPr>
+          <a:lstStyle/>
+          <a:p>
+            <a:r>
+              <a:rPr lang="en-US" b="1" dirty="0" smtClean="0">
+                <a:solidFill>
+                  <a:srgbClr val="2D5395"/>
+                </a:solidFill>
+              </a:rPr>
+              <a:t>Decision</a:t>
+            </a:r>
+            <a:r>
+              <a:rPr lang="en-US" dirty="0" smtClean="0"/>
+              <a:t>:</a:t>
+            </a:r>
+          </a:p>
+          <a:p>
+            <a:endParaRPr lang="en-US" dirty="0" smtClean="0"/>
+          </a:p>
+          <a:p>
+            <a:r>
+              <a:rPr lang="en-US" dirty="0" smtClean="0"/>
+              <a:t>Let's </a:t>
+            </a:r>
+          </a:p>
+          <a:p>
+            <a:endParaRPr lang="en-US" dirty="0"/>
+          </a:p>
+          <a:p>
+            <a:pPr marL="342900" indent="-342900">
+              <a:buAutoNum type="arabicParenBoth"/>
+            </a:pPr>
+            <a:r>
+              <a:rPr lang="en-US" dirty="0" smtClean="0"/>
+              <a:t>Add the physical sign-out sheet immediately (Quick Win) </a:t>
+            </a:r>
+            <a:br>
+              <a:rPr lang="en-US" dirty="0" smtClean="0"/>
+            </a:br>
+            <a:r>
+              <a:rPr lang="en-US" dirty="0" smtClean="0"/>
+              <a:t/>
+            </a:r>
+            <a:br>
+              <a:rPr lang="en-US" dirty="0" smtClean="0"/>
+            </a:br>
+            <a:r>
+              <a:rPr lang="en-US" dirty="0" smtClean="0"/>
+              <a:t>and </a:t>
+            </a:r>
+          </a:p>
+          <a:p>
+            <a:pPr marL="342900" indent="-342900">
+              <a:buAutoNum type="arabicParenBoth"/>
+            </a:pPr>
+            <a:endParaRPr lang="en-US" dirty="0"/>
+          </a:p>
+          <a:p>
+            <a:pPr marL="342900" indent="-342900">
+              <a:buAutoNum type="arabicParenBoth"/>
+            </a:pPr>
+            <a:r>
+              <a:rPr lang="en-US" dirty="0" smtClean="0"/>
+              <a:t>schedule the barcode scanner as a long-term project.</a:t>
+            </a:r>
+            <a:endParaRPr lang="en-US" dirty="0"/>
+          </a:p>
+        </p:txBody>
+      </p:sp>
+      <p:pic>
+        <p:nvPicPr>
+          <p:cNvPr id="7" name="Picture 6"/>
+          <p:cNvPicPr>
+            <a:picLocks noChangeAspect="1"/>
+          </p:cNvPicPr>
+          <p:nvPr/>
+        </p:nvPicPr>
+        <p:blipFill>
+          <a:blip r:embed="rId3"/>
+          <a:stretch>
+            <a:fillRect/>
+          </a:stretch>
+        </p:blipFill>
+        <p:spPr>
+          <a:xfrm>
+            <a:off x="7010400" y="1905000"/>
+            <a:ext cx="4496636" cy="3200399"/>
+          </a:xfrm>
+          <a:prstGeom prst="rect">
+            <a:avLst/>
+          </a:prstGeom>
+          <a:solidFill>
+            <a:srgbClr val="FFFFFF">
+              <a:shade val="85000"/>
+            </a:srgbClr>
+          </a:solidFill>
+          <a:ln w="190500" cap="sq">
+            <a:solidFill>
+              <a:srgbClr val="FFFFFF"/>
+            </a:solidFill>
+            <a:miter lim="800000"/>
+          </a:ln>
+          <a:effectLst>
+            <a:outerShdw blurRad="65000" dist="50800" dir="12900000" kx="195000" ky="145000" algn="tl" rotWithShape="0">
+              <a:srgbClr val="000000">
+                <a:alpha val="30000"/>
+              </a:srgbClr>
+            </a:outerShdw>
+          </a:effectLst>
+          <a:scene3d>
+            <a:camera prst="orthographicFront">
+              <a:rot lat="0" lon="0" rev="360000"/>
+            </a:camera>
+            <a:lightRig rig="twoPt" dir="t">
+              <a:rot lat="0" lon="0" rev="7200000"/>
+            </a:lightRig>
+          </a:scene3d>
+          <a:sp3d contourW="12700">
+            <a:bevelT w="25400" h="19050"/>
+            <a:contourClr>
+              <a:srgbClr val="969696"/>
+            </a:contourClr>
+          </a:sp3d>
+        </p:spPr>
+      </p:pic>
+    </p:spTree>
+    <p:extLst>
+      <p:ext uri="{BB962C8B-B14F-4D97-AF65-F5344CB8AC3E}">
+        <p14:creationId xmlns:p14="http://schemas.microsoft.com/office/powerpoint/2010/main" val="2578053850"/>
+      </p:ext>
+    </p:extLst>
+  </p:cSld>
+  <p:clrMapOvr>
+    <a:masterClrMapping/>
+  </p:clrMapOvr>
+  <p:timing>
+    <p:tnLst>
+      <p:par>
+        <p:cTn id="1" dur="indefinite" restart="never" nodeType="tmRoot"/>
+      </p:par>
+    </p:tnLst>
+  </p:timing>
+</p:sld>
+</file>
+
+<file path=ppt/slides/slide28.xml><?xml version="1.0" encoding="utf-8"?>
+<p:sld xmlns:a="http://schemas.openxmlformats.org/drawingml/2006/main" xmlns:r="http://schemas.openxmlformats.org/officeDocument/2006/relationships" xmlns:p="http://schemas.openxmlformats.org/presentationml/2006/main">
+  <p:cSld>
+    <p:spTree>
+      <p:nvGrpSpPr>
+        <p:cNvPr id="1" name=""/>
+        <p:cNvGrpSpPr/>
+        <p:nvPr/>
+      </p:nvGrpSpPr>
+      <p:grpSpPr>
+        <a:xfrm>
+          <a:off x="0" y="0"/>
+          <a:ext cx="0" cy="0"/>
+          <a:chOff x="0" y="0"/>
+          <a:chExt cx="0" cy="0"/>
+        </a:xfrm>
+      </p:grpSpPr>
+      <p:pic>
+        <p:nvPicPr>
+          <p:cNvPr id="2" name="object 2"/>
+          <p:cNvPicPr/>
+          <p:nvPr/>
+        </p:nvPicPr>
+        <p:blipFill>
+          <a:blip r:embed="rId2" cstate="print"/>
+          <a:stretch>
+            <a:fillRect/>
+          </a:stretch>
+        </p:blipFill>
+        <p:spPr>
+          <a:xfrm>
+            <a:off x="758235" y="239637"/>
+            <a:ext cx="464730" cy="514995"/>
+          </a:xfrm>
+          <a:prstGeom prst="rect">
+            <a:avLst/>
+          </a:prstGeom>
+        </p:spPr>
+      </p:pic>
+      <p:sp>
+        <p:nvSpPr>
+          <p:cNvPr id="3" name="object 3"/>
+          <p:cNvSpPr txBox="1">
+            <a:spLocks noGrp="1"/>
+          </p:cNvSpPr>
+          <p:nvPr>
+            <p:ph type="title"/>
+          </p:nvPr>
+        </p:nvSpPr>
+        <p:spPr>
+          <a:xfrm>
+            <a:off x="1447800" y="76806"/>
+            <a:ext cx="6781800" cy="677826"/>
+          </a:xfrm>
+          <a:prstGeom prst="rect">
+            <a:avLst/>
+          </a:prstGeom>
+        </p:spPr>
+        <p:txBody>
+          <a:bodyPr vert="horz" wrap="square" lIns="0" tIns="244551" rIns="0" bIns="0" rtlCol="0">
+            <a:spAutoFit/>
+          </a:bodyPr>
+          <a:lstStyle/>
+          <a:p>
+            <a:r>
+              <a:rPr lang="en-US" sz="2800" dirty="0"/>
+              <a:t>Module </a:t>
+            </a:r>
+            <a:r>
+              <a:rPr lang="en-US" sz="2800" dirty="0" smtClean="0"/>
+              <a:t>2: </a:t>
+            </a:r>
+            <a:r>
+              <a:rPr lang="en-US" sz="2800" dirty="0"/>
+              <a:t>Problem Solving</a:t>
+            </a:r>
+          </a:p>
+        </p:txBody>
+      </p:sp>
+      <p:sp>
+        <p:nvSpPr>
+          <p:cNvPr id="5" name="object 5"/>
+          <p:cNvSpPr txBox="1">
+            <a:spLocks noGrp="1"/>
+          </p:cNvSpPr>
+          <p:nvPr>
+            <p:ph type="sldNum" sz="quarter" idx="7"/>
+          </p:nvPr>
+        </p:nvSpPr>
+        <p:spPr>
+          <a:prstGeom prst="rect">
+            <a:avLst/>
+          </a:prstGeom>
+        </p:spPr>
+        <p:txBody>
+          <a:bodyPr vert="horz" wrap="square" lIns="0" tIns="0" rIns="0" bIns="0" rtlCol="0">
+            <a:spAutoFit/>
+          </a:bodyPr>
+          <a:lstStyle/>
+          <a:p>
+            <a:pPr marL="38100">
+              <a:lnSpc>
+                <a:spcPts val="1310"/>
+              </a:lnSpc>
+            </a:pPr>
+            <a:fld id="{81D60167-4931-47E6-BA6A-407CBD079E47}" type="slidenum">
+              <a:rPr spc="-25" dirty="0"/>
+              <a:t>28</a:t>
+            </a:fld>
+            <a:endParaRPr spc="-25" dirty="0"/>
+          </a:p>
+        </p:txBody>
+      </p:sp>
+      <p:sp>
+        <p:nvSpPr>
+          <p:cNvPr id="6" name="TextBox 5"/>
+          <p:cNvSpPr txBox="1"/>
+          <p:nvPr/>
+        </p:nvSpPr>
+        <p:spPr>
+          <a:xfrm>
+            <a:off x="990600" y="1447800"/>
+            <a:ext cx="2672526" cy="369332"/>
+          </a:xfrm>
+          <a:prstGeom prst="rect">
+            <a:avLst/>
+          </a:prstGeom>
+          <a:noFill/>
+        </p:spPr>
+        <p:txBody>
+          <a:bodyPr wrap="none" rtlCol="1">
+            <a:spAutoFit/>
+          </a:bodyPr>
+          <a:lstStyle/>
+          <a:p>
+            <a:r>
+              <a:rPr lang="en-US" b="1" dirty="0" smtClean="0">
+                <a:solidFill>
+                  <a:srgbClr val="C00000"/>
+                </a:solidFill>
+              </a:rPr>
+              <a:t>Implement and Review</a:t>
+            </a:r>
+            <a:endParaRPr lang="en-US" b="1" dirty="0">
+              <a:solidFill>
+                <a:srgbClr val="C00000"/>
+              </a:solidFill>
+            </a:endParaRPr>
+          </a:p>
+        </p:txBody>
+      </p:sp>
+      <p:sp>
+        <p:nvSpPr>
+          <p:cNvPr id="9" name="TextBox 8"/>
+          <p:cNvSpPr txBox="1"/>
+          <p:nvPr/>
+        </p:nvSpPr>
+        <p:spPr>
+          <a:xfrm>
+            <a:off x="990600" y="2057400"/>
+            <a:ext cx="5867400" cy="3970318"/>
+          </a:xfrm>
+          <a:prstGeom prst="rect">
+            <a:avLst/>
+          </a:prstGeom>
+          <a:noFill/>
+        </p:spPr>
+        <p:txBody>
+          <a:bodyPr wrap="square" rtlCol="1">
+            <a:spAutoFit/>
+          </a:bodyPr>
+          <a:lstStyle/>
+          <a:p>
+            <a:r>
+              <a:rPr lang="en-US" dirty="0" smtClean="0"/>
+              <a:t>Put your chosen solution into action. But you're not done yet.</a:t>
+            </a:r>
+          </a:p>
+          <a:p>
+            <a:endParaRPr lang="en-US" dirty="0" smtClean="0"/>
+          </a:p>
+          <a:p>
+            <a:r>
+              <a:rPr lang="en-US" b="1" dirty="0" smtClean="0"/>
+              <a:t>Implement:</a:t>
+            </a:r>
+            <a:r>
+              <a:rPr lang="en-US" dirty="0" smtClean="0"/>
+              <a:t> The warehouse manager creates and places the sign-out sheet. An email is sent to all supervisors about the new temporary rule.</a:t>
+            </a:r>
+          </a:p>
+          <a:p>
+            <a:endParaRPr lang="en-US" dirty="0" smtClean="0"/>
+          </a:p>
+          <a:p>
+            <a:r>
+              <a:rPr lang="en-US" b="1" dirty="0" smtClean="0"/>
+              <a:t>Review:</a:t>
+            </a:r>
+            <a:r>
+              <a:rPr lang="en-US" dirty="0" smtClean="0"/>
+              <a:t> Check back in a month. Run an inventory report. "Have our 'system vs. actual' inventory counts improved?" If yes, it worked. If no, it didn't. This step is critical.</a:t>
+            </a:r>
+          </a:p>
+          <a:p>
+            <a:endParaRPr lang="en-US" dirty="0" smtClean="0"/>
+          </a:p>
+          <a:p>
+            <a:r>
+              <a:rPr lang="en-US" dirty="0" smtClean="0"/>
+              <a:t>This structured process helps you avoid panic and find a solution that lasts.</a:t>
+            </a:r>
+            <a:endParaRPr lang="en-US" dirty="0"/>
+          </a:p>
+        </p:txBody>
+      </p:sp>
+      <p:pic>
+        <p:nvPicPr>
+          <p:cNvPr id="4" name="Picture 3"/>
+          <p:cNvPicPr>
+            <a:picLocks noChangeAspect="1"/>
+          </p:cNvPicPr>
+          <p:nvPr/>
+        </p:nvPicPr>
+        <p:blipFill>
+          <a:blip r:embed="rId3">
+            <a:extLst>
+              <a:ext uri="{28A0092B-C50C-407E-A947-70E740481C1C}">
+                <a14:useLocalDpi xmlns:a14="http://schemas.microsoft.com/office/drawing/2010/main" val="0"/>
+              </a:ext>
+            </a:extLst>
+          </a:blip>
+          <a:stretch>
+            <a:fillRect/>
+          </a:stretch>
+        </p:blipFill>
+        <p:spPr>
+          <a:xfrm>
+            <a:off x="7155125" y="2187499"/>
+            <a:ext cx="4845988" cy="3026807"/>
+          </a:xfrm>
+          <a:prstGeom prst="rect">
+            <a:avLst/>
+          </a:prstGeom>
+        </p:spPr>
+      </p:pic>
+    </p:spTree>
+    <p:extLst>
+      <p:ext uri="{BB962C8B-B14F-4D97-AF65-F5344CB8AC3E}">
+        <p14:creationId xmlns:p14="http://schemas.microsoft.com/office/powerpoint/2010/main" val="504107817"/>
+      </p:ext>
+    </p:extLst>
+  </p:cSld>
+  <p:clrMapOvr>
+    <a:masterClrMapping/>
+  </p:clrMapOvr>
+  <p:timing>
+    <p:tnLst>
+      <p:par>
+        <p:cTn id="1" dur="indefinite" restart="never" nodeType="tmRoot"/>
+      </p:par>
+    </p:tnLst>
+  </p:timing>
+</p:sld>
+</file>
+
+<file path=ppt/slides/slide29.xml><?xml version="1.0" encoding="utf-8"?>
+<p:sld xmlns:a="http://schemas.openxmlformats.org/drawingml/2006/main" xmlns:r="http://schemas.openxmlformats.org/officeDocument/2006/relationships" xmlns:p="http://schemas.openxmlformats.org/presentationml/2006/main">
+  <p:cSld>
+    <p:spTree>
+      <p:nvGrpSpPr>
+        <p:cNvPr id="1" name=""/>
+        <p:cNvGrpSpPr/>
+        <p:nvPr/>
+      </p:nvGrpSpPr>
+      <p:grpSpPr>
+        <a:xfrm>
+          <a:off x="0" y="0"/>
+          <a:ext cx="0" cy="0"/>
+          <a:chOff x="0" y="0"/>
+          <a:chExt cx="0" cy="0"/>
+        </a:xfrm>
+      </p:grpSpPr>
+      <p:pic>
+        <p:nvPicPr>
+          <p:cNvPr id="2" name="object 2"/>
+          <p:cNvPicPr/>
+          <p:nvPr/>
+        </p:nvPicPr>
+        <p:blipFill>
+          <a:blip r:embed="rId2" cstate="print"/>
+          <a:stretch>
+            <a:fillRect/>
+          </a:stretch>
+        </p:blipFill>
+        <p:spPr>
+          <a:xfrm>
+            <a:off x="884176" y="224295"/>
+            <a:ext cx="464730" cy="514995"/>
+          </a:xfrm>
+          <a:prstGeom prst="rect">
+            <a:avLst/>
+          </a:prstGeom>
+        </p:spPr>
+      </p:pic>
+      <p:sp>
+        <p:nvSpPr>
+          <p:cNvPr id="3" name="object 3"/>
+          <p:cNvSpPr txBox="1">
+            <a:spLocks noGrp="1"/>
+          </p:cNvSpPr>
+          <p:nvPr>
+            <p:ph type="title"/>
+          </p:nvPr>
+        </p:nvSpPr>
+        <p:spPr>
+          <a:xfrm>
+            <a:off x="1676400" y="84174"/>
+            <a:ext cx="6563742" cy="677826"/>
+          </a:xfrm>
+          <a:prstGeom prst="rect">
+            <a:avLst/>
+          </a:prstGeom>
+        </p:spPr>
+        <p:txBody>
+          <a:bodyPr vert="horz" wrap="square" lIns="0" tIns="244551" rIns="0" bIns="0" rtlCol="0">
+            <a:spAutoFit/>
+          </a:bodyPr>
+          <a:lstStyle/>
+          <a:p>
+            <a:r>
+              <a:rPr lang="en-US" sz="2800" dirty="0"/>
+              <a:t>Module </a:t>
+            </a:r>
+            <a:r>
+              <a:rPr lang="en-US" sz="2800" dirty="0" smtClean="0"/>
+              <a:t>2: </a:t>
+            </a:r>
+            <a:r>
+              <a:rPr lang="en-US" sz="2800" dirty="0"/>
+              <a:t>Problem Solving</a:t>
+            </a:r>
+            <a:endParaRPr lang="en-US" sz="2800" dirty="0"/>
+          </a:p>
+        </p:txBody>
+      </p:sp>
+      <p:sp>
+        <p:nvSpPr>
+          <p:cNvPr id="5" name="object 5"/>
+          <p:cNvSpPr txBox="1">
+            <a:spLocks noGrp="1"/>
+          </p:cNvSpPr>
+          <p:nvPr>
+            <p:ph type="sldNum" sz="quarter" idx="7"/>
+          </p:nvPr>
+        </p:nvSpPr>
+        <p:spPr>
+          <a:prstGeom prst="rect">
+            <a:avLst/>
+          </a:prstGeom>
+        </p:spPr>
+        <p:txBody>
+          <a:bodyPr vert="horz" wrap="square" lIns="0" tIns="0" rIns="0" bIns="0" rtlCol="0">
+            <a:spAutoFit/>
+          </a:bodyPr>
+          <a:lstStyle/>
+          <a:p>
+            <a:pPr marL="38100">
+              <a:lnSpc>
+                <a:spcPts val="1310"/>
+              </a:lnSpc>
+            </a:pPr>
+            <a:fld id="{81D60167-4931-47E6-BA6A-407CBD079E47}" type="slidenum">
+              <a:rPr spc="-25" dirty="0"/>
+              <a:t>29</a:t>
+            </a:fld>
+            <a:endParaRPr spc="-25" dirty="0"/>
+          </a:p>
+        </p:txBody>
+      </p:sp>
+      <p:sp>
+        <p:nvSpPr>
+          <p:cNvPr id="6" name="TextBox 5"/>
+          <p:cNvSpPr txBox="1"/>
+          <p:nvPr/>
+        </p:nvSpPr>
+        <p:spPr>
+          <a:xfrm>
+            <a:off x="762000" y="1905000"/>
+            <a:ext cx="2069797" cy="369332"/>
+          </a:xfrm>
+          <a:prstGeom prst="rect">
+            <a:avLst/>
+          </a:prstGeom>
+          <a:noFill/>
+        </p:spPr>
+        <p:txBody>
+          <a:bodyPr wrap="none" rtlCol="1">
+            <a:spAutoFit/>
+          </a:bodyPr>
+          <a:lstStyle/>
+          <a:p>
+            <a:r>
+              <a:rPr lang="en-US" b="1" dirty="0" smtClean="0">
+                <a:solidFill>
+                  <a:srgbClr val="C00000"/>
+                </a:solidFill>
+              </a:rPr>
+              <a:t>Open Discussion</a:t>
+            </a:r>
+            <a:endParaRPr lang="ar-EG" dirty="0"/>
+          </a:p>
+        </p:txBody>
+      </p:sp>
+      <p:sp>
+        <p:nvSpPr>
+          <p:cNvPr id="7" name="TextBox 6"/>
+          <p:cNvSpPr txBox="1"/>
+          <p:nvPr/>
+        </p:nvSpPr>
+        <p:spPr>
+          <a:xfrm>
+            <a:off x="884176" y="2590800"/>
+            <a:ext cx="5897624" cy="1569660"/>
+          </a:xfrm>
+          <a:prstGeom prst="rect">
+            <a:avLst/>
+          </a:prstGeom>
+          <a:noFill/>
+        </p:spPr>
+        <p:txBody>
+          <a:bodyPr wrap="square" rtlCol="1">
+            <a:spAutoFit/>
+          </a:bodyPr>
+          <a:lstStyle/>
+          <a:p>
+            <a:pPr marL="285750" indent="-285750">
+              <a:buFont typeface="Wingdings" panose="05000000000000000000" pitchFamily="2" charset="2"/>
+              <a:buChar char="q"/>
+            </a:pPr>
+            <a:r>
+              <a:rPr lang="en-US" sz="1600" dirty="0" smtClean="0"/>
+              <a:t>Why is it so important to correctly define the problem (Step 1) before trying to brainstorm solutions (Step 2)?</a:t>
+            </a:r>
+          </a:p>
+          <a:p>
+            <a:pPr marL="285750" indent="-285750">
+              <a:buFont typeface="Wingdings" panose="05000000000000000000" pitchFamily="2" charset="2"/>
+              <a:buChar char="q"/>
+            </a:pPr>
+            <a:endParaRPr lang="en-US" sz="1600" dirty="0" smtClean="0"/>
+          </a:p>
+          <a:p>
+            <a:pPr marL="285750" indent="-285750">
+              <a:buFont typeface="Wingdings" panose="05000000000000000000" pitchFamily="2" charset="2"/>
+              <a:buChar char="q"/>
+            </a:pPr>
+            <a:r>
+              <a:rPr lang="en-US" sz="1600" dirty="0" smtClean="0"/>
+              <a:t>Think of a simple, common problem (e.g., "We keep running out of printer paper in the breakroom"). How would you apply these 4 steps?</a:t>
+            </a:r>
+            <a:endParaRPr lang="en-US" sz="1600" dirty="0" smtClean="0"/>
+          </a:p>
+        </p:txBody>
+      </p:sp>
+      <p:pic>
+        <p:nvPicPr>
+          <p:cNvPr id="11" name="object 4"/>
+          <p:cNvPicPr/>
+          <p:nvPr/>
+        </p:nvPicPr>
+        <p:blipFill>
+          <a:blip r:embed="rId3" cstate="print"/>
+          <a:stretch>
+            <a:fillRect/>
+          </a:stretch>
+        </p:blipFill>
+        <p:spPr>
+          <a:xfrm>
+            <a:off x="7315200" y="1899138"/>
+            <a:ext cx="3814572" cy="3733800"/>
+          </a:xfrm>
+          <a:prstGeom prst="rect">
+            <a:avLst/>
+          </a:prstGeom>
+        </p:spPr>
+      </p:pic>
+    </p:spTree>
+    <p:extLst>
+      <p:ext uri="{BB962C8B-B14F-4D97-AF65-F5344CB8AC3E}">
+        <p14:creationId xmlns:p14="http://schemas.microsoft.com/office/powerpoint/2010/main" val="3808001898"/>
+      </p:ext>
+    </p:extLst>
+  </p:cSld>
+  <p:clrMapOvr>
+    <a:masterClrMapping/>
+  </p:clrMapOvr>
+  <p:timing>
+    <p:tnLst>
+      <p:par>
+        <p:cTn id="1" dur="indefinite" restart="never" nodeType="tmRoot"/>
+      </p:par>
+    </p:tnLst>
+  </p:timing>
+</p:sld>
+</file>
+
+<file path=ppt/slides/slide3.xml><?xml version="1.0" encoding="utf-8"?>
+<p:sld xmlns:a="http://schemas.openxmlformats.org/drawingml/2006/main" xmlns:r="http://schemas.openxmlformats.org/officeDocument/2006/relationships" xmlns:p="http://schemas.openxmlformats.org/presentationml/2006/main">
+  <p:cSld>
+    <p:spTree>
+      <p:nvGrpSpPr>
+        <p:cNvPr id="1" name=""/>
+        <p:cNvGrpSpPr/>
+        <p:nvPr/>
+      </p:nvGrpSpPr>
+      <p:grpSpPr>
+        <a:xfrm>
+          <a:off x="0" y="0"/>
+          <a:ext cx="0" cy="0"/>
+          <a:chOff x="0" y="0"/>
+          <a:chExt cx="0" cy="0"/>
+        </a:xfrm>
+      </p:grpSpPr>
+      <p:sp>
+        <p:nvSpPr>
+          <p:cNvPr id="2" name="object 2"/>
+          <p:cNvSpPr txBox="1">
+            <a:spLocks noGrp="1"/>
+          </p:cNvSpPr>
+          <p:nvPr>
+            <p:ph type="title"/>
+          </p:nvPr>
+        </p:nvSpPr>
+        <p:spPr>
+          <a:prstGeom prst="rect">
+            <a:avLst/>
+          </a:prstGeom>
+        </p:spPr>
+        <p:txBody>
+          <a:bodyPr vert="horz" wrap="square" lIns="0" tIns="204088" rIns="0" bIns="0" rtlCol="0">
+            <a:spAutoFit/>
+          </a:bodyPr>
+          <a:lstStyle/>
+          <a:p>
+            <a:pPr marL="175895">
+              <a:lnSpc>
+                <a:spcPct val="100000"/>
+              </a:lnSpc>
+              <a:spcBef>
+                <a:spcPts val="95"/>
+              </a:spcBef>
+            </a:pPr>
+            <a:r>
+              <a:rPr sz="2800" spc="-10" dirty="0"/>
+              <a:t>Training</a:t>
+            </a:r>
+            <a:r>
+              <a:rPr sz="2800" spc="-180" dirty="0"/>
+              <a:t> </a:t>
+            </a:r>
+            <a:r>
+              <a:rPr sz="2800" spc="-10" dirty="0"/>
+              <a:t>Objectives</a:t>
+            </a:r>
+            <a:endParaRPr sz="2800"/>
+          </a:p>
+        </p:txBody>
+      </p:sp>
+      <p:sp>
+        <p:nvSpPr>
+          <p:cNvPr id="3" name="object 3"/>
+          <p:cNvSpPr txBox="1"/>
+          <p:nvPr/>
+        </p:nvSpPr>
+        <p:spPr>
+          <a:xfrm>
+            <a:off x="402742" y="1102308"/>
+            <a:ext cx="5986145" cy="331470"/>
+          </a:xfrm>
+          <a:prstGeom prst="rect">
+            <a:avLst/>
+          </a:prstGeom>
+        </p:spPr>
+        <p:txBody>
+          <a:bodyPr vert="horz" wrap="square" lIns="0" tIns="13335" rIns="0" bIns="0" rtlCol="0">
+            <a:spAutoFit/>
+          </a:bodyPr>
+          <a:lstStyle/>
+          <a:p>
+            <a:pPr marL="12700">
+              <a:lnSpc>
+                <a:spcPct val="100000"/>
+              </a:lnSpc>
+              <a:spcBef>
+                <a:spcPts val="105"/>
+              </a:spcBef>
+            </a:pPr>
+            <a:r>
+              <a:rPr sz="2000" b="1" dirty="0">
+                <a:solidFill>
+                  <a:srgbClr val="C00000"/>
+                </a:solidFill>
+                <a:latin typeface="Arial"/>
+                <a:cs typeface="Arial"/>
+              </a:rPr>
+              <a:t>After</a:t>
+            </a:r>
+            <a:r>
+              <a:rPr sz="2000" b="1" spc="-55" dirty="0">
+                <a:solidFill>
+                  <a:srgbClr val="C00000"/>
+                </a:solidFill>
+                <a:latin typeface="Arial"/>
+                <a:cs typeface="Arial"/>
+              </a:rPr>
+              <a:t> </a:t>
+            </a:r>
+            <a:r>
+              <a:rPr sz="2000" b="1" dirty="0">
+                <a:solidFill>
+                  <a:srgbClr val="C00000"/>
+                </a:solidFill>
+                <a:latin typeface="Arial"/>
+                <a:cs typeface="Arial"/>
+              </a:rPr>
+              <a:t>finalizing</a:t>
+            </a:r>
+            <a:r>
+              <a:rPr sz="2000" b="1" spc="-50" dirty="0">
+                <a:solidFill>
+                  <a:srgbClr val="C00000"/>
+                </a:solidFill>
+                <a:latin typeface="Arial"/>
+                <a:cs typeface="Arial"/>
+              </a:rPr>
+              <a:t> </a:t>
+            </a:r>
+            <a:r>
+              <a:rPr sz="2000" b="1" dirty="0">
+                <a:solidFill>
+                  <a:srgbClr val="C00000"/>
+                </a:solidFill>
+                <a:latin typeface="Arial"/>
+                <a:cs typeface="Arial"/>
+              </a:rPr>
+              <a:t>this</a:t>
+            </a:r>
+            <a:r>
+              <a:rPr sz="2000" b="1" spc="-40" dirty="0">
+                <a:solidFill>
+                  <a:srgbClr val="C00000"/>
+                </a:solidFill>
+                <a:latin typeface="Arial"/>
+                <a:cs typeface="Arial"/>
+              </a:rPr>
+              <a:t> </a:t>
+            </a:r>
+            <a:r>
+              <a:rPr sz="2000" b="1" dirty="0">
+                <a:solidFill>
+                  <a:srgbClr val="C00000"/>
+                </a:solidFill>
+                <a:latin typeface="Arial"/>
+                <a:cs typeface="Arial"/>
+              </a:rPr>
+              <a:t>training</a:t>
+            </a:r>
+            <a:r>
+              <a:rPr sz="2000" b="1" spc="-50" dirty="0">
+                <a:solidFill>
+                  <a:srgbClr val="C00000"/>
+                </a:solidFill>
+                <a:latin typeface="Arial"/>
+                <a:cs typeface="Arial"/>
+              </a:rPr>
+              <a:t> </a:t>
+            </a:r>
+            <a:r>
+              <a:rPr sz="2000" b="1" dirty="0">
+                <a:solidFill>
+                  <a:srgbClr val="C00000"/>
+                </a:solidFill>
+                <a:latin typeface="Arial"/>
+                <a:cs typeface="Arial"/>
+              </a:rPr>
+              <a:t>you</a:t>
+            </a:r>
+            <a:r>
+              <a:rPr sz="2000" b="1" spc="10" dirty="0">
+                <a:solidFill>
+                  <a:srgbClr val="C00000"/>
+                </a:solidFill>
+                <a:latin typeface="Arial"/>
+                <a:cs typeface="Arial"/>
+              </a:rPr>
+              <a:t> </a:t>
+            </a:r>
+            <a:r>
+              <a:rPr sz="2000" b="1" dirty="0">
+                <a:solidFill>
+                  <a:srgbClr val="C00000"/>
+                </a:solidFill>
+                <a:latin typeface="Arial"/>
+                <a:cs typeface="Arial"/>
+              </a:rPr>
+              <a:t>should</a:t>
+            </a:r>
+            <a:r>
+              <a:rPr sz="2000" b="1" spc="-35" dirty="0">
+                <a:solidFill>
+                  <a:srgbClr val="C00000"/>
+                </a:solidFill>
+                <a:latin typeface="Arial"/>
+                <a:cs typeface="Arial"/>
+              </a:rPr>
+              <a:t> </a:t>
+            </a:r>
+            <a:r>
+              <a:rPr sz="2000" b="1" dirty="0">
+                <a:solidFill>
+                  <a:srgbClr val="C00000"/>
+                </a:solidFill>
+                <a:latin typeface="Arial"/>
+                <a:cs typeface="Arial"/>
+              </a:rPr>
+              <a:t>be</a:t>
+            </a:r>
+            <a:r>
+              <a:rPr sz="2000" b="1" spc="-25" dirty="0">
+                <a:solidFill>
+                  <a:srgbClr val="C00000"/>
+                </a:solidFill>
+                <a:latin typeface="Arial"/>
+                <a:cs typeface="Arial"/>
+              </a:rPr>
+              <a:t> </a:t>
+            </a:r>
+            <a:r>
+              <a:rPr sz="2000" b="1" dirty="0">
+                <a:solidFill>
+                  <a:srgbClr val="C00000"/>
+                </a:solidFill>
+                <a:latin typeface="Arial"/>
+                <a:cs typeface="Arial"/>
+              </a:rPr>
+              <a:t>able</a:t>
+            </a:r>
+            <a:r>
+              <a:rPr sz="2000" b="1" spc="-35" dirty="0">
+                <a:solidFill>
+                  <a:srgbClr val="C00000"/>
+                </a:solidFill>
+                <a:latin typeface="Arial"/>
+                <a:cs typeface="Arial"/>
+              </a:rPr>
+              <a:t> </a:t>
+            </a:r>
+            <a:r>
+              <a:rPr sz="2000" b="1" spc="-25" dirty="0">
+                <a:solidFill>
+                  <a:srgbClr val="C00000"/>
+                </a:solidFill>
+                <a:latin typeface="Arial"/>
+                <a:cs typeface="Arial"/>
+              </a:rPr>
+              <a:t>to</a:t>
+            </a:r>
+            <a:endParaRPr sz="2000" dirty="0">
+              <a:latin typeface="Arial"/>
+              <a:cs typeface="Arial"/>
+            </a:endParaRPr>
+          </a:p>
+        </p:txBody>
+      </p:sp>
+      <p:sp>
+        <p:nvSpPr>
+          <p:cNvPr id="4" name="object 4"/>
+          <p:cNvSpPr txBox="1"/>
+          <p:nvPr/>
+        </p:nvSpPr>
+        <p:spPr>
+          <a:xfrm>
+            <a:off x="380623" y="1805202"/>
+            <a:ext cx="10896977" cy="3525965"/>
+          </a:xfrm>
+          <a:prstGeom prst="rect">
+            <a:avLst/>
+          </a:prstGeom>
+        </p:spPr>
+        <p:txBody>
+          <a:bodyPr vert="horz" wrap="square" lIns="0" tIns="12065" rIns="0" bIns="0" rtlCol="0">
+            <a:spAutoFit/>
+          </a:bodyPr>
+          <a:lstStyle/>
+          <a:p>
+            <a:pPr marL="354965" indent="-342265">
+              <a:lnSpc>
+                <a:spcPct val="100000"/>
+              </a:lnSpc>
+              <a:spcBef>
+                <a:spcPts val="95"/>
+              </a:spcBef>
+              <a:buFont typeface="Wingdings"/>
+              <a:buChar char=""/>
+              <a:tabLst>
+                <a:tab pos="354965" algn="l"/>
+              </a:tabLst>
+            </a:pPr>
+            <a:r>
+              <a:rPr lang="en-US" sz="2000" b="1" dirty="0">
+                <a:solidFill>
+                  <a:srgbClr val="00B050"/>
+                </a:solidFill>
+                <a:latin typeface="Calibri"/>
+                <a:cs typeface="Calibri"/>
+              </a:rPr>
+              <a:t>Computer Hardware</a:t>
+            </a:r>
+            <a:r>
+              <a:rPr lang="en-US" sz="2000" dirty="0">
+                <a:solidFill>
+                  <a:srgbClr val="00B050"/>
+                </a:solidFill>
+                <a:latin typeface="Calibri"/>
+                <a:cs typeface="Calibri"/>
+              </a:rPr>
+              <a:t>: Identify components, connect peripherals, and perform basic troubleshooting.</a:t>
+            </a:r>
+          </a:p>
+          <a:p>
+            <a:pPr marL="354965" indent="-342265">
+              <a:lnSpc>
+                <a:spcPct val="100000"/>
+              </a:lnSpc>
+              <a:spcBef>
+                <a:spcPts val="95"/>
+              </a:spcBef>
+              <a:buFont typeface="Wingdings"/>
+              <a:buChar char=""/>
+              <a:tabLst>
+                <a:tab pos="354965" algn="l"/>
+              </a:tabLst>
+            </a:pPr>
+            <a:r>
+              <a:rPr lang="en-US" sz="2000" b="1" dirty="0">
+                <a:solidFill>
+                  <a:srgbClr val="00B050"/>
+                </a:solidFill>
+                <a:latin typeface="Calibri"/>
+                <a:cs typeface="Calibri"/>
+              </a:rPr>
+              <a:t>Excel</a:t>
+            </a:r>
+            <a:r>
+              <a:rPr lang="en-US" sz="2000" dirty="0">
+                <a:solidFill>
+                  <a:srgbClr val="00B050"/>
+                </a:solidFill>
+                <a:latin typeface="Calibri"/>
+                <a:cs typeface="Calibri"/>
+              </a:rPr>
+              <a:t>: Use essential formulas, sort/filter data, and create basic charts.</a:t>
+            </a:r>
+          </a:p>
+          <a:p>
+            <a:pPr marL="354965" indent="-342265">
+              <a:lnSpc>
+                <a:spcPct val="100000"/>
+              </a:lnSpc>
+              <a:spcBef>
+                <a:spcPts val="95"/>
+              </a:spcBef>
+              <a:buFont typeface="Wingdings"/>
+              <a:buChar char=""/>
+              <a:tabLst>
+                <a:tab pos="354965" algn="l"/>
+              </a:tabLst>
+            </a:pPr>
+            <a:r>
+              <a:rPr lang="en-US" sz="2000" b="1" dirty="0">
+                <a:solidFill>
+                  <a:srgbClr val="00B050"/>
+                </a:solidFill>
+                <a:latin typeface="Calibri"/>
+                <a:cs typeface="Calibri"/>
+              </a:rPr>
+              <a:t>PowerPoint</a:t>
+            </a:r>
+            <a:r>
+              <a:rPr lang="en-US" sz="2000" dirty="0">
+                <a:solidFill>
+                  <a:srgbClr val="00B050"/>
+                </a:solidFill>
+                <a:latin typeface="Calibri"/>
+                <a:cs typeface="Calibri"/>
+              </a:rPr>
+              <a:t>: Create clean, professional slides and insert objects (images, charts).</a:t>
+            </a:r>
+          </a:p>
+          <a:p>
+            <a:pPr marL="354965" indent="-342265">
+              <a:lnSpc>
+                <a:spcPct val="100000"/>
+              </a:lnSpc>
+              <a:spcBef>
+                <a:spcPts val="95"/>
+              </a:spcBef>
+              <a:buFont typeface="Wingdings"/>
+              <a:buChar char=""/>
+              <a:tabLst>
+                <a:tab pos="354965" algn="l"/>
+              </a:tabLst>
+            </a:pPr>
+            <a:r>
+              <a:rPr lang="en-US" sz="2000" b="1" dirty="0">
+                <a:solidFill>
+                  <a:srgbClr val="00B050"/>
+                </a:solidFill>
+                <a:latin typeface="Calibri"/>
+                <a:cs typeface="Calibri"/>
+              </a:rPr>
+              <a:t>Word</a:t>
+            </a:r>
+            <a:r>
+              <a:rPr lang="en-US" sz="2000" dirty="0">
+                <a:solidFill>
+                  <a:srgbClr val="00B050"/>
+                </a:solidFill>
+                <a:latin typeface="Calibri"/>
+                <a:cs typeface="Calibri"/>
+              </a:rPr>
+              <a:t>: Apply consistent formatting (styles, headers) and use Track Changes.</a:t>
+            </a:r>
+          </a:p>
+          <a:p>
+            <a:pPr marL="354965" indent="-342265">
+              <a:lnSpc>
+                <a:spcPct val="100000"/>
+              </a:lnSpc>
+              <a:spcBef>
+                <a:spcPts val="95"/>
+              </a:spcBef>
+              <a:buFont typeface="Wingdings"/>
+              <a:buChar char=""/>
+              <a:tabLst>
+                <a:tab pos="354965" algn="l"/>
+              </a:tabLst>
+            </a:pPr>
+            <a:r>
+              <a:rPr lang="en-US" sz="2000" b="1" dirty="0">
+                <a:solidFill>
+                  <a:srgbClr val="00B050"/>
+                </a:solidFill>
+                <a:latin typeface="Calibri"/>
+                <a:cs typeface="Calibri"/>
+              </a:rPr>
+              <a:t>Outlook</a:t>
+            </a:r>
+            <a:r>
+              <a:rPr lang="en-US" sz="2000" dirty="0">
+                <a:solidFill>
+                  <a:srgbClr val="00B050"/>
+                </a:solidFill>
+                <a:latin typeface="Calibri"/>
+                <a:cs typeface="Calibri"/>
+              </a:rPr>
+              <a:t>: Write professional emails, organize their inbox, and manage their calendar.</a:t>
+            </a:r>
+          </a:p>
+          <a:p>
+            <a:pPr marL="354965" indent="-342265">
+              <a:lnSpc>
+                <a:spcPct val="100000"/>
+              </a:lnSpc>
+              <a:spcBef>
+                <a:spcPts val="95"/>
+              </a:spcBef>
+              <a:buFont typeface="Wingdings"/>
+              <a:buChar char=""/>
+              <a:tabLst>
+                <a:tab pos="354965" algn="l"/>
+              </a:tabLst>
+            </a:pPr>
+            <a:r>
+              <a:rPr lang="en-US" sz="2000" b="1" dirty="0">
+                <a:solidFill>
+                  <a:srgbClr val="2D5395"/>
+                </a:solidFill>
+                <a:latin typeface="Calibri"/>
+                <a:cs typeface="Calibri"/>
+              </a:rPr>
+              <a:t>ERP</a:t>
+            </a:r>
+            <a:r>
+              <a:rPr lang="en-US" sz="2000" dirty="0">
+                <a:solidFill>
+                  <a:srgbClr val="2D5395"/>
+                </a:solidFill>
+                <a:latin typeface="Calibri"/>
+                <a:cs typeface="Calibri"/>
+              </a:rPr>
+              <a:t>: Define what an ERP system is and explain its purpose in the business.</a:t>
+            </a:r>
+          </a:p>
+          <a:p>
+            <a:pPr marL="354965" indent="-342265">
+              <a:lnSpc>
+                <a:spcPct val="100000"/>
+              </a:lnSpc>
+              <a:spcBef>
+                <a:spcPts val="95"/>
+              </a:spcBef>
+              <a:buFont typeface="Wingdings"/>
+              <a:buChar char=""/>
+              <a:tabLst>
+                <a:tab pos="354965" algn="l"/>
+              </a:tabLst>
+            </a:pPr>
+            <a:r>
+              <a:rPr lang="en-US" sz="2000" b="1" dirty="0">
+                <a:solidFill>
+                  <a:srgbClr val="00B050"/>
+                </a:solidFill>
+                <a:latin typeface="Calibri"/>
+                <a:cs typeface="Calibri"/>
+              </a:rPr>
+              <a:t>Workplace Etiquette</a:t>
+            </a:r>
+            <a:r>
+              <a:rPr lang="en-US" sz="2000" dirty="0">
+                <a:solidFill>
+                  <a:srgbClr val="00B050"/>
+                </a:solidFill>
+                <a:latin typeface="Calibri"/>
+                <a:cs typeface="Calibri"/>
+              </a:rPr>
+              <a:t>: Demonstrate professional conduct in physical and virtual settings.</a:t>
+            </a:r>
+          </a:p>
+          <a:p>
+            <a:pPr marL="354965" indent="-342265">
+              <a:lnSpc>
+                <a:spcPct val="100000"/>
+              </a:lnSpc>
+              <a:spcBef>
+                <a:spcPts val="95"/>
+              </a:spcBef>
+              <a:buFont typeface="Wingdings"/>
+              <a:buChar char=""/>
+              <a:tabLst>
+                <a:tab pos="354965" algn="l"/>
+              </a:tabLst>
+            </a:pPr>
+            <a:r>
+              <a:rPr lang="en-US" sz="2000" b="1" dirty="0">
+                <a:solidFill>
+                  <a:srgbClr val="00B050"/>
+                </a:solidFill>
+                <a:latin typeface="Calibri"/>
+                <a:cs typeface="Calibri"/>
+              </a:rPr>
+              <a:t>Communication</a:t>
+            </a:r>
+            <a:r>
+              <a:rPr lang="en-US" sz="2000" dirty="0">
+                <a:solidFill>
+                  <a:srgbClr val="00B050"/>
+                </a:solidFill>
+                <a:latin typeface="Calibri"/>
+                <a:cs typeface="Calibri"/>
+              </a:rPr>
+              <a:t>: Practice active listening and communicate ideas clearly.</a:t>
+            </a:r>
+          </a:p>
+          <a:p>
+            <a:pPr marL="354965" indent="-342265">
+              <a:lnSpc>
+                <a:spcPct val="100000"/>
+              </a:lnSpc>
+              <a:spcBef>
+                <a:spcPts val="95"/>
+              </a:spcBef>
+              <a:buFont typeface="Wingdings"/>
+              <a:buChar char=""/>
+              <a:tabLst>
+                <a:tab pos="354965" algn="l"/>
+              </a:tabLst>
+            </a:pPr>
+            <a:r>
+              <a:rPr lang="en-US" sz="2000" b="1" dirty="0">
+                <a:solidFill>
+                  <a:srgbClr val="00B050"/>
+                </a:solidFill>
+                <a:latin typeface="Calibri"/>
+                <a:cs typeface="Calibri"/>
+              </a:rPr>
+              <a:t>Professional Ethics</a:t>
+            </a:r>
+            <a:r>
+              <a:rPr lang="en-US" sz="2000" dirty="0">
+                <a:solidFill>
+                  <a:srgbClr val="00B050"/>
+                </a:solidFill>
+                <a:latin typeface="Calibri"/>
+                <a:cs typeface="Calibri"/>
+              </a:rPr>
+              <a:t>: Understand the importance of integrity, confidentiality, and accountability.</a:t>
+            </a:r>
+          </a:p>
+          <a:p>
+            <a:pPr marL="354965" indent="-342265">
+              <a:lnSpc>
+                <a:spcPct val="100000"/>
+              </a:lnSpc>
+              <a:spcBef>
+                <a:spcPts val="95"/>
+              </a:spcBef>
+              <a:buFont typeface="Wingdings"/>
+              <a:buChar char=""/>
+              <a:tabLst>
+                <a:tab pos="354965" algn="l"/>
+              </a:tabLst>
+            </a:pPr>
+            <a:r>
+              <a:rPr lang="en-US" sz="2000" b="1" dirty="0">
+                <a:solidFill>
+                  <a:srgbClr val="00B050"/>
+                </a:solidFill>
+                <a:latin typeface="Calibri"/>
+                <a:cs typeface="Calibri"/>
+              </a:rPr>
+              <a:t>Time Management</a:t>
+            </a:r>
+            <a:r>
+              <a:rPr lang="en-US" sz="2000" dirty="0">
+                <a:solidFill>
+                  <a:srgbClr val="00B050"/>
+                </a:solidFill>
+                <a:latin typeface="Calibri"/>
+                <a:cs typeface="Calibri"/>
+              </a:rPr>
+              <a:t>: Prioritize tasks effectively and plan their workday.</a:t>
+            </a:r>
+          </a:p>
+          <a:p>
+            <a:pPr marL="354965" indent="-342265">
+              <a:lnSpc>
+                <a:spcPct val="100000"/>
+              </a:lnSpc>
+              <a:spcBef>
+                <a:spcPts val="95"/>
+              </a:spcBef>
+              <a:buFont typeface="Wingdings"/>
+              <a:buChar char=""/>
+              <a:tabLst>
+                <a:tab pos="354965" algn="l"/>
+              </a:tabLst>
+            </a:pPr>
+            <a:r>
+              <a:rPr lang="en-US" sz="2000" b="1" dirty="0">
+                <a:solidFill>
+                  <a:srgbClr val="2D5395"/>
+                </a:solidFill>
+                <a:latin typeface="Calibri"/>
+                <a:cs typeface="Calibri"/>
+              </a:rPr>
+              <a:t>Problem Solving</a:t>
+            </a:r>
+            <a:r>
+              <a:rPr lang="en-US" sz="2000" dirty="0">
+                <a:solidFill>
+                  <a:srgbClr val="2D5395"/>
+                </a:solidFill>
+                <a:latin typeface="Calibri"/>
+                <a:cs typeface="Calibri"/>
+              </a:rPr>
+              <a:t>: Apply a structured approach to identify and solve workplace problems.</a:t>
+            </a:r>
+            <a:endParaRPr sz="2000" dirty="0">
+              <a:solidFill>
+                <a:srgbClr val="2D5395"/>
+              </a:solidFill>
+              <a:latin typeface="Calibri"/>
+              <a:cs typeface="Calibri"/>
+            </a:endParaRPr>
+          </a:p>
+        </p:txBody>
+      </p:sp>
+      <p:pic>
+        <p:nvPicPr>
+          <p:cNvPr id="5" name="object 5"/>
+          <p:cNvPicPr/>
+          <p:nvPr/>
+        </p:nvPicPr>
+        <p:blipFill>
+          <a:blip r:embed="rId2" cstate="print"/>
+          <a:stretch>
+            <a:fillRect/>
+          </a:stretch>
+        </p:blipFill>
+        <p:spPr>
+          <a:xfrm>
+            <a:off x="9577754" y="2133600"/>
+            <a:ext cx="2410147" cy="1581150"/>
+          </a:xfrm>
+          <a:prstGeom prst="rect">
+            <a:avLst/>
+          </a:prstGeom>
+        </p:spPr>
+      </p:pic>
+      <p:sp>
+        <p:nvSpPr>
+          <p:cNvPr id="6" name="object 6"/>
+          <p:cNvSpPr txBox="1">
+            <a:spLocks noGrp="1"/>
+          </p:cNvSpPr>
+          <p:nvPr>
+            <p:ph type="sldNum" sz="quarter" idx="7"/>
+          </p:nvPr>
+        </p:nvSpPr>
+        <p:spPr>
+          <a:prstGeom prst="rect">
+            <a:avLst/>
+          </a:prstGeom>
+        </p:spPr>
+        <p:txBody>
+          <a:bodyPr vert="horz" wrap="square" lIns="0" tIns="0" rIns="0" bIns="0" rtlCol="0">
+            <a:spAutoFit/>
+          </a:bodyPr>
+          <a:lstStyle/>
+          <a:p>
+            <a:pPr marL="38100">
+              <a:lnSpc>
+                <a:spcPts val="1310"/>
+              </a:lnSpc>
+            </a:pPr>
+            <a:fld id="{81D60167-4931-47E6-BA6A-407CBD079E47}" type="slidenum">
+              <a:rPr spc="-25" dirty="0"/>
+              <a:t>3</a:t>
+            </a:fld>
+            <a:endParaRPr spc="-25" dirty="0"/>
+          </a:p>
+        </p:txBody>
+      </p:sp>
+    </p:spTree>
+  </p:cSld>
+  <p:clrMapOvr>
+    <a:masterClrMapping/>
+  </p:clrMapOvr>
+  <p:timing>
+    <p:tnLst>
+      <p:par>
+        <p:cTn id="1" dur="indefinite" restart="never" nodeType="tmRoot"/>
+      </p:par>
+    </p:tnLst>
+  </p:timing>
+</p:sld>
+</file>
+
+<file path=ppt/slides/slide30.xml><?xml version="1.0" encoding="utf-8"?>
+<p:sld xmlns:a="http://schemas.openxmlformats.org/drawingml/2006/main" xmlns:r="http://schemas.openxmlformats.org/officeDocument/2006/relationships" xmlns:p="http://schemas.openxmlformats.org/presentationml/2006/main">
+  <p:cSld>
+    <p:spTree>
+      <p:nvGrpSpPr>
+        <p:cNvPr id="1" name=""/>
+        <p:cNvGrpSpPr/>
+        <p:nvPr/>
+      </p:nvGrpSpPr>
+      <p:grpSpPr>
+        <a:xfrm>
+          <a:off x="0" y="0"/>
+          <a:ext cx="0" cy="0"/>
+          <a:chOff x="0" y="0"/>
+          <a:chExt cx="0" cy="0"/>
+        </a:xfrm>
+      </p:grpSpPr>
+      <p:sp>
+        <p:nvSpPr>
+          <p:cNvPr id="2" name="object 2"/>
+          <p:cNvSpPr txBox="1">
+            <a:spLocks noGrp="1"/>
+          </p:cNvSpPr>
+          <p:nvPr>
+            <p:ph type="title"/>
+          </p:nvPr>
+        </p:nvSpPr>
+        <p:spPr>
+          <a:xfrm>
+            <a:off x="152400" y="8792"/>
+            <a:ext cx="6781800" cy="677826"/>
+          </a:xfrm>
+          <a:prstGeom prst="rect">
+            <a:avLst/>
+          </a:prstGeom>
+        </p:spPr>
+        <p:txBody>
+          <a:bodyPr vert="horz" wrap="square" lIns="0" tIns="244551" rIns="0" bIns="0" rtlCol="0" anchor="ctr">
+            <a:spAutoFit/>
+          </a:bodyPr>
+          <a:lstStyle/>
+          <a:p>
+            <a:pPr marL="2667000" algn="l">
+              <a:lnSpc>
+                <a:spcPct val="100000"/>
+              </a:lnSpc>
+              <a:spcBef>
+                <a:spcPts val="95"/>
+              </a:spcBef>
+            </a:pPr>
+            <a:r>
+              <a:rPr lang="en-US" sz="2800" dirty="0" smtClean="0"/>
+              <a:t>Test your Knowledge</a:t>
+            </a:r>
+            <a:endParaRPr sz="2800" dirty="0"/>
+          </a:p>
+        </p:txBody>
+      </p:sp>
+      <p:sp>
+        <p:nvSpPr>
+          <p:cNvPr id="3" name="object 3"/>
+          <p:cNvSpPr txBox="1"/>
+          <p:nvPr/>
+        </p:nvSpPr>
+        <p:spPr>
+          <a:xfrm>
+            <a:off x="824890" y="2358593"/>
+            <a:ext cx="5905500" cy="1911421"/>
+          </a:xfrm>
+          <a:prstGeom prst="rect">
+            <a:avLst/>
+          </a:prstGeom>
+        </p:spPr>
+        <p:txBody>
+          <a:bodyPr vert="horz" wrap="square" lIns="0" tIns="13335" rIns="0" bIns="0" rtlCol="0">
+            <a:spAutoFit/>
+          </a:bodyPr>
+          <a:lstStyle/>
+          <a:p>
+            <a:pPr marL="24765">
+              <a:lnSpc>
+                <a:spcPct val="100000"/>
+              </a:lnSpc>
+              <a:spcBef>
+                <a:spcPts val="105"/>
+              </a:spcBef>
+            </a:pPr>
+            <a:r>
+              <a:rPr sz="2000" dirty="0">
+                <a:latin typeface="Arial MT"/>
+                <a:cs typeface="Arial MT"/>
+              </a:rPr>
+              <a:t>Please</a:t>
+            </a:r>
+            <a:r>
+              <a:rPr sz="2000" spc="-45" dirty="0">
+                <a:latin typeface="Arial MT"/>
+                <a:cs typeface="Arial MT"/>
+              </a:rPr>
+              <a:t> </a:t>
+            </a:r>
+            <a:r>
+              <a:rPr lang="en-US" sz="2000" dirty="0" smtClean="0">
+                <a:latin typeface="Arial MT"/>
+                <a:cs typeface="Arial MT"/>
+              </a:rPr>
+              <a:t>scan the QR code here or go to the below website:</a:t>
+            </a:r>
+            <a:endParaRPr sz="2000" dirty="0">
+              <a:latin typeface="Arial MT"/>
+              <a:cs typeface="Arial MT"/>
+            </a:endParaRPr>
+          </a:p>
+          <a:p>
+            <a:pPr>
+              <a:lnSpc>
+                <a:spcPct val="100000"/>
+              </a:lnSpc>
+            </a:pPr>
+            <a:endParaRPr sz="2000" dirty="0">
+              <a:latin typeface="Arial MT"/>
+              <a:cs typeface="Arial MT"/>
+            </a:endParaRPr>
+          </a:p>
+          <a:p>
+            <a:pPr>
+              <a:lnSpc>
+                <a:spcPct val="100000"/>
+              </a:lnSpc>
+              <a:spcBef>
+                <a:spcPts val="405"/>
+              </a:spcBef>
+            </a:pPr>
+            <a:endParaRPr sz="2000" dirty="0">
+              <a:latin typeface="Arial MT"/>
+              <a:cs typeface="Arial MT"/>
+            </a:endParaRPr>
+          </a:p>
+          <a:p>
+            <a:pPr marL="12700">
+              <a:lnSpc>
+                <a:spcPct val="100000"/>
+              </a:lnSpc>
+            </a:pPr>
+            <a:r>
+              <a:rPr lang="en-US" sz="2000" u="sng" spc="-10" dirty="0" smtClean="0">
+                <a:solidFill>
+                  <a:srgbClr val="0462C1"/>
+                </a:solidFill>
+                <a:uFill>
+                  <a:solidFill>
+                    <a:srgbClr val="0462C1"/>
+                  </a:solidFill>
+                </a:uFill>
+                <a:latin typeface="Arial MT"/>
+                <a:cs typeface="Arial MT"/>
+                <a:hlinkClick r:id="rId2"/>
+              </a:rPr>
+              <a:t>https://afathelbab.github.io/cnpc/computer-basics-soft-skills/day3/quiz.html</a:t>
+            </a:r>
+            <a:endParaRPr sz="2000" dirty="0">
+              <a:latin typeface="Arial MT"/>
+              <a:cs typeface="Arial MT"/>
+            </a:endParaRPr>
+          </a:p>
+        </p:txBody>
+      </p:sp>
+      <p:sp>
+        <p:nvSpPr>
+          <p:cNvPr id="5" name="object 5"/>
+          <p:cNvSpPr txBox="1">
+            <a:spLocks noGrp="1"/>
+          </p:cNvSpPr>
+          <p:nvPr>
+            <p:ph type="sldNum" sz="quarter" idx="7"/>
+          </p:nvPr>
+        </p:nvSpPr>
+        <p:spPr>
+          <a:prstGeom prst="rect">
+            <a:avLst/>
+          </a:prstGeom>
+        </p:spPr>
+        <p:txBody>
+          <a:bodyPr vert="horz" wrap="square" lIns="0" tIns="0" rIns="0" bIns="0" rtlCol="0">
+            <a:spAutoFit/>
+          </a:bodyPr>
+          <a:lstStyle/>
+          <a:p>
+            <a:pPr marL="38100">
+              <a:lnSpc>
+                <a:spcPts val="1310"/>
+              </a:lnSpc>
+            </a:pPr>
+            <a:fld id="{81D60167-4931-47E6-BA6A-407CBD079E47}" type="slidenum">
+              <a:rPr spc="-25" dirty="0"/>
+              <a:t>30</a:t>
+            </a:fld>
+            <a:endParaRPr spc="-25" dirty="0"/>
+          </a:p>
+        </p:txBody>
+      </p:sp>
+      <p:sp>
+        <p:nvSpPr>
+          <p:cNvPr id="7" name="object 2"/>
+          <p:cNvSpPr txBox="1">
+            <a:spLocks/>
+          </p:cNvSpPr>
+          <p:nvPr/>
+        </p:nvSpPr>
+        <p:spPr>
+          <a:xfrm rot="19344576">
+            <a:off x="3994338" y="810154"/>
+            <a:ext cx="3886200" cy="677826"/>
+          </a:xfrm>
+          <a:prstGeom prst="rect">
+            <a:avLst/>
+          </a:prstGeom>
+        </p:spPr>
+        <p:txBody>
+          <a:bodyPr vert="horz" wrap="square" lIns="0" tIns="244551" rIns="0" bIns="0" rtlCol="0" anchor="ctr">
+            <a:spAutoFit/>
+          </a:bodyPr>
+          <a:lstStyle>
+            <a:lvl1pPr>
+              <a:defRPr sz="2000" b="1" i="0">
+                <a:solidFill>
+                  <a:srgbClr val="CE2C2C"/>
+                </a:solidFill>
+                <a:latin typeface="Arial"/>
+                <a:ea typeface="+mj-ea"/>
+                <a:cs typeface="Arial"/>
+              </a:defRPr>
+            </a:lvl1pPr>
+          </a:lstStyle>
+          <a:p>
+            <a:pPr marL="2667000" algn="l">
+              <a:spcBef>
+                <a:spcPts val="95"/>
+              </a:spcBef>
+            </a:pPr>
+            <a:r>
+              <a:rPr lang="en-US" sz="2800" dirty="0" smtClean="0">
+                <a:solidFill>
+                  <a:schemeClr val="accent1">
+                    <a:lumMod val="75000"/>
+                  </a:schemeClr>
+                </a:solidFill>
+              </a:rPr>
+              <a:t>Again!</a:t>
+            </a:r>
+            <a:endParaRPr lang="en-US" sz="2800" dirty="0">
+              <a:solidFill>
+                <a:schemeClr val="accent1">
+                  <a:lumMod val="75000"/>
+                </a:schemeClr>
+              </a:solidFill>
+            </a:endParaRPr>
+          </a:p>
+        </p:txBody>
+      </p:sp>
+      <p:pic>
+        <p:nvPicPr>
+          <p:cNvPr id="9" name="Picture 8"/>
+          <p:cNvPicPr>
+            <a:picLocks noChangeAspect="1"/>
+          </p:cNvPicPr>
+          <p:nvPr/>
+        </p:nvPicPr>
+        <p:blipFill>
+          <a:blip r:embed="rId3" cstate="print">
+            <a:extLst>
+              <a:ext uri="{28A0092B-C50C-407E-A947-70E740481C1C}">
+                <a14:useLocalDpi xmlns:a14="http://schemas.microsoft.com/office/drawing/2010/main" val="0"/>
+              </a:ext>
+            </a:extLst>
+          </a:blip>
+          <a:stretch>
+            <a:fillRect/>
+          </a:stretch>
+        </p:blipFill>
+        <p:spPr>
+          <a:xfrm>
+            <a:off x="7517476" y="1447800"/>
+            <a:ext cx="4343400" cy="4343400"/>
+          </a:xfrm>
+          <a:prstGeom prst="rect">
+            <a:avLst/>
+          </a:prstGeom>
+        </p:spPr>
+      </p:pic>
+    </p:spTree>
+    <p:extLst>
+      <p:ext uri="{BB962C8B-B14F-4D97-AF65-F5344CB8AC3E}">
+        <p14:creationId xmlns:p14="http://schemas.microsoft.com/office/powerpoint/2010/main" val="2696134294"/>
+      </p:ext>
+    </p:extLst>
+  </p:cSld>
+  <p:clrMapOvr>
+    <a:masterClrMapping/>
+  </p:clrMapOvr>
+  <p:timing>
+    <p:tnLst>
+      <p:par>
+        <p:cTn id="1" dur="indefinite" restart="never" nodeType="tmRoot"/>
+      </p:par>
+    </p:tnLst>
+  </p:timing>
+</p:sld>
+</file>
+
+<file path=ppt/slides/slide31.xml><?xml version="1.0" encoding="utf-8"?>
+<p:sld xmlns:a="http://schemas.openxmlformats.org/drawingml/2006/main" xmlns:r="http://schemas.openxmlformats.org/officeDocument/2006/relationships" xmlns:p="http://schemas.openxmlformats.org/presentationml/2006/main">
+  <p:cSld>
+    <p:spTree>
+      <p:nvGrpSpPr>
+        <p:cNvPr id="1" name=""/>
+        <p:cNvGrpSpPr/>
+        <p:nvPr/>
+      </p:nvGrpSpPr>
+      <p:grpSpPr>
+        <a:xfrm>
+          <a:off x="0" y="0"/>
+          <a:ext cx="0" cy="0"/>
+          <a:chOff x="0" y="0"/>
+          <a:chExt cx="0" cy="0"/>
+        </a:xfrm>
+      </p:grpSpPr>
+      <p:sp>
+        <p:nvSpPr>
+          <p:cNvPr id="2" name="object 2"/>
+          <p:cNvSpPr txBox="1">
+            <a:spLocks noGrp="1"/>
+          </p:cNvSpPr>
+          <p:nvPr>
+            <p:ph type="title"/>
+          </p:nvPr>
+        </p:nvSpPr>
+        <p:spPr>
+          <a:xfrm>
+            <a:off x="2133600" y="2549098"/>
+            <a:ext cx="7467600" cy="1908933"/>
+          </a:xfrm>
+          <a:prstGeom prst="rect">
+            <a:avLst/>
+          </a:prstGeom>
+        </p:spPr>
+        <p:txBody>
+          <a:bodyPr vert="horz" wrap="square" lIns="0" tIns="244551" rIns="0" bIns="0" rtlCol="0" anchor="ctr">
+            <a:spAutoFit/>
+          </a:bodyPr>
+          <a:lstStyle/>
+          <a:p>
+            <a:pPr algn="ctr"/>
+            <a:r>
+              <a:rPr lang="en-US" sz="5400" dirty="0" smtClean="0"/>
+              <a:t>Workshop</a:t>
+            </a:r>
+            <a:r>
+              <a:rPr lang="en-US" sz="5400" dirty="0"/>
+              <a:t/>
+            </a:r>
+            <a:br>
+              <a:rPr lang="en-US" sz="5400" dirty="0"/>
+            </a:br>
+            <a:endParaRPr lang="en-US" sz="5400" dirty="0"/>
+          </a:p>
+        </p:txBody>
+      </p:sp>
+      <p:sp>
+        <p:nvSpPr>
+          <p:cNvPr id="5" name="object 5"/>
+          <p:cNvSpPr txBox="1">
+            <a:spLocks noGrp="1"/>
+          </p:cNvSpPr>
+          <p:nvPr>
+            <p:ph type="sldNum" sz="quarter" idx="7"/>
+          </p:nvPr>
+        </p:nvSpPr>
+        <p:spPr>
+          <a:prstGeom prst="rect">
+            <a:avLst/>
+          </a:prstGeom>
+        </p:spPr>
+        <p:txBody>
+          <a:bodyPr vert="horz" wrap="square" lIns="0" tIns="0" rIns="0" bIns="0" rtlCol="0">
+            <a:spAutoFit/>
+          </a:bodyPr>
+          <a:lstStyle/>
+          <a:p>
+            <a:pPr marL="38100">
+              <a:lnSpc>
+                <a:spcPts val="1310"/>
+              </a:lnSpc>
+            </a:pPr>
+            <a:fld id="{81D60167-4931-47E6-BA6A-407CBD079E47}" type="slidenum">
+              <a:rPr spc="-25" dirty="0"/>
+              <a:t>31</a:t>
+            </a:fld>
+            <a:endParaRPr spc="-25" dirty="0"/>
+          </a:p>
+        </p:txBody>
+      </p:sp>
+    </p:spTree>
+    <p:extLst>
+      <p:ext uri="{BB962C8B-B14F-4D97-AF65-F5344CB8AC3E}">
+        <p14:creationId xmlns:p14="http://schemas.microsoft.com/office/powerpoint/2010/main" val="2341851210"/>
+      </p:ext>
+    </p:extLst>
+  </p:cSld>
+  <p:clrMapOvr>
+    <a:masterClrMapping/>
+  </p:clrMapOvr>
+  <p:timing>
+    <p:tnLst>
+      <p:par>
+        <p:cTn id="1" dur="indefinite" restart="never" nodeType="tmRoot"/>
+      </p:par>
+    </p:tnLst>
+  </p:timing>
+</p:sld>
+</file>
+
+<file path=ppt/slides/slide32.xml><?xml version="1.0" encoding="utf-8"?>
+<p:sld xmlns:a="http://schemas.openxmlformats.org/drawingml/2006/main" xmlns:r="http://schemas.openxmlformats.org/officeDocument/2006/relationships" xmlns:p="http://schemas.openxmlformats.org/presentationml/2006/main">
+  <p:cSld>
+    <p:spTree>
+      <p:nvGrpSpPr>
+        <p:cNvPr id="1" name=""/>
+        <p:cNvGrpSpPr/>
+        <p:nvPr/>
+      </p:nvGrpSpPr>
+      <p:grpSpPr>
+        <a:xfrm>
+          <a:off x="0" y="0"/>
+          <a:ext cx="0" cy="0"/>
+          <a:chOff x="0" y="0"/>
+          <a:chExt cx="0" cy="0"/>
+        </a:xfrm>
+      </p:grpSpPr>
+      <p:pic>
+        <p:nvPicPr>
+          <p:cNvPr id="2" name="object 2"/>
+          <p:cNvPicPr/>
+          <p:nvPr/>
+        </p:nvPicPr>
+        <p:blipFill>
+          <a:blip r:embed="rId2" cstate="print"/>
+          <a:stretch>
+            <a:fillRect/>
+          </a:stretch>
+        </p:blipFill>
+        <p:spPr>
+          <a:xfrm>
+            <a:off x="758235" y="239637"/>
+            <a:ext cx="464730" cy="514995"/>
+          </a:xfrm>
+          <a:prstGeom prst="rect">
+            <a:avLst/>
+          </a:prstGeom>
+        </p:spPr>
+      </p:pic>
+      <p:sp>
+        <p:nvSpPr>
+          <p:cNvPr id="3" name="object 3"/>
+          <p:cNvSpPr txBox="1">
+            <a:spLocks noGrp="1"/>
+          </p:cNvSpPr>
+          <p:nvPr>
+            <p:ph type="title"/>
+          </p:nvPr>
+        </p:nvSpPr>
+        <p:spPr>
+          <a:xfrm>
+            <a:off x="1447800" y="76806"/>
+            <a:ext cx="6781800" cy="677826"/>
+          </a:xfrm>
+          <a:prstGeom prst="rect">
+            <a:avLst/>
+          </a:prstGeom>
+        </p:spPr>
+        <p:txBody>
+          <a:bodyPr vert="horz" wrap="square" lIns="0" tIns="244551" rIns="0" bIns="0" rtlCol="0">
+            <a:spAutoFit/>
+          </a:bodyPr>
+          <a:lstStyle/>
+          <a:p>
+            <a:r>
+              <a:rPr lang="en-US" sz="2800" dirty="0" smtClean="0"/>
+              <a:t>Workshop</a:t>
+            </a:r>
+            <a:endParaRPr lang="en-US" sz="2800" dirty="0"/>
+          </a:p>
+        </p:txBody>
+      </p:sp>
+      <p:sp>
+        <p:nvSpPr>
+          <p:cNvPr id="5" name="object 5"/>
+          <p:cNvSpPr txBox="1">
+            <a:spLocks noGrp="1"/>
+          </p:cNvSpPr>
+          <p:nvPr>
+            <p:ph type="sldNum" sz="quarter" idx="7"/>
+          </p:nvPr>
+        </p:nvSpPr>
+        <p:spPr>
+          <a:prstGeom prst="rect">
+            <a:avLst/>
+          </a:prstGeom>
+        </p:spPr>
+        <p:txBody>
+          <a:bodyPr vert="horz" wrap="square" lIns="0" tIns="0" rIns="0" bIns="0" rtlCol="0">
+            <a:spAutoFit/>
+          </a:bodyPr>
+          <a:lstStyle/>
+          <a:p>
+            <a:pPr marL="38100">
+              <a:lnSpc>
+                <a:spcPts val="1310"/>
+              </a:lnSpc>
+            </a:pPr>
+            <a:fld id="{81D60167-4931-47E6-BA6A-407CBD079E47}" type="slidenum">
+              <a:rPr spc="-25" dirty="0"/>
+              <a:t>32</a:t>
             </a:fld>
             <a:endParaRPr spc="-25" dirty="0"/>
           </a:p>
@@ -5399,7 +10055,7 @@
 </p:sld>
 </file>
 
-<file path=ppt/slides/slide21.xml><?xml version="1.0" encoding="utf-8"?>
+<file path=ppt/slides/slide33.xml><?xml version="1.0" encoding="utf-8"?>
 <p:sld xmlns:a="http://schemas.openxmlformats.org/drawingml/2006/main" xmlns:r="http://schemas.openxmlformats.org/officeDocument/2006/relationships" xmlns:p="http://schemas.openxmlformats.org/presentationml/2006/main">
   <p:cSld>
     <p:spTree>
@@ -6677,759 +11333,6 @@
 </p:sld>
 </file>
 
-<file path=ppt/slides/slide3.xml><?xml version="1.0" encoding="utf-8"?>
-<p:sld xmlns:a="http://schemas.openxmlformats.org/drawingml/2006/main" xmlns:r="http://schemas.openxmlformats.org/officeDocument/2006/relationships" xmlns:p="http://schemas.openxmlformats.org/presentationml/2006/main">
-  <p:cSld>
-    <p:spTree>
-      <p:nvGrpSpPr>
-        <p:cNvPr id="1" name=""/>
-        <p:cNvGrpSpPr/>
-        <p:nvPr/>
-      </p:nvGrpSpPr>
-      <p:grpSpPr>
-        <a:xfrm>
-          <a:off x="0" y="0"/>
-          <a:ext cx="0" cy="0"/>
-          <a:chOff x="0" y="0"/>
-          <a:chExt cx="0" cy="0"/>
-        </a:xfrm>
-      </p:grpSpPr>
-      <p:sp>
-        <p:nvSpPr>
-          <p:cNvPr id="2" name="object 2"/>
-          <p:cNvSpPr txBox="1">
-            <a:spLocks noGrp="1"/>
-          </p:cNvSpPr>
-          <p:nvPr>
-            <p:ph type="title"/>
-          </p:nvPr>
-        </p:nvSpPr>
-        <p:spPr>
-          <a:prstGeom prst="rect">
-            <a:avLst/>
-          </a:prstGeom>
-        </p:spPr>
-        <p:txBody>
-          <a:bodyPr vert="horz" wrap="square" lIns="0" tIns="204088" rIns="0" bIns="0" rtlCol="0">
-            <a:spAutoFit/>
-          </a:bodyPr>
-          <a:lstStyle/>
-          <a:p>
-            <a:pPr marL="175895">
-              <a:lnSpc>
-                <a:spcPct val="100000"/>
-              </a:lnSpc>
-              <a:spcBef>
-                <a:spcPts val="95"/>
-              </a:spcBef>
-            </a:pPr>
-            <a:r>
-              <a:rPr sz="2800" spc="-10" dirty="0"/>
-              <a:t>Training</a:t>
-            </a:r>
-            <a:r>
-              <a:rPr sz="2800" spc="-180" dirty="0"/>
-              <a:t> </a:t>
-            </a:r>
-            <a:r>
-              <a:rPr sz="2800" spc="-10" dirty="0"/>
-              <a:t>Objectives</a:t>
-            </a:r>
-            <a:endParaRPr sz="2800"/>
-          </a:p>
-        </p:txBody>
-      </p:sp>
-      <p:sp>
-        <p:nvSpPr>
-          <p:cNvPr id="3" name="object 3"/>
-          <p:cNvSpPr txBox="1"/>
-          <p:nvPr/>
-        </p:nvSpPr>
-        <p:spPr>
-          <a:xfrm>
-            <a:off x="402742" y="1102308"/>
-            <a:ext cx="5986145" cy="331470"/>
-          </a:xfrm>
-          <a:prstGeom prst="rect">
-            <a:avLst/>
-          </a:prstGeom>
-        </p:spPr>
-        <p:txBody>
-          <a:bodyPr vert="horz" wrap="square" lIns="0" tIns="13335" rIns="0" bIns="0" rtlCol="0">
-            <a:spAutoFit/>
-          </a:bodyPr>
-          <a:lstStyle/>
-          <a:p>
-            <a:pPr marL="12700">
-              <a:lnSpc>
-                <a:spcPct val="100000"/>
-              </a:lnSpc>
-              <a:spcBef>
-                <a:spcPts val="105"/>
-              </a:spcBef>
-            </a:pPr>
-            <a:r>
-              <a:rPr sz="2000" b="1" dirty="0">
-                <a:solidFill>
-                  <a:srgbClr val="C00000"/>
-                </a:solidFill>
-                <a:latin typeface="Arial"/>
-                <a:cs typeface="Arial"/>
-              </a:rPr>
-              <a:t>After</a:t>
-            </a:r>
-            <a:r>
-              <a:rPr sz="2000" b="1" spc="-55" dirty="0">
-                <a:solidFill>
-                  <a:srgbClr val="C00000"/>
-                </a:solidFill>
-                <a:latin typeface="Arial"/>
-                <a:cs typeface="Arial"/>
-              </a:rPr>
-              <a:t> </a:t>
-            </a:r>
-            <a:r>
-              <a:rPr sz="2000" b="1" dirty="0">
-                <a:solidFill>
-                  <a:srgbClr val="C00000"/>
-                </a:solidFill>
-                <a:latin typeface="Arial"/>
-                <a:cs typeface="Arial"/>
-              </a:rPr>
-              <a:t>finalizing</a:t>
-            </a:r>
-            <a:r>
-              <a:rPr sz="2000" b="1" spc="-50" dirty="0">
-                <a:solidFill>
-                  <a:srgbClr val="C00000"/>
-                </a:solidFill>
-                <a:latin typeface="Arial"/>
-                <a:cs typeface="Arial"/>
-              </a:rPr>
-              <a:t> </a:t>
-            </a:r>
-            <a:r>
-              <a:rPr sz="2000" b="1" dirty="0">
-                <a:solidFill>
-                  <a:srgbClr val="C00000"/>
-                </a:solidFill>
-                <a:latin typeface="Arial"/>
-                <a:cs typeface="Arial"/>
-              </a:rPr>
-              <a:t>this</a:t>
-            </a:r>
-            <a:r>
-              <a:rPr sz="2000" b="1" spc="-40" dirty="0">
-                <a:solidFill>
-                  <a:srgbClr val="C00000"/>
-                </a:solidFill>
-                <a:latin typeface="Arial"/>
-                <a:cs typeface="Arial"/>
-              </a:rPr>
-              <a:t> </a:t>
-            </a:r>
-            <a:r>
-              <a:rPr sz="2000" b="1" dirty="0">
-                <a:solidFill>
-                  <a:srgbClr val="C00000"/>
-                </a:solidFill>
-                <a:latin typeface="Arial"/>
-                <a:cs typeface="Arial"/>
-              </a:rPr>
-              <a:t>training</a:t>
-            </a:r>
-            <a:r>
-              <a:rPr sz="2000" b="1" spc="-50" dirty="0">
-                <a:solidFill>
-                  <a:srgbClr val="C00000"/>
-                </a:solidFill>
-                <a:latin typeface="Arial"/>
-                <a:cs typeface="Arial"/>
-              </a:rPr>
-              <a:t> </a:t>
-            </a:r>
-            <a:r>
-              <a:rPr sz="2000" b="1" dirty="0">
-                <a:solidFill>
-                  <a:srgbClr val="C00000"/>
-                </a:solidFill>
-                <a:latin typeface="Arial"/>
-                <a:cs typeface="Arial"/>
-              </a:rPr>
-              <a:t>you</a:t>
-            </a:r>
-            <a:r>
-              <a:rPr sz="2000" b="1" spc="10" dirty="0">
-                <a:solidFill>
-                  <a:srgbClr val="C00000"/>
-                </a:solidFill>
-                <a:latin typeface="Arial"/>
-                <a:cs typeface="Arial"/>
-              </a:rPr>
-              <a:t> </a:t>
-            </a:r>
-            <a:r>
-              <a:rPr sz="2000" b="1" dirty="0">
-                <a:solidFill>
-                  <a:srgbClr val="C00000"/>
-                </a:solidFill>
-                <a:latin typeface="Arial"/>
-                <a:cs typeface="Arial"/>
-              </a:rPr>
-              <a:t>should</a:t>
-            </a:r>
-            <a:r>
-              <a:rPr sz="2000" b="1" spc="-35" dirty="0">
-                <a:solidFill>
-                  <a:srgbClr val="C00000"/>
-                </a:solidFill>
-                <a:latin typeface="Arial"/>
-                <a:cs typeface="Arial"/>
-              </a:rPr>
-              <a:t> </a:t>
-            </a:r>
-            <a:r>
-              <a:rPr sz="2000" b="1" dirty="0">
-                <a:solidFill>
-                  <a:srgbClr val="C00000"/>
-                </a:solidFill>
-                <a:latin typeface="Arial"/>
-                <a:cs typeface="Arial"/>
-              </a:rPr>
-              <a:t>be</a:t>
-            </a:r>
-            <a:r>
-              <a:rPr sz="2000" b="1" spc="-25" dirty="0">
-                <a:solidFill>
-                  <a:srgbClr val="C00000"/>
-                </a:solidFill>
-                <a:latin typeface="Arial"/>
-                <a:cs typeface="Arial"/>
-              </a:rPr>
-              <a:t> </a:t>
-            </a:r>
-            <a:r>
-              <a:rPr sz="2000" b="1" dirty="0">
-                <a:solidFill>
-                  <a:srgbClr val="C00000"/>
-                </a:solidFill>
-                <a:latin typeface="Arial"/>
-                <a:cs typeface="Arial"/>
-              </a:rPr>
-              <a:t>able</a:t>
-            </a:r>
-            <a:r>
-              <a:rPr sz="2000" b="1" spc="-35" dirty="0">
-                <a:solidFill>
-                  <a:srgbClr val="C00000"/>
-                </a:solidFill>
-                <a:latin typeface="Arial"/>
-                <a:cs typeface="Arial"/>
-              </a:rPr>
-              <a:t> </a:t>
-            </a:r>
-            <a:r>
-              <a:rPr sz="2000" b="1" spc="-25" dirty="0">
-                <a:solidFill>
-                  <a:srgbClr val="C00000"/>
-                </a:solidFill>
-                <a:latin typeface="Arial"/>
-                <a:cs typeface="Arial"/>
-              </a:rPr>
-              <a:t>to</a:t>
-            </a:r>
-            <a:endParaRPr sz="2000" dirty="0">
-              <a:latin typeface="Arial"/>
-              <a:cs typeface="Arial"/>
-            </a:endParaRPr>
-          </a:p>
-        </p:txBody>
-      </p:sp>
-      <p:sp>
-        <p:nvSpPr>
-          <p:cNvPr id="4" name="object 4"/>
-          <p:cNvSpPr txBox="1"/>
-          <p:nvPr/>
-        </p:nvSpPr>
-        <p:spPr>
-          <a:xfrm>
-            <a:off x="380623" y="1805202"/>
-            <a:ext cx="10896977" cy="3525965"/>
-          </a:xfrm>
-          <a:prstGeom prst="rect">
-            <a:avLst/>
-          </a:prstGeom>
-        </p:spPr>
-        <p:txBody>
-          <a:bodyPr vert="horz" wrap="square" lIns="0" tIns="12065" rIns="0" bIns="0" rtlCol="0">
-            <a:spAutoFit/>
-          </a:bodyPr>
-          <a:lstStyle/>
-          <a:p>
-            <a:pPr marL="354965" indent="-342265">
-              <a:lnSpc>
-                <a:spcPct val="100000"/>
-              </a:lnSpc>
-              <a:spcBef>
-                <a:spcPts val="95"/>
-              </a:spcBef>
-              <a:buFont typeface="Wingdings"/>
-              <a:buChar char=""/>
-              <a:tabLst>
-                <a:tab pos="354965" algn="l"/>
-              </a:tabLst>
-            </a:pPr>
-            <a:r>
-              <a:rPr lang="en-US" sz="2000" b="1" dirty="0">
-                <a:solidFill>
-                  <a:srgbClr val="00B050"/>
-                </a:solidFill>
-                <a:latin typeface="Calibri"/>
-                <a:cs typeface="Calibri"/>
-              </a:rPr>
-              <a:t>Computer Hardware</a:t>
-            </a:r>
-            <a:r>
-              <a:rPr lang="en-US" sz="2000" dirty="0">
-                <a:solidFill>
-                  <a:srgbClr val="00B050"/>
-                </a:solidFill>
-                <a:latin typeface="Calibri"/>
-                <a:cs typeface="Calibri"/>
-              </a:rPr>
-              <a:t>: Identify components, connect peripherals, and perform basic troubleshooting.</a:t>
-            </a:r>
-          </a:p>
-          <a:p>
-            <a:pPr marL="354965" indent="-342265">
-              <a:lnSpc>
-                <a:spcPct val="100000"/>
-              </a:lnSpc>
-              <a:spcBef>
-                <a:spcPts val="95"/>
-              </a:spcBef>
-              <a:buFont typeface="Wingdings"/>
-              <a:buChar char=""/>
-              <a:tabLst>
-                <a:tab pos="354965" algn="l"/>
-              </a:tabLst>
-            </a:pPr>
-            <a:r>
-              <a:rPr lang="en-US" sz="2000" b="1" dirty="0">
-                <a:solidFill>
-                  <a:srgbClr val="00B050"/>
-                </a:solidFill>
-                <a:latin typeface="Calibri"/>
-                <a:cs typeface="Calibri"/>
-              </a:rPr>
-              <a:t>Excel</a:t>
-            </a:r>
-            <a:r>
-              <a:rPr lang="en-US" sz="2000" dirty="0">
-                <a:solidFill>
-                  <a:srgbClr val="00B050"/>
-                </a:solidFill>
-                <a:latin typeface="Calibri"/>
-                <a:cs typeface="Calibri"/>
-              </a:rPr>
-              <a:t>: Use essential formulas, sort/filter data, and create basic charts.</a:t>
-            </a:r>
-          </a:p>
-          <a:p>
-            <a:pPr marL="354965" indent="-342265">
-              <a:lnSpc>
-                <a:spcPct val="100000"/>
-              </a:lnSpc>
-              <a:spcBef>
-                <a:spcPts val="95"/>
-              </a:spcBef>
-              <a:buFont typeface="Wingdings"/>
-              <a:buChar char=""/>
-              <a:tabLst>
-                <a:tab pos="354965" algn="l"/>
-              </a:tabLst>
-            </a:pPr>
-            <a:r>
-              <a:rPr lang="en-US" sz="2000" b="1" dirty="0">
-                <a:solidFill>
-                  <a:srgbClr val="00B050"/>
-                </a:solidFill>
-                <a:latin typeface="Calibri"/>
-                <a:cs typeface="Calibri"/>
-              </a:rPr>
-              <a:t>PowerPoint</a:t>
-            </a:r>
-            <a:r>
-              <a:rPr lang="en-US" sz="2000" dirty="0">
-                <a:solidFill>
-                  <a:srgbClr val="00B050"/>
-                </a:solidFill>
-                <a:latin typeface="Calibri"/>
-                <a:cs typeface="Calibri"/>
-              </a:rPr>
-              <a:t>: Create clean, professional slides and insert objects (images, charts).</a:t>
-            </a:r>
-          </a:p>
-          <a:p>
-            <a:pPr marL="354965" indent="-342265">
-              <a:lnSpc>
-                <a:spcPct val="100000"/>
-              </a:lnSpc>
-              <a:spcBef>
-                <a:spcPts val="95"/>
-              </a:spcBef>
-              <a:buFont typeface="Wingdings"/>
-              <a:buChar char=""/>
-              <a:tabLst>
-                <a:tab pos="354965" algn="l"/>
-              </a:tabLst>
-            </a:pPr>
-            <a:r>
-              <a:rPr lang="en-US" sz="2000" b="1" dirty="0">
-                <a:solidFill>
-                  <a:srgbClr val="00B050"/>
-                </a:solidFill>
-                <a:latin typeface="Calibri"/>
-                <a:cs typeface="Calibri"/>
-              </a:rPr>
-              <a:t>Word</a:t>
-            </a:r>
-            <a:r>
-              <a:rPr lang="en-US" sz="2000" dirty="0">
-                <a:solidFill>
-                  <a:srgbClr val="00B050"/>
-                </a:solidFill>
-                <a:latin typeface="Calibri"/>
-                <a:cs typeface="Calibri"/>
-              </a:rPr>
-              <a:t>: Apply consistent formatting (styles, headers) and use Track Changes.</a:t>
-            </a:r>
-          </a:p>
-          <a:p>
-            <a:pPr marL="354965" indent="-342265">
-              <a:lnSpc>
-                <a:spcPct val="100000"/>
-              </a:lnSpc>
-              <a:spcBef>
-                <a:spcPts val="95"/>
-              </a:spcBef>
-              <a:buFont typeface="Wingdings"/>
-              <a:buChar char=""/>
-              <a:tabLst>
-                <a:tab pos="354965" algn="l"/>
-              </a:tabLst>
-            </a:pPr>
-            <a:r>
-              <a:rPr lang="en-US" sz="2000" b="1" dirty="0">
-                <a:solidFill>
-                  <a:srgbClr val="00B050"/>
-                </a:solidFill>
-                <a:latin typeface="Calibri"/>
-                <a:cs typeface="Calibri"/>
-              </a:rPr>
-              <a:t>Outlook</a:t>
-            </a:r>
-            <a:r>
-              <a:rPr lang="en-US" sz="2000" dirty="0">
-                <a:solidFill>
-                  <a:srgbClr val="00B050"/>
-                </a:solidFill>
-                <a:latin typeface="Calibri"/>
-                <a:cs typeface="Calibri"/>
-              </a:rPr>
-              <a:t>: Write professional emails, organize their inbox, and manage their calendar.</a:t>
-            </a:r>
-          </a:p>
-          <a:p>
-            <a:pPr marL="354965" indent="-342265">
-              <a:lnSpc>
-                <a:spcPct val="100000"/>
-              </a:lnSpc>
-              <a:spcBef>
-                <a:spcPts val="95"/>
-              </a:spcBef>
-              <a:buFont typeface="Wingdings"/>
-              <a:buChar char=""/>
-              <a:tabLst>
-                <a:tab pos="354965" algn="l"/>
-              </a:tabLst>
-            </a:pPr>
-            <a:r>
-              <a:rPr lang="en-US" sz="2000" b="1" dirty="0">
-                <a:solidFill>
-                  <a:srgbClr val="2D5395"/>
-                </a:solidFill>
-                <a:latin typeface="Calibri"/>
-                <a:cs typeface="Calibri"/>
-              </a:rPr>
-              <a:t>ERP</a:t>
-            </a:r>
-            <a:r>
-              <a:rPr lang="en-US" sz="2000" dirty="0">
-                <a:solidFill>
-                  <a:srgbClr val="2D5395"/>
-                </a:solidFill>
-                <a:latin typeface="Calibri"/>
-                <a:cs typeface="Calibri"/>
-              </a:rPr>
-              <a:t>: Define what an ERP system is and explain its purpose in the business.</a:t>
-            </a:r>
-          </a:p>
-          <a:p>
-            <a:pPr marL="354965" indent="-342265">
-              <a:lnSpc>
-                <a:spcPct val="100000"/>
-              </a:lnSpc>
-              <a:spcBef>
-                <a:spcPts val="95"/>
-              </a:spcBef>
-              <a:buFont typeface="Wingdings"/>
-              <a:buChar char=""/>
-              <a:tabLst>
-                <a:tab pos="354965" algn="l"/>
-              </a:tabLst>
-            </a:pPr>
-            <a:r>
-              <a:rPr lang="en-US" sz="2000" b="1" dirty="0">
-                <a:solidFill>
-                  <a:srgbClr val="00B050"/>
-                </a:solidFill>
-                <a:latin typeface="Calibri"/>
-                <a:cs typeface="Calibri"/>
-              </a:rPr>
-              <a:t>Workplace Etiquette</a:t>
-            </a:r>
-            <a:r>
-              <a:rPr lang="en-US" sz="2000" dirty="0">
-                <a:solidFill>
-                  <a:srgbClr val="00B050"/>
-                </a:solidFill>
-                <a:latin typeface="Calibri"/>
-                <a:cs typeface="Calibri"/>
-              </a:rPr>
-              <a:t>: Demonstrate professional conduct in physical and virtual settings.</a:t>
-            </a:r>
-          </a:p>
-          <a:p>
-            <a:pPr marL="354965" indent="-342265">
-              <a:lnSpc>
-                <a:spcPct val="100000"/>
-              </a:lnSpc>
-              <a:spcBef>
-                <a:spcPts val="95"/>
-              </a:spcBef>
-              <a:buFont typeface="Wingdings"/>
-              <a:buChar char=""/>
-              <a:tabLst>
-                <a:tab pos="354965" algn="l"/>
-              </a:tabLst>
-            </a:pPr>
-            <a:r>
-              <a:rPr lang="en-US" sz="2000" b="1" dirty="0">
-                <a:solidFill>
-                  <a:srgbClr val="00B050"/>
-                </a:solidFill>
-                <a:latin typeface="Calibri"/>
-                <a:cs typeface="Calibri"/>
-              </a:rPr>
-              <a:t>Communication</a:t>
-            </a:r>
-            <a:r>
-              <a:rPr lang="en-US" sz="2000" dirty="0">
-                <a:solidFill>
-                  <a:srgbClr val="00B050"/>
-                </a:solidFill>
-                <a:latin typeface="Calibri"/>
-                <a:cs typeface="Calibri"/>
-              </a:rPr>
-              <a:t>: Practice active listening and communicate ideas clearly.</a:t>
-            </a:r>
-          </a:p>
-          <a:p>
-            <a:pPr marL="354965" indent="-342265">
-              <a:lnSpc>
-                <a:spcPct val="100000"/>
-              </a:lnSpc>
-              <a:spcBef>
-                <a:spcPts val="95"/>
-              </a:spcBef>
-              <a:buFont typeface="Wingdings"/>
-              <a:buChar char=""/>
-              <a:tabLst>
-                <a:tab pos="354965" algn="l"/>
-              </a:tabLst>
-            </a:pPr>
-            <a:r>
-              <a:rPr lang="en-US" sz="2000" b="1" dirty="0">
-                <a:solidFill>
-                  <a:srgbClr val="00B050"/>
-                </a:solidFill>
-                <a:latin typeface="Calibri"/>
-                <a:cs typeface="Calibri"/>
-              </a:rPr>
-              <a:t>Professional Ethics</a:t>
-            </a:r>
-            <a:r>
-              <a:rPr lang="en-US" sz="2000" dirty="0">
-                <a:solidFill>
-                  <a:srgbClr val="00B050"/>
-                </a:solidFill>
-                <a:latin typeface="Calibri"/>
-                <a:cs typeface="Calibri"/>
-              </a:rPr>
-              <a:t>: Understand the importance of integrity, confidentiality, and accountability.</a:t>
-            </a:r>
-          </a:p>
-          <a:p>
-            <a:pPr marL="354965" indent="-342265">
-              <a:lnSpc>
-                <a:spcPct val="100000"/>
-              </a:lnSpc>
-              <a:spcBef>
-                <a:spcPts val="95"/>
-              </a:spcBef>
-              <a:buFont typeface="Wingdings"/>
-              <a:buChar char=""/>
-              <a:tabLst>
-                <a:tab pos="354965" algn="l"/>
-              </a:tabLst>
-            </a:pPr>
-            <a:r>
-              <a:rPr lang="en-US" sz="2000" b="1" dirty="0">
-                <a:solidFill>
-                  <a:srgbClr val="00B050"/>
-                </a:solidFill>
-                <a:latin typeface="Calibri"/>
-                <a:cs typeface="Calibri"/>
-              </a:rPr>
-              <a:t>Time Management</a:t>
-            </a:r>
-            <a:r>
-              <a:rPr lang="en-US" sz="2000" dirty="0">
-                <a:solidFill>
-                  <a:srgbClr val="00B050"/>
-                </a:solidFill>
-                <a:latin typeface="Calibri"/>
-                <a:cs typeface="Calibri"/>
-              </a:rPr>
-              <a:t>: Prioritize tasks effectively and plan their workday.</a:t>
-            </a:r>
-          </a:p>
-          <a:p>
-            <a:pPr marL="354965" indent="-342265">
-              <a:lnSpc>
-                <a:spcPct val="100000"/>
-              </a:lnSpc>
-              <a:spcBef>
-                <a:spcPts val="95"/>
-              </a:spcBef>
-              <a:buFont typeface="Wingdings"/>
-              <a:buChar char=""/>
-              <a:tabLst>
-                <a:tab pos="354965" algn="l"/>
-              </a:tabLst>
-            </a:pPr>
-            <a:r>
-              <a:rPr lang="en-US" sz="2000" b="1" dirty="0">
-                <a:solidFill>
-                  <a:srgbClr val="2D5395"/>
-                </a:solidFill>
-                <a:latin typeface="Calibri"/>
-                <a:cs typeface="Calibri"/>
-              </a:rPr>
-              <a:t>Problem Solving</a:t>
-            </a:r>
-            <a:r>
-              <a:rPr lang="en-US" sz="2000" dirty="0">
-                <a:solidFill>
-                  <a:srgbClr val="2D5395"/>
-                </a:solidFill>
-                <a:latin typeface="Calibri"/>
-                <a:cs typeface="Calibri"/>
-              </a:rPr>
-              <a:t>: Apply a structured approach to identify and solve workplace problems.</a:t>
-            </a:r>
-            <a:endParaRPr sz="2000" dirty="0">
-              <a:solidFill>
-                <a:srgbClr val="2D5395"/>
-              </a:solidFill>
-              <a:latin typeface="Calibri"/>
-              <a:cs typeface="Calibri"/>
-            </a:endParaRPr>
-          </a:p>
-        </p:txBody>
-      </p:sp>
-      <p:pic>
-        <p:nvPicPr>
-          <p:cNvPr id="5" name="object 5"/>
-          <p:cNvPicPr/>
-          <p:nvPr/>
-        </p:nvPicPr>
-        <p:blipFill>
-          <a:blip r:embed="rId2" cstate="print"/>
-          <a:stretch>
-            <a:fillRect/>
-          </a:stretch>
-        </p:blipFill>
-        <p:spPr>
-          <a:xfrm>
-            <a:off x="9577754" y="2133600"/>
-            <a:ext cx="2410147" cy="1581150"/>
-          </a:xfrm>
-          <a:prstGeom prst="rect">
-            <a:avLst/>
-          </a:prstGeom>
-        </p:spPr>
-      </p:pic>
-      <p:sp>
-        <p:nvSpPr>
-          <p:cNvPr id="6" name="object 6"/>
-          <p:cNvSpPr txBox="1">
-            <a:spLocks noGrp="1"/>
-          </p:cNvSpPr>
-          <p:nvPr>
-            <p:ph type="sldNum" sz="quarter" idx="7"/>
-          </p:nvPr>
-        </p:nvSpPr>
-        <p:spPr>
-          <a:prstGeom prst="rect">
-            <a:avLst/>
-          </a:prstGeom>
-        </p:spPr>
-        <p:txBody>
-          <a:bodyPr vert="horz" wrap="square" lIns="0" tIns="0" rIns="0" bIns="0" rtlCol="0">
-            <a:spAutoFit/>
-          </a:bodyPr>
-          <a:lstStyle/>
-          <a:p>
-            <a:pPr marL="38100">
-              <a:lnSpc>
-                <a:spcPts val="1310"/>
-              </a:lnSpc>
-            </a:pPr>
-            <a:fld id="{81D60167-4931-47E6-BA6A-407CBD079E47}" type="slidenum">
-              <a:rPr spc="-25" dirty="0"/>
-              <a:t>3</a:t>
-            </a:fld>
-            <a:endParaRPr spc="-25" dirty="0"/>
-          </a:p>
-        </p:txBody>
-      </p:sp>
-    </p:spTree>
-  </p:cSld>
-  <p:clrMapOvr>
-    <a:masterClrMapping/>
-  </p:clrMapOvr>
-  <p:timing>
-    <p:tnLst>
-      <p:par>
-        <p:cTn id="1" dur="indefinite" restart="never" nodeType="tmRoot"/>
-      </p:par>
-    </p:tnLst>
-  </p:timing>
-</p:sld>
-</file>
-
 <file path=ppt/slides/slide4.xml><?xml version="1.0" encoding="utf-8"?>
 <p:sld xmlns:a="http://schemas.openxmlformats.org/drawingml/2006/main" xmlns:r="http://schemas.openxmlformats.org/officeDocument/2006/relationships" xmlns:p="http://schemas.openxmlformats.org/presentationml/2006/main">
   <p:cSld>
@@ -8275,7 +12178,7 @@
         <p:spPr>
           <a:xfrm>
             <a:off x="1027651" y="2438400"/>
-            <a:ext cx="7861239" cy="3970318"/>
+            <a:ext cx="4992149" cy="2308324"/>
           </a:xfrm>
           <a:prstGeom prst="rect">
             <a:avLst/>
@@ -8331,80 +12234,12 @@
             </a:r>
           </a:p>
           <a:p>
-            <a:endParaRPr lang="en-US" dirty="0" smtClean="0"/>
+            <a:endParaRPr lang="en-US" dirty="0"/>
           </a:p>
           <a:p>
             <a:r>
               <a:rPr lang="en-US" dirty="0" smtClean="0"/>
-              <a:t>Think about all the different departments in our company:</a:t>
-            </a:r>
-          </a:p>
-          <a:p>
-            <a:endParaRPr lang="en-US" dirty="0" smtClean="0"/>
-          </a:p>
-          <a:p>
-            <a:pPr marL="285750" indent="-285750">
-              <a:buFont typeface="Wingdings" panose="05000000000000000000" pitchFamily="2" charset="2"/>
-              <a:buChar char="Ø"/>
-            </a:pPr>
-            <a:r>
-              <a:rPr lang="en-US" b="1" dirty="0" smtClean="0"/>
-              <a:t>Finance</a:t>
-            </a:r>
-            <a:r>
-              <a:rPr lang="en-US" dirty="0" smtClean="0"/>
-              <a:t> (handles billing, payments, accounts)</a:t>
-            </a:r>
-          </a:p>
-          <a:p>
-            <a:pPr marL="285750" indent="-285750">
-              <a:buFont typeface="Wingdings" panose="05000000000000000000" pitchFamily="2" charset="2"/>
-              <a:buChar char="Ø"/>
-            </a:pPr>
-            <a:r>
-              <a:rPr lang="en-US" b="1" dirty="0" smtClean="0"/>
-              <a:t>HR</a:t>
-            </a:r>
-            <a:r>
-              <a:rPr lang="en-US" dirty="0" smtClean="0"/>
-              <a:t> (handles employee info, payroll, hiring)</a:t>
-            </a:r>
-          </a:p>
-          <a:p>
-            <a:pPr marL="285750" indent="-285750">
-              <a:buFont typeface="Wingdings" panose="05000000000000000000" pitchFamily="2" charset="2"/>
-              <a:buChar char="Ø"/>
-            </a:pPr>
-            <a:r>
-              <a:rPr lang="en-US" b="1" dirty="0" smtClean="0"/>
-              <a:t>Supply Chain </a:t>
-            </a:r>
-            <a:r>
-              <a:rPr lang="en-US" dirty="0" smtClean="0"/>
-              <a:t>(handles inventory, shipping, orders)</a:t>
-            </a:r>
-          </a:p>
-          <a:p>
-            <a:pPr marL="285750" indent="-285750">
-              <a:buFont typeface="Wingdings" panose="05000000000000000000" pitchFamily="2" charset="2"/>
-              <a:buChar char="Ø"/>
-            </a:pPr>
-            <a:r>
-              <a:rPr lang="en-US" b="1" dirty="0" smtClean="0"/>
-              <a:t>Sales</a:t>
-            </a:r>
-            <a:r>
-              <a:rPr lang="en-US" dirty="0" smtClean="0"/>
-              <a:t> (handles customer relationships, new orders)</a:t>
-            </a:r>
-          </a:p>
-          <a:p>
-            <a:endParaRPr lang="en-US" dirty="0"/>
-          </a:p>
-          <a:p>
-            <a:r>
-              <a:rPr lang="en-US" dirty="0" smtClean="0"/>
-              <a:t>In the past, each department might have used its own separate software. This creates "silos," where data is hard to share and often doesn't match.</a:t>
+              <a:t>It acts as the "central nervous system" for the entire business</a:t>
             </a:r>
             <a:endParaRPr lang="ar-EG" dirty="0"/>
           </a:p>
@@ -8568,8 +12403,8 @@
         </p:nvSpPr>
         <p:spPr>
           <a:xfrm>
-            <a:off x="457200" y="1720334"/>
-            <a:ext cx="5583580" cy="369332"/>
+            <a:off x="901761" y="1905000"/>
+            <a:ext cx="2903359" cy="369332"/>
           </a:xfrm>
           <a:prstGeom prst="rect">
             <a:avLst/>
@@ -8588,7 +12423,7 @@
                   <a:srgbClr val="C00000"/>
                 </a:solidFill>
               </a:rPr>
-              <a:t>The Purpose of an ERP: A Single Source of Truth</a:t>
+              <a:t>What is an ERP System?</a:t>
             </a:r>
             <a:endParaRPr lang="ar-EG" dirty="0"/>
           </a:p>
@@ -8602,8 +12437,8 @@
         </p:nvSpPr>
         <p:spPr>
           <a:xfrm>
-            <a:off x="650548" y="2537310"/>
-            <a:ext cx="6312959" cy="2800767"/>
+            <a:off x="1027651" y="2438400"/>
+            <a:ext cx="6592349" cy="3046988"/>
           </a:xfrm>
           <a:prstGeom prst="rect">
             <a:avLst/>
@@ -8618,16 +12453,7 @@
           <a:p>
             <a:r>
               <a:rPr lang="en-US" sz="1600" dirty="0" smtClean="0"/>
-              <a:t>The main purpose of an ERP system is to break down those silos and create a “single source of truth.” </a:t>
-            </a:r>
-          </a:p>
-          <a:p>
-            <a:endParaRPr lang="en-US" sz="1600" dirty="0"/>
-          </a:p>
-          <a:p>
-            <a:r>
-              <a:rPr lang="en-US" sz="1600" dirty="0" smtClean="0"/>
-              <a:t>When everyone uses the same system, data is shared in real-time:</a:t>
+              <a:t>Think about all the different departments in our company:</a:t>
             </a:r>
           </a:p>
           <a:p>
@@ -8636,51 +12462,371 @@
           <a:p>
             <a:pPr marL="285750" indent="-285750">
               <a:buFont typeface="Wingdings" panose="05000000000000000000" pitchFamily="2" charset="2"/>
-              <a:buChar char="Ø"/>
+              <a:buChar char="q"/>
             </a:pPr>
             <a:r>
+              <a:rPr lang="en-US" sz="1600" b="1" dirty="0" smtClean="0"/>
+              <a:t>Operations</a:t>
+            </a:r>
+            <a:r>
               <a:rPr lang="en-US" sz="1600" dirty="0" smtClean="0"/>
-              <a:t>When a Salesperson enters a new customer order</a:t>
+              <a:t> (manages well sites, production schedules)</a:t>
             </a:r>
           </a:p>
           <a:p>
             <a:pPr marL="285750" indent="-285750">
               <a:buFont typeface="Wingdings" panose="05000000000000000000" pitchFamily="2" charset="2"/>
-              <a:buChar char="Ø"/>
+              <a:buChar char="q"/>
             </a:pPr>
             <a:r>
+              <a:rPr lang="en-US" sz="1600" b="1" dirty="0" smtClean="0"/>
+              <a:t>Maintenance</a:t>
+            </a:r>
+            <a:r>
               <a:rPr lang="en-US" sz="1600" dirty="0" smtClean="0"/>
-              <a:t>the Supply Chain team instantly sees it and can check inventory</a:t>
+              <a:t> (handles work orders, equipment repair)</a:t>
             </a:r>
           </a:p>
           <a:p>
             <a:pPr marL="285750" indent="-285750">
               <a:buFont typeface="Wingdings" panose="05000000000000000000" pitchFamily="2" charset="2"/>
-              <a:buChar char="Ø"/>
+              <a:buChar char="q"/>
             </a:pPr>
             <a:r>
+              <a:rPr lang="en-US" sz="1600" b="1" dirty="0" smtClean="0"/>
+              <a:t>Supply Chain</a:t>
+            </a:r>
+            <a:r>
               <a:rPr lang="en-US" sz="1600" dirty="0" smtClean="0"/>
-              <a:t>the Finance team can use that data to send an accurate invoice</a:t>
+              <a:t> (handles inventory, ordering parts, shipping)</a:t>
             </a:r>
           </a:p>
           <a:p>
             <a:pPr marL="285750" indent="-285750">
               <a:buFont typeface="Wingdings" panose="05000000000000000000" pitchFamily="2" charset="2"/>
-              <a:buChar char="Ø"/>
+              <a:buChar char="q"/>
             </a:pPr>
             <a:r>
+              <a:rPr lang="en-US" sz="1600" b="1" dirty="0" smtClean="0"/>
+              <a:t>Finance</a:t>
+            </a:r>
+            <a:r>
               <a:rPr lang="en-US" sz="1600" dirty="0" smtClean="0"/>
-              <a:t>the HR team can use that sales data to calculate commissions</a:t>
-            </a:r>
-          </a:p>
-          <a:p>
+              <a:t> (handles billing, payments, accounts)</a:t>
+            </a:r>
+          </a:p>
+          <a:p>
+            <a:pPr marL="285750" indent="-285750">
+              <a:buFont typeface="Wingdings" panose="05000000000000000000" pitchFamily="2" charset="2"/>
+              <a:buChar char="q"/>
+            </a:pPr>
+            <a:r>
+              <a:rPr lang="en-US" sz="1600" b="1" dirty="0" smtClean="0"/>
+              <a:t>HR</a:t>
+            </a:r>
+            <a:r>
+              <a:rPr lang="en-US" sz="1600" dirty="0" smtClean="0"/>
+              <a:t> (handles employee info, payroll, hiring)</a:t>
+            </a:r>
+          </a:p>
+          <a:p>
+            <a:pPr marL="285750" indent="-285750">
+              <a:buFont typeface="Wingdings" panose="05000000000000000000" pitchFamily="2" charset="2"/>
+              <a:buChar char="q"/>
+            </a:pPr>
+            <a:r>
+              <a:rPr lang="en-US" sz="1600" b="1" dirty="0" smtClean="0"/>
+              <a:t>HSE</a:t>
+            </a:r>
+            <a:r>
+              <a:rPr lang="en-US" sz="1600" dirty="0" smtClean="0"/>
+              <a:t> (handles safety permits, incident reporting)</a:t>
+            </a:r>
+          </a:p>
+          <a:p>
+            <a:endParaRPr lang="en-US" sz="1600" dirty="0" smtClean="0"/>
+          </a:p>
+          <a:p>
+            <a:r>
+              <a:rPr lang="en-US" sz="1600" dirty="0" smtClean="0"/>
+              <a:t>In the past, each department might have used its own separate software. This creates </a:t>
+            </a:r>
+            <a:r>
+              <a:rPr lang="en-US" sz="1600" b="1" dirty="0" smtClean="0"/>
+              <a:t>"silos,"</a:t>
+            </a:r>
+            <a:r>
+              <a:rPr lang="en-US" sz="1600" dirty="0" smtClean="0"/>
+              <a:t> where data is hard to share, must be manually re-entered, and quickly becomes out-of-date.</a:t>
+            </a:r>
             <a:endParaRPr lang="en-US" sz="1600" dirty="0"/>
           </a:p>
+        </p:txBody>
+      </p:sp>
+      <p:pic>
+        <p:nvPicPr>
+          <p:cNvPr id="8" name="Picture 7"/>
+          <p:cNvPicPr>
+            <a:picLocks noChangeAspect="1"/>
+          </p:cNvPicPr>
+          <p:nvPr/>
+        </p:nvPicPr>
+        <p:blipFill>
+          <a:blip r:embed="rId3">
+            <a:extLst>
+              <a:ext uri="{28A0092B-C50C-407E-A947-70E740481C1C}">
+                <a14:useLocalDpi xmlns:a14="http://schemas.microsoft.com/office/drawing/2010/main" val="0"/>
+              </a:ext>
+            </a:extLst>
+          </a:blip>
+          <a:stretch>
+            <a:fillRect/>
+          </a:stretch>
+        </p:blipFill>
+        <p:spPr>
+          <a:xfrm>
+            <a:off x="7731886" y="1447800"/>
+            <a:ext cx="4419600" cy="4419600"/>
+          </a:xfrm>
+          <a:prstGeom prst="rect">
+            <a:avLst/>
+          </a:prstGeom>
+        </p:spPr>
+      </p:pic>
+    </p:spTree>
+    <p:extLst>
+      <p:ext uri="{BB962C8B-B14F-4D97-AF65-F5344CB8AC3E}">
+        <p14:creationId xmlns:p14="http://schemas.microsoft.com/office/powerpoint/2010/main" val="2528133336"/>
+      </p:ext>
+    </p:extLst>
+  </p:cSld>
+  <p:clrMapOvr>
+    <a:masterClrMapping/>
+  </p:clrMapOvr>
+  <p:timing>
+    <p:tnLst>
+      <p:par>
+        <p:cTn id="1" dur="indefinite" restart="never" nodeType="tmRoot"/>
+      </p:par>
+    </p:tnLst>
+  </p:timing>
+</p:sld>
+</file>
+
+<file path=ppt/slides/slide9.xml><?xml version="1.0" encoding="utf-8"?>
+<p:sld xmlns:a="http://schemas.openxmlformats.org/drawingml/2006/main" xmlns:r="http://schemas.openxmlformats.org/officeDocument/2006/relationships" xmlns:p="http://schemas.openxmlformats.org/presentationml/2006/main">
+  <p:cSld>
+    <p:spTree>
+      <p:nvGrpSpPr>
+        <p:cNvPr id="1" name=""/>
+        <p:cNvGrpSpPr/>
+        <p:nvPr/>
+      </p:nvGrpSpPr>
+      <p:grpSpPr>
+        <a:xfrm>
+          <a:off x="0" y="0"/>
+          <a:ext cx="0" cy="0"/>
+          <a:chOff x="0" y="0"/>
+          <a:chExt cx="0" cy="0"/>
+        </a:xfrm>
+      </p:grpSpPr>
+      <p:pic>
+        <p:nvPicPr>
+          <p:cNvPr id="2" name="object 2"/>
+          <p:cNvPicPr/>
+          <p:nvPr/>
+        </p:nvPicPr>
+        <p:blipFill>
+          <a:blip r:embed="rId2" cstate="print"/>
+          <a:stretch>
+            <a:fillRect/>
+          </a:stretch>
+        </p:blipFill>
+        <p:spPr>
+          <a:xfrm>
+            <a:off x="884176" y="224295"/>
+            <a:ext cx="464730" cy="514995"/>
+          </a:xfrm>
+          <a:prstGeom prst="rect">
+            <a:avLst/>
+          </a:prstGeom>
+        </p:spPr>
+      </p:pic>
+      <p:sp>
+        <p:nvSpPr>
+          <p:cNvPr id="3" name="object 3"/>
+          <p:cNvSpPr txBox="1">
+            <a:spLocks noGrp="1"/>
+          </p:cNvSpPr>
+          <p:nvPr>
+            <p:ph type="title"/>
+          </p:nvPr>
+        </p:nvSpPr>
+        <p:spPr>
+          <a:xfrm>
+            <a:off x="1676400" y="84174"/>
+            <a:ext cx="6563742" cy="616271"/>
+          </a:xfrm>
+          <a:prstGeom prst="rect">
+            <a:avLst/>
+          </a:prstGeom>
+        </p:spPr>
+        <p:txBody>
+          <a:bodyPr vert="horz" wrap="square" lIns="0" tIns="244551" rIns="0" bIns="0" rtlCol="0">
+            <a:spAutoFit/>
+          </a:bodyPr>
+          <a:lstStyle/>
+          <a:p>
+            <a:r>
+              <a:rPr lang="en-US" sz="2400" dirty="0"/>
+              <a:t>Module 1: Introduction to ERP Systems</a:t>
+            </a:r>
+          </a:p>
+        </p:txBody>
+      </p:sp>
+      <p:sp>
+        <p:nvSpPr>
+          <p:cNvPr id="5" name="object 5"/>
+          <p:cNvSpPr txBox="1">
+            <a:spLocks noGrp="1"/>
+          </p:cNvSpPr>
+          <p:nvPr>
+            <p:ph type="sldNum" sz="quarter" idx="7"/>
+          </p:nvPr>
+        </p:nvSpPr>
+        <p:spPr>
+          <a:prstGeom prst="rect">
+            <a:avLst/>
+          </a:prstGeom>
+        </p:spPr>
+        <p:txBody>
+          <a:bodyPr vert="horz" wrap="square" lIns="0" tIns="0" rIns="0" bIns="0" rtlCol="0">
+            <a:spAutoFit/>
+          </a:bodyPr>
+          <a:lstStyle/>
+          <a:p>
+            <a:pPr marL="38100">
+              <a:lnSpc>
+                <a:spcPts val="1310"/>
+              </a:lnSpc>
+            </a:pPr>
+            <a:fld id="{81D60167-4931-47E6-BA6A-407CBD079E47}" type="slidenum">
+              <a:rPr spc="-25" dirty="0"/>
+              <a:t>9</a:t>
+            </a:fld>
+            <a:endParaRPr spc="-25" dirty="0"/>
+          </a:p>
+        </p:txBody>
+      </p:sp>
+      <p:sp>
+        <p:nvSpPr>
+          <p:cNvPr id="6" name="TextBox 5"/>
+          <p:cNvSpPr txBox="1"/>
+          <p:nvPr/>
+        </p:nvSpPr>
+        <p:spPr>
+          <a:xfrm>
+            <a:off x="457200" y="1720334"/>
+            <a:ext cx="5583580" cy="369332"/>
+          </a:xfrm>
+          <a:prstGeom prst="rect">
+            <a:avLst/>
+          </a:prstGeom>
+          <a:noFill/>
+        </p:spPr>
+        <p:txBody>
+          <a:bodyPr wrap="none" rtlCol="1">
+            <a:spAutoFit/>
+          </a:bodyPr>
+          <a:lstStyle/>
+          <a:p>
+            <a:r>
+              <a:rPr lang="en-US" b="1" dirty="0" smtClean="0">
+                <a:solidFill>
+                  <a:srgbClr val="C00000"/>
+                </a:solidFill>
+              </a:rPr>
+              <a:t>The Purpose of an ERP: A Single Source of Truth</a:t>
+            </a:r>
+            <a:endParaRPr lang="ar-EG" dirty="0"/>
+          </a:p>
+        </p:txBody>
+      </p:sp>
+      <p:sp>
+        <p:nvSpPr>
+          <p:cNvPr id="7" name="TextBox 6"/>
+          <p:cNvSpPr txBox="1"/>
+          <p:nvPr/>
+        </p:nvSpPr>
+        <p:spPr>
+          <a:xfrm>
+            <a:off x="650549" y="2537310"/>
+            <a:ext cx="5390232" cy="2554545"/>
+          </a:xfrm>
+          <a:prstGeom prst="rect">
+            <a:avLst/>
+          </a:prstGeom>
+          <a:noFill/>
+        </p:spPr>
+        <p:txBody>
+          <a:bodyPr wrap="square" rtlCol="1">
+            <a:spAutoFit/>
+          </a:bodyPr>
+          <a:lstStyle/>
+          <a:p>
+            <a:endParaRPr lang="en-US" sz="1600" dirty="0" smtClean="0"/>
+          </a:p>
           <a:p>
             <a:r>
               <a:rPr lang="en-US" sz="1600" dirty="0" smtClean="0"/>
-              <a:t>Everyone is working from the same, up-to-date information.</a:t>
-            </a:r>
+              <a:t>The main purpose of an ERP system is to </a:t>
+            </a:r>
+            <a:r>
+              <a:rPr lang="en-US" sz="1600" b="1" dirty="0" smtClean="0"/>
+              <a:t>break down those silos</a:t>
+            </a:r>
+            <a:r>
+              <a:rPr lang="en-US" sz="1600" dirty="0" smtClean="0"/>
+              <a:t>.</a:t>
+            </a:r>
+          </a:p>
+          <a:p>
+            <a:endParaRPr lang="en-US" sz="1600" dirty="0" smtClean="0"/>
+          </a:p>
+          <a:p>
+            <a:r>
+              <a:rPr lang="en-US" sz="1600" dirty="0" smtClean="0"/>
+              <a:t>It creates a </a:t>
+            </a:r>
+            <a:r>
+              <a:rPr lang="en-US" sz="1600" b="1" dirty="0" smtClean="0"/>
+              <a:t>"single source of truth"</a:t>
+            </a:r>
+            <a:r>
+              <a:rPr lang="en-US" sz="1600" dirty="0" smtClean="0"/>
+              <a:t> by having all departments use one shared, central database.</a:t>
+            </a:r>
+          </a:p>
+          <a:p>
+            <a:endParaRPr lang="en-US" sz="1600" dirty="0"/>
+          </a:p>
+          <a:p>
+            <a:endParaRPr lang="en-US" sz="1600" dirty="0" smtClean="0"/>
+          </a:p>
+          <a:p>
+            <a:r>
+              <a:rPr lang="en-US" sz="1600" dirty="0" smtClean="0"/>
+              <a:t>When everyone uses the same system, data is shared in </a:t>
+            </a:r>
+            <a:r>
+              <a:rPr lang="en-US" sz="1600" b="1" dirty="0" smtClean="0"/>
+              <a:t>real-time</a:t>
+            </a:r>
+            <a:r>
+              <a:rPr lang="en-US" sz="1600" dirty="0" smtClean="0"/>
+              <a:t>.</a:t>
+            </a:r>
+            <a:endParaRPr lang="en-US" sz="1600" dirty="0"/>
           </a:p>
         </p:txBody>
       </p:sp>
@@ -8773,351 +12919,6 @@
     <p:extLst>
       <p:ext uri="{BB962C8B-B14F-4D97-AF65-F5344CB8AC3E}">
         <p14:creationId xmlns:p14="http://schemas.microsoft.com/office/powerpoint/2010/main" val="1715629835"/>
-      </p:ext>
-    </p:extLst>
-  </p:cSld>
-  <p:clrMapOvr>
-    <a:masterClrMapping/>
-  </p:clrMapOvr>
-  <p:timing>
-    <p:tnLst>
-      <p:par>
-        <p:cTn id="1" dur="indefinite" restart="never" nodeType="tmRoot"/>
-      </p:par>
-    </p:tnLst>
-  </p:timing>
-</p:sld>
-</file>
-
-<file path=ppt/slides/slide9.xml><?xml version="1.0" encoding="utf-8"?>
-<p:sld xmlns:a="http://schemas.openxmlformats.org/drawingml/2006/main" xmlns:r="http://schemas.openxmlformats.org/officeDocument/2006/relationships" xmlns:p="http://schemas.openxmlformats.org/presentationml/2006/main">
-  <p:cSld>
-    <p:spTree>
-      <p:nvGrpSpPr>
-        <p:cNvPr id="1" name=""/>
-        <p:cNvGrpSpPr/>
-        <p:nvPr/>
-      </p:nvGrpSpPr>
-      <p:grpSpPr>
-        <a:xfrm>
-          <a:off x="0" y="0"/>
-          <a:ext cx="0" cy="0"/>
-          <a:chOff x="0" y="0"/>
-          <a:chExt cx="0" cy="0"/>
-        </a:xfrm>
-      </p:grpSpPr>
-      <p:pic>
-        <p:nvPicPr>
-          <p:cNvPr id="2" name="object 2"/>
-          <p:cNvPicPr/>
-          <p:nvPr/>
-        </p:nvPicPr>
-        <p:blipFill>
-          <a:blip r:embed="rId2" cstate="print"/>
-          <a:stretch>
-            <a:fillRect/>
-          </a:stretch>
-        </p:blipFill>
-        <p:spPr>
-          <a:xfrm>
-            <a:off x="884176" y="224295"/>
-            <a:ext cx="464730" cy="514995"/>
-          </a:xfrm>
-          <a:prstGeom prst="rect">
-            <a:avLst/>
-          </a:prstGeom>
-        </p:spPr>
-      </p:pic>
-      <p:sp>
-        <p:nvSpPr>
-          <p:cNvPr id="3" name="object 3"/>
-          <p:cNvSpPr txBox="1">
-            <a:spLocks noGrp="1"/>
-          </p:cNvSpPr>
-          <p:nvPr>
-            <p:ph type="title"/>
-          </p:nvPr>
-        </p:nvSpPr>
-        <p:spPr>
-          <a:xfrm>
-            <a:off x="1676400" y="84174"/>
-            <a:ext cx="6563742" cy="616271"/>
-          </a:xfrm>
-          <a:prstGeom prst="rect">
-            <a:avLst/>
-          </a:prstGeom>
-        </p:spPr>
-        <p:txBody>
-          <a:bodyPr vert="horz" wrap="square" lIns="0" tIns="244551" rIns="0" bIns="0" rtlCol="0">
-            <a:spAutoFit/>
-          </a:bodyPr>
-          <a:lstStyle/>
-          <a:p>
-            <a:r>
-              <a:rPr lang="en-US" sz="2400" dirty="0"/>
-              <a:t>Module 1: Introduction to ERP Systems</a:t>
-            </a:r>
-          </a:p>
-        </p:txBody>
-      </p:sp>
-      <p:sp>
-        <p:nvSpPr>
-          <p:cNvPr id="5" name="object 5"/>
-          <p:cNvSpPr txBox="1">
-            <a:spLocks noGrp="1"/>
-          </p:cNvSpPr>
-          <p:nvPr>
-            <p:ph type="sldNum" sz="quarter" idx="7"/>
-          </p:nvPr>
-        </p:nvSpPr>
-        <p:spPr>
-          <a:prstGeom prst="rect">
-            <a:avLst/>
-          </a:prstGeom>
-        </p:spPr>
-        <p:txBody>
-          <a:bodyPr vert="horz" wrap="square" lIns="0" tIns="0" rIns="0" bIns="0" rtlCol="0">
-            <a:spAutoFit/>
-          </a:bodyPr>
-          <a:lstStyle/>
-          <a:p>
-            <a:pPr marL="38100">
-              <a:lnSpc>
-                <a:spcPts val="1310"/>
-              </a:lnSpc>
-            </a:pPr>
-            <a:fld id="{81D60167-4931-47E6-BA6A-407CBD079E47}" type="slidenum">
-              <a:rPr spc="-25" dirty="0"/>
-              <a:t>9</a:t>
-            </a:fld>
-            <a:endParaRPr spc="-25" dirty="0"/>
-          </a:p>
-        </p:txBody>
-      </p:sp>
-      <p:sp>
-        <p:nvSpPr>
-          <p:cNvPr id="6" name="TextBox 5"/>
-          <p:cNvSpPr txBox="1"/>
-          <p:nvPr/>
-        </p:nvSpPr>
-        <p:spPr>
-          <a:xfrm>
-            <a:off x="457200" y="1720334"/>
-            <a:ext cx="2249334" cy="369332"/>
-          </a:xfrm>
-          <a:prstGeom prst="rect">
-            <a:avLst/>
-          </a:prstGeom>
-          <a:noFill/>
-        </p:spPr>
-        <p:txBody>
-          <a:bodyPr wrap="none" rtlCol="1">
-            <a:spAutoFit/>
-          </a:bodyPr>
-          <a:lstStyle/>
-          <a:p>
-            <a:r>
-              <a:rPr lang="en-US" b="1" dirty="0" smtClean="0">
-                <a:solidFill>
-                  <a:srgbClr val="C00000"/>
-                </a:solidFill>
-              </a:rPr>
-              <a:t>Benefits of an ERP</a:t>
-            </a:r>
-            <a:endParaRPr lang="ar-EG" dirty="0"/>
-          </a:p>
-        </p:txBody>
-      </p:sp>
-      <p:sp>
-        <p:nvSpPr>
-          <p:cNvPr id="7" name="TextBox 6"/>
-          <p:cNvSpPr txBox="1"/>
-          <p:nvPr/>
-        </p:nvSpPr>
-        <p:spPr>
-          <a:xfrm>
-            <a:off x="650549" y="2537310"/>
-            <a:ext cx="6055052" cy="2554545"/>
-          </a:xfrm>
-          <a:prstGeom prst="rect">
-            <a:avLst/>
-          </a:prstGeom>
-          <a:noFill/>
-        </p:spPr>
-        <p:txBody>
-          <a:bodyPr wrap="square" rtlCol="1">
-            <a:spAutoFit/>
-          </a:bodyPr>
-          <a:lstStyle/>
-          <a:p>
-            <a:pPr marL="285750" indent="-285750">
-              <a:buFont typeface="Wingdings" panose="05000000000000000000" pitchFamily="2" charset="2"/>
-              <a:buChar char="q"/>
-            </a:pPr>
-            <a:r>
-              <a:rPr lang="en-US" sz="1600" b="1" dirty="0" smtClean="0"/>
-              <a:t>Efficiency:</a:t>
-            </a:r>
-            <a:r>
-              <a:rPr lang="en-US" sz="1600" dirty="0" smtClean="0"/>
-              <a:t> No more re-typing data from one system into another.</a:t>
-            </a:r>
-          </a:p>
-          <a:p>
-            <a:pPr marL="285750" indent="-285750">
-              <a:buFont typeface="Wingdings" panose="05000000000000000000" pitchFamily="2" charset="2"/>
-              <a:buChar char="q"/>
-            </a:pPr>
-            <a:endParaRPr lang="en-US" sz="1600" dirty="0" smtClean="0"/>
-          </a:p>
-          <a:p>
-            <a:pPr marL="285750" indent="-285750">
-              <a:buFont typeface="Wingdings" panose="05000000000000000000" pitchFamily="2" charset="2"/>
-              <a:buChar char="q"/>
-            </a:pPr>
-            <a:r>
-              <a:rPr lang="en-US" sz="1600" b="1" dirty="0" smtClean="0"/>
-              <a:t>Accuracy:</a:t>
-            </a:r>
-            <a:r>
-              <a:rPr lang="en-US" sz="1600" dirty="0" smtClean="0"/>
-              <a:t> Reduces errors by having one source for all data.</a:t>
-            </a:r>
-          </a:p>
-          <a:p>
-            <a:pPr marL="285750" indent="-285750">
-              <a:buFont typeface="Wingdings" panose="05000000000000000000" pitchFamily="2" charset="2"/>
-              <a:buChar char="q"/>
-            </a:pPr>
-            <a:endParaRPr lang="en-US" sz="1600" dirty="0" smtClean="0"/>
-          </a:p>
-          <a:p>
-            <a:pPr marL="285750" indent="-285750">
-              <a:buFont typeface="Wingdings" panose="05000000000000000000" pitchFamily="2" charset="2"/>
-              <a:buChar char="q"/>
-            </a:pPr>
-            <a:r>
-              <a:rPr lang="en-US" sz="1600" b="1" dirty="0" smtClean="0"/>
-              <a:t>Better Reporting:</a:t>
-            </a:r>
-            <a:r>
-              <a:rPr lang="en-US" sz="1600" dirty="0" smtClean="0"/>
-              <a:t> Managers can see a complete picture of the business in one place.</a:t>
-            </a:r>
-          </a:p>
-          <a:p>
-            <a:pPr marL="285750" indent="-285750">
-              <a:buFont typeface="Wingdings" panose="05000000000000000000" pitchFamily="2" charset="2"/>
-              <a:buChar char="q"/>
-            </a:pPr>
-            <a:endParaRPr lang="en-US" sz="1600" dirty="0" smtClean="0"/>
-          </a:p>
-          <a:p>
-            <a:pPr marL="285750" indent="-285750">
-              <a:buFont typeface="Wingdings" panose="05000000000000000000" pitchFamily="2" charset="2"/>
-              <a:buChar char="q"/>
-            </a:pPr>
-            <a:r>
-              <a:rPr lang="en-US" sz="1600" b="1" dirty="0" smtClean="0"/>
-              <a:t>Consistency:</a:t>
-            </a:r>
-            <a:r>
-              <a:rPr lang="en-US" sz="1600" dirty="0" smtClean="0"/>
-              <a:t> A customer gets the same information no matter which department they talk to.</a:t>
-            </a:r>
-            <a:endParaRPr lang="en-US" sz="1600" dirty="0"/>
-          </a:p>
-        </p:txBody>
-      </p:sp>
-      <p:grpSp>
-        <p:nvGrpSpPr>
-          <p:cNvPr id="12" name="Group 11"/>
-          <p:cNvGrpSpPr/>
-          <p:nvPr/>
-        </p:nvGrpSpPr>
-        <p:grpSpPr>
-          <a:xfrm>
-            <a:off x="6858000" y="1905000"/>
-            <a:ext cx="5158314" cy="4191000"/>
-            <a:chOff x="6858000" y="1905000"/>
-            <a:chExt cx="5158314" cy="4191000"/>
-          </a:xfrm>
-        </p:grpSpPr>
-        <p:pic>
-          <p:nvPicPr>
-            <p:cNvPr id="10" name="Picture 9"/>
-            <p:cNvPicPr>
-              <a:picLocks noChangeAspect="1"/>
-            </p:cNvPicPr>
-            <p:nvPr/>
-          </p:nvPicPr>
-          <p:blipFill rotWithShape="1">
-            <a:blip r:embed="rId3">
-              <a:extLst>
-                <a:ext uri="{28A0092B-C50C-407E-A947-70E740481C1C}">
-                  <a14:useLocalDpi xmlns:a14="http://schemas.microsoft.com/office/drawing/2010/main" val="0"/>
-                </a:ext>
-              </a:extLst>
-            </a:blip>
-            <a:srcRect l="15001" r="13749"/>
-            <a:stretch/>
-          </p:blipFill>
-          <p:spPr>
-            <a:xfrm>
-              <a:off x="6934199" y="2083804"/>
-              <a:ext cx="5082115" cy="4012196"/>
-            </a:xfrm>
-            <a:prstGeom prst="rect">
-              <a:avLst/>
-            </a:prstGeom>
-          </p:spPr>
-        </p:pic>
-        <p:sp>
-          <p:nvSpPr>
-            <p:cNvPr id="11" name="Rectangle 10"/>
-            <p:cNvSpPr/>
-            <p:nvPr/>
-          </p:nvSpPr>
-          <p:spPr>
-            <a:xfrm>
-              <a:off x="6858000" y="1905000"/>
-              <a:ext cx="914400" cy="838200"/>
-            </a:xfrm>
-            <a:prstGeom prst="rect">
-              <a:avLst/>
-            </a:prstGeom>
-            <a:ln>
-              <a:noFill/>
-            </a:ln>
-          </p:spPr>
-          <p:style>
-            <a:lnRef idx="2">
-              <a:schemeClr val="dk1"/>
-            </a:lnRef>
-            <a:fillRef idx="1">
-              <a:schemeClr val="lt1"/>
-            </a:fillRef>
-            <a:effectRef idx="0">
-              <a:schemeClr val="dk1"/>
-            </a:effectRef>
-            <a:fontRef idx="minor">
-              <a:schemeClr val="dk1"/>
-            </a:fontRef>
-          </p:style>
-          <p:txBody>
-            <a:bodyPr rtlCol="1" anchor="ctr"/>
-            <a:lstStyle/>
-            <a:p>
-              <a:pPr algn="ctr"/>
-              <a:endParaRPr lang="ar-EG"/>
-            </a:p>
-          </p:txBody>
-        </p:sp>
-      </p:grpSp>
-    </p:spTree>
-    <p:extLst>
-      <p:ext uri="{BB962C8B-B14F-4D97-AF65-F5344CB8AC3E}">
-        <p14:creationId xmlns:p14="http://schemas.microsoft.com/office/powerpoint/2010/main" val="1319013298"/>
       </p:ext>
     </p:extLst>
   </p:cSld>
